--- a/lect-5/anova.pptx
+++ b/lect-5/anova.pptx
@@ -2,7 +2,7 @@
 <file path=ppt/presentation.xml><?xml version="1.0" encoding="utf-8"?>
 <p:presentation xmlns:a="http://schemas.openxmlformats.org/drawingml/2006/main" xmlns:r="http://schemas.openxmlformats.org/officeDocument/2006/relationships" xmlns:p="http://schemas.openxmlformats.org/presentationml/2006/main" saveSubsetFonts="1">
   <p:sldMasterIdLst>
-    <p:sldMasterId id="2147483648" r:id="rId1"/>
+    <p:sldMasterId id="2147483660" r:id="rId1"/>
   </p:sldMasterIdLst>
   <p:sldIdLst>
     <p:sldId id="256" r:id="rId2"/>
@@ -41,6 +41,10 @@
     <p:sldId id="291" r:id="rId35"/>
     <p:sldId id="292" r:id="rId36"/>
     <p:sldId id="293" r:id="rId37"/>
+    <p:sldId id="294" r:id="rId38"/>
+    <p:sldId id="295" r:id="rId39"/>
+    <p:sldId id="296" r:id="rId40"/>
+    <p:sldId id="297" r:id="rId41"/>
   </p:sldIdLst>
   <p:sldSz cx="12192000" cy="6858000"/>
   <p:notesSz cx="6858000" cy="9144000"/>
@@ -148,8 +152,16 @@
 </file>
 
 <file path=ppt/slideLayouts/slideLayout1.xml><?xml version="1.0" encoding="utf-8"?>
-<p:sldLayout xmlns:a="http://schemas.openxmlformats.org/drawingml/2006/main" xmlns:r="http://schemas.openxmlformats.org/officeDocument/2006/relationships" xmlns:p="http://schemas.openxmlformats.org/presentationml/2006/main" type="title" preserve="1">
+<p:sldLayout xmlns:a="http://schemas.openxmlformats.org/drawingml/2006/main" xmlns:r="http://schemas.openxmlformats.org/officeDocument/2006/relationships" xmlns:p="http://schemas.openxmlformats.org/presentationml/2006/main" showMasterSp="0" type="title" preserve="1">
   <p:cSld name="标题幻灯片">
+    <p:bg>
+      <p:bgPr>
+        <a:solidFill>
+          <a:schemeClr val="bg2"/>
+        </a:solidFill>
+        <a:effectLst/>
+      </p:bgPr>
+    </p:bg>
     <p:spTree>
       <p:nvGrpSpPr>
         <p:cNvPr id="1" name=""/>
@@ -166,7 +178,7 @@
       </p:grpSpPr>
       <p:sp>
         <p:nvSpPr>
-          <p:cNvPr id="2" name="标题 1"/>
+          <p:cNvPr id="2" name="Title 1"/>
           <p:cNvSpPr>
             <a:spLocks noGrp="1"/>
           </p:cNvSpPr>
@@ -176,15 +188,21 @@
         </p:nvSpPr>
         <p:spPr>
           <a:xfrm>
-            <a:off x="1524000" y="1122363"/>
-            <a:ext cx="9144000" cy="2387600"/>
+            <a:off x="1915128" y="1788454"/>
+            <a:ext cx="8361229" cy="2098226"/>
           </a:xfrm>
         </p:spPr>
         <p:txBody>
-          <a:bodyPr anchor="b"/>
+          <a:bodyPr anchor="b">
+            <a:noAutofit/>
+          </a:bodyPr>
           <a:lstStyle>
             <a:lvl1pPr algn="ctr">
-              <a:defRPr sz="6000"/>
+              <a:defRPr sz="7200" cap="all" baseline="0">
+                <a:solidFill>
+                  <a:schemeClr val="tx2"/>
+                </a:solidFill>
+              </a:defRPr>
             </a:lvl1pPr>
           </a:lstStyle>
           <a:p>
@@ -192,13 +210,13 @@
               <a:rPr lang="zh-CN" altLang="en-US" smtClean="0"/>
               <a:t>单击此处编辑母版标题样式</a:t>
             </a:r>
-            <a:endParaRPr lang="zh-CN" altLang="en-US"/>
+            <a:endParaRPr lang="en-US" dirty="0"/>
           </a:p>
         </p:txBody>
       </p:sp>
       <p:sp>
         <p:nvSpPr>
-          <p:cNvPr id="3" name="副标题 2"/>
+          <p:cNvPr id="3" name="Subtitle 2"/>
           <p:cNvSpPr>
             <a:spLocks noGrp="1"/>
           </p:cNvSpPr>
@@ -208,16 +226,27 @@
         </p:nvSpPr>
         <p:spPr>
           <a:xfrm>
-            <a:off x="1524000" y="3602038"/>
-            <a:ext cx="9144000" cy="1655762"/>
+            <a:off x="2679906" y="3956279"/>
+            <a:ext cx="6831673" cy="1086237"/>
           </a:xfrm>
         </p:spPr>
         <p:txBody>
-          <a:bodyPr/>
+          <a:bodyPr>
+            <a:normAutofit/>
+          </a:bodyPr>
           <a:lstStyle>
             <a:lvl1pPr marL="0" indent="0" algn="ctr">
+              <a:lnSpc>
+                <a:spcPct val="112000"/>
+              </a:lnSpc>
+              <a:spcBef>
+                <a:spcPts val="0"/>
+              </a:spcBef>
+              <a:spcAft>
+                <a:spcPts val="0"/>
+              </a:spcAft>
               <a:buNone/>
-              <a:defRPr sz="2400"/>
+              <a:defRPr sz="2300"/>
             </a:lvl1pPr>
             <a:lvl2pPr marL="457200" indent="0" algn="ctr">
               <a:buNone/>
@@ -257,13 +286,356 @@
               <a:rPr lang="zh-CN" altLang="en-US" smtClean="0"/>
               <a:t>单击此处编辑母版副标题样式</a:t>
             </a:r>
+            <a:endParaRPr lang="en-US" dirty="0"/>
+          </a:p>
+        </p:txBody>
+      </p:sp>
+      <p:sp>
+        <p:nvSpPr>
+          <p:cNvPr id="4" name="Date Placeholder 3"/>
+          <p:cNvSpPr>
+            <a:spLocks noGrp="1"/>
+          </p:cNvSpPr>
+          <p:nvPr>
+            <p:ph type="dt" sz="half" idx="10"/>
+          </p:nvPr>
+        </p:nvSpPr>
+        <p:spPr>
+          <a:xfrm>
+            <a:off x="752858" y="6453386"/>
+            <a:ext cx="1607944" cy="404614"/>
+          </a:xfrm>
+        </p:spPr>
+        <p:txBody>
+          <a:bodyPr/>
+          <a:lstStyle>
+            <a:lvl1pPr>
+              <a:defRPr baseline="0">
+                <a:solidFill>
+                  <a:schemeClr val="tx2"/>
+                </a:solidFill>
+              </a:defRPr>
+            </a:lvl1pPr>
+          </a:lstStyle>
+          <a:p>
+            <a:fld id="{6DA64518-D73A-4D8C-B96A-E5E8C7740B70}" type="datetimeFigureOut">
+              <a:rPr lang="zh-CN" altLang="en-US" smtClean="0"/>
+              <a:t>2019-3-14</a:t>
+            </a:fld>
             <a:endParaRPr lang="zh-CN" altLang="en-US"/>
           </a:p>
         </p:txBody>
       </p:sp>
       <p:sp>
         <p:nvSpPr>
-          <p:cNvPr id="4" name="日期占位符 3"/>
+          <p:cNvPr id="5" name="Footer Placeholder 4"/>
+          <p:cNvSpPr>
+            <a:spLocks noGrp="1"/>
+          </p:cNvSpPr>
+          <p:nvPr>
+            <p:ph type="ftr" sz="quarter" idx="11"/>
+          </p:nvPr>
+        </p:nvSpPr>
+        <p:spPr>
+          <a:xfrm>
+            <a:off x="2584054" y="6453386"/>
+            <a:ext cx="7023377" cy="404614"/>
+          </a:xfrm>
+        </p:spPr>
+        <p:txBody>
+          <a:bodyPr/>
+          <a:lstStyle>
+            <a:lvl1pPr algn="ctr">
+              <a:defRPr baseline="0">
+                <a:solidFill>
+                  <a:schemeClr val="tx2"/>
+                </a:solidFill>
+              </a:defRPr>
+            </a:lvl1pPr>
+          </a:lstStyle>
+          <a:p>
+            <a:endParaRPr lang="zh-CN" altLang="en-US"/>
+          </a:p>
+        </p:txBody>
+      </p:sp>
+      <p:sp>
+        <p:nvSpPr>
+          <p:cNvPr id="6" name="Slide Number Placeholder 5"/>
+          <p:cNvSpPr>
+            <a:spLocks noGrp="1"/>
+          </p:cNvSpPr>
+          <p:nvPr>
+            <p:ph type="sldNum" sz="quarter" idx="12"/>
+          </p:nvPr>
+        </p:nvSpPr>
+        <p:spPr>
+          <a:xfrm>
+            <a:off x="9830683" y="6453386"/>
+            <a:ext cx="1596292" cy="404614"/>
+          </a:xfrm>
+        </p:spPr>
+        <p:txBody>
+          <a:bodyPr/>
+          <a:lstStyle>
+            <a:lvl1pPr>
+              <a:defRPr baseline="0">
+                <a:solidFill>
+                  <a:schemeClr val="tx2"/>
+                </a:solidFill>
+              </a:defRPr>
+            </a:lvl1pPr>
+          </a:lstStyle>
+          <a:p>
+            <a:fld id="{6A03DA62-4045-4DE9-8794-918BF31E3139}" type="slidenum">
+              <a:rPr lang="zh-CN" altLang="en-US" smtClean="0"/>
+              <a:t>‹#›</a:t>
+            </a:fld>
+            <a:endParaRPr lang="zh-CN" altLang="en-US"/>
+          </a:p>
+        </p:txBody>
+      </p:sp>
+      <p:grpSp>
+        <p:nvGrpSpPr>
+          <p:cNvPr id="7" name="Group 6"/>
+          <p:cNvGrpSpPr/>
+          <p:nvPr/>
+        </p:nvGrpSpPr>
+        <p:grpSpPr>
+          <a:xfrm>
+            <a:off x="752858" y="744469"/>
+            <a:ext cx="10674117" cy="5349671"/>
+            <a:chOff x="752858" y="744469"/>
+            <a:chExt cx="10674117" cy="5349671"/>
+          </a:xfrm>
+        </p:grpSpPr>
+        <p:sp>
+          <p:nvSpPr>
+            <p:cNvPr id="11" name="Freeform 6"/>
+            <p:cNvSpPr/>
+            <p:nvPr/>
+          </p:nvSpPr>
+          <p:spPr bwMode="auto">
+            <a:xfrm>
+              <a:off x="8151962" y="1685652"/>
+              <a:ext cx="3275013" cy="4408488"/>
+            </a:xfrm>
+            <a:custGeom>
+              <a:avLst/>
+              <a:gdLst/>
+              <a:ahLst/>
+              <a:cxnLst/>
+              <a:rect l="l" t="t" r="r" b="b"/>
+              <a:pathLst>
+                <a:path w="10000" h="10000">
+                  <a:moveTo>
+                    <a:pt x="8761" y="0"/>
+                  </a:moveTo>
+                  <a:lnTo>
+                    <a:pt x="10000" y="0"/>
+                  </a:lnTo>
+                  <a:lnTo>
+                    <a:pt x="10000" y="10000"/>
+                  </a:lnTo>
+                  <a:lnTo>
+                    <a:pt x="0" y="10000"/>
+                  </a:lnTo>
+                  <a:lnTo>
+                    <a:pt x="0" y="9126"/>
+                  </a:lnTo>
+                  <a:lnTo>
+                    <a:pt x="8761" y="9127"/>
+                  </a:lnTo>
+                  <a:lnTo>
+                    <a:pt x="8761" y="0"/>
+                  </a:lnTo>
+                  <a:close/>
+                </a:path>
+              </a:pathLst>
+            </a:custGeom>
+            <a:solidFill>
+              <a:schemeClr val="tx2"/>
+            </a:solidFill>
+            <a:ln w="0">
+              <a:noFill/>
+              <a:prstDash val="solid"/>
+              <a:round/>
+              <a:headEnd/>
+              <a:tailEnd/>
+            </a:ln>
+          </p:spPr>
+        </p:sp>
+        <p:sp>
+          <p:nvSpPr>
+            <p:cNvPr id="14" name="Freeform 6"/>
+            <p:cNvSpPr/>
+            <p:nvPr/>
+          </p:nvSpPr>
+          <p:spPr bwMode="auto">
+            <a:xfrm flipH="1" flipV="1">
+              <a:off x="752858" y="744469"/>
+              <a:ext cx="3275668" cy="4408488"/>
+            </a:xfrm>
+            <a:custGeom>
+              <a:avLst/>
+              <a:gdLst/>
+              <a:ahLst/>
+              <a:cxnLst/>
+              <a:rect l="l" t="t" r="r" b="b"/>
+              <a:pathLst>
+                <a:path w="10002" h="10000">
+                  <a:moveTo>
+                    <a:pt x="8763" y="0"/>
+                  </a:moveTo>
+                  <a:lnTo>
+                    <a:pt x="10002" y="0"/>
+                  </a:lnTo>
+                  <a:lnTo>
+                    <a:pt x="10002" y="10000"/>
+                  </a:lnTo>
+                  <a:lnTo>
+                    <a:pt x="2" y="10000"/>
+                  </a:lnTo>
+                  <a:cubicBezTo>
+                    <a:pt x="-2" y="9698"/>
+                    <a:pt x="4" y="9427"/>
+                    <a:pt x="0" y="9125"/>
+                  </a:cubicBezTo>
+                  <a:lnTo>
+                    <a:pt x="8763" y="9128"/>
+                  </a:lnTo>
+                  <a:lnTo>
+                    <a:pt x="8763" y="0"/>
+                  </a:lnTo>
+                  <a:close/>
+                </a:path>
+              </a:pathLst>
+            </a:custGeom>
+            <a:solidFill>
+              <a:schemeClr val="tx2"/>
+            </a:solidFill>
+            <a:ln w="0">
+              <a:noFill/>
+              <a:prstDash val="solid"/>
+              <a:round/>
+              <a:headEnd/>
+              <a:tailEnd/>
+            </a:ln>
+          </p:spPr>
+        </p:sp>
+      </p:grpSp>
+    </p:spTree>
+    <p:extLst>
+      <p:ext uri="{BB962C8B-B14F-4D97-AF65-F5344CB8AC3E}">
+        <p14:creationId xmlns:p14="http://schemas.microsoft.com/office/powerpoint/2010/main" val="600782029"/>
+      </p:ext>
+    </p:extLst>
+  </p:cSld>
+  <p:clrMapOvr>
+    <a:overrideClrMapping bg1="lt1" tx1="dk1" bg2="lt2" tx2="dk2" accent1="accent1" accent2="accent2" accent3="accent3" accent4="accent4" accent5="accent5" accent6="accent6" hlink="hlink" folHlink="folHlink"/>
+  </p:clrMapOvr>
+</p:sldLayout>
+</file>
+
+<file path=ppt/slideLayouts/slideLayout10.xml><?xml version="1.0" encoding="utf-8"?>
+<p:sldLayout xmlns:a="http://schemas.openxmlformats.org/drawingml/2006/main" xmlns:r="http://schemas.openxmlformats.org/officeDocument/2006/relationships" xmlns:p="http://schemas.openxmlformats.org/presentationml/2006/main" type="vertTx" preserve="1">
+  <p:cSld name="标题和竖排文本">
+    <p:spTree>
+      <p:nvGrpSpPr>
+        <p:cNvPr id="1" name=""/>
+        <p:cNvGrpSpPr/>
+        <p:nvPr/>
+      </p:nvGrpSpPr>
+      <p:grpSpPr>
+        <a:xfrm>
+          <a:off x="0" y="0"/>
+          <a:ext cx="0" cy="0"/>
+          <a:chOff x="0" y="0"/>
+          <a:chExt cx="0" cy="0"/>
+        </a:xfrm>
+      </p:grpSpPr>
+      <p:sp>
+        <p:nvSpPr>
+          <p:cNvPr id="2" name="Title 1"/>
+          <p:cNvSpPr>
+            <a:spLocks noGrp="1"/>
+          </p:cNvSpPr>
+          <p:nvPr>
+            <p:ph type="title"/>
+          </p:nvPr>
+        </p:nvSpPr>
+        <p:spPr/>
+        <p:txBody>
+          <a:bodyPr/>
+          <a:lstStyle/>
+          <a:p>
+            <a:r>
+              <a:rPr lang="zh-CN" altLang="en-US" smtClean="0"/>
+              <a:t>单击此处编辑母版标题样式</a:t>
+            </a:r>
+            <a:endParaRPr lang="en-US" dirty="0"/>
+          </a:p>
+        </p:txBody>
+      </p:sp>
+      <p:sp>
+        <p:nvSpPr>
+          <p:cNvPr id="3" name="Vertical Text Placeholder 2"/>
+          <p:cNvSpPr>
+            <a:spLocks noGrp="1"/>
+          </p:cNvSpPr>
+          <p:nvPr>
+            <p:ph type="body" orient="vert" idx="1"/>
+          </p:nvPr>
+        </p:nvSpPr>
+        <p:spPr>
+          <a:xfrm>
+            <a:off x="1371600" y="2295525"/>
+            <a:ext cx="9601200" cy="3571875"/>
+          </a:xfrm>
+        </p:spPr>
+        <p:txBody>
+          <a:bodyPr vert="eaVert"/>
+          <a:lstStyle/>
+          <a:p>
+            <a:pPr lvl="0"/>
+            <a:r>
+              <a:rPr lang="zh-CN" altLang="en-US" smtClean="0"/>
+              <a:t>单击此处编辑母版文本样式</a:t>
+            </a:r>
+          </a:p>
+          <a:p>
+            <a:pPr lvl="1"/>
+            <a:r>
+              <a:rPr lang="zh-CN" altLang="en-US" smtClean="0"/>
+              <a:t>第二级</a:t>
+            </a:r>
+          </a:p>
+          <a:p>
+            <a:pPr lvl="2"/>
+            <a:r>
+              <a:rPr lang="zh-CN" altLang="en-US" smtClean="0"/>
+              <a:t>第三级</a:t>
+            </a:r>
+          </a:p>
+          <a:p>
+            <a:pPr lvl="3"/>
+            <a:r>
+              <a:rPr lang="zh-CN" altLang="en-US" smtClean="0"/>
+              <a:t>第四级</a:t>
+            </a:r>
+          </a:p>
+          <a:p>
+            <a:pPr lvl="4"/>
+            <a:r>
+              <a:rPr lang="zh-CN" altLang="en-US" smtClean="0"/>
+              <a:t>第五级</a:t>
+            </a:r>
+            <a:endParaRPr lang="en-US" dirty="0"/>
+          </a:p>
+        </p:txBody>
+      </p:sp>
+      <p:sp>
+        <p:nvSpPr>
+          <p:cNvPr id="4" name="Date Placeholder 3"/>
           <p:cNvSpPr>
             <a:spLocks noGrp="1"/>
           </p:cNvSpPr>
@@ -278,7 +650,7 @@
           <a:p>
             <a:fld id="{6DA64518-D73A-4D8C-B96A-E5E8C7740B70}" type="datetimeFigureOut">
               <a:rPr lang="zh-CN" altLang="en-US" smtClean="0"/>
-              <a:t>2019/3/13</a:t>
+              <a:t>2019-3-14</a:t>
             </a:fld>
             <a:endParaRPr lang="zh-CN" altLang="en-US"/>
           </a:p>
@@ -286,7 +658,7 @@
       </p:sp>
       <p:sp>
         <p:nvSpPr>
-          <p:cNvPr id="5" name="页脚占位符 4"/>
+          <p:cNvPr id="5" name="Footer Placeholder 4"/>
           <p:cNvSpPr>
             <a:spLocks noGrp="1"/>
           </p:cNvSpPr>
@@ -305,7 +677,7 @@
       </p:sp>
       <p:sp>
         <p:nvSpPr>
-          <p:cNvPr id="6" name="灯片编号占位符 5"/>
+          <p:cNvPr id="6" name="Slide Number Placeholder 5"/>
           <p:cNvSpPr>
             <a:spLocks noGrp="1"/>
           </p:cNvSpPr>
@@ -329,7 +701,7 @@
     </p:spTree>
     <p:extLst>
       <p:ext uri="{BB962C8B-B14F-4D97-AF65-F5344CB8AC3E}">
-        <p14:creationId xmlns:p14="http://schemas.microsoft.com/office/powerpoint/2010/main" val="80402754"/>
+        <p14:creationId xmlns:p14="http://schemas.microsoft.com/office/powerpoint/2010/main" val="349235678"/>
       </p:ext>
     </p:extLst>
   </p:cSld>
@@ -339,9 +711,9 @@
 </p:sldLayout>
 </file>
 
-<file path=ppt/slideLayouts/slideLayout10.xml><?xml version="1.0" encoding="utf-8"?>
-<p:sldLayout xmlns:a="http://schemas.openxmlformats.org/drawingml/2006/main" xmlns:r="http://schemas.openxmlformats.org/officeDocument/2006/relationships" xmlns:p="http://schemas.openxmlformats.org/presentationml/2006/main" type="vertTx" preserve="1">
-  <p:cSld name="标题和竖排文字">
+<file path=ppt/slideLayouts/slideLayout11.xml><?xml version="1.0" encoding="utf-8"?>
+<p:sldLayout xmlns:a="http://schemas.openxmlformats.org/drawingml/2006/main" xmlns:r="http://schemas.openxmlformats.org/officeDocument/2006/relationships" xmlns:p="http://schemas.openxmlformats.org/presentationml/2006/main" type="vertTitleAndTx" preserve="1">
+  <p:cSld name="竖排标题和文本">
     <p:spTree>
       <p:nvGrpSpPr>
         <p:cNvPr id="1" name=""/>
@@ -358,30 +730,35 @@
       </p:grpSpPr>
       <p:sp>
         <p:nvSpPr>
-          <p:cNvPr id="2" name="标题 1"/>
+          <p:cNvPr id="2" name="Vertical Title 1"/>
           <p:cNvSpPr>
             <a:spLocks noGrp="1"/>
           </p:cNvSpPr>
           <p:nvPr>
-            <p:ph type="title"/>
+            <p:ph type="title" orient="vert"/>
           </p:nvPr>
         </p:nvSpPr>
-        <p:spPr/>
+        <p:spPr>
+          <a:xfrm>
+            <a:off x="9596561" y="624156"/>
+            <a:ext cx="1565766" cy="5243244"/>
+          </a:xfrm>
+        </p:spPr>
         <p:txBody>
-          <a:bodyPr/>
+          <a:bodyPr vert="eaVert"/>
           <a:lstStyle/>
           <a:p>
             <a:r>
               <a:rPr lang="zh-CN" altLang="en-US" smtClean="0"/>
               <a:t>单击此处编辑母版标题样式</a:t>
             </a:r>
-            <a:endParaRPr lang="zh-CN" altLang="en-US"/>
+            <a:endParaRPr lang="en-US" dirty="0"/>
           </a:p>
         </p:txBody>
       </p:sp>
       <p:sp>
         <p:nvSpPr>
-          <p:cNvPr id="3" name="竖排文字占位符 2"/>
+          <p:cNvPr id="3" name="Vertical Text Placeholder 2"/>
           <p:cNvSpPr>
             <a:spLocks noGrp="1"/>
           </p:cNvSpPr>
@@ -389,7 +766,12 @@
             <p:ph type="body" orient="vert" idx="1"/>
           </p:nvPr>
         </p:nvSpPr>
-        <p:spPr/>
+        <p:spPr>
+          <a:xfrm>
+            <a:off x="1371600" y="624156"/>
+            <a:ext cx="8179641" cy="5243244"/>
+          </a:xfrm>
+        </p:spPr>
         <p:txBody>
           <a:bodyPr vert="eaVert"/>
           <a:lstStyle/>
@@ -427,13 +809,13 @@
               <a:rPr lang="zh-CN" altLang="en-US" smtClean="0"/>
               <a:t>第五级</a:t>
             </a:r>
-            <a:endParaRPr lang="zh-CN" altLang="en-US"/>
+            <a:endParaRPr lang="en-US" dirty="0"/>
           </a:p>
         </p:txBody>
       </p:sp>
       <p:sp>
         <p:nvSpPr>
-          <p:cNvPr id="4" name="日期占位符 3"/>
+          <p:cNvPr id="4" name="Date Placeholder 3"/>
           <p:cNvSpPr>
             <a:spLocks noGrp="1"/>
           </p:cNvSpPr>
@@ -448,7 +830,7 @@
           <a:p>
             <a:fld id="{6DA64518-D73A-4D8C-B96A-E5E8C7740B70}" type="datetimeFigureOut">
               <a:rPr lang="zh-CN" altLang="en-US" smtClean="0"/>
-              <a:t>2019/3/13</a:t>
+              <a:t>2019-3-14</a:t>
             </a:fld>
             <a:endParaRPr lang="zh-CN" altLang="en-US"/>
           </a:p>
@@ -456,7 +838,7 @@
       </p:sp>
       <p:sp>
         <p:nvSpPr>
-          <p:cNvPr id="5" name="页脚占位符 4"/>
+          <p:cNvPr id="5" name="Footer Placeholder 4"/>
           <p:cNvSpPr>
             <a:spLocks noGrp="1"/>
           </p:cNvSpPr>
@@ -475,7 +857,7 @@
       </p:sp>
       <p:sp>
         <p:nvSpPr>
-          <p:cNvPr id="6" name="灯片编号占位符 5"/>
+          <p:cNvPr id="6" name="Slide Number Placeholder 5"/>
           <p:cNvSpPr>
             <a:spLocks noGrp="1"/>
           </p:cNvSpPr>
@@ -499,187 +881,7 @@
     </p:spTree>
     <p:extLst>
       <p:ext uri="{BB962C8B-B14F-4D97-AF65-F5344CB8AC3E}">
-        <p14:creationId xmlns:p14="http://schemas.microsoft.com/office/powerpoint/2010/main" val="608734339"/>
-      </p:ext>
-    </p:extLst>
-  </p:cSld>
-  <p:clrMapOvr>
-    <a:masterClrMapping/>
-  </p:clrMapOvr>
-</p:sldLayout>
-</file>
-
-<file path=ppt/slideLayouts/slideLayout11.xml><?xml version="1.0" encoding="utf-8"?>
-<p:sldLayout xmlns:a="http://schemas.openxmlformats.org/drawingml/2006/main" xmlns:r="http://schemas.openxmlformats.org/officeDocument/2006/relationships" xmlns:p="http://schemas.openxmlformats.org/presentationml/2006/main" type="vertTitleAndTx" preserve="1">
-  <p:cSld name="垂直排列标题与&#10;文本">
-    <p:spTree>
-      <p:nvGrpSpPr>
-        <p:cNvPr id="1" name=""/>
-        <p:cNvGrpSpPr/>
-        <p:nvPr/>
-      </p:nvGrpSpPr>
-      <p:grpSpPr>
-        <a:xfrm>
-          <a:off x="0" y="0"/>
-          <a:ext cx="0" cy="0"/>
-          <a:chOff x="0" y="0"/>
-          <a:chExt cx="0" cy="0"/>
-        </a:xfrm>
-      </p:grpSpPr>
-      <p:sp>
-        <p:nvSpPr>
-          <p:cNvPr id="2" name="竖排标题 1"/>
-          <p:cNvSpPr>
-            <a:spLocks noGrp="1"/>
-          </p:cNvSpPr>
-          <p:nvPr>
-            <p:ph type="title" orient="vert"/>
-          </p:nvPr>
-        </p:nvSpPr>
-        <p:spPr>
-          <a:xfrm>
-            <a:off x="8724900" y="365125"/>
-            <a:ext cx="2628900" cy="5811838"/>
-          </a:xfrm>
-        </p:spPr>
-        <p:txBody>
-          <a:bodyPr vert="eaVert"/>
-          <a:lstStyle/>
-          <a:p>
-            <a:r>
-              <a:rPr lang="zh-CN" altLang="en-US" smtClean="0"/>
-              <a:t>单击此处编辑母版标题样式</a:t>
-            </a:r>
-            <a:endParaRPr lang="zh-CN" altLang="en-US"/>
-          </a:p>
-        </p:txBody>
-      </p:sp>
-      <p:sp>
-        <p:nvSpPr>
-          <p:cNvPr id="3" name="竖排文字占位符 2"/>
-          <p:cNvSpPr>
-            <a:spLocks noGrp="1"/>
-          </p:cNvSpPr>
-          <p:nvPr>
-            <p:ph type="body" orient="vert" idx="1"/>
-          </p:nvPr>
-        </p:nvSpPr>
-        <p:spPr>
-          <a:xfrm>
-            <a:off x="838200" y="365125"/>
-            <a:ext cx="7734300" cy="5811838"/>
-          </a:xfrm>
-        </p:spPr>
-        <p:txBody>
-          <a:bodyPr vert="eaVert"/>
-          <a:lstStyle/>
-          <a:p>
-            <a:pPr lvl="0"/>
-            <a:r>
-              <a:rPr lang="zh-CN" altLang="en-US" smtClean="0"/>
-              <a:t>单击此处编辑母版文本样式</a:t>
-            </a:r>
-          </a:p>
-          <a:p>
-            <a:pPr lvl="1"/>
-            <a:r>
-              <a:rPr lang="zh-CN" altLang="en-US" smtClean="0"/>
-              <a:t>第二级</a:t>
-            </a:r>
-          </a:p>
-          <a:p>
-            <a:pPr lvl="2"/>
-            <a:r>
-              <a:rPr lang="zh-CN" altLang="en-US" smtClean="0"/>
-              <a:t>第三级</a:t>
-            </a:r>
-          </a:p>
-          <a:p>
-            <a:pPr lvl="3"/>
-            <a:r>
-              <a:rPr lang="zh-CN" altLang="en-US" smtClean="0"/>
-              <a:t>第四级</a:t>
-            </a:r>
-          </a:p>
-          <a:p>
-            <a:pPr lvl="4"/>
-            <a:r>
-              <a:rPr lang="zh-CN" altLang="en-US" smtClean="0"/>
-              <a:t>第五级</a:t>
-            </a:r>
-            <a:endParaRPr lang="zh-CN" altLang="en-US"/>
-          </a:p>
-        </p:txBody>
-      </p:sp>
-      <p:sp>
-        <p:nvSpPr>
-          <p:cNvPr id="4" name="日期占位符 3"/>
-          <p:cNvSpPr>
-            <a:spLocks noGrp="1"/>
-          </p:cNvSpPr>
-          <p:nvPr>
-            <p:ph type="dt" sz="half" idx="10"/>
-          </p:nvPr>
-        </p:nvSpPr>
-        <p:spPr/>
-        <p:txBody>
-          <a:bodyPr/>
-          <a:lstStyle/>
-          <a:p>
-            <a:fld id="{6DA64518-D73A-4D8C-B96A-E5E8C7740B70}" type="datetimeFigureOut">
-              <a:rPr lang="zh-CN" altLang="en-US" smtClean="0"/>
-              <a:t>2019/3/13</a:t>
-            </a:fld>
-            <a:endParaRPr lang="zh-CN" altLang="en-US"/>
-          </a:p>
-        </p:txBody>
-      </p:sp>
-      <p:sp>
-        <p:nvSpPr>
-          <p:cNvPr id="5" name="页脚占位符 4"/>
-          <p:cNvSpPr>
-            <a:spLocks noGrp="1"/>
-          </p:cNvSpPr>
-          <p:nvPr>
-            <p:ph type="ftr" sz="quarter" idx="11"/>
-          </p:nvPr>
-        </p:nvSpPr>
-        <p:spPr/>
-        <p:txBody>
-          <a:bodyPr/>
-          <a:lstStyle/>
-          <a:p>
-            <a:endParaRPr lang="zh-CN" altLang="en-US"/>
-          </a:p>
-        </p:txBody>
-      </p:sp>
-      <p:sp>
-        <p:nvSpPr>
-          <p:cNvPr id="6" name="灯片编号占位符 5"/>
-          <p:cNvSpPr>
-            <a:spLocks noGrp="1"/>
-          </p:cNvSpPr>
-          <p:nvPr>
-            <p:ph type="sldNum" sz="quarter" idx="12"/>
-          </p:nvPr>
-        </p:nvSpPr>
-        <p:spPr/>
-        <p:txBody>
-          <a:bodyPr/>
-          <a:lstStyle/>
-          <a:p>
-            <a:fld id="{6A03DA62-4045-4DE9-8794-918BF31E3139}" type="slidenum">
-              <a:rPr lang="zh-CN" altLang="en-US" smtClean="0"/>
-              <a:t>‹#›</a:t>
-            </a:fld>
-            <a:endParaRPr lang="zh-CN" altLang="en-US"/>
-          </a:p>
-        </p:txBody>
-      </p:sp>
-    </p:spTree>
-    <p:extLst>
-      <p:ext uri="{BB962C8B-B14F-4D97-AF65-F5344CB8AC3E}">
-        <p14:creationId xmlns:p14="http://schemas.microsoft.com/office/powerpoint/2010/main" val="2630408828"/>
+        <p14:creationId xmlns:p14="http://schemas.microsoft.com/office/powerpoint/2010/main" val="2277334738"/>
       </p:ext>
     </p:extLst>
   </p:cSld>
@@ -708,7 +910,7 @@
       </p:grpSpPr>
       <p:sp>
         <p:nvSpPr>
-          <p:cNvPr id="2" name="标题 1"/>
+          <p:cNvPr id="2" name="Title 1"/>
           <p:cNvSpPr>
             <a:spLocks noGrp="1"/>
           </p:cNvSpPr>
@@ -716,7 +918,12 @@
             <p:ph type="title"/>
           </p:nvPr>
         </p:nvSpPr>
-        <p:spPr/>
+        <p:spPr>
+          <a:xfrm>
+            <a:off x="1371600" y="214114"/>
+            <a:ext cx="9601200" cy="1485900"/>
+          </a:xfrm>
+        </p:spPr>
         <p:txBody>
           <a:bodyPr/>
           <a:lstStyle/>
@@ -725,13 +932,13 @@
               <a:rPr lang="zh-CN" altLang="en-US" smtClean="0"/>
               <a:t>单击此处编辑母版标题样式</a:t>
             </a:r>
-            <a:endParaRPr lang="zh-CN" altLang="en-US"/>
+            <a:endParaRPr lang="en-US" dirty="0"/>
           </a:p>
         </p:txBody>
       </p:sp>
       <p:sp>
         <p:nvSpPr>
-          <p:cNvPr id="3" name="内容占位符 2"/>
+          <p:cNvPr id="3" name="Content Placeholder 2"/>
           <p:cNvSpPr>
             <a:spLocks noGrp="1"/>
           </p:cNvSpPr>
@@ -739,10 +946,33 @@
             <p:ph idx="1"/>
           </p:nvPr>
         </p:nvSpPr>
-        <p:spPr/>
+        <p:spPr>
+          <a:xfrm>
+            <a:off x="1371600" y="1731086"/>
+            <a:ext cx="9601200" cy="3581400"/>
+          </a:xfrm>
+        </p:spPr>
         <p:txBody>
-          <a:bodyPr/>
-          <a:lstStyle/>
+          <a:bodyPr>
+            <a:normAutofit/>
+          </a:bodyPr>
+          <a:lstStyle>
+            <a:lvl1pPr>
+              <a:defRPr sz="2800"/>
+            </a:lvl1pPr>
+            <a:lvl2pPr>
+              <a:defRPr sz="2800"/>
+            </a:lvl2pPr>
+            <a:lvl3pPr>
+              <a:defRPr sz="2800"/>
+            </a:lvl3pPr>
+            <a:lvl4pPr>
+              <a:defRPr sz="2800"/>
+            </a:lvl4pPr>
+            <a:lvl5pPr>
+              <a:defRPr sz="2800"/>
+            </a:lvl5pPr>
+          </a:lstStyle>
           <a:p>
             <a:pPr lvl="0"/>
             <a:r>
@@ -777,13 +1007,13 @@
               <a:rPr lang="zh-CN" altLang="en-US" smtClean="0"/>
               <a:t>第五级</a:t>
             </a:r>
-            <a:endParaRPr lang="zh-CN" altLang="en-US"/>
+            <a:endParaRPr lang="en-US" dirty="0"/>
           </a:p>
         </p:txBody>
       </p:sp>
       <p:sp>
         <p:nvSpPr>
-          <p:cNvPr id="4" name="日期占位符 3"/>
+          <p:cNvPr id="4" name="Date Placeholder 3"/>
           <p:cNvSpPr>
             <a:spLocks noGrp="1"/>
           </p:cNvSpPr>
@@ -798,7 +1028,7 @@
           <a:p>
             <a:fld id="{6DA64518-D73A-4D8C-B96A-E5E8C7740B70}" type="datetimeFigureOut">
               <a:rPr lang="zh-CN" altLang="en-US" smtClean="0"/>
-              <a:t>2019/3/13</a:t>
+              <a:t>2019-3-14</a:t>
             </a:fld>
             <a:endParaRPr lang="zh-CN" altLang="en-US"/>
           </a:p>
@@ -806,7 +1036,7 @@
       </p:sp>
       <p:sp>
         <p:nvSpPr>
-          <p:cNvPr id="5" name="页脚占位符 4"/>
+          <p:cNvPr id="5" name="Footer Placeholder 4"/>
           <p:cNvSpPr>
             <a:spLocks noGrp="1"/>
           </p:cNvSpPr>
@@ -825,7 +1055,7 @@
       </p:sp>
       <p:sp>
         <p:nvSpPr>
-          <p:cNvPr id="6" name="灯片编号占位符 5"/>
+          <p:cNvPr id="6" name="Slide Number Placeholder 5"/>
           <p:cNvSpPr>
             <a:spLocks noGrp="1"/>
           </p:cNvSpPr>
@@ -849,7 +1079,7 @@
     </p:spTree>
     <p:extLst>
       <p:ext uri="{BB962C8B-B14F-4D97-AF65-F5344CB8AC3E}">
-        <p14:creationId xmlns:p14="http://schemas.microsoft.com/office/powerpoint/2010/main" val="1785844601"/>
+        <p14:creationId xmlns:p14="http://schemas.microsoft.com/office/powerpoint/2010/main" val="3285016466"/>
       </p:ext>
     </p:extLst>
   </p:cSld>
@@ -860,8 +1090,13 @@
 </file>
 
 <file path=ppt/slideLayouts/slideLayout3.xml><?xml version="1.0" encoding="utf-8"?>
-<p:sldLayout xmlns:a="http://schemas.openxmlformats.org/drawingml/2006/main" xmlns:r="http://schemas.openxmlformats.org/officeDocument/2006/relationships" xmlns:p="http://schemas.openxmlformats.org/presentationml/2006/main" type="secHead" preserve="1">
+<p:sldLayout xmlns:a="http://schemas.openxmlformats.org/drawingml/2006/main" xmlns:r="http://schemas.openxmlformats.org/officeDocument/2006/relationships" xmlns:p="http://schemas.openxmlformats.org/presentationml/2006/main" showMasterSp="0" type="secHead" preserve="1">
   <p:cSld name="节标题">
+    <p:bg>
+      <p:bgRef idx="1001">
+        <a:schemeClr val="bg2"/>
+      </p:bgRef>
+    </p:bg>
     <p:spTree>
       <p:nvGrpSpPr>
         <p:cNvPr id="1" name=""/>
@@ -878,7 +1113,7 @@
       </p:grpSpPr>
       <p:sp>
         <p:nvSpPr>
-          <p:cNvPr id="2" name="标题 1"/>
+          <p:cNvPr id="2" name="Title 1"/>
           <p:cNvSpPr>
             <a:spLocks noGrp="1"/>
           </p:cNvSpPr>
@@ -888,15 +1123,21 @@
         </p:nvSpPr>
         <p:spPr>
           <a:xfrm>
-            <a:off x="831850" y="1709738"/>
-            <a:ext cx="10515600" cy="2852737"/>
+            <a:off x="765025" y="1301360"/>
+            <a:ext cx="9612971" cy="2852737"/>
           </a:xfrm>
         </p:spPr>
         <p:txBody>
-          <a:bodyPr anchor="b"/>
+          <a:bodyPr anchor="b">
+            <a:normAutofit/>
+          </a:bodyPr>
           <a:lstStyle>
-            <a:lvl1pPr>
-              <a:defRPr sz="6000"/>
+            <a:lvl1pPr algn="r">
+              <a:defRPr sz="7200" cap="all" baseline="0">
+                <a:solidFill>
+                  <a:schemeClr val="tx2"/>
+                </a:solidFill>
+              </a:defRPr>
             </a:lvl1pPr>
           </a:lstStyle>
           <a:p>
@@ -904,13 +1145,13 @@
               <a:rPr lang="zh-CN" altLang="en-US" smtClean="0"/>
               <a:t>单击此处编辑母版标题样式</a:t>
             </a:r>
-            <a:endParaRPr lang="zh-CN" altLang="en-US"/>
+            <a:endParaRPr lang="en-US" dirty="0"/>
           </a:p>
         </p:txBody>
       </p:sp>
       <p:sp>
         <p:nvSpPr>
-          <p:cNvPr id="3" name="文本占位符 2"/>
+          <p:cNvPr id="3" name="Text Placeholder 2"/>
           <p:cNvSpPr>
             <a:spLocks noGrp="1"/>
           </p:cNvSpPr>
@@ -920,20 +1161,27 @@
         </p:nvSpPr>
         <p:spPr>
           <a:xfrm>
-            <a:off x="831850" y="4589463"/>
-            <a:ext cx="10515600" cy="1500187"/>
+            <a:off x="765025" y="4216328"/>
+            <a:ext cx="9612971" cy="1143324"/>
           </a:xfrm>
         </p:spPr>
         <p:txBody>
           <a:bodyPr/>
           <a:lstStyle>
-            <a:lvl1pPr marL="0" indent="0">
+            <a:lvl1pPr marL="0" indent="0" algn="r">
+              <a:lnSpc>
+                <a:spcPct val="112000"/>
+              </a:lnSpc>
+              <a:spcBef>
+                <a:spcPts val="0"/>
+              </a:spcBef>
+              <a:spcAft>
+                <a:spcPts val="0"/>
+              </a:spcAft>
               <a:buNone/>
               <a:defRPr sz="2400">
                 <a:solidFill>
-                  <a:schemeClr val="tx1">
-                    <a:tint val="75000"/>
-                  </a:schemeClr>
+                  <a:schemeClr val="tx2"/>
                 </a:solidFill>
               </a:defRPr>
             </a:lvl1pPr>
@@ -1029,7 +1277,414 @@
       </p:sp>
       <p:sp>
         <p:nvSpPr>
-          <p:cNvPr id="4" name="日期占位符 3"/>
+          <p:cNvPr id="4" name="Date Placeholder 3"/>
+          <p:cNvSpPr>
+            <a:spLocks noGrp="1"/>
+          </p:cNvSpPr>
+          <p:nvPr>
+            <p:ph type="dt" sz="half" idx="10"/>
+          </p:nvPr>
+        </p:nvSpPr>
+        <p:spPr>
+          <a:xfrm>
+            <a:off x="738908" y="6453386"/>
+            <a:ext cx="1622409" cy="404614"/>
+          </a:xfrm>
+        </p:spPr>
+        <p:txBody>
+          <a:bodyPr/>
+          <a:lstStyle>
+            <a:lvl1pPr>
+              <a:defRPr>
+                <a:solidFill>
+                  <a:schemeClr val="tx2"/>
+                </a:solidFill>
+              </a:defRPr>
+            </a:lvl1pPr>
+          </a:lstStyle>
+          <a:p>
+            <a:fld id="{6DA64518-D73A-4D8C-B96A-E5E8C7740B70}" type="datetimeFigureOut">
+              <a:rPr lang="zh-CN" altLang="en-US" smtClean="0"/>
+              <a:t>2019-3-14</a:t>
+            </a:fld>
+            <a:endParaRPr lang="zh-CN" altLang="en-US"/>
+          </a:p>
+        </p:txBody>
+      </p:sp>
+      <p:sp>
+        <p:nvSpPr>
+          <p:cNvPr id="5" name="Footer Placeholder 4"/>
+          <p:cNvSpPr>
+            <a:spLocks noGrp="1"/>
+          </p:cNvSpPr>
+          <p:nvPr>
+            <p:ph type="ftr" sz="quarter" idx="11"/>
+          </p:nvPr>
+        </p:nvSpPr>
+        <p:spPr>
+          <a:xfrm>
+            <a:off x="2584312" y="6453386"/>
+            <a:ext cx="7023377" cy="404614"/>
+          </a:xfrm>
+        </p:spPr>
+        <p:txBody>
+          <a:bodyPr/>
+          <a:lstStyle>
+            <a:lvl1pPr algn="ctr">
+              <a:defRPr>
+                <a:solidFill>
+                  <a:schemeClr val="tx2"/>
+                </a:solidFill>
+              </a:defRPr>
+            </a:lvl1pPr>
+          </a:lstStyle>
+          <a:p>
+            <a:endParaRPr lang="zh-CN" altLang="en-US"/>
+          </a:p>
+        </p:txBody>
+      </p:sp>
+      <p:sp>
+        <p:nvSpPr>
+          <p:cNvPr id="6" name="Slide Number Placeholder 5"/>
+          <p:cNvSpPr>
+            <a:spLocks noGrp="1"/>
+          </p:cNvSpPr>
+          <p:nvPr>
+            <p:ph type="sldNum" sz="quarter" idx="12"/>
+          </p:nvPr>
+        </p:nvSpPr>
+        <p:spPr>
+          <a:xfrm>
+            <a:off x="9830683" y="6453386"/>
+            <a:ext cx="1596292" cy="404614"/>
+          </a:xfrm>
+        </p:spPr>
+        <p:txBody>
+          <a:bodyPr/>
+          <a:lstStyle>
+            <a:lvl1pPr>
+              <a:defRPr>
+                <a:solidFill>
+                  <a:schemeClr val="tx2"/>
+                </a:solidFill>
+              </a:defRPr>
+            </a:lvl1pPr>
+          </a:lstStyle>
+          <a:p>
+            <a:fld id="{6A03DA62-4045-4DE9-8794-918BF31E3139}" type="slidenum">
+              <a:rPr lang="zh-CN" altLang="en-US" smtClean="0"/>
+              <a:t>‹#›</a:t>
+            </a:fld>
+            <a:endParaRPr lang="zh-CN" altLang="en-US"/>
+          </a:p>
+        </p:txBody>
+      </p:sp>
+      <p:sp>
+        <p:nvSpPr>
+          <p:cNvPr id="7" name="Freeform 6" title="Crop Mark"/>
+          <p:cNvSpPr/>
+          <p:nvPr/>
+        </p:nvSpPr>
+        <p:spPr bwMode="auto">
+          <a:xfrm>
+            <a:off x="8151962" y="1685652"/>
+            <a:ext cx="3275013" cy="4408488"/>
+          </a:xfrm>
+          <a:custGeom>
+            <a:avLst/>
+            <a:gdLst/>
+            <a:ahLst/>
+            <a:cxnLst/>
+            <a:rect l="0" t="0" r="r" b="b"/>
+            <a:pathLst>
+              <a:path w="4125" h="5554">
+                <a:moveTo>
+                  <a:pt x="3614" y="0"/>
+                </a:moveTo>
+                <a:lnTo>
+                  <a:pt x="4125" y="0"/>
+                </a:lnTo>
+                <a:lnTo>
+                  <a:pt x="4125" y="5554"/>
+                </a:lnTo>
+                <a:lnTo>
+                  <a:pt x="0" y="5554"/>
+                </a:lnTo>
+                <a:lnTo>
+                  <a:pt x="0" y="5074"/>
+                </a:lnTo>
+                <a:lnTo>
+                  <a:pt x="3614" y="5074"/>
+                </a:lnTo>
+                <a:lnTo>
+                  <a:pt x="3614" y="0"/>
+                </a:lnTo>
+                <a:close/>
+              </a:path>
+            </a:pathLst>
+          </a:custGeom>
+          <a:solidFill>
+            <a:schemeClr val="tx2"/>
+          </a:solidFill>
+          <a:ln w="0">
+            <a:noFill/>
+            <a:prstDash val="solid"/>
+            <a:round/>
+            <a:headEnd/>
+            <a:tailEnd/>
+          </a:ln>
+        </p:spPr>
+      </p:sp>
+    </p:spTree>
+    <p:extLst>
+      <p:ext uri="{BB962C8B-B14F-4D97-AF65-F5344CB8AC3E}">
+        <p14:creationId xmlns:p14="http://schemas.microsoft.com/office/powerpoint/2010/main" val="3498511387"/>
+      </p:ext>
+    </p:extLst>
+  </p:cSld>
+  <p:clrMapOvr>
+    <a:overrideClrMapping bg1="dk1" tx1="lt1" bg2="dk2" tx2="lt2" accent1="accent1" accent2="accent2" accent3="accent3" accent4="accent4" accent5="accent5" accent6="accent6" hlink="hlink" folHlink="folHlink"/>
+  </p:clrMapOvr>
+</p:sldLayout>
+</file>
+
+<file path=ppt/slideLayouts/slideLayout4.xml><?xml version="1.0" encoding="utf-8"?>
+<p:sldLayout xmlns:a="http://schemas.openxmlformats.org/drawingml/2006/main" xmlns:r="http://schemas.openxmlformats.org/officeDocument/2006/relationships" xmlns:p="http://schemas.openxmlformats.org/presentationml/2006/main" type="twoObj" preserve="1">
+  <p:cSld name="两项内容">
+    <p:spTree>
+      <p:nvGrpSpPr>
+        <p:cNvPr id="1" name=""/>
+        <p:cNvGrpSpPr/>
+        <p:nvPr/>
+      </p:nvGrpSpPr>
+      <p:grpSpPr>
+        <a:xfrm>
+          <a:off x="0" y="0"/>
+          <a:ext cx="0" cy="0"/>
+          <a:chOff x="0" y="0"/>
+          <a:chExt cx="0" cy="0"/>
+        </a:xfrm>
+      </p:grpSpPr>
+      <p:sp>
+        <p:nvSpPr>
+          <p:cNvPr id="2" name="Title 1"/>
+          <p:cNvSpPr>
+            <a:spLocks noGrp="1"/>
+          </p:cNvSpPr>
+          <p:nvPr>
+            <p:ph type="title"/>
+          </p:nvPr>
+        </p:nvSpPr>
+        <p:spPr/>
+        <p:txBody>
+          <a:bodyPr/>
+          <a:lstStyle>
+            <a:lvl1pPr>
+              <a:defRPr>
+                <a:solidFill>
+                  <a:schemeClr val="tx2"/>
+                </a:solidFill>
+              </a:defRPr>
+            </a:lvl1pPr>
+          </a:lstStyle>
+          <a:p>
+            <a:r>
+              <a:rPr lang="zh-CN" altLang="en-US" smtClean="0"/>
+              <a:t>单击此处编辑母版标题样式</a:t>
+            </a:r>
+            <a:endParaRPr lang="en-US" dirty="0"/>
+          </a:p>
+        </p:txBody>
+      </p:sp>
+      <p:sp>
+        <p:nvSpPr>
+          <p:cNvPr id="3" name="Content Placeholder 2"/>
+          <p:cNvSpPr>
+            <a:spLocks noGrp="1"/>
+          </p:cNvSpPr>
+          <p:nvPr>
+            <p:ph sz="half" idx="1"/>
+          </p:nvPr>
+        </p:nvSpPr>
+        <p:spPr>
+          <a:xfrm>
+            <a:off x="1371600" y="2285999"/>
+            <a:ext cx="4447786" cy="3581401"/>
+          </a:xfrm>
+        </p:spPr>
+        <p:txBody>
+          <a:bodyPr/>
+          <a:lstStyle>
+            <a:lvl1pPr>
+              <a:defRPr baseline="0">
+                <a:solidFill>
+                  <a:schemeClr val="tx2"/>
+                </a:solidFill>
+              </a:defRPr>
+            </a:lvl1pPr>
+            <a:lvl2pPr>
+              <a:defRPr baseline="0">
+                <a:solidFill>
+                  <a:schemeClr val="tx2"/>
+                </a:solidFill>
+              </a:defRPr>
+            </a:lvl2pPr>
+            <a:lvl3pPr>
+              <a:defRPr baseline="0">
+                <a:solidFill>
+                  <a:schemeClr val="tx2"/>
+                </a:solidFill>
+              </a:defRPr>
+            </a:lvl3pPr>
+            <a:lvl4pPr>
+              <a:defRPr baseline="0">
+                <a:solidFill>
+                  <a:schemeClr val="tx2"/>
+                </a:solidFill>
+              </a:defRPr>
+            </a:lvl4pPr>
+            <a:lvl5pPr>
+              <a:defRPr baseline="0">
+                <a:solidFill>
+                  <a:schemeClr val="tx2"/>
+                </a:solidFill>
+              </a:defRPr>
+            </a:lvl5pPr>
+          </a:lstStyle>
+          <a:p>
+            <a:pPr lvl="0"/>
+            <a:r>
+              <a:rPr lang="zh-CN" altLang="en-US" smtClean="0"/>
+              <a:t>单击此处编辑母版文本样式</a:t>
+            </a:r>
+          </a:p>
+          <a:p>
+            <a:pPr lvl="1"/>
+            <a:r>
+              <a:rPr lang="zh-CN" altLang="en-US" smtClean="0"/>
+              <a:t>第二级</a:t>
+            </a:r>
+          </a:p>
+          <a:p>
+            <a:pPr lvl="2"/>
+            <a:r>
+              <a:rPr lang="zh-CN" altLang="en-US" smtClean="0"/>
+              <a:t>第三级</a:t>
+            </a:r>
+          </a:p>
+          <a:p>
+            <a:pPr lvl="3"/>
+            <a:r>
+              <a:rPr lang="zh-CN" altLang="en-US" smtClean="0"/>
+              <a:t>第四级</a:t>
+            </a:r>
+          </a:p>
+          <a:p>
+            <a:pPr lvl="4"/>
+            <a:r>
+              <a:rPr lang="zh-CN" altLang="en-US" smtClean="0"/>
+              <a:t>第五级</a:t>
+            </a:r>
+            <a:endParaRPr lang="en-US" dirty="0"/>
+          </a:p>
+        </p:txBody>
+      </p:sp>
+      <p:sp>
+        <p:nvSpPr>
+          <p:cNvPr id="4" name="Content Placeholder 3"/>
+          <p:cNvSpPr>
+            <a:spLocks noGrp="1"/>
+          </p:cNvSpPr>
+          <p:nvPr>
+            <p:ph sz="half" idx="2"/>
+          </p:nvPr>
+        </p:nvSpPr>
+        <p:spPr>
+          <a:xfrm>
+            <a:off x="6525403" y="2285999"/>
+            <a:ext cx="4447786" cy="3581401"/>
+          </a:xfrm>
+        </p:spPr>
+        <p:txBody>
+          <a:bodyPr/>
+          <a:lstStyle>
+            <a:lvl1pPr>
+              <a:defRPr>
+                <a:solidFill>
+                  <a:schemeClr val="tx2"/>
+                </a:solidFill>
+              </a:defRPr>
+            </a:lvl1pPr>
+            <a:lvl2pPr>
+              <a:defRPr>
+                <a:solidFill>
+                  <a:schemeClr val="tx2"/>
+                </a:solidFill>
+              </a:defRPr>
+            </a:lvl2pPr>
+            <a:lvl3pPr>
+              <a:defRPr>
+                <a:solidFill>
+                  <a:schemeClr val="tx2"/>
+                </a:solidFill>
+              </a:defRPr>
+            </a:lvl3pPr>
+            <a:lvl4pPr>
+              <a:defRPr>
+                <a:solidFill>
+                  <a:schemeClr val="tx2"/>
+                </a:solidFill>
+              </a:defRPr>
+            </a:lvl4pPr>
+            <a:lvl5pPr>
+              <a:defRPr>
+                <a:solidFill>
+                  <a:schemeClr val="tx2"/>
+                </a:solidFill>
+              </a:defRPr>
+            </a:lvl5pPr>
+          </a:lstStyle>
+          <a:p>
+            <a:pPr lvl="0"/>
+            <a:r>
+              <a:rPr lang="zh-CN" altLang="en-US" smtClean="0"/>
+              <a:t>单击此处编辑母版文本样式</a:t>
+            </a:r>
+          </a:p>
+          <a:p>
+            <a:pPr lvl="1"/>
+            <a:r>
+              <a:rPr lang="zh-CN" altLang="en-US" smtClean="0"/>
+              <a:t>第二级</a:t>
+            </a:r>
+          </a:p>
+          <a:p>
+            <a:pPr lvl="2"/>
+            <a:r>
+              <a:rPr lang="zh-CN" altLang="en-US" smtClean="0"/>
+              <a:t>第三级</a:t>
+            </a:r>
+          </a:p>
+          <a:p>
+            <a:pPr lvl="3"/>
+            <a:r>
+              <a:rPr lang="zh-CN" altLang="en-US" smtClean="0"/>
+              <a:t>第四级</a:t>
+            </a:r>
+          </a:p>
+          <a:p>
+            <a:pPr lvl="4"/>
+            <a:r>
+              <a:rPr lang="zh-CN" altLang="en-US" smtClean="0"/>
+              <a:t>第五级</a:t>
+            </a:r>
+            <a:endParaRPr lang="en-US" dirty="0"/>
+          </a:p>
+        </p:txBody>
+      </p:sp>
+      <p:sp>
+        <p:nvSpPr>
+          <p:cNvPr id="5" name="Date Placeholder 4"/>
           <p:cNvSpPr>
             <a:spLocks noGrp="1"/>
           </p:cNvSpPr>
@@ -1044,7 +1699,7 @@
           <a:p>
             <a:fld id="{6DA64518-D73A-4D8C-B96A-E5E8C7740B70}" type="datetimeFigureOut">
               <a:rPr lang="zh-CN" altLang="en-US" smtClean="0"/>
-              <a:t>2019/3/13</a:t>
+              <a:t>2019-3-14</a:t>
             </a:fld>
             <a:endParaRPr lang="zh-CN" altLang="en-US"/>
           </a:p>
@@ -1052,7 +1707,7 @@
       </p:sp>
       <p:sp>
         <p:nvSpPr>
-          <p:cNvPr id="5" name="页脚占位符 4"/>
+          <p:cNvPr id="6" name="Footer Placeholder 5"/>
           <p:cNvSpPr>
             <a:spLocks noGrp="1"/>
           </p:cNvSpPr>
@@ -1071,7 +1726,7 @@
       </p:sp>
       <p:sp>
         <p:nvSpPr>
-          <p:cNvPr id="6" name="灯片编号占位符 5"/>
+          <p:cNvPr id="7" name="Slide Number Placeholder 6"/>
           <p:cNvSpPr>
             <a:spLocks noGrp="1"/>
           </p:cNvSpPr>
@@ -1095,239 +1750,7 @@
     </p:spTree>
     <p:extLst>
       <p:ext uri="{BB962C8B-B14F-4D97-AF65-F5344CB8AC3E}">
-        <p14:creationId xmlns:p14="http://schemas.microsoft.com/office/powerpoint/2010/main" val="229633311"/>
-      </p:ext>
-    </p:extLst>
-  </p:cSld>
-  <p:clrMapOvr>
-    <a:masterClrMapping/>
-  </p:clrMapOvr>
-</p:sldLayout>
-</file>
-
-<file path=ppt/slideLayouts/slideLayout4.xml><?xml version="1.0" encoding="utf-8"?>
-<p:sldLayout xmlns:a="http://schemas.openxmlformats.org/drawingml/2006/main" xmlns:r="http://schemas.openxmlformats.org/officeDocument/2006/relationships" xmlns:p="http://schemas.openxmlformats.org/presentationml/2006/main" type="twoObj" preserve="1">
-  <p:cSld name="两栏内容">
-    <p:spTree>
-      <p:nvGrpSpPr>
-        <p:cNvPr id="1" name=""/>
-        <p:cNvGrpSpPr/>
-        <p:nvPr/>
-      </p:nvGrpSpPr>
-      <p:grpSpPr>
-        <a:xfrm>
-          <a:off x="0" y="0"/>
-          <a:ext cx="0" cy="0"/>
-          <a:chOff x="0" y="0"/>
-          <a:chExt cx="0" cy="0"/>
-        </a:xfrm>
-      </p:grpSpPr>
-      <p:sp>
-        <p:nvSpPr>
-          <p:cNvPr id="2" name="标题 1"/>
-          <p:cNvSpPr>
-            <a:spLocks noGrp="1"/>
-          </p:cNvSpPr>
-          <p:nvPr>
-            <p:ph type="title"/>
-          </p:nvPr>
-        </p:nvSpPr>
-        <p:spPr/>
-        <p:txBody>
-          <a:bodyPr/>
-          <a:lstStyle/>
-          <a:p>
-            <a:r>
-              <a:rPr lang="zh-CN" altLang="en-US" smtClean="0"/>
-              <a:t>单击此处编辑母版标题样式</a:t>
-            </a:r>
-            <a:endParaRPr lang="zh-CN" altLang="en-US"/>
-          </a:p>
-        </p:txBody>
-      </p:sp>
-      <p:sp>
-        <p:nvSpPr>
-          <p:cNvPr id="3" name="内容占位符 2"/>
-          <p:cNvSpPr>
-            <a:spLocks noGrp="1"/>
-          </p:cNvSpPr>
-          <p:nvPr>
-            <p:ph sz="half" idx="1"/>
-          </p:nvPr>
-        </p:nvSpPr>
-        <p:spPr>
-          <a:xfrm>
-            <a:off x="838200" y="1825625"/>
-            <a:ext cx="5181600" cy="4351338"/>
-          </a:xfrm>
-        </p:spPr>
-        <p:txBody>
-          <a:bodyPr/>
-          <a:lstStyle/>
-          <a:p>
-            <a:pPr lvl="0"/>
-            <a:r>
-              <a:rPr lang="zh-CN" altLang="en-US" smtClean="0"/>
-              <a:t>单击此处编辑母版文本样式</a:t>
-            </a:r>
-          </a:p>
-          <a:p>
-            <a:pPr lvl="1"/>
-            <a:r>
-              <a:rPr lang="zh-CN" altLang="en-US" smtClean="0"/>
-              <a:t>第二级</a:t>
-            </a:r>
-          </a:p>
-          <a:p>
-            <a:pPr lvl="2"/>
-            <a:r>
-              <a:rPr lang="zh-CN" altLang="en-US" smtClean="0"/>
-              <a:t>第三级</a:t>
-            </a:r>
-          </a:p>
-          <a:p>
-            <a:pPr lvl="3"/>
-            <a:r>
-              <a:rPr lang="zh-CN" altLang="en-US" smtClean="0"/>
-              <a:t>第四级</a:t>
-            </a:r>
-          </a:p>
-          <a:p>
-            <a:pPr lvl="4"/>
-            <a:r>
-              <a:rPr lang="zh-CN" altLang="en-US" smtClean="0"/>
-              <a:t>第五级</a:t>
-            </a:r>
-            <a:endParaRPr lang="zh-CN" altLang="en-US"/>
-          </a:p>
-        </p:txBody>
-      </p:sp>
-      <p:sp>
-        <p:nvSpPr>
-          <p:cNvPr id="4" name="内容占位符 3"/>
-          <p:cNvSpPr>
-            <a:spLocks noGrp="1"/>
-          </p:cNvSpPr>
-          <p:nvPr>
-            <p:ph sz="half" idx="2"/>
-          </p:nvPr>
-        </p:nvSpPr>
-        <p:spPr>
-          <a:xfrm>
-            <a:off x="6172200" y="1825625"/>
-            <a:ext cx="5181600" cy="4351338"/>
-          </a:xfrm>
-        </p:spPr>
-        <p:txBody>
-          <a:bodyPr/>
-          <a:lstStyle/>
-          <a:p>
-            <a:pPr lvl="0"/>
-            <a:r>
-              <a:rPr lang="zh-CN" altLang="en-US" smtClean="0"/>
-              <a:t>单击此处编辑母版文本样式</a:t>
-            </a:r>
-          </a:p>
-          <a:p>
-            <a:pPr lvl="1"/>
-            <a:r>
-              <a:rPr lang="zh-CN" altLang="en-US" smtClean="0"/>
-              <a:t>第二级</a:t>
-            </a:r>
-          </a:p>
-          <a:p>
-            <a:pPr lvl="2"/>
-            <a:r>
-              <a:rPr lang="zh-CN" altLang="en-US" smtClean="0"/>
-              <a:t>第三级</a:t>
-            </a:r>
-          </a:p>
-          <a:p>
-            <a:pPr lvl="3"/>
-            <a:r>
-              <a:rPr lang="zh-CN" altLang="en-US" smtClean="0"/>
-              <a:t>第四级</a:t>
-            </a:r>
-          </a:p>
-          <a:p>
-            <a:pPr lvl="4"/>
-            <a:r>
-              <a:rPr lang="zh-CN" altLang="en-US" smtClean="0"/>
-              <a:t>第五级</a:t>
-            </a:r>
-            <a:endParaRPr lang="zh-CN" altLang="en-US"/>
-          </a:p>
-        </p:txBody>
-      </p:sp>
-      <p:sp>
-        <p:nvSpPr>
-          <p:cNvPr id="5" name="日期占位符 4"/>
-          <p:cNvSpPr>
-            <a:spLocks noGrp="1"/>
-          </p:cNvSpPr>
-          <p:nvPr>
-            <p:ph type="dt" sz="half" idx="10"/>
-          </p:nvPr>
-        </p:nvSpPr>
-        <p:spPr/>
-        <p:txBody>
-          <a:bodyPr/>
-          <a:lstStyle/>
-          <a:p>
-            <a:fld id="{6DA64518-D73A-4D8C-B96A-E5E8C7740B70}" type="datetimeFigureOut">
-              <a:rPr lang="zh-CN" altLang="en-US" smtClean="0"/>
-              <a:t>2019/3/13</a:t>
-            </a:fld>
-            <a:endParaRPr lang="zh-CN" altLang="en-US"/>
-          </a:p>
-        </p:txBody>
-      </p:sp>
-      <p:sp>
-        <p:nvSpPr>
-          <p:cNvPr id="6" name="页脚占位符 5"/>
-          <p:cNvSpPr>
-            <a:spLocks noGrp="1"/>
-          </p:cNvSpPr>
-          <p:nvPr>
-            <p:ph type="ftr" sz="quarter" idx="11"/>
-          </p:nvPr>
-        </p:nvSpPr>
-        <p:spPr/>
-        <p:txBody>
-          <a:bodyPr/>
-          <a:lstStyle/>
-          <a:p>
-            <a:endParaRPr lang="zh-CN" altLang="en-US"/>
-          </a:p>
-        </p:txBody>
-      </p:sp>
-      <p:sp>
-        <p:nvSpPr>
-          <p:cNvPr id="7" name="灯片编号占位符 6"/>
-          <p:cNvSpPr>
-            <a:spLocks noGrp="1"/>
-          </p:cNvSpPr>
-          <p:nvPr>
-            <p:ph type="sldNum" sz="quarter" idx="12"/>
-          </p:nvPr>
-        </p:nvSpPr>
-        <p:spPr/>
-        <p:txBody>
-          <a:bodyPr/>
-          <a:lstStyle/>
-          <a:p>
-            <a:fld id="{6A03DA62-4045-4DE9-8794-918BF31E3139}" type="slidenum">
-              <a:rPr lang="zh-CN" altLang="en-US" smtClean="0"/>
-              <a:t>‹#›</a:t>
-            </a:fld>
-            <a:endParaRPr lang="zh-CN" altLang="en-US"/>
-          </a:p>
-        </p:txBody>
-      </p:sp>
-    </p:spTree>
-    <p:extLst>
-      <p:ext uri="{BB962C8B-B14F-4D97-AF65-F5344CB8AC3E}">
-        <p14:creationId xmlns:p14="http://schemas.microsoft.com/office/powerpoint/2010/main" val="640734513"/>
+        <p14:creationId xmlns:p14="http://schemas.microsoft.com/office/powerpoint/2010/main" val="761644848"/>
       </p:ext>
     </p:extLst>
   </p:cSld>
@@ -1356,7 +1779,7 @@
       </p:grpSpPr>
       <p:sp>
         <p:nvSpPr>
-          <p:cNvPr id="2" name="标题 1"/>
+          <p:cNvPr id="2" name="Title 1"/>
           <p:cNvSpPr>
             <a:spLocks noGrp="1"/>
           </p:cNvSpPr>
@@ -1366,25 +1789,33 @@
         </p:nvSpPr>
         <p:spPr>
           <a:xfrm>
-            <a:off x="839788" y="365125"/>
-            <a:ext cx="10515600" cy="1325563"/>
+            <a:off x="1371600" y="685800"/>
+            <a:ext cx="9601200" cy="1485900"/>
           </a:xfrm>
         </p:spPr>
         <p:txBody>
           <a:bodyPr/>
-          <a:lstStyle/>
+          <a:lstStyle>
+            <a:lvl1pPr>
+              <a:defRPr>
+                <a:solidFill>
+                  <a:schemeClr val="tx2"/>
+                </a:solidFill>
+              </a:defRPr>
+            </a:lvl1pPr>
+          </a:lstStyle>
           <a:p>
             <a:r>
               <a:rPr lang="zh-CN" altLang="en-US" smtClean="0"/>
               <a:t>单击此处编辑母版标题样式</a:t>
             </a:r>
-            <a:endParaRPr lang="zh-CN" altLang="en-US"/>
+            <a:endParaRPr lang="en-US" dirty="0"/>
           </a:p>
         </p:txBody>
       </p:sp>
       <p:sp>
         <p:nvSpPr>
-          <p:cNvPr id="3" name="文本占位符 2"/>
+          <p:cNvPr id="3" name="Text Placeholder 2"/>
           <p:cNvSpPr>
             <a:spLocks noGrp="1"/>
           </p:cNvSpPr>
@@ -1394,16 +1825,31 @@
         </p:nvSpPr>
         <p:spPr>
           <a:xfrm>
-            <a:off x="839788" y="1681163"/>
-            <a:ext cx="5157787" cy="823912"/>
+            <a:off x="1371600" y="2340864"/>
+            <a:ext cx="4443984" cy="823912"/>
           </a:xfrm>
         </p:spPr>
         <p:txBody>
-          <a:bodyPr anchor="b"/>
+          <a:bodyPr anchor="b">
+            <a:noAutofit/>
+          </a:bodyPr>
           <a:lstStyle>
             <a:lvl1pPr marL="0" indent="0">
+              <a:lnSpc>
+                <a:spcPct val="84000"/>
+              </a:lnSpc>
+              <a:spcBef>
+                <a:spcPts val="0"/>
+              </a:spcBef>
+              <a:spcAft>
+                <a:spcPts val="0"/>
+              </a:spcAft>
               <a:buNone/>
-              <a:defRPr sz="2400" b="1"/>
+              <a:defRPr sz="3000" b="0" baseline="0">
+                <a:solidFill>
+                  <a:schemeClr val="tx2"/>
+                </a:solidFill>
+              </a:defRPr>
             </a:lvl1pPr>
             <a:lvl2pPr marL="457200" indent="0">
               <a:buNone/>
@@ -1449,7 +1895,7 @@
       </p:sp>
       <p:sp>
         <p:nvSpPr>
-          <p:cNvPr id="4" name="内容占位符 3"/>
+          <p:cNvPr id="4" name="Content Placeholder 3"/>
           <p:cNvSpPr>
             <a:spLocks noGrp="1"/>
           </p:cNvSpPr>
@@ -1459,13 +1905,49 @@
         </p:nvSpPr>
         <p:spPr>
           <a:xfrm>
-            <a:off x="839788" y="2505075"/>
-            <a:ext cx="5157787" cy="3684588"/>
+            <a:off x="1371600" y="3305207"/>
+            <a:ext cx="4443984" cy="2562193"/>
           </a:xfrm>
         </p:spPr>
         <p:txBody>
           <a:bodyPr/>
-          <a:lstStyle/>
+          <a:lstStyle>
+            <a:lvl1pPr>
+              <a:defRPr baseline="0">
+                <a:solidFill>
+                  <a:schemeClr val="tx2"/>
+                </a:solidFill>
+              </a:defRPr>
+            </a:lvl1pPr>
+            <a:lvl2pPr>
+              <a:defRPr baseline="0">
+                <a:solidFill>
+                  <a:schemeClr val="tx2"/>
+                </a:solidFill>
+              </a:defRPr>
+            </a:lvl2pPr>
+            <a:lvl3pPr>
+              <a:defRPr baseline="0">
+                <a:solidFill>
+                  <a:schemeClr val="tx2"/>
+                </a:solidFill>
+              </a:defRPr>
+            </a:lvl3pPr>
+            <a:lvl4pPr>
+              <a:defRPr baseline="0">
+                <a:solidFill>
+                  <a:schemeClr val="tx2"/>
+                </a:solidFill>
+              </a:defRPr>
+            </a:lvl4pPr>
+            <a:lvl5pPr>
+              <a:defRPr baseline="0">
+                <a:solidFill>
+                  <a:schemeClr val="tx2"/>
+                </a:solidFill>
+              </a:defRPr>
+            </a:lvl5pPr>
+          </a:lstStyle>
           <a:p>
             <a:pPr lvl="0"/>
             <a:r>
@@ -1500,13 +1982,13 @@
               <a:rPr lang="zh-CN" altLang="en-US" smtClean="0"/>
               <a:t>第五级</a:t>
             </a:r>
-            <a:endParaRPr lang="zh-CN" altLang="en-US"/>
+            <a:endParaRPr lang="en-US" dirty="0"/>
           </a:p>
         </p:txBody>
       </p:sp>
       <p:sp>
         <p:nvSpPr>
-          <p:cNvPr id="5" name="文本占位符 4"/>
+          <p:cNvPr id="5" name="Text Placeholder 4"/>
           <p:cNvSpPr>
             <a:spLocks noGrp="1"/>
           </p:cNvSpPr>
@@ -1516,16 +1998,31 @@
         </p:nvSpPr>
         <p:spPr>
           <a:xfrm>
-            <a:off x="6172200" y="1681163"/>
-            <a:ext cx="5183188" cy="823912"/>
+            <a:off x="6525014" y="2340864"/>
+            <a:ext cx="4443984" cy="823912"/>
           </a:xfrm>
         </p:spPr>
         <p:txBody>
-          <a:bodyPr anchor="b"/>
+          <a:bodyPr anchor="b">
+            <a:noAutofit/>
+          </a:bodyPr>
           <a:lstStyle>
             <a:lvl1pPr marL="0" indent="0">
+              <a:lnSpc>
+                <a:spcPct val="84000"/>
+              </a:lnSpc>
+              <a:spcBef>
+                <a:spcPts val="0"/>
+              </a:spcBef>
+              <a:spcAft>
+                <a:spcPts val="0"/>
+              </a:spcAft>
               <a:buNone/>
-              <a:defRPr sz="2400" b="1"/>
+              <a:defRPr sz="3000" b="0" baseline="0">
+                <a:solidFill>
+                  <a:schemeClr val="tx2"/>
+                </a:solidFill>
+              </a:defRPr>
             </a:lvl1pPr>
             <a:lvl2pPr marL="457200" indent="0">
               <a:buNone/>
@@ -1571,7 +2068,7 @@
       </p:sp>
       <p:sp>
         <p:nvSpPr>
-          <p:cNvPr id="6" name="内容占位符 5"/>
+          <p:cNvPr id="6" name="Content Placeholder 5"/>
           <p:cNvSpPr>
             <a:spLocks noGrp="1"/>
           </p:cNvSpPr>
@@ -1581,13 +2078,49 @@
         </p:nvSpPr>
         <p:spPr>
           <a:xfrm>
-            <a:off x="6172200" y="2505075"/>
-            <a:ext cx="5183188" cy="3684588"/>
+            <a:off x="6525014" y="3305207"/>
+            <a:ext cx="4443984" cy="2562193"/>
           </a:xfrm>
         </p:spPr>
         <p:txBody>
           <a:bodyPr/>
-          <a:lstStyle/>
+          <a:lstStyle>
+            <a:lvl1pPr>
+              <a:defRPr baseline="0">
+                <a:solidFill>
+                  <a:schemeClr val="tx2"/>
+                </a:solidFill>
+              </a:defRPr>
+            </a:lvl1pPr>
+            <a:lvl2pPr>
+              <a:defRPr baseline="0">
+                <a:solidFill>
+                  <a:schemeClr val="tx2"/>
+                </a:solidFill>
+              </a:defRPr>
+            </a:lvl2pPr>
+            <a:lvl3pPr>
+              <a:defRPr baseline="0">
+                <a:solidFill>
+                  <a:schemeClr val="tx2"/>
+                </a:solidFill>
+              </a:defRPr>
+            </a:lvl3pPr>
+            <a:lvl4pPr>
+              <a:defRPr baseline="0">
+                <a:solidFill>
+                  <a:schemeClr val="tx2"/>
+                </a:solidFill>
+              </a:defRPr>
+            </a:lvl4pPr>
+            <a:lvl5pPr>
+              <a:defRPr baseline="0">
+                <a:solidFill>
+                  <a:schemeClr val="tx2"/>
+                </a:solidFill>
+              </a:defRPr>
+            </a:lvl5pPr>
+          </a:lstStyle>
           <a:p>
             <a:pPr lvl="0"/>
             <a:r>
@@ -1622,13 +2155,13 @@
               <a:rPr lang="zh-CN" altLang="en-US" smtClean="0"/>
               <a:t>第五级</a:t>
             </a:r>
-            <a:endParaRPr lang="zh-CN" altLang="en-US"/>
+            <a:endParaRPr lang="en-US" dirty="0"/>
           </a:p>
         </p:txBody>
       </p:sp>
       <p:sp>
         <p:nvSpPr>
-          <p:cNvPr id="7" name="日期占位符 6"/>
+          <p:cNvPr id="7" name="Date Placeholder 6"/>
           <p:cNvSpPr>
             <a:spLocks noGrp="1"/>
           </p:cNvSpPr>
@@ -1643,7 +2176,7 @@
           <a:p>
             <a:fld id="{6DA64518-D73A-4D8C-B96A-E5E8C7740B70}" type="datetimeFigureOut">
               <a:rPr lang="zh-CN" altLang="en-US" smtClean="0"/>
-              <a:t>2019/3/13</a:t>
+              <a:t>2019-3-14</a:t>
             </a:fld>
             <a:endParaRPr lang="zh-CN" altLang="en-US"/>
           </a:p>
@@ -1651,7 +2184,7 @@
       </p:sp>
       <p:sp>
         <p:nvSpPr>
-          <p:cNvPr id="8" name="页脚占位符 7"/>
+          <p:cNvPr id="8" name="Footer Placeholder 7"/>
           <p:cNvSpPr>
             <a:spLocks noGrp="1"/>
           </p:cNvSpPr>
@@ -1670,7 +2203,7 @@
       </p:sp>
       <p:sp>
         <p:nvSpPr>
-          <p:cNvPr id="9" name="灯片编号占位符 8"/>
+          <p:cNvPr id="9" name="Slide Number Placeholder 8"/>
           <p:cNvSpPr>
             <a:spLocks noGrp="1"/>
           </p:cNvSpPr>
@@ -1694,7 +2227,7 @@
     </p:spTree>
     <p:extLst>
       <p:ext uri="{BB962C8B-B14F-4D97-AF65-F5344CB8AC3E}">
-        <p14:creationId xmlns:p14="http://schemas.microsoft.com/office/powerpoint/2010/main" val="851726980"/>
+        <p14:creationId xmlns:p14="http://schemas.microsoft.com/office/powerpoint/2010/main" val="2894541114"/>
       </p:ext>
     </p:extLst>
   </p:cSld>
@@ -1723,7 +2256,7 @@
       </p:grpSpPr>
       <p:sp>
         <p:nvSpPr>
-          <p:cNvPr id="2" name="标题 1"/>
+          <p:cNvPr id="2" name="Title 1"/>
           <p:cNvSpPr>
             <a:spLocks noGrp="1"/>
           </p:cNvSpPr>
@@ -1740,13 +2273,13 @@
               <a:rPr lang="zh-CN" altLang="en-US" smtClean="0"/>
               <a:t>单击此处编辑母版标题样式</a:t>
             </a:r>
-            <a:endParaRPr lang="zh-CN" altLang="en-US"/>
+            <a:endParaRPr lang="en-US" dirty="0"/>
           </a:p>
         </p:txBody>
       </p:sp>
       <p:sp>
         <p:nvSpPr>
-          <p:cNvPr id="3" name="日期占位符 2"/>
+          <p:cNvPr id="3" name="Date Placeholder 2"/>
           <p:cNvSpPr>
             <a:spLocks noGrp="1"/>
           </p:cNvSpPr>
@@ -1761,7 +2294,7 @@
           <a:p>
             <a:fld id="{6DA64518-D73A-4D8C-B96A-E5E8C7740B70}" type="datetimeFigureOut">
               <a:rPr lang="zh-CN" altLang="en-US" smtClean="0"/>
-              <a:t>2019/3/13</a:t>
+              <a:t>2019-3-14</a:t>
             </a:fld>
             <a:endParaRPr lang="zh-CN" altLang="en-US"/>
           </a:p>
@@ -1769,7 +2302,7 @@
       </p:sp>
       <p:sp>
         <p:nvSpPr>
-          <p:cNvPr id="4" name="页脚占位符 3"/>
+          <p:cNvPr id="4" name="Footer Placeholder 3"/>
           <p:cNvSpPr>
             <a:spLocks noGrp="1"/>
           </p:cNvSpPr>
@@ -1788,7 +2321,7 @@
       </p:sp>
       <p:sp>
         <p:nvSpPr>
-          <p:cNvPr id="5" name="灯片编号占位符 4"/>
+          <p:cNvPr id="5" name="Slide Number Placeholder 4"/>
           <p:cNvSpPr>
             <a:spLocks noGrp="1"/>
           </p:cNvSpPr>
@@ -1812,7 +2345,7 @@
     </p:spTree>
     <p:extLst>
       <p:ext uri="{BB962C8B-B14F-4D97-AF65-F5344CB8AC3E}">
-        <p14:creationId xmlns:p14="http://schemas.microsoft.com/office/powerpoint/2010/main" val="1446102"/>
+        <p14:creationId xmlns:p14="http://schemas.microsoft.com/office/powerpoint/2010/main" val="2904147101"/>
       </p:ext>
     </p:extLst>
   </p:cSld>
@@ -1841,7 +2374,7 @@
       </p:grpSpPr>
       <p:sp>
         <p:nvSpPr>
-          <p:cNvPr id="2" name="日期占位符 1"/>
+          <p:cNvPr id="2" name="Date Placeholder 1"/>
           <p:cNvSpPr>
             <a:spLocks noGrp="1"/>
           </p:cNvSpPr>
@@ -1856,7 +2389,7 @@
           <a:p>
             <a:fld id="{6DA64518-D73A-4D8C-B96A-E5E8C7740B70}" type="datetimeFigureOut">
               <a:rPr lang="zh-CN" altLang="en-US" smtClean="0"/>
-              <a:t>2019/3/13</a:t>
+              <a:t>2019-3-14</a:t>
             </a:fld>
             <a:endParaRPr lang="zh-CN" altLang="en-US"/>
           </a:p>
@@ -1864,7 +2397,7 @@
       </p:sp>
       <p:sp>
         <p:nvSpPr>
-          <p:cNvPr id="3" name="页脚占位符 2"/>
+          <p:cNvPr id="3" name="Footer Placeholder 2"/>
           <p:cNvSpPr>
             <a:spLocks noGrp="1"/>
           </p:cNvSpPr>
@@ -1883,7 +2416,7 @@
       </p:sp>
       <p:sp>
         <p:nvSpPr>
-          <p:cNvPr id="4" name="灯片编号占位符 3"/>
+          <p:cNvPr id="4" name="Slide Number Placeholder 3"/>
           <p:cNvSpPr>
             <a:spLocks noGrp="1"/>
           </p:cNvSpPr>
@@ -1907,7 +2440,7 @@
     </p:spTree>
     <p:extLst>
       <p:ext uri="{BB962C8B-B14F-4D97-AF65-F5344CB8AC3E}">
-        <p14:creationId xmlns:p14="http://schemas.microsoft.com/office/powerpoint/2010/main" val="2518233146"/>
+        <p14:creationId xmlns:p14="http://schemas.microsoft.com/office/powerpoint/2010/main" val="1655740819"/>
       </p:ext>
     </p:extLst>
   </p:cSld>
@@ -1918,7 +2451,7 @@
 </file>
 
 <file path=ppt/slideLayouts/slideLayout8.xml><?xml version="1.0" encoding="utf-8"?>
-<p:sldLayout xmlns:a="http://schemas.openxmlformats.org/drawingml/2006/main" xmlns:r="http://schemas.openxmlformats.org/officeDocument/2006/relationships" xmlns:p="http://schemas.openxmlformats.org/presentationml/2006/main" type="objTx" preserve="1">
+<p:sldLayout xmlns:a="http://schemas.openxmlformats.org/drawingml/2006/main" xmlns:r="http://schemas.openxmlformats.org/officeDocument/2006/relationships" xmlns:p="http://schemas.openxmlformats.org/presentationml/2006/main" showMasterSp="0" type="objTx" preserve="1">
   <p:cSld name="内容与标题">
     <p:spTree>
       <p:nvGrpSpPr>
@@ -1936,7 +2469,45 @@
       </p:grpSpPr>
       <p:sp>
         <p:nvSpPr>
-          <p:cNvPr id="2" name="标题 1"/>
+          <p:cNvPr id="8" name="Rectangle 7" title="Background Shape"/>
+          <p:cNvSpPr/>
+          <p:nvPr/>
+        </p:nvSpPr>
+        <p:spPr>
+          <a:xfrm>
+            <a:off x="0" y="376"/>
+            <a:ext cx="5303520" cy="6857624"/>
+          </a:xfrm>
+          <a:prstGeom prst="rect">
+            <a:avLst/>
+          </a:prstGeom>
+          <a:solidFill>
+            <a:schemeClr val="accent1"/>
+          </a:solidFill>
+          <a:ln>
+            <a:noFill/>
+          </a:ln>
+        </p:spPr>
+        <p:style>
+          <a:lnRef idx="2">
+            <a:schemeClr val="accent1">
+              <a:shade val="50000"/>
+            </a:schemeClr>
+          </a:lnRef>
+          <a:fillRef idx="1">
+            <a:schemeClr val="accent1"/>
+          </a:fillRef>
+          <a:effectRef idx="0">
+            <a:schemeClr val="accent1"/>
+          </a:effectRef>
+          <a:fontRef idx="minor">
+            <a:schemeClr val="lt1"/>
+          </a:fontRef>
+        </p:style>
+      </p:sp>
+      <p:sp>
+        <p:nvSpPr>
+          <p:cNvPr id="2" name="Title 1"/>
           <p:cNvSpPr>
             <a:spLocks noGrp="1"/>
           </p:cNvSpPr>
@@ -1946,15 +2517,24 @@
         </p:nvSpPr>
         <p:spPr>
           <a:xfrm>
-            <a:off x="839788" y="457200"/>
-            <a:ext cx="3932237" cy="1600200"/>
+            <a:off x="723900" y="685800"/>
+            <a:ext cx="3855720" cy="2157884"/>
           </a:xfrm>
         </p:spPr>
         <p:txBody>
-          <a:bodyPr anchor="b"/>
+          <a:bodyPr anchor="t">
+            <a:noAutofit/>
+          </a:bodyPr>
           <a:lstStyle>
             <a:lvl1pPr>
-              <a:defRPr sz="3200"/>
+              <a:lnSpc>
+                <a:spcPct val="84000"/>
+              </a:lnSpc>
+              <a:defRPr sz="4800" baseline="0">
+                <a:solidFill>
+                  <a:schemeClr val="tx2"/>
+                </a:solidFill>
+              </a:defRPr>
             </a:lvl1pPr>
           </a:lstStyle>
           <a:p>
@@ -1962,13 +2542,13 @@
               <a:rPr lang="zh-CN" altLang="en-US" smtClean="0"/>
               <a:t>单击此处编辑母版标题样式</a:t>
             </a:r>
-            <a:endParaRPr lang="zh-CN" altLang="en-US"/>
+            <a:endParaRPr lang="en-US" dirty="0"/>
           </a:p>
         </p:txBody>
       </p:sp>
       <p:sp>
         <p:nvSpPr>
-          <p:cNvPr id="3" name="内容占位符 2"/>
+          <p:cNvPr id="3" name="Content Placeholder 2"/>
           <p:cNvSpPr>
             <a:spLocks noGrp="1"/>
           </p:cNvSpPr>
@@ -1978,39 +2558,39 @@
         </p:nvSpPr>
         <p:spPr>
           <a:xfrm>
-            <a:off x="5183188" y="987425"/>
-            <a:ext cx="6172200" cy="4873625"/>
+            <a:off x="6256020" y="685801"/>
+            <a:ext cx="5212080" cy="5175250"/>
           </a:xfrm>
         </p:spPr>
         <p:txBody>
           <a:bodyPr/>
           <a:lstStyle>
             <a:lvl1pPr>
-              <a:defRPr sz="3200"/>
+              <a:defRPr sz="2000"/>
             </a:lvl1pPr>
             <a:lvl2pPr>
-              <a:defRPr sz="2800"/>
+              <a:defRPr sz="2000"/>
             </a:lvl2pPr>
             <a:lvl3pPr>
-              <a:defRPr sz="2400"/>
+              <a:defRPr sz="1800"/>
             </a:lvl3pPr>
             <a:lvl4pPr>
-              <a:defRPr sz="2000"/>
+              <a:defRPr sz="1800"/>
             </a:lvl4pPr>
             <a:lvl5pPr>
-              <a:defRPr sz="2000"/>
+              <a:defRPr sz="1600"/>
             </a:lvl5pPr>
             <a:lvl6pPr>
-              <a:defRPr sz="2000"/>
+              <a:defRPr sz="1600"/>
             </a:lvl6pPr>
             <a:lvl7pPr>
-              <a:defRPr sz="2000"/>
+              <a:defRPr sz="1600"/>
             </a:lvl7pPr>
             <a:lvl8pPr>
-              <a:defRPr sz="2000"/>
+              <a:defRPr sz="1600"/>
             </a:lvl8pPr>
             <a:lvl9pPr>
-              <a:defRPr sz="2000"/>
+              <a:defRPr sz="1600"/>
             </a:lvl9pPr>
           </a:lstStyle>
           <a:p>
@@ -2047,13 +2627,13 @@
               <a:rPr lang="zh-CN" altLang="en-US" smtClean="0"/>
               <a:t>第五级</a:t>
             </a:r>
-            <a:endParaRPr lang="zh-CN" altLang="en-US"/>
+            <a:endParaRPr lang="en-US" dirty="0"/>
           </a:p>
         </p:txBody>
       </p:sp>
       <p:sp>
         <p:nvSpPr>
-          <p:cNvPr id="4" name="文本占位符 3"/>
+          <p:cNvPr id="4" name="Text Placeholder 3"/>
           <p:cNvSpPr>
             <a:spLocks noGrp="1"/>
           </p:cNvSpPr>
@@ -2063,14 +2643,23 @@
         </p:nvSpPr>
         <p:spPr>
           <a:xfrm>
-            <a:off x="839788" y="2057400"/>
-            <a:ext cx="3932237" cy="3811588"/>
+            <a:off x="723900" y="2856344"/>
+            <a:ext cx="3855720" cy="3011056"/>
           </a:xfrm>
         </p:spPr>
         <p:txBody>
           <a:bodyPr/>
           <a:lstStyle>
             <a:lvl1pPr marL="0" indent="0">
+              <a:lnSpc>
+                <a:spcPct val="113000"/>
+              </a:lnSpc>
+              <a:spcBef>
+                <a:spcPts val="0"/>
+              </a:spcBef>
+              <a:spcAft>
+                <a:spcPts val="1500"/>
+              </a:spcAft>
               <a:buNone/>
               <a:defRPr sz="1600"/>
             </a:lvl1pPr>
@@ -2118,7 +2707,7 @@
       </p:sp>
       <p:sp>
         <p:nvSpPr>
-          <p:cNvPr id="5" name="日期占位符 4"/>
+          <p:cNvPr id="5" name="Date Placeholder 4"/>
           <p:cNvSpPr>
             <a:spLocks noGrp="1"/>
           </p:cNvSpPr>
@@ -2126,14 +2715,27 @@
             <p:ph type="dt" sz="half" idx="10"/>
           </p:nvPr>
         </p:nvSpPr>
-        <p:spPr/>
+        <p:spPr>
+          <a:xfrm>
+            <a:off x="723900" y="6453386"/>
+            <a:ext cx="1204572" cy="404614"/>
+          </a:xfrm>
+        </p:spPr>
         <p:txBody>
           <a:bodyPr/>
-          <a:lstStyle/>
+          <a:lstStyle>
+            <a:lvl1pPr>
+              <a:defRPr>
+                <a:solidFill>
+                  <a:schemeClr val="tx2"/>
+                </a:solidFill>
+              </a:defRPr>
+            </a:lvl1pPr>
+          </a:lstStyle>
           <a:p>
             <a:fld id="{6DA64518-D73A-4D8C-B96A-E5E8C7740B70}" type="datetimeFigureOut">
               <a:rPr lang="zh-CN" altLang="en-US" smtClean="0"/>
-              <a:t>2019/3/13</a:t>
+              <a:t>2019-3-14</a:t>
             </a:fld>
             <a:endParaRPr lang="zh-CN" altLang="en-US"/>
           </a:p>
@@ -2141,7 +2743,7 @@
       </p:sp>
       <p:sp>
         <p:nvSpPr>
-          <p:cNvPr id="6" name="页脚占位符 5"/>
+          <p:cNvPr id="6" name="Footer Placeholder 5"/>
           <p:cNvSpPr>
             <a:spLocks noGrp="1"/>
           </p:cNvSpPr>
@@ -2149,10 +2751,23 @@
             <p:ph type="ftr" sz="quarter" idx="11"/>
           </p:nvPr>
         </p:nvSpPr>
-        <p:spPr/>
+        <p:spPr>
+          <a:xfrm>
+            <a:off x="2205945" y="6453386"/>
+            <a:ext cx="2373675" cy="404614"/>
+          </a:xfrm>
+        </p:spPr>
         <p:txBody>
           <a:bodyPr/>
-          <a:lstStyle/>
+          <a:lstStyle>
+            <a:lvl1pPr>
+              <a:defRPr>
+                <a:solidFill>
+                  <a:schemeClr val="tx2"/>
+                </a:solidFill>
+              </a:defRPr>
+            </a:lvl1pPr>
+          </a:lstStyle>
           <a:p>
             <a:endParaRPr lang="zh-CN" altLang="en-US"/>
           </a:p>
@@ -2160,7 +2775,7 @@
       </p:sp>
       <p:sp>
         <p:nvSpPr>
-          <p:cNvPr id="7" name="灯片编号占位符 6"/>
+          <p:cNvPr id="7" name="Slide Number Placeholder 6"/>
           <p:cNvSpPr>
             <a:spLocks noGrp="1"/>
           </p:cNvSpPr>
@@ -2168,10 +2783,23 @@
             <p:ph type="sldNum" sz="quarter" idx="12"/>
           </p:nvPr>
         </p:nvSpPr>
-        <p:spPr/>
+        <p:spPr>
+          <a:xfrm>
+            <a:off x="9883140" y="6453386"/>
+            <a:ext cx="1596292" cy="404614"/>
+          </a:xfrm>
+        </p:spPr>
         <p:txBody>
           <a:bodyPr/>
-          <a:lstStyle/>
+          <a:lstStyle>
+            <a:lvl1pPr>
+              <a:defRPr>
+                <a:solidFill>
+                  <a:schemeClr val="tx2"/>
+                </a:solidFill>
+              </a:defRPr>
+            </a:lvl1pPr>
+          </a:lstStyle>
           <a:p>
             <a:fld id="{6A03DA62-4045-4DE9-8794-918BF31E3139}" type="slidenum">
               <a:rPr lang="zh-CN" altLang="en-US" smtClean="0"/>
@@ -2181,10 +2809,48 @@
           </a:p>
         </p:txBody>
       </p:sp>
+      <p:sp>
+        <p:nvSpPr>
+          <p:cNvPr id="9" name="Rectangle 8" title="Divider Bar"/>
+          <p:cNvSpPr/>
+          <p:nvPr/>
+        </p:nvSpPr>
+        <p:spPr>
+          <a:xfrm>
+            <a:off x="5303520" y="376"/>
+            <a:ext cx="228600" cy="6858000"/>
+          </a:xfrm>
+          <a:prstGeom prst="rect">
+            <a:avLst/>
+          </a:prstGeom>
+          <a:solidFill>
+            <a:schemeClr val="tx2"/>
+          </a:solidFill>
+          <a:ln>
+            <a:noFill/>
+          </a:ln>
+        </p:spPr>
+        <p:style>
+          <a:lnRef idx="2">
+            <a:schemeClr val="accent1">
+              <a:shade val="50000"/>
+            </a:schemeClr>
+          </a:lnRef>
+          <a:fillRef idx="1">
+            <a:schemeClr val="accent1"/>
+          </a:fillRef>
+          <a:effectRef idx="0">
+            <a:schemeClr val="accent1"/>
+          </a:effectRef>
+          <a:fontRef idx="minor">
+            <a:schemeClr val="lt1"/>
+          </a:fontRef>
+        </p:style>
+      </p:sp>
     </p:spTree>
     <p:extLst>
       <p:ext uri="{BB962C8B-B14F-4D97-AF65-F5344CB8AC3E}">
-        <p14:creationId xmlns:p14="http://schemas.microsoft.com/office/powerpoint/2010/main" val="4068633047"/>
+        <p14:creationId xmlns:p14="http://schemas.microsoft.com/office/powerpoint/2010/main" val="144421275"/>
       </p:ext>
     </p:extLst>
   </p:cSld>
@@ -2195,7 +2861,7 @@
 </file>
 
 <file path=ppt/slideLayouts/slideLayout9.xml><?xml version="1.0" encoding="utf-8"?>
-<p:sldLayout xmlns:a="http://schemas.openxmlformats.org/drawingml/2006/main" xmlns:r="http://schemas.openxmlformats.org/officeDocument/2006/relationships" xmlns:p="http://schemas.openxmlformats.org/presentationml/2006/main" type="picTx" preserve="1">
+<p:sldLayout xmlns:a="http://schemas.openxmlformats.org/drawingml/2006/main" xmlns:r="http://schemas.openxmlformats.org/officeDocument/2006/relationships" xmlns:p="http://schemas.openxmlformats.org/presentationml/2006/main" showMasterSp="0" type="picTx" preserve="1">
   <p:cSld name="图片与标题">
     <p:spTree>
       <p:nvGrpSpPr>
@@ -2213,7 +2879,45 @@
       </p:grpSpPr>
       <p:sp>
         <p:nvSpPr>
-          <p:cNvPr id="2" name="标题 1"/>
+          <p:cNvPr id="8" name="Rectangle 7" title="Background Shape"/>
+          <p:cNvSpPr/>
+          <p:nvPr/>
+        </p:nvSpPr>
+        <p:spPr>
+          <a:xfrm>
+            <a:off x="0" y="376"/>
+            <a:ext cx="5303520" cy="6857624"/>
+          </a:xfrm>
+          <a:prstGeom prst="rect">
+            <a:avLst/>
+          </a:prstGeom>
+          <a:solidFill>
+            <a:schemeClr val="accent1"/>
+          </a:solidFill>
+          <a:ln>
+            <a:noFill/>
+          </a:ln>
+        </p:spPr>
+        <p:style>
+          <a:lnRef idx="2">
+            <a:schemeClr val="accent1">
+              <a:shade val="50000"/>
+            </a:schemeClr>
+          </a:lnRef>
+          <a:fillRef idx="1">
+            <a:schemeClr val="accent1"/>
+          </a:fillRef>
+          <a:effectRef idx="0">
+            <a:schemeClr val="accent1"/>
+          </a:effectRef>
+          <a:fontRef idx="minor">
+            <a:schemeClr val="lt1"/>
+          </a:fontRef>
+        </p:style>
+      </p:sp>
+      <p:sp>
+        <p:nvSpPr>
+          <p:cNvPr id="2" name="Title 1"/>
           <p:cNvSpPr>
             <a:spLocks noGrp="1"/>
           </p:cNvSpPr>
@@ -2223,15 +2927,20 @@
         </p:nvSpPr>
         <p:spPr>
           <a:xfrm>
-            <a:off x="839788" y="457200"/>
-            <a:ext cx="3932237" cy="1600200"/>
+            <a:off x="723900" y="685800"/>
+            <a:ext cx="3855720" cy="2157884"/>
           </a:xfrm>
         </p:spPr>
         <p:txBody>
-          <a:bodyPr anchor="b"/>
+          <a:bodyPr anchor="t">
+            <a:normAutofit/>
+          </a:bodyPr>
           <a:lstStyle>
             <a:lvl1pPr>
-              <a:defRPr sz="3200"/>
+              <a:lnSpc>
+                <a:spcPct val="84000"/>
+              </a:lnSpc>
+              <a:defRPr sz="4800" baseline="0"/>
             </a:lvl1pPr>
           </a:lstStyle>
           <a:p>
@@ -2239,15 +2948,15 @@
               <a:rPr lang="zh-CN" altLang="en-US" smtClean="0"/>
               <a:t>单击此处编辑母版标题样式</a:t>
             </a:r>
-            <a:endParaRPr lang="zh-CN" altLang="en-US"/>
+            <a:endParaRPr lang="en-US" dirty="0"/>
           </a:p>
         </p:txBody>
       </p:sp>
       <p:sp>
         <p:nvSpPr>
-          <p:cNvPr id="3" name="图片占位符 2"/>
+          <p:cNvPr id="3" name="Picture Placeholder 2"/>
           <p:cNvSpPr>
-            <a:spLocks noGrp="1"/>
+            <a:spLocks noGrp="1" noChangeAspect="1"/>
           </p:cNvSpPr>
           <p:nvPr>
             <p:ph type="pic" idx="1"/>
@@ -2255,24 +2964,26 @@
         </p:nvSpPr>
         <p:spPr>
           <a:xfrm>
-            <a:off x="5183188" y="987425"/>
-            <a:ext cx="6172200" cy="4873625"/>
+            <a:off x="5532120" y="0"/>
+            <a:ext cx="6659880" cy="6857999"/>
           </a:xfrm>
         </p:spPr>
         <p:txBody>
-          <a:bodyPr/>
+          <a:bodyPr anchor="t">
+            <a:normAutofit/>
+          </a:bodyPr>
           <a:lstStyle>
             <a:lvl1pPr marL="0" indent="0">
               <a:buNone/>
-              <a:defRPr sz="3200"/>
+              <a:defRPr sz="2000"/>
             </a:lvl1pPr>
             <a:lvl2pPr marL="457200" indent="0">
               <a:buNone/>
-              <a:defRPr sz="2800"/>
+              <a:defRPr sz="2000"/>
             </a:lvl2pPr>
             <a:lvl3pPr marL="914400" indent="0">
               <a:buNone/>
-              <a:defRPr sz="2400"/>
+              <a:defRPr sz="2000"/>
             </a:lvl3pPr>
             <a:lvl4pPr marL="1371600" indent="0">
               <a:buNone/>
@@ -2300,13 +3011,17 @@
             </a:lvl9pPr>
           </a:lstStyle>
           <a:p>
-            <a:endParaRPr lang="zh-CN" altLang="en-US"/>
+            <a:r>
+              <a:rPr lang="zh-CN" altLang="en-US" smtClean="0"/>
+              <a:t>单击图标添加图片</a:t>
+            </a:r>
+            <a:endParaRPr lang="en-US" dirty="0"/>
           </a:p>
         </p:txBody>
       </p:sp>
       <p:sp>
         <p:nvSpPr>
-          <p:cNvPr id="4" name="文本占位符 3"/>
+          <p:cNvPr id="4" name="Text Placeholder 3"/>
           <p:cNvSpPr>
             <a:spLocks noGrp="1"/>
           </p:cNvSpPr>
@@ -2316,14 +3031,23 @@
         </p:nvSpPr>
         <p:spPr>
           <a:xfrm>
-            <a:off x="839788" y="2057400"/>
-            <a:ext cx="3932237" cy="3811588"/>
+            <a:off x="723900" y="2855968"/>
+            <a:ext cx="3855720" cy="3011432"/>
           </a:xfrm>
         </p:spPr>
         <p:txBody>
           <a:bodyPr/>
           <a:lstStyle>
             <a:lvl1pPr marL="0" indent="0">
+              <a:lnSpc>
+                <a:spcPct val="113000"/>
+              </a:lnSpc>
+              <a:spcBef>
+                <a:spcPts val="0"/>
+              </a:spcBef>
+              <a:spcAft>
+                <a:spcPts val="1500"/>
+              </a:spcAft>
               <a:buNone/>
               <a:defRPr sz="1600"/>
             </a:lvl1pPr>
@@ -2371,7 +3095,7 @@
       </p:sp>
       <p:sp>
         <p:nvSpPr>
-          <p:cNvPr id="5" name="日期占位符 4"/>
+          <p:cNvPr id="5" name="Date Placeholder 4"/>
           <p:cNvSpPr>
             <a:spLocks noGrp="1"/>
           </p:cNvSpPr>
@@ -2379,14 +3103,27 @@
             <p:ph type="dt" sz="half" idx="10"/>
           </p:nvPr>
         </p:nvSpPr>
-        <p:spPr/>
+        <p:spPr>
+          <a:xfrm>
+            <a:off x="723900" y="6453386"/>
+            <a:ext cx="1204572" cy="404614"/>
+          </a:xfrm>
+        </p:spPr>
         <p:txBody>
           <a:bodyPr/>
-          <a:lstStyle/>
+          <a:lstStyle>
+            <a:lvl1pPr>
+              <a:defRPr>
+                <a:solidFill>
+                  <a:schemeClr val="tx2"/>
+                </a:solidFill>
+              </a:defRPr>
+            </a:lvl1pPr>
+          </a:lstStyle>
           <a:p>
             <a:fld id="{6DA64518-D73A-4D8C-B96A-E5E8C7740B70}" type="datetimeFigureOut">
               <a:rPr lang="zh-CN" altLang="en-US" smtClean="0"/>
-              <a:t>2019/3/13</a:t>
+              <a:t>2019-3-14</a:t>
             </a:fld>
             <a:endParaRPr lang="zh-CN" altLang="en-US"/>
           </a:p>
@@ -2394,7 +3131,7 @@
       </p:sp>
       <p:sp>
         <p:nvSpPr>
-          <p:cNvPr id="6" name="页脚占位符 5"/>
+          <p:cNvPr id="6" name="Footer Placeholder 5"/>
           <p:cNvSpPr>
             <a:spLocks noGrp="1"/>
           </p:cNvSpPr>
@@ -2402,10 +3139,23 @@
             <p:ph type="ftr" sz="quarter" idx="11"/>
           </p:nvPr>
         </p:nvSpPr>
-        <p:spPr/>
+        <p:spPr>
+          <a:xfrm>
+            <a:off x="2205945" y="6453386"/>
+            <a:ext cx="2373675" cy="404614"/>
+          </a:xfrm>
+        </p:spPr>
         <p:txBody>
           <a:bodyPr/>
-          <a:lstStyle/>
+          <a:lstStyle>
+            <a:lvl1pPr>
+              <a:defRPr>
+                <a:solidFill>
+                  <a:schemeClr val="tx2"/>
+                </a:solidFill>
+              </a:defRPr>
+            </a:lvl1pPr>
+          </a:lstStyle>
           <a:p>
             <a:endParaRPr lang="zh-CN" altLang="en-US"/>
           </a:p>
@@ -2413,7 +3163,7 @@
       </p:sp>
       <p:sp>
         <p:nvSpPr>
-          <p:cNvPr id="7" name="灯片编号占位符 6"/>
+          <p:cNvPr id="7" name="Slide Number Placeholder 6"/>
           <p:cNvSpPr>
             <a:spLocks noGrp="1"/>
           </p:cNvSpPr>
@@ -2421,10 +3171,23 @@
             <p:ph type="sldNum" sz="quarter" idx="12"/>
           </p:nvPr>
         </p:nvSpPr>
-        <p:spPr/>
+        <p:spPr>
+          <a:xfrm>
+            <a:off x="9883140" y="6453386"/>
+            <a:ext cx="1596292" cy="404614"/>
+          </a:xfrm>
+        </p:spPr>
         <p:txBody>
           <a:bodyPr/>
-          <a:lstStyle/>
+          <a:lstStyle>
+            <a:lvl1pPr>
+              <a:defRPr>
+                <a:solidFill>
+                  <a:schemeClr val="tx2"/>
+                </a:solidFill>
+              </a:defRPr>
+            </a:lvl1pPr>
+          </a:lstStyle>
           <a:p>
             <a:fld id="{6A03DA62-4045-4DE9-8794-918BF31E3139}" type="slidenum">
               <a:rPr lang="zh-CN" altLang="en-US" smtClean="0"/>
@@ -2434,10 +3197,48 @@
           </a:p>
         </p:txBody>
       </p:sp>
+      <p:sp>
+        <p:nvSpPr>
+          <p:cNvPr id="9" name="Rectangle 8" title="Divider Bar"/>
+          <p:cNvSpPr/>
+          <p:nvPr/>
+        </p:nvSpPr>
+        <p:spPr>
+          <a:xfrm>
+            <a:off x="5303520" y="376"/>
+            <a:ext cx="228600" cy="6858000"/>
+          </a:xfrm>
+          <a:prstGeom prst="rect">
+            <a:avLst/>
+          </a:prstGeom>
+          <a:solidFill>
+            <a:schemeClr val="tx2"/>
+          </a:solidFill>
+          <a:ln>
+            <a:noFill/>
+          </a:ln>
+        </p:spPr>
+        <p:style>
+          <a:lnRef idx="2">
+            <a:schemeClr val="accent1">
+              <a:shade val="50000"/>
+            </a:schemeClr>
+          </a:lnRef>
+          <a:fillRef idx="1">
+            <a:schemeClr val="accent1"/>
+          </a:fillRef>
+          <a:effectRef idx="0">
+            <a:schemeClr val="accent1"/>
+          </a:effectRef>
+          <a:fontRef idx="minor">
+            <a:schemeClr val="lt1"/>
+          </a:fontRef>
+        </p:style>
+      </p:sp>
     </p:spTree>
     <p:extLst>
       <p:ext uri="{BB962C8B-B14F-4D97-AF65-F5344CB8AC3E}">
-        <p14:creationId xmlns:p14="http://schemas.microsoft.com/office/powerpoint/2010/main" val="56098418"/>
+        <p14:creationId xmlns:p14="http://schemas.microsoft.com/office/powerpoint/2010/main" val="548804439"/>
       </p:ext>
     </p:extLst>
   </p:cSld>
@@ -2451,9 +3252,12 @@
 <p:sldMaster xmlns:a="http://schemas.openxmlformats.org/drawingml/2006/main" xmlns:r="http://schemas.openxmlformats.org/officeDocument/2006/relationships" xmlns:p="http://schemas.openxmlformats.org/presentationml/2006/main">
   <p:cSld>
     <p:bg>
-      <p:bgRef idx="1001">
-        <a:schemeClr val="bg1"/>
-      </p:bgRef>
+      <p:bgPr>
+        <a:solidFill>
+          <a:schemeClr val="bg2"/>
+        </a:solidFill>
+        <a:effectLst/>
+      </p:bgPr>
     </p:bg>
     <p:spTree>
       <p:nvGrpSpPr>
@@ -2471,7 +3275,7 @@
       </p:grpSpPr>
       <p:sp>
         <p:nvSpPr>
-          <p:cNvPr id="2" name="标题占位符 1"/>
+          <p:cNvPr id="2" name="Title Placeholder 1"/>
           <p:cNvSpPr>
             <a:spLocks noGrp="1"/>
           </p:cNvSpPr>
@@ -2481,15 +3285,15 @@
         </p:nvSpPr>
         <p:spPr>
           <a:xfrm>
-            <a:off x="838200" y="365125"/>
-            <a:ext cx="10515600" cy="1325563"/>
+            <a:off x="1371600" y="685800"/>
+            <a:ext cx="9601200" cy="1485900"/>
           </a:xfrm>
           <a:prstGeom prst="rect">
             <a:avLst/>
           </a:prstGeom>
         </p:spPr>
         <p:txBody>
-          <a:bodyPr vert="horz" lIns="91440" tIns="45720" rIns="91440" bIns="45720" rtlCol="0" anchor="ctr">
+          <a:bodyPr vert="horz" lIns="91440" tIns="45720" rIns="91440" bIns="45720" rtlCol="0" anchor="t">
             <a:normAutofit/>
           </a:bodyPr>
           <a:lstStyle/>
@@ -2498,13 +3302,13 @@
               <a:rPr lang="zh-CN" altLang="en-US" smtClean="0"/>
               <a:t>单击此处编辑母版标题样式</a:t>
             </a:r>
-            <a:endParaRPr lang="zh-CN" altLang="en-US"/>
+            <a:endParaRPr lang="en-US" dirty="0"/>
           </a:p>
         </p:txBody>
       </p:sp>
       <p:sp>
         <p:nvSpPr>
-          <p:cNvPr id="3" name="文本占位符 2"/>
+          <p:cNvPr id="3" name="Text Placeholder 2"/>
           <p:cNvSpPr>
             <a:spLocks noGrp="1"/>
           </p:cNvSpPr>
@@ -2514,8 +3318,8 @@
         </p:nvSpPr>
         <p:spPr>
           <a:xfrm>
-            <a:off x="838200" y="1825625"/>
-            <a:ext cx="10515600" cy="4351338"/>
+            <a:off x="1371600" y="2286000"/>
+            <a:ext cx="9601200" cy="3581400"/>
           </a:xfrm>
           <a:prstGeom prst="rect">
             <a:avLst/>
@@ -2537,36 +3341,36 @@
             <a:pPr lvl="1"/>
             <a:r>
               <a:rPr lang="zh-CN" altLang="en-US" smtClean="0"/>
-              <a:t>第二级</a:t>
+              <a:t>二级</a:t>
             </a:r>
           </a:p>
           <a:p>
             <a:pPr lvl="2"/>
             <a:r>
               <a:rPr lang="zh-CN" altLang="en-US" smtClean="0"/>
-              <a:t>第三级</a:t>
+              <a:t>三级</a:t>
             </a:r>
           </a:p>
           <a:p>
             <a:pPr lvl="3"/>
             <a:r>
               <a:rPr lang="zh-CN" altLang="en-US" smtClean="0"/>
-              <a:t>第四级</a:t>
+              <a:t>四级</a:t>
             </a:r>
           </a:p>
           <a:p>
             <a:pPr lvl="4"/>
             <a:r>
               <a:rPr lang="zh-CN" altLang="en-US" smtClean="0"/>
-              <a:t>第五级</a:t>
-            </a:r>
-            <a:endParaRPr lang="zh-CN" altLang="en-US"/>
+              <a:t>五级</a:t>
+            </a:r>
+            <a:endParaRPr lang="en-US" dirty="0"/>
           </a:p>
         </p:txBody>
       </p:sp>
       <p:sp>
         <p:nvSpPr>
-          <p:cNvPr id="4" name="日期占位符 3"/>
+          <p:cNvPr id="4" name="Date Placeholder 3"/>
           <p:cNvSpPr>
             <a:spLocks noGrp="1"/>
           </p:cNvSpPr>
@@ -2576,8 +3380,8 @@
         </p:nvSpPr>
         <p:spPr>
           <a:xfrm>
-            <a:off x="838200" y="6356350"/>
-            <a:ext cx="2743200" cy="365125"/>
+            <a:off x="1390650" y="6453386"/>
+            <a:ext cx="1204572" cy="404614"/>
           </a:xfrm>
           <a:prstGeom prst="rect">
             <a:avLst/>
@@ -2587,11 +3391,9 @@
           <a:bodyPr vert="horz" lIns="91440" tIns="45720" rIns="91440" bIns="45720" rtlCol="0" anchor="ctr"/>
           <a:lstStyle>
             <a:lvl1pPr algn="l">
-              <a:defRPr sz="1200">
+              <a:defRPr sz="1200" baseline="0">
                 <a:solidFill>
-                  <a:schemeClr val="tx1">
-                    <a:tint val="75000"/>
-                  </a:schemeClr>
+                  <a:schemeClr val="tx2"/>
                 </a:solidFill>
               </a:defRPr>
             </a:lvl1pPr>
@@ -2599,7 +3401,7 @@
           <a:p>
             <a:fld id="{6DA64518-D73A-4D8C-B96A-E5E8C7740B70}" type="datetimeFigureOut">
               <a:rPr lang="zh-CN" altLang="en-US" smtClean="0"/>
-              <a:t>2019/3/13</a:t>
+              <a:t>2019-3-14</a:t>
             </a:fld>
             <a:endParaRPr lang="zh-CN" altLang="en-US"/>
           </a:p>
@@ -2607,7 +3409,7 @@
       </p:sp>
       <p:sp>
         <p:nvSpPr>
-          <p:cNvPr id="5" name="页脚占位符 4"/>
+          <p:cNvPr id="5" name="Footer Placeholder 4"/>
           <p:cNvSpPr>
             <a:spLocks noGrp="1"/>
           </p:cNvSpPr>
@@ -2617,8 +3419,8 @@
         </p:nvSpPr>
         <p:spPr>
           <a:xfrm>
-            <a:off x="4038600" y="6356350"/>
-            <a:ext cx="4114800" cy="365125"/>
+            <a:off x="2893564" y="6453386"/>
+            <a:ext cx="6280830" cy="404614"/>
           </a:xfrm>
           <a:prstGeom prst="rect">
             <a:avLst/>
@@ -2627,12 +3429,10 @@
         <p:txBody>
           <a:bodyPr vert="horz" lIns="91440" tIns="45720" rIns="91440" bIns="45720" rtlCol="0" anchor="ctr"/>
           <a:lstStyle>
-            <a:lvl1pPr algn="ctr">
-              <a:defRPr sz="1200">
+            <a:lvl1pPr algn="l">
+              <a:defRPr sz="1200" baseline="0">
                 <a:solidFill>
-                  <a:schemeClr val="tx1">
-                    <a:tint val="75000"/>
-                  </a:schemeClr>
+                  <a:schemeClr val="tx2"/>
                 </a:solidFill>
               </a:defRPr>
             </a:lvl1pPr>
@@ -2644,7 +3444,7 @@
       </p:sp>
       <p:sp>
         <p:nvSpPr>
-          <p:cNvPr id="6" name="灯片编号占位符 5"/>
+          <p:cNvPr id="6" name="Slide Number Placeholder 5"/>
           <p:cNvSpPr>
             <a:spLocks noGrp="1"/>
           </p:cNvSpPr>
@@ -2654,8 +3454,8 @@
         </p:nvSpPr>
         <p:spPr>
           <a:xfrm>
-            <a:off x="8610600" y="6356350"/>
-            <a:ext cx="2743200" cy="365125"/>
+            <a:off x="9472736" y="6453386"/>
+            <a:ext cx="1596292" cy="404614"/>
           </a:xfrm>
           <a:prstGeom prst="rect">
             <a:avLst/>
@@ -2665,11 +3465,9 @@
           <a:bodyPr vert="horz" lIns="91440" tIns="45720" rIns="91440" bIns="45720" rtlCol="0" anchor="ctr"/>
           <a:lstStyle>
             <a:lvl1pPr algn="r">
-              <a:defRPr sz="1200">
+              <a:defRPr sz="1200" baseline="0">
                 <a:solidFill>
-                  <a:schemeClr val="tx1">
-                    <a:tint val="75000"/>
-                  </a:schemeClr>
+                  <a:schemeClr val="tx2"/>
                 </a:solidFill>
               </a:defRPr>
             </a:lvl1pPr>
@@ -2683,40 +3481,78 @@
           </a:p>
         </p:txBody>
       </p:sp>
+      <p:sp>
+        <p:nvSpPr>
+          <p:cNvPr id="9" name="Rectangle 8" title="Side bar"/>
+          <p:cNvSpPr/>
+          <p:nvPr/>
+        </p:nvSpPr>
+        <p:spPr>
+          <a:xfrm>
+            <a:off x="478095" y="376"/>
+            <a:ext cx="228600" cy="6858000"/>
+          </a:xfrm>
+          <a:prstGeom prst="rect">
+            <a:avLst/>
+          </a:prstGeom>
+          <a:solidFill>
+            <a:schemeClr val="tx2"/>
+          </a:solidFill>
+          <a:ln>
+            <a:noFill/>
+          </a:ln>
+        </p:spPr>
+        <p:style>
+          <a:lnRef idx="2">
+            <a:schemeClr val="accent1">
+              <a:shade val="50000"/>
+            </a:schemeClr>
+          </a:lnRef>
+          <a:fillRef idx="1">
+            <a:schemeClr val="accent1"/>
+          </a:fillRef>
+          <a:effectRef idx="0">
+            <a:schemeClr val="accent1"/>
+          </a:effectRef>
+          <a:fontRef idx="minor">
+            <a:schemeClr val="lt1"/>
+          </a:fontRef>
+        </p:style>
+      </p:sp>
     </p:spTree>
     <p:extLst>
       <p:ext uri="{BB962C8B-B14F-4D97-AF65-F5344CB8AC3E}">
-        <p14:creationId xmlns:p14="http://schemas.microsoft.com/office/powerpoint/2010/main" val="1289338379"/>
+        <p14:creationId xmlns:p14="http://schemas.microsoft.com/office/powerpoint/2010/main" val="1963135549"/>
       </p:ext>
     </p:extLst>
   </p:cSld>
   <p:clrMap bg1="lt1" tx1="dk1" bg2="lt2" tx2="dk2" accent1="accent1" accent2="accent2" accent3="accent3" accent4="accent4" accent5="accent5" accent6="accent6" hlink="hlink" folHlink="folHlink"/>
   <p:sldLayoutIdLst>
-    <p:sldLayoutId id="2147483649" r:id="rId1"/>
-    <p:sldLayoutId id="2147483650" r:id="rId2"/>
-    <p:sldLayoutId id="2147483651" r:id="rId3"/>
-    <p:sldLayoutId id="2147483652" r:id="rId4"/>
-    <p:sldLayoutId id="2147483653" r:id="rId5"/>
-    <p:sldLayoutId id="2147483654" r:id="rId6"/>
-    <p:sldLayoutId id="2147483655" r:id="rId7"/>
-    <p:sldLayoutId id="2147483656" r:id="rId8"/>
-    <p:sldLayoutId id="2147483657" r:id="rId9"/>
-    <p:sldLayoutId id="2147483658" r:id="rId10"/>
-    <p:sldLayoutId id="2147483659" r:id="rId11"/>
+    <p:sldLayoutId id="2147483661" r:id="rId1"/>
+    <p:sldLayoutId id="2147483662" r:id="rId2"/>
+    <p:sldLayoutId id="2147483663" r:id="rId3"/>
+    <p:sldLayoutId id="2147483664" r:id="rId4"/>
+    <p:sldLayoutId id="2147483665" r:id="rId5"/>
+    <p:sldLayoutId id="2147483666" r:id="rId6"/>
+    <p:sldLayoutId id="2147483667" r:id="rId7"/>
+    <p:sldLayoutId id="2147483668" r:id="rId8"/>
+    <p:sldLayoutId id="2147483669" r:id="rId9"/>
+    <p:sldLayoutId id="2147483670" r:id="rId10"/>
+    <p:sldLayoutId id="2147483671" r:id="rId11"/>
   </p:sldLayoutIdLst>
   <p:txStyles>
     <p:titleStyle>
       <a:lvl1pPr algn="l" defTabSz="914400" rtl="0" eaLnBrk="1" latinLnBrk="0" hangingPunct="1">
         <a:lnSpc>
-          <a:spcPct val="90000"/>
+          <a:spcPct val="89000"/>
         </a:lnSpc>
         <a:spcBef>
           <a:spcPct val="0"/>
         </a:spcBef>
         <a:buNone/>
-        <a:defRPr sz="4400" kern="1200">
+        <a:defRPr sz="4400" kern="1200" baseline="0">
           <a:solidFill>
-            <a:schemeClr val="tx1"/>
+            <a:schemeClr val="tx2"/>
           </a:solidFill>
           <a:latin typeface="+mj-lt"/>
           <a:ea typeface="+mj-ea"/>
@@ -2725,162 +3561,189 @@
       </a:lvl1pPr>
     </p:titleStyle>
     <p:bodyStyle>
-      <a:lvl1pPr marL="228600" indent="-228600" algn="l" defTabSz="914400" rtl="0" eaLnBrk="1" latinLnBrk="0" hangingPunct="1">
+      <a:lvl1pPr marL="384048" indent="-384048" algn="l" defTabSz="914400" rtl="0" eaLnBrk="1" latinLnBrk="0" hangingPunct="1">
         <a:lnSpc>
-          <a:spcPct val="90000"/>
+          <a:spcPct val="120000"/>
         </a:lnSpc>
         <a:spcBef>
           <a:spcPts val="1000"/>
         </a:spcBef>
-        <a:buFont typeface="Arial" panose="020B0604020202020204" pitchFamily="34" charset="0"/>
-        <a:buChar char="•"/>
-        <a:defRPr sz="2800" kern="1200">
+        <a:spcAft>
+          <a:spcPts val="200"/>
+        </a:spcAft>
+        <a:buFont typeface="Franklin Gothic Book" panose="020B0503020102020204" pitchFamily="34" charset="0"/>
+        <a:buChar char="■"/>
+        <a:defRPr sz="2800" kern="1200" baseline="0">
           <a:solidFill>
-            <a:schemeClr val="tx1"/>
+            <a:schemeClr val="tx2"/>
           </a:solidFill>
           <a:latin typeface="+mn-lt"/>
           <a:ea typeface="+mn-ea"/>
           <a:cs typeface="+mn-cs"/>
         </a:defRPr>
       </a:lvl1pPr>
-      <a:lvl2pPr marL="685800" indent="-228600" algn="l" defTabSz="914400" rtl="0" eaLnBrk="1" latinLnBrk="0" hangingPunct="1">
+      <a:lvl2pPr marL="384048" indent="-384048" algn="l" defTabSz="914400" rtl="0" eaLnBrk="1" latinLnBrk="0" hangingPunct="1">
         <a:lnSpc>
-          <a:spcPct val="90000"/>
+          <a:spcPct val="120000"/>
         </a:lnSpc>
         <a:spcBef>
           <a:spcPts val="500"/>
         </a:spcBef>
-        <a:buFont typeface="Arial" panose="020B0604020202020204" pitchFamily="34" charset="0"/>
-        <a:buChar char="•"/>
-        <a:defRPr sz="2400" kern="1200">
+        <a:spcAft>
+          <a:spcPts val="200"/>
+        </a:spcAft>
+        <a:buFont typeface="Franklin Gothic Book" panose="020B0503020102020204" pitchFamily="34" charset="0"/>
+        <a:buChar char="–"/>
+        <a:defRPr sz="2800" i="1" kern="1200" baseline="0">
           <a:solidFill>
-            <a:schemeClr val="tx1"/>
+            <a:schemeClr val="tx2"/>
           </a:solidFill>
           <a:latin typeface="+mn-lt"/>
           <a:ea typeface="+mn-ea"/>
           <a:cs typeface="+mn-cs"/>
         </a:defRPr>
       </a:lvl2pPr>
-      <a:lvl3pPr marL="1143000" indent="-228600" algn="l" defTabSz="914400" rtl="0" eaLnBrk="1" latinLnBrk="0" hangingPunct="1">
+      <a:lvl3pPr marL="384048" indent="-384048" algn="l" defTabSz="914400" rtl="0" eaLnBrk="1" latinLnBrk="0" hangingPunct="1">
         <a:lnSpc>
-          <a:spcPct val="90000"/>
+          <a:spcPct val="120000"/>
         </a:lnSpc>
         <a:spcBef>
           <a:spcPts val="500"/>
         </a:spcBef>
-        <a:buFont typeface="Arial" panose="020B0604020202020204" pitchFamily="34" charset="0"/>
-        <a:buChar char="•"/>
-        <a:defRPr sz="2000" kern="1200">
+        <a:spcAft>
+          <a:spcPts val="200"/>
+        </a:spcAft>
+        <a:buFont typeface="Franklin Gothic Book" panose="020B0503020102020204" pitchFamily="34" charset="0"/>
+        <a:buChar char="■"/>
+        <a:defRPr sz="2800" kern="1200" baseline="0">
           <a:solidFill>
-            <a:schemeClr val="tx1"/>
+            <a:schemeClr val="tx2"/>
           </a:solidFill>
           <a:latin typeface="+mn-lt"/>
           <a:ea typeface="+mn-ea"/>
           <a:cs typeface="+mn-cs"/>
         </a:defRPr>
       </a:lvl3pPr>
-      <a:lvl4pPr marL="1600200" indent="-228600" algn="l" defTabSz="914400" rtl="0" eaLnBrk="1" latinLnBrk="0" hangingPunct="1">
+      <a:lvl4pPr marL="384048" indent="-384048" algn="l" defTabSz="914400" rtl="0" eaLnBrk="1" latinLnBrk="0" hangingPunct="1">
         <a:lnSpc>
-          <a:spcPct val="90000"/>
+          <a:spcPct val="120000"/>
         </a:lnSpc>
         <a:spcBef>
           <a:spcPts val="500"/>
         </a:spcBef>
-        <a:buFont typeface="Arial" panose="020B0604020202020204" pitchFamily="34" charset="0"/>
-        <a:buChar char="•"/>
-        <a:defRPr sz="1800" kern="1200">
+        <a:spcAft>
+          <a:spcPts val="200"/>
+        </a:spcAft>
+        <a:buFont typeface="Franklin Gothic Book" panose="020B0503020102020204" pitchFamily="34" charset="0"/>
+        <a:buChar char="–"/>
+        <a:defRPr sz="2800" i="1" kern="1200" baseline="0">
           <a:solidFill>
-            <a:schemeClr val="tx1"/>
+            <a:schemeClr val="tx2"/>
           </a:solidFill>
           <a:latin typeface="+mn-lt"/>
           <a:ea typeface="+mn-ea"/>
           <a:cs typeface="+mn-cs"/>
         </a:defRPr>
       </a:lvl4pPr>
-      <a:lvl5pPr marL="2057400" indent="-228600" algn="l" defTabSz="914400" rtl="0" eaLnBrk="1" latinLnBrk="0" hangingPunct="1">
+      <a:lvl5pPr marL="384048" indent="-384048" algn="l" defTabSz="914400" rtl="0" eaLnBrk="1" latinLnBrk="0" hangingPunct="1">
         <a:lnSpc>
-          <a:spcPct val="90000"/>
+          <a:spcPct val="120000"/>
         </a:lnSpc>
         <a:spcBef>
           <a:spcPts val="500"/>
         </a:spcBef>
-        <a:buFont typeface="Arial" panose="020B0604020202020204" pitchFamily="34" charset="0"/>
-        <a:buChar char="•"/>
-        <a:defRPr sz="1800" kern="1200">
+        <a:spcAft>
+          <a:spcPts val="200"/>
+        </a:spcAft>
+        <a:buFont typeface="Franklin Gothic Book" panose="020B0503020102020204" pitchFamily="34" charset="0"/>
+        <a:buChar char="■"/>
+        <a:defRPr sz="2800" kern="1200" baseline="0">
           <a:solidFill>
-            <a:schemeClr val="tx1"/>
+            <a:schemeClr val="tx2"/>
           </a:solidFill>
           <a:latin typeface="+mn-lt"/>
           <a:ea typeface="+mn-ea"/>
           <a:cs typeface="+mn-cs"/>
         </a:defRPr>
       </a:lvl5pPr>
-      <a:lvl6pPr marL="2514600" indent="-228600" algn="l" defTabSz="914400" rtl="0" eaLnBrk="1" latinLnBrk="0" hangingPunct="1">
+      <a:lvl6pPr marL="384048" indent="-384048" algn="l" defTabSz="914400" rtl="0" eaLnBrk="1" latinLnBrk="0" hangingPunct="1">
         <a:lnSpc>
-          <a:spcPct val="90000"/>
+          <a:spcPct val="94000"/>
         </a:lnSpc>
         <a:spcBef>
           <a:spcPts val="500"/>
         </a:spcBef>
-        <a:buFont typeface="Arial" panose="020B0604020202020204" pitchFamily="34" charset="0"/>
-        <a:buChar char="•"/>
-        <a:defRPr sz="1800" kern="1200">
+        <a:spcAft>
+          <a:spcPts val="200"/>
+        </a:spcAft>
+        <a:buFont typeface="Franklin Gothic Book" panose="020B0503020102020204" pitchFamily="34" charset="0"/>
+        <a:buChar char="–"/>
+        <a:defRPr sz="1600" i="1" kern="1200" baseline="0">
           <a:solidFill>
-            <a:schemeClr val="tx1"/>
+            <a:schemeClr val="tx2"/>
           </a:solidFill>
           <a:latin typeface="+mn-lt"/>
           <a:ea typeface="+mn-ea"/>
           <a:cs typeface="+mn-cs"/>
         </a:defRPr>
       </a:lvl6pPr>
-      <a:lvl7pPr marL="2971800" indent="-228600" algn="l" defTabSz="914400" rtl="0" eaLnBrk="1" latinLnBrk="0" hangingPunct="1">
+      <a:lvl7pPr marL="384048" indent="-384048" algn="l" defTabSz="914400" rtl="0" eaLnBrk="1" latinLnBrk="0" hangingPunct="1">
         <a:lnSpc>
-          <a:spcPct val="90000"/>
+          <a:spcPct val="94000"/>
         </a:lnSpc>
         <a:spcBef>
           <a:spcPts val="500"/>
         </a:spcBef>
-        <a:buFont typeface="Arial" panose="020B0604020202020204" pitchFamily="34" charset="0"/>
-        <a:buChar char="•"/>
-        <a:defRPr sz="1800" kern="1200">
+        <a:spcAft>
+          <a:spcPts val="200"/>
+        </a:spcAft>
+        <a:buFont typeface="Franklin Gothic Book" panose="020B0503020102020204" pitchFamily="34" charset="0"/>
+        <a:buChar char="■"/>
+        <a:defRPr sz="1400" kern="1200" baseline="0">
           <a:solidFill>
-            <a:schemeClr val="tx1"/>
+            <a:schemeClr val="tx2"/>
           </a:solidFill>
           <a:latin typeface="+mn-lt"/>
           <a:ea typeface="+mn-ea"/>
           <a:cs typeface="+mn-cs"/>
         </a:defRPr>
       </a:lvl7pPr>
-      <a:lvl8pPr marL="3429000" indent="-228600" algn="l" defTabSz="914400" rtl="0" eaLnBrk="1" latinLnBrk="0" hangingPunct="1">
+      <a:lvl8pPr marL="384048" indent="-384048" algn="l" defTabSz="914400" rtl="0" eaLnBrk="1" latinLnBrk="0" hangingPunct="1">
         <a:lnSpc>
-          <a:spcPct val="90000"/>
+          <a:spcPct val="94000"/>
         </a:lnSpc>
         <a:spcBef>
           <a:spcPts val="500"/>
         </a:spcBef>
-        <a:buFont typeface="Arial" panose="020B0604020202020204" pitchFamily="34" charset="0"/>
-        <a:buChar char="•"/>
-        <a:defRPr sz="1800" kern="1200">
+        <a:spcAft>
+          <a:spcPts val="200"/>
+        </a:spcAft>
+        <a:buFont typeface="Franklin Gothic Book" panose="020B0503020102020204" pitchFamily="34" charset="0"/>
+        <a:buChar char="–"/>
+        <a:defRPr sz="1400" i="1" kern="1200" baseline="0">
           <a:solidFill>
-            <a:schemeClr val="tx1"/>
+            <a:schemeClr val="tx2"/>
           </a:solidFill>
           <a:latin typeface="+mn-lt"/>
           <a:ea typeface="+mn-ea"/>
           <a:cs typeface="+mn-cs"/>
         </a:defRPr>
       </a:lvl8pPr>
-      <a:lvl9pPr marL="3886200" indent="-228600" algn="l" defTabSz="914400" rtl="0" eaLnBrk="1" latinLnBrk="0" hangingPunct="1">
+      <a:lvl9pPr marL="384048" indent="-384048" algn="l" defTabSz="914400" rtl="0" eaLnBrk="1" latinLnBrk="0" hangingPunct="1">
         <a:lnSpc>
-          <a:spcPct val="90000"/>
+          <a:spcPct val="94000"/>
         </a:lnSpc>
         <a:spcBef>
           <a:spcPts val="500"/>
         </a:spcBef>
-        <a:buFont typeface="Arial" panose="020B0604020202020204" pitchFamily="34" charset="0"/>
-        <a:buChar char="•"/>
-        <a:defRPr sz="1800" kern="1200">
+        <a:spcAft>
+          <a:spcPts val="200"/>
+        </a:spcAft>
+        <a:buFont typeface="Franklin Gothic Book" panose="020B0503020102020204" pitchFamily="34" charset="0"/>
+        <a:buChar char="■"/>
+        <a:defRPr sz="1400" kern="1200" baseline="0">
           <a:solidFill>
-            <a:schemeClr val="tx1"/>
+            <a:schemeClr val="tx2"/>
           </a:solidFill>
           <a:latin typeface="+mn-lt"/>
           <a:ea typeface="+mn-ea"/>
@@ -2890,7 +3753,7 @@
     </p:bodyStyle>
     <p:otherStyle>
       <a:defPPr>
-        <a:defRPr lang="zh-CN"/>
+        <a:defRPr lang="en-US"/>
       </a:defPPr>
       <a:lvl1pPr marL="0" algn="l" defTabSz="914400" rtl="0" eaLnBrk="1" latinLnBrk="0" hangingPunct="1">
         <a:defRPr sz="1800" kern="1200">
@@ -2984,6 +3847,52 @@
       </a:lvl9pPr>
     </p:otherStyle>
   </p:txStyles>
+  <p:extLst mod="1">
+    <p:ext uri="{27BBF7A9-308A-43DC-89C8-2F10F3537804}">
+      <p15:sldGuideLst xmlns:p15="http://schemas.microsoft.com/office/powerpoint/2012/main">
+        <p15:guide id="4294967295" orient="horz" pos="1368">
+          <p15:clr>
+            <a:srgbClr val="F26B43"/>
+          </p15:clr>
+        </p15:guide>
+        <p15:guide id="4294967295" orient="horz" pos="1440">
+          <p15:clr>
+            <a:srgbClr val="F26B43"/>
+          </p15:clr>
+        </p15:guide>
+        <p15:guide id="4294967295" orient="horz" pos="3696">
+          <p15:clr>
+            <a:srgbClr val="F26B43"/>
+          </p15:clr>
+        </p15:guide>
+        <p15:guide id="4294967295" orient="horz" pos="432">
+          <p15:clr>
+            <a:srgbClr val="F26B43"/>
+          </p15:clr>
+        </p15:guide>
+        <p15:guide id="4294967295" orient="horz" pos="1512">
+          <p15:clr>
+            <a:srgbClr val="F26B43"/>
+          </p15:clr>
+        </p15:guide>
+        <p15:guide id="4294967295" pos="6912">
+          <p15:clr>
+            <a:srgbClr val="F26B43"/>
+          </p15:clr>
+        </p15:guide>
+        <p15:guide id="4294967295" pos="936">
+          <p15:clr>
+            <a:srgbClr val="F26B43"/>
+          </p15:clr>
+        </p15:guide>
+        <p15:guide id="4294967295" pos="864">
+          <p15:clr>
+            <a:srgbClr val="F26B43"/>
+          </p15:clr>
+        </p15:guide>
+      </p15:sldGuideLst>
+    </p:ext>
+  </p:extLst>
 </p:sldMaster>
 </file>
 
@@ -3125,7 +4034,9 @@
           </a:xfrm>
         </p:spPr>
         <p:txBody>
-          <a:bodyPr/>
+          <a:bodyPr>
+            <a:normAutofit fontScale="92500" lnSpcReduction="20000"/>
+          </a:bodyPr>
           <a:lstStyle/>
           <a:p>
             <a:r>
@@ -4393,7 +5304,7 @@
                                   <m:chr m:val="̅"/>
                                   <m:ctrlPr>
                                     <a:rPr lang="en-US" altLang="zh-CN" i="1" smtClean="0">
-                                      <a:latin typeface="Cambria Math" charset="0"/>
+                                      <a:latin typeface="Cambria Math" panose="02040503050406030204" pitchFamily="18" charset="0"/>
                                     </a:rPr>
                                   </m:ctrlPr>
                                 </m:accPr>
@@ -4402,7 +5313,7 @@
                                     <m:sSubPr>
                                       <m:ctrlPr>
                                         <a:rPr lang="en-US" altLang="zh-CN" i="1" smtClean="0">
-                                          <a:latin typeface="Cambria Math" charset="0"/>
+                                          <a:latin typeface="Cambria Math" panose="02040503050406030204" pitchFamily="18" charset="0"/>
                                         </a:rPr>
                                       </m:ctrlPr>
                                     </m:sSubPr>
@@ -4859,7 +5770,7 @@
                         <m:chr m:val="̅"/>
                         <m:ctrlPr>
                           <a:rPr lang="en-US" altLang="zh-CN" i="1">
-                            <a:latin typeface="Cambria Math" charset="0"/>
+                            <a:latin typeface="Cambria Math" panose="02040503050406030204" pitchFamily="18" charset="0"/>
                           </a:rPr>
                         </m:ctrlPr>
                       </m:accPr>
@@ -4921,7 +5832,7 @@
                           <m:supHide m:val="on"/>
                           <m:ctrlPr>
                             <a:rPr lang="en-US" altLang="zh-CN" i="1">
-                              <a:latin typeface="Cambria Math" charset="0"/>
+                              <a:latin typeface="Cambria Math" panose="02040503050406030204" pitchFamily="18" charset="0"/>
                             </a:rPr>
                           </m:ctrlPr>
                         </m:naryPr>
@@ -4932,7 +5843,7 @@
                             <m:sSubPr>
                               <m:ctrlPr>
                                 <a:rPr lang="en-US" altLang="zh-CN" i="1">
-                                  <a:latin typeface="Cambria Math" charset="0"/>
+                                  <a:latin typeface="Cambria Math" panose="02040503050406030204" pitchFamily="18" charset="0"/>
                                 </a:rPr>
                               </m:ctrlPr>
                             </m:sSubPr>
@@ -4957,7 +5868,7 @@
                             <m:sSupPr>
                               <m:ctrlPr>
                                 <a:rPr lang="en-US" altLang="zh-CN" i="1">
-                                  <a:latin typeface="Cambria Math" charset="0"/>
+                                  <a:latin typeface="Cambria Math" panose="02040503050406030204" pitchFamily="18" charset="0"/>
                                 </a:rPr>
                               </m:ctrlPr>
                             </m:sSupPr>
@@ -4973,7 +5884,7 @@
                                   <m:chr m:val="̅"/>
                                   <m:ctrlPr>
                                     <a:rPr lang="en-US" altLang="zh-CN" i="1">
-                                      <a:latin typeface="Cambria Math" charset="0"/>
+                                      <a:latin typeface="Cambria Math" panose="02040503050406030204" pitchFamily="18" charset="0"/>
                                     </a:rPr>
                                   </m:ctrlPr>
                                 </m:accPr>
@@ -4982,7 +5893,7 @@
                                     <m:sSubPr>
                                       <m:ctrlPr>
                                         <a:rPr lang="en-US" altLang="zh-CN" i="1">
-                                          <a:latin typeface="Cambria Math" charset="0"/>
+                                          <a:latin typeface="Cambria Math" panose="02040503050406030204" pitchFamily="18" charset="0"/>
                                         </a:rPr>
                                       </m:ctrlPr>
                                     </m:sSubPr>
@@ -5016,7 +5927,7 @@
                                   <m:chr m:val="̅"/>
                                   <m:ctrlPr>
                                     <a:rPr lang="en-US" altLang="zh-CN" i="1">
-                                      <a:latin typeface="Cambria Math" charset="0"/>
+                                      <a:latin typeface="Cambria Math" panose="02040503050406030204" pitchFamily="18" charset="0"/>
                                     </a:rPr>
                                   </m:ctrlPr>
                                 </m:accPr>
@@ -5352,7 +6263,7 @@
                           <m:supHide m:val="on"/>
                           <m:ctrlPr>
                             <a:rPr lang="en-US" altLang="zh-CN" i="1">
-                              <a:latin typeface="Cambria Math" charset="0"/>
+                              <a:latin typeface="Cambria Math" panose="02040503050406030204" pitchFamily="18" charset="0"/>
                             </a:rPr>
                           </m:ctrlPr>
                         </m:naryPr>
@@ -5363,7 +6274,7 @@
                             <m:sSupPr>
                               <m:ctrlPr>
                                 <a:rPr lang="en-US" altLang="zh-CN" i="1">
-                                  <a:latin typeface="Cambria Math" charset="0"/>
+                                  <a:latin typeface="Cambria Math" panose="02040503050406030204" pitchFamily="18" charset="0"/>
                                 </a:rPr>
                               </m:ctrlPr>
                             </m:sSupPr>
@@ -5391,7 +6302,7 @@
                                   <m:chr m:val="̅"/>
                                   <m:ctrlPr>
                                     <a:rPr lang="en-US" altLang="zh-CN" i="1">
-                                      <a:latin typeface="Cambria Math" charset="0"/>
+                                      <a:latin typeface="Cambria Math" panose="02040503050406030204" pitchFamily="18" charset="0"/>
                                     </a:rPr>
                                   </m:ctrlPr>
                                 </m:accPr>
@@ -5400,7 +6311,7 @@
                                     <m:sSubPr>
                                       <m:ctrlPr>
                                         <a:rPr lang="en-US" altLang="zh-CN" i="1">
-                                          <a:latin typeface="Cambria Math" charset="0"/>
+                                          <a:latin typeface="Cambria Math" panose="02040503050406030204" pitchFamily="18" charset="0"/>
                                         </a:rPr>
                                       </m:ctrlPr>
                                     </m:sSubPr>
@@ -5579,7 +6490,7 @@
                                     <m:chr m:val="̅"/>
                                     <m:ctrlPr>
                                       <a:rPr lang="en-US" altLang="zh-CN" i="1">
-                                        <a:latin typeface="Cambria Math" charset="0"/>
+                                        <a:latin typeface="Cambria Math" panose="02040503050406030204" pitchFamily="18" charset="0"/>
                                       </a:rPr>
                                     </m:ctrlPr>
                                   </m:accPr>
@@ -5588,7 +6499,7 @@
                                       <m:sSubPr>
                                         <m:ctrlPr>
                                           <a:rPr lang="en-US" altLang="zh-CN" i="1">
-                                            <a:latin typeface="Cambria Math" charset="0"/>
+                                            <a:latin typeface="Cambria Math" panose="02040503050406030204" pitchFamily="18" charset="0"/>
                                           </a:rPr>
                                         </m:ctrlPr>
                                       </m:sSubPr>
@@ -5635,7 +6546,7 @@
                                   <m:sSupPr>
                                     <m:ctrlPr>
                                       <a:rPr lang="en-US" altLang="zh-CN" i="1" smtClean="0">
-                                        <a:latin typeface="Cambria Math" charset="0"/>
+                                        <a:latin typeface="Cambria Math" panose="02040503050406030204" pitchFamily="18" charset="0"/>
                                       </a:rPr>
                                     </m:ctrlPr>
                                   </m:sSupPr>
@@ -5663,7 +6574,7 @@
                                         <m:chr m:val="̅"/>
                                         <m:ctrlPr>
                                           <a:rPr lang="en-US" altLang="zh-CN" i="1">
-                                            <a:latin typeface="Cambria Math" charset="0"/>
+                                            <a:latin typeface="Cambria Math" panose="02040503050406030204" pitchFamily="18" charset="0"/>
                                           </a:rPr>
                                         </m:ctrlPr>
                                       </m:accPr>
@@ -5672,7 +6583,7 @@
                                           <m:sSubPr>
                                             <m:ctrlPr>
                                               <a:rPr lang="en-US" altLang="zh-CN" i="1">
-                                                <a:latin typeface="Cambria Math" charset="0"/>
+                                                <a:latin typeface="Cambria Math" panose="02040503050406030204" pitchFamily="18" charset="0"/>
                                               </a:rPr>
                                             </m:ctrlPr>
                                           </m:sSubPr>
@@ -6874,7 +7785,7 @@
                           <m:supHide m:val="on"/>
                           <m:ctrlPr>
                             <a:rPr lang="en-US" altLang="zh-CN" i="1">
-                              <a:latin typeface="Cambria Math" charset="0"/>
+                              <a:latin typeface="Cambria Math" panose="02040503050406030204" pitchFamily="18" charset="0"/>
                             </a:rPr>
                           </m:ctrlPr>
                         </m:naryPr>
@@ -6885,7 +7796,7 @@
                             <m:sSupPr>
                               <m:ctrlPr>
                                 <a:rPr lang="en-US" altLang="zh-CN" i="1">
-                                  <a:latin typeface="Cambria Math" charset="0"/>
+                                  <a:latin typeface="Cambria Math" panose="02040503050406030204" pitchFamily="18" charset="0"/>
                                 </a:rPr>
                               </m:ctrlPr>
                             </m:sSupPr>
@@ -6913,7 +7824,7 @@
                                   <m:chr m:val="̅"/>
                                   <m:ctrlPr>
                                     <a:rPr lang="en-US" altLang="zh-CN" i="1">
-                                      <a:latin typeface="Cambria Math" charset="0"/>
+                                      <a:latin typeface="Cambria Math" panose="02040503050406030204" pitchFamily="18" charset="0"/>
                                     </a:rPr>
                                   </m:ctrlPr>
                                 </m:accPr>
@@ -6922,7 +7833,7 @@
                                     <m:sSubPr>
                                       <m:ctrlPr>
                                         <a:rPr lang="en-US" altLang="zh-CN" i="1">
-                                          <a:latin typeface="Cambria Math" charset="0"/>
+                                          <a:latin typeface="Cambria Math" panose="02040503050406030204" pitchFamily="18" charset="0"/>
                                         </a:rPr>
                                       </m:ctrlPr>
                                     </m:sSubPr>
@@ -7101,7 +8012,7 @@
                                     <m:chr m:val="̅"/>
                                     <m:ctrlPr>
                                       <a:rPr lang="en-US" altLang="zh-CN" i="1">
-                                        <a:latin typeface="Cambria Math" charset="0"/>
+                                        <a:latin typeface="Cambria Math" panose="02040503050406030204" pitchFamily="18" charset="0"/>
                                       </a:rPr>
                                     </m:ctrlPr>
                                   </m:accPr>
@@ -7110,7 +8021,7 @@
                                       <m:sSubPr>
                                         <m:ctrlPr>
                                           <a:rPr lang="en-US" altLang="zh-CN" i="1">
-                                            <a:latin typeface="Cambria Math" charset="0"/>
+                                            <a:latin typeface="Cambria Math" panose="02040503050406030204" pitchFamily="18" charset="0"/>
                                           </a:rPr>
                                         </m:ctrlPr>
                                       </m:sSubPr>
@@ -7157,7 +8068,7 @@
                                   <m:sSupPr>
                                     <m:ctrlPr>
                                       <a:rPr lang="en-US" altLang="zh-CN" i="1" smtClean="0">
-                                        <a:latin typeface="Cambria Math" charset="0"/>
+                                        <a:latin typeface="Cambria Math" panose="02040503050406030204" pitchFamily="18" charset="0"/>
                                       </a:rPr>
                                     </m:ctrlPr>
                                   </m:sSupPr>
@@ -7185,7 +8096,7 @@
                                         <m:chr m:val="̅"/>
                                         <m:ctrlPr>
                                           <a:rPr lang="en-US" altLang="zh-CN" i="1">
-                                            <a:latin typeface="Cambria Math" charset="0"/>
+                                            <a:latin typeface="Cambria Math" panose="02040503050406030204" pitchFamily="18" charset="0"/>
                                           </a:rPr>
                                         </m:ctrlPr>
                                       </m:accPr>
@@ -7194,7 +8105,7 @@
                                           <m:sSubPr>
                                             <m:ctrlPr>
                                               <a:rPr lang="en-US" altLang="zh-CN" i="1">
-                                                <a:latin typeface="Cambria Math" charset="0"/>
+                                                <a:latin typeface="Cambria Math" panose="02040503050406030204" pitchFamily="18" charset="0"/>
                                               </a:rPr>
                                             </m:ctrlPr>
                                           </m:sSubPr>
@@ -8236,7 +9147,7 @@
                           <m:supHide m:val="on"/>
                           <m:ctrlPr>
                             <a:rPr lang="en-US" altLang="zh-CN" i="1">
-                              <a:latin typeface="Cambria Math" charset="0"/>
+                              <a:latin typeface="Cambria Math" panose="02040503050406030204" pitchFamily="18" charset="0"/>
                             </a:rPr>
                           </m:ctrlPr>
                         </m:naryPr>
@@ -8247,7 +9158,7 @@
                             <m:sSupPr>
                               <m:ctrlPr>
                                 <a:rPr lang="en-US" altLang="zh-CN" i="1">
-                                  <a:latin typeface="Cambria Math" charset="0"/>
+                                  <a:latin typeface="Cambria Math" panose="02040503050406030204" pitchFamily="18" charset="0"/>
                                 </a:rPr>
                               </m:ctrlPr>
                             </m:sSupPr>
@@ -8275,7 +9186,7 @@
                                   <m:chr m:val="̅"/>
                                   <m:ctrlPr>
                                     <a:rPr lang="en-US" altLang="zh-CN" i="1">
-                                      <a:latin typeface="Cambria Math" charset="0"/>
+                                      <a:latin typeface="Cambria Math" panose="02040503050406030204" pitchFamily="18" charset="0"/>
                                     </a:rPr>
                                   </m:ctrlPr>
                                 </m:accPr>
@@ -8284,7 +9195,7 @@
                                     <m:sSubPr>
                                       <m:ctrlPr>
                                         <a:rPr lang="en-US" altLang="zh-CN" i="1">
-                                          <a:latin typeface="Cambria Math" charset="0"/>
+                                          <a:latin typeface="Cambria Math" panose="02040503050406030204" pitchFamily="18" charset="0"/>
                                         </a:rPr>
                                       </m:ctrlPr>
                                     </m:sSubPr>
@@ -8463,7 +9374,7 @@
                                     <m:chr m:val="̅"/>
                                     <m:ctrlPr>
                                       <a:rPr lang="en-US" altLang="zh-CN" i="1">
-                                        <a:latin typeface="Cambria Math" charset="0"/>
+                                        <a:latin typeface="Cambria Math" panose="02040503050406030204" pitchFamily="18" charset="0"/>
                                       </a:rPr>
                                     </m:ctrlPr>
                                   </m:accPr>
@@ -8472,7 +9383,7 @@
                                       <m:sSubPr>
                                         <m:ctrlPr>
                                           <a:rPr lang="en-US" altLang="zh-CN" i="1">
-                                            <a:latin typeface="Cambria Math" charset="0"/>
+                                            <a:latin typeface="Cambria Math" panose="02040503050406030204" pitchFamily="18" charset="0"/>
                                           </a:rPr>
                                         </m:ctrlPr>
                                       </m:sSubPr>
@@ -8519,7 +9430,7 @@
                                   <m:sSupPr>
                                     <m:ctrlPr>
                                       <a:rPr lang="en-US" altLang="zh-CN" i="1" smtClean="0">
-                                        <a:latin typeface="Cambria Math" charset="0"/>
+                                        <a:latin typeface="Cambria Math" panose="02040503050406030204" pitchFamily="18" charset="0"/>
                                       </a:rPr>
                                     </m:ctrlPr>
                                   </m:sSupPr>
@@ -8547,7 +9458,7 @@
                                         <m:chr m:val="̅"/>
                                         <m:ctrlPr>
                                           <a:rPr lang="en-US" altLang="zh-CN" i="1">
-                                            <a:latin typeface="Cambria Math" charset="0"/>
+                                            <a:latin typeface="Cambria Math" panose="02040503050406030204" pitchFamily="18" charset="0"/>
                                           </a:rPr>
                                         </m:ctrlPr>
                                       </m:accPr>
@@ -8556,7 +9467,7 @@
                                           <m:sSubPr>
                                             <m:ctrlPr>
                                               <a:rPr lang="en-US" altLang="zh-CN" i="1">
-                                                <a:latin typeface="Cambria Math" charset="0"/>
+                                                <a:latin typeface="Cambria Math" panose="02040503050406030204" pitchFamily="18" charset="0"/>
                                               </a:rPr>
                                             </m:ctrlPr>
                                           </m:sSubPr>
@@ -9598,7 +10509,7 @@
                           <m:supHide m:val="on"/>
                           <m:ctrlPr>
                             <a:rPr lang="en-US" altLang="zh-CN" i="1">
-                              <a:latin typeface="Cambria Math" charset="0"/>
+                              <a:latin typeface="Cambria Math" panose="02040503050406030204" pitchFamily="18" charset="0"/>
                             </a:rPr>
                           </m:ctrlPr>
                         </m:naryPr>
@@ -9609,7 +10520,7 @@
                             <m:sSupPr>
                               <m:ctrlPr>
                                 <a:rPr lang="en-US" altLang="zh-CN" i="1">
-                                  <a:latin typeface="Cambria Math" charset="0"/>
+                                  <a:latin typeface="Cambria Math" panose="02040503050406030204" pitchFamily="18" charset="0"/>
                                 </a:rPr>
                               </m:ctrlPr>
                             </m:sSupPr>
@@ -9637,7 +10548,7 @@
                                   <m:chr m:val="̅"/>
                                   <m:ctrlPr>
                                     <a:rPr lang="en-US" altLang="zh-CN" i="1">
-                                      <a:latin typeface="Cambria Math" charset="0"/>
+                                      <a:latin typeface="Cambria Math" panose="02040503050406030204" pitchFamily="18" charset="0"/>
                                     </a:rPr>
                                   </m:ctrlPr>
                                 </m:accPr>
@@ -9646,7 +10557,7 @@
                                     <m:sSubPr>
                                       <m:ctrlPr>
                                         <a:rPr lang="en-US" altLang="zh-CN" i="1">
-                                          <a:latin typeface="Cambria Math" charset="0"/>
+                                          <a:latin typeface="Cambria Math" panose="02040503050406030204" pitchFamily="18" charset="0"/>
                                         </a:rPr>
                                       </m:ctrlPr>
                                     </m:sSubPr>
@@ -9825,7 +10736,7 @@
                                     <m:chr m:val="̅"/>
                                     <m:ctrlPr>
                                       <a:rPr lang="en-US" altLang="zh-CN" i="1">
-                                        <a:latin typeface="Cambria Math" charset="0"/>
+                                        <a:latin typeface="Cambria Math" panose="02040503050406030204" pitchFamily="18" charset="0"/>
                                       </a:rPr>
                                     </m:ctrlPr>
                                   </m:accPr>
@@ -9834,7 +10745,7 @@
                                       <m:sSubPr>
                                         <m:ctrlPr>
                                           <a:rPr lang="en-US" altLang="zh-CN" i="1">
-                                            <a:latin typeface="Cambria Math" charset="0"/>
+                                            <a:latin typeface="Cambria Math" panose="02040503050406030204" pitchFamily="18" charset="0"/>
                                           </a:rPr>
                                         </m:ctrlPr>
                                       </m:sSubPr>
@@ -9881,7 +10792,7 @@
                                   <m:sSupPr>
                                     <m:ctrlPr>
                                       <a:rPr lang="en-US" altLang="zh-CN" i="1" smtClean="0">
-                                        <a:latin typeface="Cambria Math" charset="0"/>
+                                        <a:latin typeface="Cambria Math" panose="02040503050406030204" pitchFamily="18" charset="0"/>
                                       </a:rPr>
                                     </m:ctrlPr>
                                   </m:sSupPr>
@@ -9909,7 +10820,7 @@
                                         <m:chr m:val="̅"/>
                                         <m:ctrlPr>
                                           <a:rPr lang="en-US" altLang="zh-CN" i="1">
-                                            <a:latin typeface="Cambria Math" charset="0"/>
+                                            <a:latin typeface="Cambria Math" panose="02040503050406030204" pitchFamily="18" charset="0"/>
                                           </a:rPr>
                                         </m:ctrlPr>
                                       </m:accPr>
@@ -9918,7 +10829,7 @@
                                           <m:sSubPr>
                                             <m:ctrlPr>
                                               <a:rPr lang="en-US" altLang="zh-CN" i="1">
-                                                <a:latin typeface="Cambria Math" charset="0"/>
+                                                <a:latin typeface="Cambria Math" panose="02040503050406030204" pitchFamily="18" charset="0"/>
                                               </a:rPr>
                                             </m:ctrlPr>
                                           </m:sSubPr>
@@ -10901,7 +11812,7 @@
         </p:spPr>
         <p:txBody>
           <a:bodyPr>
-            <a:normAutofit/>
+            <a:normAutofit fontScale="77500" lnSpcReduction="20000"/>
           </a:bodyPr>
           <a:lstStyle/>
           <a:p>
@@ -10972,11 +11883,7 @@
             </a:r>
             <a:r>
               <a:rPr lang="zh-CN" altLang="en-US" dirty="0" smtClean="0"/>
-              <a:t>，</a:t>
-            </a:r>
-            <a:r>
-              <a:rPr lang="zh-CN" altLang="en-US" dirty="0" smtClean="0"/>
-              <a:t>样本标准差</a:t>
+              <a:t>，样本标准差</a:t>
             </a:r>
             <a:r>
               <a:rPr lang="en-US" altLang="zh-CN" dirty="0" smtClean="0"/>
@@ -11006,11 +11913,7 @@
             <a:pPr lvl="1"/>
             <a:r>
               <a:rPr lang="zh-CN" altLang="en-US" dirty="0" smtClean="0"/>
-              <a:t>试验</a:t>
-            </a:r>
-            <a:r>
-              <a:rPr lang="zh-CN" altLang="en-US" dirty="0" smtClean="0"/>
-              <a:t>前后差：平均值</a:t>
+              <a:t>试验前后差：平均值</a:t>
             </a:r>
             <a:r>
               <a:rPr lang="en-US" altLang="zh-CN" b="1" dirty="0"/>
@@ -11022,11 +11925,7 @@
             </a:r>
             <a:r>
               <a:rPr lang="zh-CN" altLang="en-US" dirty="0" smtClean="0"/>
-              <a:t> </a:t>
-            </a:r>
-            <a:r>
-              <a:rPr lang="zh-CN" altLang="en-US" dirty="0" smtClean="0"/>
-              <a:t>，样本标准差</a:t>
+              <a:t> ，样本标准差</a:t>
             </a:r>
             <a:r>
               <a:rPr lang="en-US" altLang="zh-CN" dirty="0" smtClean="0"/>
@@ -11093,17 +11992,12 @@
             </a:r>
             <a:r>
               <a:rPr lang="zh-CN" altLang="en-US" dirty="0" smtClean="0"/>
-              <a:t> </a:t>
-            </a:r>
-            <a:r>
-              <a:rPr lang="zh-CN" altLang="en-US" dirty="0" smtClean="0"/>
-              <a:t>，样本标准差</a:t>
+              <a:t> ，样本标准差</a:t>
             </a:r>
             <a:r>
               <a:rPr lang="en-US" altLang="zh-CN" dirty="0" smtClean="0"/>
               <a:t>0.750</a:t>
             </a:r>
-            <a:endParaRPr lang="en-US" altLang="zh-CN" dirty="0" smtClean="0"/>
           </a:p>
           <a:p>
             <a:pPr lvl="1"/>
@@ -11121,17 +12015,12 @@
             </a:r>
             <a:r>
               <a:rPr lang="zh-CN" altLang="en-US" dirty="0" smtClean="0"/>
-              <a:t> </a:t>
-            </a:r>
-            <a:r>
-              <a:rPr lang="zh-CN" altLang="en-US" dirty="0" smtClean="0"/>
-              <a:t>，样本标准差</a:t>
+              <a:t> ，样本标准差</a:t>
             </a:r>
             <a:r>
               <a:rPr lang="en-US" altLang="zh-CN" dirty="0" smtClean="0"/>
               <a:t>0.210</a:t>
             </a:r>
-            <a:endParaRPr lang="en-US" altLang="zh-CN" dirty="0" smtClean="0"/>
           </a:p>
           <a:p>
             <a:pPr lvl="1"/>
@@ -11239,7 +12128,7 @@
             </p:nvGraphicFramePr>
             <p:xfrm>
               <a:off x="838200" y="2740025"/>
-              <a:ext cx="10515600" cy="2158683"/>
+              <a:ext cx="10515600" cy="2158746"/>
             </p:xfrm>
             <a:graphic>
               <a:graphicData uri="http://schemas.openxmlformats.org/drawingml/2006/table">
@@ -11378,7 +12267,7 @@
                                     <m:supHide m:val="on"/>
                                     <m:ctrlPr>
                                       <a:rPr lang="en-US" altLang="zh-CN" b="0" i="1" smtClean="0">
-                                        <a:latin typeface="Cambria Math" charset="0"/>
+                                        <a:latin typeface="Cambria Math" panose="02040503050406030204" pitchFamily="18" charset="0"/>
                                       </a:rPr>
                                     </m:ctrlPr>
                                   </m:naryPr>
@@ -11389,7 +12278,7 @@
                                       <m:sSubPr>
                                         <m:ctrlPr>
                                           <a:rPr lang="en-US" altLang="zh-CN" b="0" i="1" smtClean="0">
-                                            <a:latin typeface="Cambria Math" charset="0"/>
+                                            <a:latin typeface="Cambria Math" panose="02040503050406030204" pitchFamily="18" charset="0"/>
                                           </a:rPr>
                                         </m:ctrlPr>
                                       </m:sSubPr>
@@ -11414,7 +12303,7 @@
                                       <m:sSupPr>
                                         <m:ctrlPr>
                                           <a:rPr lang="en-US" altLang="zh-CN" b="0" i="1" smtClean="0">
-                                            <a:latin typeface="Cambria Math" charset="0"/>
+                                            <a:latin typeface="Cambria Math" panose="02040503050406030204" pitchFamily="18" charset="0"/>
                                           </a:rPr>
                                         </m:ctrlPr>
                                       </m:sSupPr>
@@ -11430,7 +12319,7 @@
                                             <m:chr m:val="̅"/>
                                             <m:ctrlPr>
                                               <a:rPr lang="en-US" altLang="zh-CN" b="0" i="1" smtClean="0">
-                                                <a:latin typeface="Cambria Math" charset="0"/>
+                                                <a:latin typeface="Cambria Math" panose="02040503050406030204" pitchFamily="18" charset="0"/>
                                               </a:rPr>
                                             </m:ctrlPr>
                                           </m:accPr>
@@ -11439,7 +12328,7 @@
                                               <m:sSubPr>
                                                 <m:ctrlPr>
                                                   <a:rPr lang="en-US" altLang="zh-CN" b="0" i="1" smtClean="0">
-                                                    <a:latin typeface="Cambria Math" charset="0"/>
+                                                    <a:latin typeface="Cambria Math" panose="02040503050406030204" pitchFamily="18" charset="0"/>
                                                   </a:rPr>
                                                 </m:ctrlPr>
                                               </m:sSubPr>
@@ -11473,7 +12362,7 @@
                                             <m:chr m:val="̅"/>
                                             <m:ctrlPr>
                                               <a:rPr lang="en-US" altLang="zh-CN" b="0" i="1" smtClean="0">
-                                                <a:latin typeface="Cambria Math" charset="0"/>
+                                                <a:latin typeface="Cambria Math" panose="02040503050406030204" pitchFamily="18" charset="0"/>
                                               </a:rPr>
                                             </m:ctrlPr>
                                           </m:accPr>
@@ -11607,7 +12496,7 @@
                                   <m:supHide m:val="on"/>
                                   <m:ctrlPr>
                                     <a:rPr lang="en-US" altLang="zh-CN" b="0" i="1" smtClean="0">
-                                      <a:latin typeface="Cambria Math" charset="0"/>
+                                      <a:latin typeface="Cambria Math" panose="02040503050406030204" pitchFamily="18" charset="0"/>
                                     </a:rPr>
                                   </m:ctrlPr>
                                 </m:naryPr>
@@ -11618,7 +12507,7 @@
                                     <m:sSupPr>
                                       <m:ctrlPr>
                                         <a:rPr lang="en-US" altLang="zh-CN" b="0" i="1" smtClean="0">
-                                          <a:latin typeface="Cambria Math" charset="0"/>
+                                          <a:latin typeface="Cambria Math" panose="02040503050406030204" pitchFamily="18" charset="0"/>
                                         </a:rPr>
                                       </m:ctrlPr>
                                     </m:sSupPr>
@@ -11646,7 +12535,7 @@
                                           <m:chr m:val="̅"/>
                                           <m:ctrlPr>
                                             <a:rPr lang="en-US" altLang="zh-CN" b="0" i="1" smtClean="0">
-                                              <a:latin typeface="Cambria Math" charset="0"/>
+                                              <a:latin typeface="Cambria Math" panose="02040503050406030204" pitchFamily="18" charset="0"/>
                                             </a:rPr>
                                           </m:ctrlPr>
                                         </m:accPr>
@@ -11655,7 +12544,7 @@
                                             <m:sSubPr>
                                               <m:ctrlPr>
                                                 <a:rPr lang="en-US" altLang="zh-CN" b="0" i="1" smtClean="0">
-                                                  <a:latin typeface="Cambria Math" charset="0"/>
+                                                  <a:latin typeface="Cambria Math" panose="02040503050406030204" pitchFamily="18" charset="0"/>
                                                 </a:rPr>
                                               </m:ctrlPr>
                                             </m:sSubPr>
@@ -11792,7 +12681,7 @@
                                   <m:supHide m:val="on"/>
                                   <m:ctrlPr>
                                     <a:rPr lang="en-US" altLang="zh-CN" b="0" i="1" smtClean="0">
-                                      <a:latin typeface="Cambria Math" charset="0"/>
+                                      <a:latin typeface="Cambria Math" panose="02040503050406030204" pitchFamily="18" charset="0"/>
                                     </a:rPr>
                                   </m:ctrlPr>
                                 </m:naryPr>
@@ -11806,7 +12695,7 @@
                                       <m:supHide m:val="on"/>
                                       <m:ctrlPr>
                                         <a:rPr lang="en-US" altLang="zh-CN" b="0" i="1" smtClean="0">
-                                          <a:latin typeface="Cambria Math" charset="0"/>
+                                          <a:latin typeface="Cambria Math" panose="02040503050406030204" pitchFamily="18" charset="0"/>
                                         </a:rPr>
                                       </m:ctrlPr>
                                     </m:naryPr>
@@ -11817,7 +12706,7 @@
                                         <m:sSupPr>
                                           <m:ctrlPr>
                                             <a:rPr lang="en-US" altLang="zh-CN" b="0" i="1" smtClean="0">
-                                              <a:latin typeface="Cambria Math" charset="0"/>
+                                              <a:latin typeface="Cambria Math" panose="02040503050406030204" pitchFamily="18" charset="0"/>
                                             </a:rPr>
                                           </m:ctrlPr>
                                         </m:sSupPr>
@@ -11845,7 +12734,7 @@
                                               <m:chr m:val="̅"/>
                                               <m:ctrlPr>
                                                 <a:rPr lang="en-US" altLang="zh-CN" b="0" i="1" smtClean="0">
-                                                  <a:latin typeface="Cambria Math" charset="0"/>
+                                                  <a:latin typeface="Cambria Math" panose="02040503050406030204" pitchFamily="18" charset="0"/>
                                                 </a:rPr>
                                               </m:ctrlPr>
                                             </m:accPr>
@@ -12477,7 +13366,9 @@
           </a:xfrm>
         </p:spPr>
         <p:txBody>
-          <a:bodyPr/>
+          <a:bodyPr>
+            <a:normAutofit fontScale="92500" lnSpcReduction="20000"/>
+          </a:bodyPr>
           <a:lstStyle/>
           <a:p>
             <a:r>
@@ -13676,7 +14567,7 @@
                                   <m:chr m:val="̅"/>
                                   <m:ctrlPr>
                                     <a:rPr lang="en-US" altLang="zh-CN" i="1" smtClean="0">
-                                      <a:latin typeface="Cambria Math" charset="0"/>
+                                      <a:latin typeface="Cambria Math" panose="02040503050406030204" pitchFamily="18" charset="0"/>
                                     </a:rPr>
                                   </m:ctrlPr>
                                 </m:accPr>
@@ -13685,7 +14576,7 @@
                                     <m:sSubPr>
                                       <m:ctrlPr>
                                         <a:rPr lang="en-US" altLang="zh-CN" i="1" smtClean="0">
-                                          <a:latin typeface="Cambria Math" charset="0"/>
+                                          <a:latin typeface="Cambria Math" panose="02040503050406030204" pitchFamily="18" charset="0"/>
                                         </a:rPr>
                                       </m:ctrlPr>
                                     </m:sSubPr>
@@ -14114,7 +15005,7 @@
                         <m:chr m:val="̅"/>
                         <m:ctrlPr>
                           <a:rPr lang="en-US" altLang="zh-CN" i="1">
-                            <a:latin typeface="Cambria Math" charset="0"/>
+                            <a:latin typeface="Cambria Math" panose="02040503050406030204" pitchFamily="18" charset="0"/>
                           </a:rPr>
                         </m:ctrlPr>
                       </m:accPr>
@@ -14176,7 +15067,7 @@
                           <m:supHide m:val="on"/>
                           <m:ctrlPr>
                             <a:rPr lang="en-US" altLang="zh-CN" i="1">
-                              <a:latin typeface="Cambria Math" charset="0"/>
+                              <a:latin typeface="Cambria Math" panose="02040503050406030204" pitchFamily="18" charset="0"/>
                             </a:rPr>
                           </m:ctrlPr>
                         </m:naryPr>
@@ -14187,7 +15078,7 @@
                             <m:sSubPr>
                               <m:ctrlPr>
                                 <a:rPr lang="en-US" altLang="zh-CN" i="1">
-                                  <a:latin typeface="Cambria Math" charset="0"/>
+                                  <a:latin typeface="Cambria Math" panose="02040503050406030204" pitchFamily="18" charset="0"/>
                                 </a:rPr>
                               </m:ctrlPr>
                             </m:sSubPr>
@@ -14212,7 +15103,7 @@
                             <m:sSupPr>
                               <m:ctrlPr>
                                 <a:rPr lang="en-US" altLang="zh-CN" i="1">
-                                  <a:latin typeface="Cambria Math" charset="0"/>
+                                  <a:latin typeface="Cambria Math" panose="02040503050406030204" pitchFamily="18" charset="0"/>
                                 </a:rPr>
                               </m:ctrlPr>
                             </m:sSupPr>
@@ -14228,7 +15119,7 @@
                                   <m:chr m:val="̅"/>
                                   <m:ctrlPr>
                                     <a:rPr lang="en-US" altLang="zh-CN" i="1">
-                                      <a:latin typeface="Cambria Math" charset="0"/>
+                                      <a:latin typeface="Cambria Math" panose="02040503050406030204" pitchFamily="18" charset="0"/>
                                     </a:rPr>
                                   </m:ctrlPr>
                                 </m:accPr>
@@ -14237,7 +15128,7 @@
                                     <m:sSubPr>
                                       <m:ctrlPr>
                                         <a:rPr lang="en-US" altLang="zh-CN" i="1">
-                                          <a:latin typeface="Cambria Math" charset="0"/>
+                                          <a:latin typeface="Cambria Math" panose="02040503050406030204" pitchFamily="18" charset="0"/>
                                         </a:rPr>
                                       </m:ctrlPr>
                                     </m:sSubPr>
@@ -14271,7 +15162,7 @@
                                   <m:chr m:val="̅"/>
                                   <m:ctrlPr>
                                     <a:rPr lang="en-US" altLang="zh-CN" i="1">
-                                      <a:latin typeface="Cambria Math" charset="0"/>
+                                      <a:latin typeface="Cambria Math" panose="02040503050406030204" pitchFamily="18" charset="0"/>
                                     </a:rPr>
                                   </m:ctrlPr>
                                 </m:accPr>
@@ -14607,7 +15498,7 @@
                           <m:supHide m:val="on"/>
                           <m:ctrlPr>
                             <a:rPr lang="en-US" altLang="zh-CN" i="1">
-                              <a:latin typeface="Cambria Math" charset="0"/>
+                              <a:latin typeface="Cambria Math" panose="02040503050406030204" pitchFamily="18" charset="0"/>
                             </a:rPr>
                           </m:ctrlPr>
                         </m:naryPr>
@@ -14618,7 +15509,7 @@
                             <m:sSupPr>
                               <m:ctrlPr>
                                 <a:rPr lang="en-US" altLang="zh-CN" i="1">
-                                  <a:latin typeface="Cambria Math" charset="0"/>
+                                  <a:latin typeface="Cambria Math" panose="02040503050406030204" pitchFamily="18" charset="0"/>
                                 </a:rPr>
                               </m:ctrlPr>
                             </m:sSupPr>
@@ -14646,7 +15537,7 @@
                                   <m:chr m:val="̅"/>
                                   <m:ctrlPr>
                                     <a:rPr lang="en-US" altLang="zh-CN" i="1">
-                                      <a:latin typeface="Cambria Math" charset="0"/>
+                                      <a:latin typeface="Cambria Math" panose="02040503050406030204" pitchFamily="18" charset="0"/>
                                     </a:rPr>
                                   </m:ctrlPr>
                                 </m:accPr>
@@ -14655,7 +15546,7 @@
                                     <m:sSubPr>
                                       <m:ctrlPr>
                                         <a:rPr lang="en-US" altLang="zh-CN" i="1">
-                                          <a:latin typeface="Cambria Math" charset="0"/>
+                                          <a:latin typeface="Cambria Math" panose="02040503050406030204" pitchFamily="18" charset="0"/>
                                         </a:rPr>
                                       </m:ctrlPr>
                                     </m:sSubPr>
@@ -14834,7 +15725,7 @@
                                     <m:chr m:val="̅"/>
                                     <m:ctrlPr>
                                       <a:rPr lang="en-US" altLang="zh-CN" i="1">
-                                        <a:latin typeface="Cambria Math" charset="0"/>
+                                        <a:latin typeface="Cambria Math" panose="02040503050406030204" pitchFamily="18" charset="0"/>
                                       </a:rPr>
                                     </m:ctrlPr>
                                   </m:accPr>
@@ -14843,7 +15734,7 @@
                                       <m:sSubPr>
                                         <m:ctrlPr>
                                           <a:rPr lang="en-US" altLang="zh-CN" i="1">
-                                            <a:latin typeface="Cambria Math" charset="0"/>
+                                            <a:latin typeface="Cambria Math" panose="02040503050406030204" pitchFamily="18" charset="0"/>
                                           </a:rPr>
                                         </m:ctrlPr>
                                       </m:sSubPr>
@@ -14890,7 +15781,7 @@
                                   <m:sSupPr>
                                     <m:ctrlPr>
                                       <a:rPr lang="en-US" altLang="zh-CN" i="1" smtClean="0">
-                                        <a:latin typeface="Cambria Math" charset="0"/>
+                                        <a:latin typeface="Cambria Math" panose="02040503050406030204" pitchFamily="18" charset="0"/>
                                       </a:rPr>
                                     </m:ctrlPr>
                                   </m:sSupPr>
@@ -14918,7 +15809,7 @@
                                         <m:chr m:val="̅"/>
                                         <m:ctrlPr>
                                           <a:rPr lang="en-US" altLang="zh-CN" i="1">
-                                            <a:latin typeface="Cambria Math" charset="0"/>
+                                            <a:latin typeface="Cambria Math" panose="02040503050406030204" pitchFamily="18" charset="0"/>
                                           </a:rPr>
                                         </m:ctrlPr>
                                       </m:accPr>
@@ -14927,7 +15818,7 @@
                                           <m:sSubPr>
                                             <m:ctrlPr>
                                               <a:rPr lang="en-US" altLang="zh-CN" i="1">
-                                                <a:latin typeface="Cambria Math" charset="0"/>
+                                                <a:latin typeface="Cambria Math" panose="02040503050406030204" pitchFamily="18" charset="0"/>
                                               </a:rPr>
                                             </m:ctrlPr>
                                           </m:sSubPr>
@@ -16055,7 +16946,7 @@
                           <m:supHide m:val="on"/>
                           <m:ctrlPr>
                             <a:rPr lang="en-US" altLang="zh-CN" i="1">
-                              <a:latin typeface="Cambria Math" charset="0"/>
+                              <a:latin typeface="Cambria Math" panose="02040503050406030204" pitchFamily="18" charset="0"/>
                             </a:rPr>
                           </m:ctrlPr>
                         </m:naryPr>
@@ -16066,7 +16957,7 @@
                             <m:sSupPr>
                               <m:ctrlPr>
                                 <a:rPr lang="en-US" altLang="zh-CN" i="1">
-                                  <a:latin typeface="Cambria Math" charset="0"/>
+                                  <a:latin typeface="Cambria Math" panose="02040503050406030204" pitchFamily="18" charset="0"/>
                                 </a:rPr>
                               </m:ctrlPr>
                             </m:sSupPr>
@@ -16094,7 +16985,7 @@
                                   <m:chr m:val="̅"/>
                                   <m:ctrlPr>
                                     <a:rPr lang="en-US" altLang="zh-CN" i="1">
-                                      <a:latin typeface="Cambria Math" charset="0"/>
+                                      <a:latin typeface="Cambria Math" panose="02040503050406030204" pitchFamily="18" charset="0"/>
                                     </a:rPr>
                                   </m:ctrlPr>
                                 </m:accPr>
@@ -16103,7 +16994,7 @@
                                     <m:sSubPr>
                                       <m:ctrlPr>
                                         <a:rPr lang="en-US" altLang="zh-CN" i="1">
-                                          <a:latin typeface="Cambria Math" charset="0"/>
+                                          <a:latin typeface="Cambria Math" panose="02040503050406030204" pitchFamily="18" charset="0"/>
                                         </a:rPr>
                                       </m:ctrlPr>
                                     </m:sSubPr>
@@ -16282,7 +17173,7 @@
                                     <m:chr m:val="̅"/>
                                     <m:ctrlPr>
                                       <a:rPr lang="en-US" altLang="zh-CN" i="1">
-                                        <a:latin typeface="Cambria Math" charset="0"/>
+                                        <a:latin typeface="Cambria Math" panose="02040503050406030204" pitchFamily="18" charset="0"/>
                                       </a:rPr>
                                     </m:ctrlPr>
                                   </m:accPr>
@@ -16291,7 +17182,7 @@
                                       <m:sSubPr>
                                         <m:ctrlPr>
                                           <a:rPr lang="en-US" altLang="zh-CN" i="1">
-                                            <a:latin typeface="Cambria Math" charset="0"/>
+                                            <a:latin typeface="Cambria Math" panose="02040503050406030204" pitchFamily="18" charset="0"/>
                                           </a:rPr>
                                         </m:ctrlPr>
                                       </m:sSubPr>
@@ -16338,7 +17229,7 @@
                                   <m:sSupPr>
                                     <m:ctrlPr>
                                       <a:rPr lang="en-US" altLang="zh-CN" i="1" smtClean="0">
-                                        <a:latin typeface="Cambria Math" charset="0"/>
+                                        <a:latin typeface="Cambria Math" panose="02040503050406030204" pitchFamily="18" charset="0"/>
                                       </a:rPr>
                                     </m:ctrlPr>
                                   </m:sSupPr>
@@ -16366,7 +17257,7 @@
                                         <m:chr m:val="̅"/>
                                         <m:ctrlPr>
                                           <a:rPr lang="en-US" altLang="zh-CN" i="1">
-                                            <a:latin typeface="Cambria Math" charset="0"/>
+                                            <a:latin typeface="Cambria Math" panose="02040503050406030204" pitchFamily="18" charset="0"/>
                                           </a:rPr>
                                         </m:ctrlPr>
                                       </m:accPr>
@@ -16375,7 +17266,7 @@
                                           <m:sSubPr>
                                             <m:ctrlPr>
                                               <a:rPr lang="en-US" altLang="zh-CN" i="1">
-                                                <a:latin typeface="Cambria Math" charset="0"/>
+                                                <a:latin typeface="Cambria Math" panose="02040503050406030204" pitchFamily="18" charset="0"/>
                                               </a:rPr>
                                             </m:ctrlPr>
                                           </m:sSubPr>
@@ -17609,7 +18500,7 @@
                           <m:supHide m:val="on"/>
                           <m:ctrlPr>
                             <a:rPr lang="en-US" altLang="zh-CN" i="1">
-                              <a:latin typeface="Cambria Math" charset="0"/>
+                              <a:latin typeface="Cambria Math" panose="02040503050406030204" pitchFamily="18" charset="0"/>
                             </a:rPr>
                           </m:ctrlPr>
                         </m:naryPr>
@@ -17620,7 +18511,7 @@
                             <m:sSupPr>
                               <m:ctrlPr>
                                 <a:rPr lang="en-US" altLang="zh-CN" i="1">
-                                  <a:latin typeface="Cambria Math" charset="0"/>
+                                  <a:latin typeface="Cambria Math" panose="02040503050406030204" pitchFamily="18" charset="0"/>
                                 </a:rPr>
                               </m:ctrlPr>
                             </m:sSupPr>
@@ -17648,7 +18539,7 @@
                                   <m:chr m:val="̅"/>
                                   <m:ctrlPr>
                                     <a:rPr lang="en-US" altLang="zh-CN" i="1">
-                                      <a:latin typeface="Cambria Math" charset="0"/>
+                                      <a:latin typeface="Cambria Math" panose="02040503050406030204" pitchFamily="18" charset="0"/>
                                     </a:rPr>
                                   </m:ctrlPr>
                                 </m:accPr>
@@ -17657,7 +18548,7 @@
                                     <m:sSubPr>
                                       <m:ctrlPr>
                                         <a:rPr lang="en-US" altLang="zh-CN" i="1">
-                                          <a:latin typeface="Cambria Math" charset="0"/>
+                                          <a:latin typeface="Cambria Math" panose="02040503050406030204" pitchFamily="18" charset="0"/>
                                         </a:rPr>
                                       </m:ctrlPr>
                                     </m:sSubPr>
@@ -17836,7 +18727,7 @@
                                     <m:chr m:val="̅"/>
                                     <m:ctrlPr>
                                       <a:rPr lang="en-US" altLang="zh-CN" i="1">
-                                        <a:latin typeface="Cambria Math" charset="0"/>
+                                        <a:latin typeface="Cambria Math" panose="02040503050406030204" pitchFamily="18" charset="0"/>
                                       </a:rPr>
                                     </m:ctrlPr>
                                   </m:accPr>
@@ -17845,7 +18736,7 @@
                                       <m:sSubPr>
                                         <m:ctrlPr>
                                           <a:rPr lang="en-US" altLang="zh-CN" i="1">
-                                            <a:latin typeface="Cambria Math" charset="0"/>
+                                            <a:latin typeface="Cambria Math" panose="02040503050406030204" pitchFamily="18" charset="0"/>
                                           </a:rPr>
                                         </m:ctrlPr>
                                       </m:sSubPr>
@@ -17892,7 +18783,7 @@
                                   <m:sSupPr>
                                     <m:ctrlPr>
                                       <a:rPr lang="en-US" altLang="zh-CN" i="1" smtClean="0">
-                                        <a:latin typeface="Cambria Math" charset="0"/>
+                                        <a:latin typeface="Cambria Math" panose="02040503050406030204" pitchFamily="18" charset="0"/>
                                       </a:rPr>
                                     </m:ctrlPr>
                                   </m:sSupPr>
@@ -17920,7 +18811,7 @@
                                         <m:chr m:val="̅"/>
                                         <m:ctrlPr>
                                           <a:rPr lang="en-US" altLang="zh-CN" i="1">
-                                            <a:latin typeface="Cambria Math" charset="0"/>
+                                            <a:latin typeface="Cambria Math" panose="02040503050406030204" pitchFamily="18" charset="0"/>
                                           </a:rPr>
                                         </m:ctrlPr>
                                       </m:accPr>
@@ -17929,7 +18820,7 @@
                                           <m:sSubPr>
                                             <m:ctrlPr>
                                               <a:rPr lang="en-US" altLang="zh-CN" i="1">
-                                                <a:latin typeface="Cambria Math" charset="0"/>
+                                                <a:latin typeface="Cambria Math" panose="02040503050406030204" pitchFamily="18" charset="0"/>
                                               </a:rPr>
                                             </m:ctrlPr>
                                           </m:sSubPr>
@@ -19016,7 +19907,7 @@
             </p:nvGraphicFramePr>
             <p:xfrm>
               <a:off x="838200" y="2740025"/>
-              <a:ext cx="10515600" cy="2405444"/>
+              <a:ext cx="10515600" cy="2426780"/>
             </p:xfrm>
             <a:graphic>
               <a:graphicData uri="http://schemas.openxmlformats.org/drawingml/2006/table">
@@ -19155,7 +20046,7 @@
                                     <m:supHide m:val="on"/>
                                     <m:ctrlPr>
                                       <a:rPr lang="en-US" altLang="zh-CN" b="0" i="1" smtClean="0">
-                                        <a:latin typeface="Cambria Math" charset="0"/>
+                                        <a:latin typeface="Cambria Math" panose="02040503050406030204" pitchFamily="18" charset="0"/>
                                       </a:rPr>
                                     </m:ctrlPr>
                                   </m:naryPr>
@@ -19166,7 +20057,7 @@
                                       <m:sSubPr>
                                         <m:ctrlPr>
                                           <a:rPr lang="en-US" altLang="zh-CN" b="0" i="1" smtClean="0">
-                                            <a:latin typeface="Cambria Math" charset="0"/>
+                                            <a:latin typeface="Cambria Math" panose="02040503050406030204" pitchFamily="18" charset="0"/>
                                           </a:rPr>
                                         </m:ctrlPr>
                                       </m:sSubPr>
@@ -19191,7 +20082,7 @@
                                       <m:sSupPr>
                                         <m:ctrlPr>
                                           <a:rPr lang="en-US" altLang="zh-CN" b="0" i="1" smtClean="0">
-                                            <a:latin typeface="Cambria Math" charset="0"/>
+                                            <a:latin typeface="Cambria Math" panose="02040503050406030204" pitchFamily="18" charset="0"/>
                                           </a:rPr>
                                         </m:ctrlPr>
                                       </m:sSupPr>
@@ -19207,7 +20098,7 @@
                                             <m:chr m:val="̅"/>
                                             <m:ctrlPr>
                                               <a:rPr lang="en-US" altLang="zh-CN" b="0" i="1" smtClean="0">
-                                                <a:latin typeface="Cambria Math" charset="0"/>
+                                                <a:latin typeface="Cambria Math" panose="02040503050406030204" pitchFamily="18" charset="0"/>
                                               </a:rPr>
                                             </m:ctrlPr>
                                           </m:accPr>
@@ -19216,7 +20107,7 @@
                                               <m:sSubPr>
                                                 <m:ctrlPr>
                                                   <a:rPr lang="en-US" altLang="zh-CN" b="0" i="1" smtClean="0">
-                                                    <a:latin typeface="Cambria Math" charset="0"/>
+                                                    <a:latin typeface="Cambria Math" panose="02040503050406030204" pitchFamily="18" charset="0"/>
                                                   </a:rPr>
                                                 </m:ctrlPr>
                                               </m:sSubPr>
@@ -19250,7 +20141,7 @@
                                             <m:chr m:val="̅"/>
                                             <m:ctrlPr>
                                               <a:rPr lang="en-US" altLang="zh-CN" b="0" i="1" smtClean="0">
-                                                <a:latin typeface="Cambria Math" charset="0"/>
+                                                <a:latin typeface="Cambria Math" panose="02040503050406030204" pitchFamily="18" charset="0"/>
                                               </a:rPr>
                                             </m:ctrlPr>
                                           </m:accPr>
@@ -19391,7 +20282,7 @@
                                   <m:supHide m:val="on"/>
                                   <m:ctrlPr>
                                     <a:rPr lang="en-US" altLang="zh-CN" b="0" i="1" smtClean="0">
-                                      <a:latin typeface="Cambria Math" charset="0"/>
+                                      <a:latin typeface="Cambria Math" panose="02040503050406030204" pitchFamily="18" charset="0"/>
                                     </a:rPr>
                                   </m:ctrlPr>
                                 </m:naryPr>
@@ -19402,7 +20293,7 @@
                                     <m:sSupPr>
                                       <m:ctrlPr>
                                         <a:rPr lang="en-US" altLang="zh-CN" b="0" i="1" smtClean="0">
-                                          <a:latin typeface="Cambria Math" charset="0"/>
+                                          <a:latin typeface="Cambria Math" panose="02040503050406030204" pitchFamily="18" charset="0"/>
                                         </a:rPr>
                                       </m:ctrlPr>
                                     </m:sSupPr>
@@ -19430,7 +20321,7 @@
                                           <m:chr m:val="̅"/>
                                           <m:ctrlPr>
                                             <a:rPr lang="en-US" altLang="zh-CN" b="0" i="1" smtClean="0">
-                                              <a:latin typeface="Cambria Math" charset="0"/>
+                                              <a:latin typeface="Cambria Math" panose="02040503050406030204" pitchFamily="18" charset="0"/>
                                             </a:rPr>
                                           </m:ctrlPr>
                                         </m:accPr>
@@ -19439,7 +20330,7 @@
                                             <m:sSubPr>
                                               <m:ctrlPr>
                                                 <a:rPr lang="en-US" altLang="zh-CN" b="0" i="1" smtClean="0">
-                                                  <a:latin typeface="Cambria Math" charset="0"/>
+                                                  <a:latin typeface="Cambria Math" panose="02040503050406030204" pitchFamily="18" charset="0"/>
                                                 </a:rPr>
                                               </m:ctrlPr>
                                             </m:sSubPr>
@@ -19576,7 +20467,7 @@
                                   <m:supHide m:val="on"/>
                                   <m:ctrlPr>
                                     <a:rPr lang="en-US" altLang="zh-CN" b="0" i="1" smtClean="0">
-                                      <a:latin typeface="Cambria Math" charset="0"/>
+                                      <a:latin typeface="Cambria Math" panose="02040503050406030204" pitchFamily="18" charset="0"/>
                                     </a:rPr>
                                   </m:ctrlPr>
                                 </m:naryPr>
@@ -19590,7 +20481,7 @@
                                       <m:supHide m:val="on"/>
                                       <m:ctrlPr>
                                         <a:rPr lang="en-US" altLang="zh-CN" b="0" i="1" smtClean="0">
-                                          <a:latin typeface="Cambria Math" charset="0"/>
+                                          <a:latin typeface="Cambria Math" panose="02040503050406030204" pitchFamily="18" charset="0"/>
                                         </a:rPr>
                                       </m:ctrlPr>
                                     </m:naryPr>
@@ -19601,7 +20492,7 @@
                                         <m:sSupPr>
                                           <m:ctrlPr>
                                             <a:rPr lang="en-US" altLang="zh-CN" b="0" i="1" smtClean="0">
-                                              <a:latin typeface="Cambria Math" charset="0"/>
+                                              <a:latin typeface="Cambria Math" panose="02040503050406030204" pitchFamily="18" charset="0"/>
                                             </a:rPr>
                                           </m:ctrlPr>
                                         </m:sSupPr>
@@ -19629,7 +20520,7 @@
                                               <m:chr m:val="̅"/>
                                               <m:ctrlPr>
                                                 <a:rPr lang="en-US" altLang="zh-CN" b="0" i="1" smtClean="0">
-                                                  <a:latin typeface="Cambria Math" charset="0"/>
+                                                  <a:latin typeface="Cambria Math" panose="02040503050406030204" pitchFamily="18" charset="0"/>
                                                 </a:rPr>
                                               </m:ctrlPr>
                                             </m:accPr>
@@ -20999,7 +21890,7 @@
             </p:nvGraphicFramePr>
             <p:xfrm>
               <a:off x="838200" y="1825625"/>
-              <a:ext cx="10515600" cy="4519930"/>
+              <a:ext cx="10515600" cy="4789490"/>
             </p:xfrm>
             <a:graphic>
               <a:graphicData uri="http://schemas.openxmlformats.org/drawingml/2006/table">
@@ -21138,7 +22029,7 @@
                                     <m:supHide m:val="on"/>
                                     <m:ctrlPr>
                                       <a:rPr lang="en-US" altLang="zh-CN" b="0" i="1" smtClean="0">
-                                        <a:latin typeface="Cambria Math" charset="0"/>
+                                        <a:latin typeface="Cambria Math" panose="02040503050406030204" pitchFamily="18" charset="0"/>
                                       </a:rPr>
                                     </m:ctrlPr>
                                   </m:naryPr>
@@ -21149,7 +22040,7 @@
                                       <m:sSubPr>
                                         <m:ctrlPr>
                                           <a:rPr lang="en-US" altLang="zh-CN" b="0" i="1" smtClean="0">
-                                            <a:latin typeface="Cambria Math" charset="0"/>
+                                            <a:latin typeface="Cambria Math" panose="02040503050406030204" pitchFamily="18" charset="0"/>
                                           </a:rPr>
                                         </m:ctrlPr>
                                       </m:sSubPr>
@@ -21174,7 +22065,7 @@
                                       <m:sSupPr>
                                         <m:ctrlPr>
                                           <a:rPr lang="en-US" altLang="zh-CN" b="0" i="1" smtClean="0">
-                                            <a:latin typeface="Cambria Math" charset="0"/>
+                                            <a:latin typeface="Cambria Math" panose="02040503050406030204" pitchFamily="18" charset="0"/>
                                           </a:rPr>
                                         </m:ctrlPr>
                                       </m:sSupPr>
@@ -21190,7 +22081,7 @@
                                             <m:chr m:val="̅"/>
                                             <m:ctrlPr>
                                               <a:rPr lang="en-US" altLang="zh-CN" b="0" i="1" smtClean="0">
-                                                <a:latin typeface="Cambria Math" charset="0"/>
+                                                <a:latin typeface="Cambria Math" panose="02040503050406030204" pitchFamily="18" charset="0"/>
                                               </a:rPr>
                                             </m:ctrlPr>
                                           </m:accPr>
@@ -21199,7 +22090,7 @@
                                               <m:sSubPr>
                                                 <m:ctrlPr>
                                                   <a:rPr lang="en-US" altLang="zh-CN" b="0" i="1" smtClean="0">
-                                                    <a:latin typeface="Cambria Math" charset="0"/>
+                                                    <a:latin typeface="Cambria Math" panose="02040503050406030204" pitchFamily="18" charset="0"/>
                                                   </a:rPr>
                                                 </m:ctrlPr>
                                               </m:sSubPr>
@@ -21233,7 +22124,7 @@
                                             <m:chr m:val="̅"/>
                                             <m:ctrlPr>
                                               <a:rPr lang="en-US" altLang="zh-CN" b="0" i="1" smtClean="0">
-                                                <a:latin typeface="Cambria Math" charset="0"/>
+                                                <a:latin typeface="Cambria Math" panose="02040503050406030204" pitchFamily="18" charset="0"/>
                                               </a:rPr>
                                             </m:ctrlPr>
                                           </m:accPr>
@@ -21381,7 +22272,7 @@
                                     <m:supHide m:val="on"/>
                                     <m:ctrlPr>
                                       <a:rPr lang="en-US" altLang="zh-CN" b="0" i="1" smtClean="0">
-                                        <a:latin typeface="Cambria Math" charset="0"/>
+                                        <a:latin typeface="Cambria Math" panose="02040503050406030204" pitchFamily="18" charset="0"/>
                                       </a:rPr>
                                     </m:ctrlPr>
                                   </m:naryPr>
@@ -21392,7 +22283,7 @@
                                       <m:sSupPr>
                                         <m:ctrlPr>
                                           <a:rPr lang="en-US" altLang="zh-CN" b="0" i="1" smtClean="0">
-                                            <a:latin typeface="Cambria Math" charset="0"/>
+                                            <a:latin typeface="Cambria Math" panose="02040503050406030204" pitchFamily="18" charset="0"/>
                                           </a:rPr>
                                         </m:ctrlPr>
                                       </m:sSupPr>
@@ -21420,7 +22311,7 @@
                                             <m:chr m:val="̅"/>
                                             <m:ctrlPr>
                                               <a:rPr lang="en-US" altLang="zh-CN" b="0" i="1" smtClean="0">
-                                                <a:latin typeface="Cambria Math" charset="0"/>
+                                                <a:latin typeface="Cambria Math" panose="02040503050406030204" pitchFamily="18" charset="0"/>
                                               </a:rPr>
                                             </m:ctrlPr>
                                           </m:accPr>
@@ -21429,7 +22320,7 @@
                                               <m:sSubPr>
                                                 <m:ctrlPr>
                                                   <a:rPr lang="en-US" altLang="zh-CN" b="0" i="1" smtClean="0">
-                                                    <a:latin typeface="Cambria Math" charset="0"/>
+                                                    <a:latin typeface="Cambria Math" panose="02040503050406030204" pitchFamily="18" charset="0"/>
                                                   </a:rPr>
                                                 </m:ctrlPr>
                                               </m:sSubPr>
@@ -21615,7 +22506,7 @@
                                     <m:supHide m:val="on"/>
                                     <m:ctrlPr>
                                       <a:rPr lang="en-US" altLang="zh-CN" b="0" i="1" smtClean="0">
-                                        <a:latin typeface="Cambria Math" charset="0"/>
+                                        <a:latin typeface="Cambria Math" panose="02040503050406030204" pitchFamily="18" charset="0"/>
                                       </a:rPr>
                                     </m:ctrlPr>
                                   </m:naryPr>
@@ -21629,7 +22520,7 @@
                                         <m:supHide m:val="on"/>
                                         <m:ctrlPr>
                                           <a:rPr lang="en-US" altLang="zh-CN" b="0" i="1" smtClean="0">
-                                            <a:latin typeface="Cambria Math" charset="0"/>
+                                            <a:latin typeface="Cambria Math" panose="02040503050406030204" pitchFamily="18" charset="0"/>
                                           </a:rPr>
                                         </m:ctrlPr>
                                       </m:naryPr>
@@ -21640,7 +22531,7 @@
                                           <m:sSupPr>
                                             <m:ctrlPr>
                                               <a:rPr lang="en-US" altLang="zh-CN" b="0" i="1" smtClean="0">
-                                                <a:latin typeface="Cambria Math" charset="0"/>
+                                                <a:latin typeface="Cambria Math" panose="02040503050406030204" pitchFamily="18" charset="0"/>
                                               </a:rPr>
                                             </m:ctrlPr>
                                           </m:sSupPr>
@@ -21668,7 +22559,7 @@
                                                 <m:chr m:val="̅"/>
                                                 <m:ctrlPr>
                                                   <a:rPr lang="en-US" altLang="zh-CN" b="0" i="1" smtClean="0">
-                                                    <a:latin typeface="Cambria Math" charset="0"/>
+                                                    <a:latin typeface="Cambria Math" panose="02040503050406030204" pitchFamily="18" charset="0"/>
                                                   </a:rPr>
                                                 </m:ctrlPr>
                                               </m:accPr>
@@ -21971,7 +22862,7 @@
                                     <m:supHide m:val="on"/>
                                     <m:ctrlPr>
                                       <a:rPr lang="en-US" altLang="zh-CN" b="0" i="1" smtClean="0">
-                                        <a:latin typeface="Cambria Math" charset="0"/>
+                                        <a:latin typeface="Cambria Math" panose="02040503050406030204" pitchFamily="18" charset="0"/>
                                       </a:rPr>
                                     </m:ctrlPr>
                                   </m:naryPr>
@@ -21982,7 +22873,7 @@
                                       <m:sSupPr>
                                         <m:ctrlPr>
                                           <a:rPr lang="en-US" altLang="zh-CN" b="0" i="1" smtClean="0">
-                                            <a:latin typeface="Cambria Math" charset="0"/>
+                                            <a:latin typeface="Cambria Math" panose="02040503050406030204" pitchFamily="18" charset="0"/>
                                           </a:rPr>
                                         </m:ctrlPr>
                                       </m:sSupPr>
@@ -22010,7 +22901,7 @@
                                             <m:chr m:val="̅"/>
                                             <m:ctrlPr>
                                               <a:rPr lang="en-US" altLang="zh-CN" b="0" i="1" smtClean="0">
-                                                <a:latin typeface="Cambria Math" charset="0"/>
+                                                <a:latin typeface="Cambria Math" panose="02040503050406030204" pitchFamily="18" charset="0"/>
                                               </a:rPr>
                                             </m:ctrlPr>
                                           </m:accPr>
@@ -22019,7 +22910,7 @@
                                               <m:sSubPr>
                                                 <m:ctrlPr>
                                                   <a:rPr lang="en-US" altLang="zh-CN" b="0" i="1" smtClean="0">
-                                                    <a:latin typeface="Cambria Math" charset="0"/>
+                                                    <a:latin typeface="Cambria Math" panose="02040503050406030204" pitchFamily="18" charset="0"/>
                                                   </a:rPr>
                                                 </m:ctrlPr>
                                               </m:sSubPr>
@@ -22173,7 +23064,7 @@
                                     <m:supHide m:val="on"/>
                                     <m:ctrlPr>
                                       <a:rPr lang="en-US" altLang="zh-CN" b="0" i="1" smtClean="0">
-                                        <a:latin typeface="Cambria Math" charset="0"/>
+                                        <a:latin typeface="Cambria Math" panose="02040503050406030204" pitchFamily="18" charset="0"/>
                                       </a:rPr>
                                     </m:ctrlPr>
                                   </m:naryPr>
@@ -22187,7 +23078,7 @@
                                         <m:supHide m:val="on"/>
                                         <m:ctrlPr>
                                           <a:rPr lang="en-US" altLang="zh-CN" b="0" i="1" smtClean="0">
-                                            <a:latin typeface="Cambria Math" charset="0"/>
+                                            <a:latin typeface="Cambria Math" panose="02040503050406030204" pitchFamily="18" charset="0"/>
                                           </a:rPr>
                                         </m:ctrlPr>
                                       </m:naryPr>
@@ -22198,7 +23089,7 @@
                                           <m:sSupPr>
                                             <m:ctrlPr>
                                               <a:rPr lang="en-US" altLang="zh-CN" b="0" i="1" smtClean="0">
-                                                <a:latin typeface="Cambria Math" charset="0"/>
+                                                <a:latin typeface="Cambria Math" panose="02040503050406030204" pitchFamily="18" charset="0"/>
                                               </a:rPr>
                                             </m:ctrlPr>
                                           </m:sSupPr>
@@ -22226,7 +23117,7 @@
                                                 <m:chr m:val="̅"/>
                                                 <m:ctrlPr>
                                                   <a:rPr lang="en-US" altLang="zh-CN" b="0" i="1" smtClean="0">
-                                                    <a:latin typeface="Cambria Math" charset="0"/>
+                                                    <a:latin typeface="Cambria Math" panose="02040503050406030204" pitchFamily="18" charset="0"/>
                                                   </a:rPr>
                                                 </m:ctrlPr>
                                               </m:accPr>
@@ -25948,6 +26839,449 @@
 </p:sld>
 </file>
 
+<file path=ppt/slides/slide37.xml><?xml version="1.0" encoding="utf-8"?>
+<p:sld xmlns:a="http://schemas.openxmlformats.org/drawingml/2006/main" xmlns:r="http://schemas.openxmlformats.org/officeDocument/2006/relationships" xmlns:p="http://schemas.openxmlformats.org/presentationml/2006/main">
+  <p:cSld>
+    <p:spTree>
+      <p:nvGrpSpPr>
+        <p:cNvPr id="1" name=""/>
+        <p:cNvGrpSpPr/>
+        <p:nvPr/>
+      </p:nvGrpSpPr>
+      <p:grpSpPr>
+        <a:xfrm>
+          <a:off x="0" y="0"/>
+          <a:ext cx="0" cy="0"/>
+          <a:chOff x="0" y="0"/>
+          <a:chExt cx="0" cy="0"/>
+        </a:xfrm>
+      </p:grpSpPr>
+      <p:sp>
+        <p:nvSpPr>
+          <p:cNvPr id="2" name="标题 1"/>
+          <p:cNvSpPr>
+            <a:spLocks noGrp="1"/>
+          </p:cNvSpPr>
+          <p:nvPr>
+            <p:ph type="title"/>
+          </p:nvPr>
+        </p:nvSpPr>
+        <p:spPr/>
+        <p:txBody>
+          <a:bodyPr/>
+          <a:lstStyle/>
+          <a:p>
+            <a:r>
+              <a:rPr lang="zh-CN" altLang="en-US" dirty="0" smtClean="0"/>
+              <a:t>总结</a:t>
+            </a:r>
+            <a:endParaRPr lang="zh-CN" altLang="en-US" dirty="0"/>
+          </a:p>
+        </p:txBody>
+      </p:sp>
+      <p:sp>
+        <p:nvSpPr>
+          <p:cNvPr id="3" name="内容占位符 2"/>
+          <p:cNvSpPr>
+            <a:spLocks noGrp="1"/>
+          </p:cNvSpPr>
+          <p:nvPr>
+            <p:ph idx="1"/>
+          </p:nvPr>
+        </p:nvSpPr>
+        <p:spPr/>
+        <p:txBody>
+          <a:bodyPr/>
+          <a:lstStyle/>
+          <a:p>
+            <a:endParaRPr lang="zh-CN" altLang="en-US" dirty="0"/>
+          </a:p>
+        </p:txBody>
+      </p:sp>
+      <p:pic>
+        <p:nvPicPr>
+          <p:cNvPr id="4" name="图片 3"/>
+          <p:cNvPicPr>
+            <a:picLocks noChangeAspect="1"/>
+          </p:cNvPicPr>
+          <p:nvPr/>
+        </p:nvPicPr>
+        <p:blipFill>
+          <a:blip r:embed="rId2"/>
+          <a:stretch>
+            <a:fillRect/>
+          </a:stretch>
+        </p:blipFill>
+        <p:spPr>
+          <a:xfrm>
+            <a:off x="532659" y="472020"/>
+            <a:ext cx="11656341" cy="6195480"/>
+          </a:xfrm>
+          <a:prstGeom prst="rect">
+            <a:avLst/>
+          </a:prstGeom>
+        </p:spPr>
+      </p:pic>
+    </p:spTree>
+    <p:extLst>
+      <p:ext uri="{BB962C8B-B14F-4D97-AF65-F5344CB8AC3E}">
+        <p14:creationId xmlns:p14="http://schemas.microsoft.com/office/powerpoint/2010/main" val="3515411760"/>
+      </p:ext>
+    </p:extLst>
+  </p:cSld>
+  <p:clrMapOvr>
+    <a:masterClrMapping/>
+  </p:clrMapOvr>
+  <p:timing>
+    <p:tnLst>
+      <p:par>
+        <p:cTn id="1" dur="indefinite" restart="never" nodeType="tmRoot"/>
+      </p:par>
+    </p:tnLst>
+  </p:timing>
+</p:sld>
+</file>
+
+<file path=ppt/slides/slide38.xml><?xml version="1.0" encoding="utf-8"?>
+<p:sld xmlns:a="http://schemas.openxmlformats.org/drawingml/2006/main" xmlns:r="http://schemas.openxmlformats.org/officeDocument/2006/relationships" xmlns:p="http://schemas.openxmlformats.org/presentationml/2006/main">
+  <p:cSld>
+    <p:spTree>
+      <p:nvGrpSpPr>
+        <p:cNvPr id="1" name=""/>
+        <p:cNvGrpSpPr/>
+        <p:nvPr/>
+      </p:nvGrpSpPr>
+      <p:grpSpPr>
+        <a:xfrm>
+          <a:off x="0" y="0"/>
+          <a:ext cx="0" cy="0"/>
+          <a:chOff x="0" y="0"/>
+          <a:chExt cx="0" cy="0"/>
+        </a:xfrm>
+      </p:grpSpPr>
+      <p:sp>
+        <p:nvSpPr>
+          <p:cNvPr id="2" name="标题 1"/>
+          <p:cNvSpPr>
+            <a:spLocks noGrp="1"/>
+          </p:cNvSpPr>
+          <p:nvPr>
+            <p:ph type="title"/>
+          </p:nvPr>
+        </p:nvSpPr>
+        <p:spPr/>
+        <p:txBody>
+          <a:bodyPr/>
+          <a:lstStyle/>
+          <a:p>
+            <a:r>
+              <a:rPr lang="zh-CN" altLang="en-US" dirty="0" smtClean="0"/>
+              <a:t>说明</a:t>
+            </a:r>
+            <a:endParaRPr lang="zh-CN" altLang="en-US" dirty="0"/>
+          </a:p>
+        </p:txBody>
+      </p:sp>
+      <p:sp>
+        <p:nvSpPr>
+          <p:cNvPr id="3" name="内容占位符 2"/>
+          <p:cNvSpPr>
+            <a:spLocks noGrp="1"/>
+          </p:cNvSpPr>
+          <p:nvPr>
+            <p:ph idx="1"/>
+          </p:nvPr>
+        </p:nvSpPr>
+        <p:spPr/>
+        <p:txBody>
+          <a:bodyPr/>
+          <a:lstStyle/>
+          <a:p>
+            <a:r>
+              <a:rPr lang="zh-CN" altLang="en-US" dirty="0" smtClean="0"/>
+              <a:t>什么是连续变量？关键是平均值是不是有意义</a:t>
+            </a:r>
+            <a:endParaRPr lang="en-US" altLang="zh-CN" dirty="0" smtClean="0"/>
+          </a:p>
+          <a:p>
+            <a:pPr lvl="1"/>
+            <a:r>
+              <a:rPr lang="zh-CN" altLang="en-US" dirty="0" smtClean="0"/>
+              <a:t>连续变量：你是</a:t>
+            </a:r>
+            <a:r>
+              <a:rPr lang="en-US" altLang="zh-CN" dirty="0" smtClean="0"/>
+              <a:t>80</a:t>
+            </a:r>
+            <a:r>
+              <a:rPr lang="zh-CN" altLang="en-US" dirty="0" smtClean="0"/>
+              <a:t>分，他是</a:t>
+            </a:r>
+            <a:r>
+              <a:rPr lang="en-US" altLang="zh-CN" dirty="0" smtClean="0"/>
+              <a:t>92</a:t>
+            </a:r>
+            <a:r>
+              <a:rPr lang="zh-CN" altLang="en-US" dirty="0" smtClean="0"/>
+              <a:t>分，你们两个的平均分是</a:t>
+            </a:r>
+            <a:r>
+              <a:rPr lang="en-US" altLang="zh-CN" dirty="0" smtClean="0"/>
+              <a:t>86</a:t>
+            </a:r>
+            <a:r>
+              <a:rPr lang="zh-CN" altLang="en-US" dirty="0" smtClean="0"/>
+              <a:t>分，这个是有意义的</a:t>
+            </a:r>
+            <a:endParaRPr lang="en-US" altLang="zh-CN" dirty="0" smtClean="0"/>
+          </a:p>
+          <a:p>
+            <a:pPr lvl="1"/>
+            <a:r>
+              <a:rPr lang="zh-CN" altLang="en-US" dirty="0"/>
+              <a:t>分类</a:t>
+            </a:r>
+            <a:r>
+              <a:rPr lang="zh-CN" altLang="en-US" dirty="0" smtClean="0"/>
+              <a:t>变量</a:t>
+            </a:r>
+            <a:r>
+              <a:rPr lang="zh-CN" altLang="en-US" dirty="0"/>
+              <a:t>：</a:t>
+            </a:r>
+            <a:r>
+              <a:rPr lang="zh-CN" altLang="en-US" dirty="0" smtClean="0"/>
+              <a:t>你是男性（我们标记为</a:t>
+            </a:r>
+            <a:r>
+              <a:rPr lang="en-US" altLang="zh-CN" dirty="0" smtClean="0"/>
+              <a:t>1</a:t>
+            </a:r>
+            <a:r>
+              <a:rPr lang="zh-CN" altLang="en-US" dirty="0" smtClean="0"/>
+              <a:t>），她是女性（我们标记为</a:t>
+            </a:r>
+            <a:r>
+              <a:rPr lang="en-US" altLang="zh-CN" dirty="0" smtClean="0"/>
+              <a:t>2</a:t>
+            </a:r>
+            <a:r>
+              <a:rPr lang="zh-CN" altLang="en-US" dirty="0" smtClean="0"/>
+              <a:t>），你们两个求平均分是</a:t>
+            </a:r>
+            <a:r>
+              <a:rPr lang="en-US" altLang="zh-CN" dirty="0" smtClean="0"/>
+              <a:t>1.5</a:t>
+            </a:r>
+            <a:r>
+              <a:rPr lang="zh-CN" altLang="en-US" dirty="0" smtClean="0"/>
+              <a:t>，这个平均分没有意义</a:t>
+            </a:r>
+            <a:endParaRPr lang="zh-CN" altLang="en-US" dirty="0"/>
+          </a:p>
+        </p:txBody>
+      </p:sp>
+    </p:spTree>
+    <p:extLst>
+      <p:ext uri="{BB962C8B-B14F-4D97-AF65-F5344CB8AC3E}">
+        <p14:creationId xmlns:p14="http://schemas.microsoft.com/office/powerpoint/2010/main" val="3293724996"/>
+      </p:ext>
+    </p:extLst>
+  </p:cSld>
+  <p:clrMapOvr>
+    <a:masterClrMapping/>
+  </p:clrMapOvr>
+</p:sld>
+</file>
+
+<file path=ppt/slides/slide39.xml><?xml version="1.0" encoding="utf-8"?>
+<p:sld xmlns:a="http://schemas.openxmlformats.org/drawingml/2006/main" xmlns:r="http://schemas.openxmlformats.org/officeDocument/2006/relationships" xmlns:p="http://schemas.openxmlformats.org/presentationml/2006/main">
+  <p:cSld>
+    <p:spTree>
+      <p:nvGrpSpPr>
+        <p:cNvPr id="1" name=""/>
+        <p:cNvGrpSpPr/>
+        <p:nvPr/>
+      </p:nvGrpSpPr>
+      <p:grpSpPr>
+        <a:xfrm>
+          <a:off x="0" y="0"/>
+          <a:ext cx="0" cy="0"/>
+          <a:chOff x="0" y="0"/>
+          <a:chExt cx="0" cy="0"/>
+        </a:xfrm>
+      </p:grpSpPr>
+      <p:sp>
+        <p:nvSpPr>
+          <p:cNvPr id="2" name="标题 1"/>
+          <p:cNvSpPr>
+            <a:spLocks noGrp="1"/>
+          </p:cNvSpPr>
+          <p:nvPr>
+            <p:ph type="title"/>
+          </p:nvPr>
+        </p:nvSpPr>
+        <p:spPr/>
+        <p:txBody>
+          <a:bodyPr/>
+          <a:lstStyle/>
+          <a:p>
+            <a:r>
+              <a:rPr lang="zh-CN" altLang="en-US" dirty="0" smtClean="0"/>
+              <a:t>说明</a:t>
+            </a:r>
+            <a:endParaRPr lang="zh-CN" altLang="en-US" dirty="0"/>
+          </a:p>
+        </p:txBody>
+      </p:sp>
+      <p:sp>
+        <p:nvSpPr>
+          <p:cNvPr id="3" name="内容占位符 2"/>
+          <p:cNvSpPr>
+            <a:spLocks noGrp="1"/>
+          </p:cNvSpPr>
+          <p:nvPr>
+            <p:ph idx="1"/>
+          </p:nvPr>
+        </p:nvSpPr>
+        <p:spPr/>
+        <p:txBody>
+          <a:bodyPr>
+            <a:normAutofit fontScale="70000" lnSpcReduction="20000"/>
+          </a:bodyPr>
+          <a:lstStyle/>
+          <a:p>
+            <a:r>
+              <a:rPr lang="zh-CN" altLang="en-US" dirty="0" smtClean="0"/>
+              <a:t>单样本</a:t>
+            </a:r>
+            <a:endParaRPr lang="en-US" altLang="zh-CN" dirty="0" smtClean="0"/>
+          </a:p>
+          <a:p>
+            <a:pPr lvl="1"/>
+            <a:r>
+              <a:rPr lang="zh-CN" altLang="en-US" dirty="0"/>
+              <a:t>一</a:t>
+            </a:r>
+            <a:r>
+              <a:rPr lang="zh-CN" altLang="en-US" dirty="0" smtClean="0"/>
+              <a:t>组吸烟的人，</a:t>
+            </a:r>
+            <a:r>
+              <a:rPr lang="en-US" altLang="zh-CN" dirty="0" smtClean="0"/>
+              <a:t>n=20</a:t>
+            </a:r>
+            <a:r>
+              <a:rPr lang="zh-CN" altLang="en-US" dirty="0" smtClean="0"/>
+              <a:t>，量取他们的收缩压，将收缩压平均值和</a:t>
+            </a:r>
+            <a:r>
+              <a:rPr lang="en-US" altLang="zh-CN" dirty="0" smtClean="0"/>
+              <a:t>120mmHg</a:t>
+            </a:r>
+            <a:r>
+              <a:rPr lang="zh-CN" altLang="en-US" dirty="0"/>
+              <a:t>相比较</a:t>
+            </a:r>
+            <a:endParaRPr lang="en-US" altLang="zh-CN" dirty="0" smtClean="0"/>
+          </a:p>
+          <a:p>
+            <a:r>
+              <a:rPr lang="zh-CN" altLang="en-US" dirty="0" smtClean="0"/>
+              <a:t>配对样本</a:t>
+            </a:r>
+            <a:endParaRPr lang="en-US" altLang="zh-CN" dirty="0" smtClean="0"/>
+          </a:p>
+          <a:p>
+            <a:pPr lvl="1"/>
+            <a:r>
+              <a:rPr lang="zh-CN" altLang="en-US" dirty="0"/>
+              <a:t>一组吸烟的人，</a:t>
+            </a:r>
+            <a:r>
+              <a:rPr lang="en-US" altLang="zh-CN" dirty="0"/>
+              <a:t>n=20</a:t>
+            </a:r>
+            <a:r>
+              <a:rPr lang="zh-CN" altLang="en-US" dirty="0" smtClean="0"/>
+              <a:t>，戒烟前量</a:t>
+            </a:r>
+            <a:r>
+              <a:rPr lang="zh-CN" altLang="en-US" dirty="0"/>
+              <a:t>取他们的</a:t>
+            </a:r>
+            <a:r>
+              <a:rPr lang="zh-CN" altLang="en-US" dirty="0" smtClean="0"/>
+              <a:t>收缩压</a:t>
+            </a:r>
+            <a:r>
+              <a:rPr lang="en-US" altLang="zh-CN" dirty="0" smtClean="0"/>
+              <a:t>x</a:t>
+            </a:r>
+            <a:r>
+              <a:rPr lang="zh-CN" altLang="en-US" dirty="0" smtClean="0"/>
+              <a:t>，强制戒烟</a:t>
+            </a:r>
+            <a:r>
+              <a:rPr lang="en-US" altLang="zh-CN" dirty="0" smtClean="0"/>
+              <a:t>1</a:t>
+            </a:r>
+            <a:r>
+              <a:rPr lang="zh-CN" altLang="en-US" dirty="0" smtClean="0"/>
+              <a:t>个月以后，量取他们的血压</a:t>
+            </a:r>
+            <a:r>
+              <a:rPr lang="en-US" altLang="zh-CN" dirty="0" smtClean="0"/>
+              <a:t>y</a:t>
+            </a:r>
+            <a:r>
+              <a:rPr lang="zh-CN" altLang="en-US" dirty="0" smtClean="0"/>
+              <a:t>，评价强制戒烟对收缩压是否有影响</a:t>
+            </a:r>
+            <a:endParaRPr lang="en-US" altLang="zh-CN" dirty="0" smtClean="0"/>
+          </a:p>
+          <a:p>
+            <a:pPr lvl="1"/>
+            <a:r>
+              <a:rPr lang="zh-CN" altLang="en-US" dirty="0" smtClean="0"/>
+              <a:t>为了控制混杂因素，治疗组和对照组患者按照一一配对的形式进行分配，研究结束后比较治疗组和对照组某个变量是否有区别</a:t>
+            </a:r>
+            <a:endParaRPr lang="en-US" altLang="zh-CN" dirty="0" smtClean="0"/>
+          </a:p>
+          <a:p>
+            <a:r>
+              <a:rPr lang="zh-CN" altLang="en-US" dirty="0" smtClean="0"/>
+              <a:t>独立样本</a:t>
+            </a:r>
+            <a:endParaRPr lang="en-US" altLang="zh-CN" dirty="0" smtClean="0"/>
+          </a:p>
+          <a:p>
+            <a:pPr lvl="1"/>
+            <a:r>
+              <a:rPr lang="zh-CN" altLang="en-US" dirty="0"/>
+              <a:t>随机</a:t>
+            </a:r>
+            <a:r>
+              <a:rPr lang="zh-CN" altLang="en-US" dirty="0" smtClean="0"/>
+              <a:t>对照实验的治疗组与对照组比较</a:t>
+            </a:r>
+            <a:endParaRPr lang="zh-CN" altLang="en-US" dirty="0"/>
+          </a:p>
+        </p:txBody>
+      </p:sp>
+    </p:spTree>
+    <p:extLst>
+      <p:ext uri="{BB962C8B-B14F-4D97-AF65-F5344CB8AC3E}">
+        <p14:creationId xmlns:p14="http://schemas.microsoft.com/office/powerpoint/2010/main" val="1289884046"/>
+      </p:ext>
+    </p:extLst>
+  </p:cSld>
+  <p:clrMapOvr>
+    <a:masterClrMapping/>
+  </p:clrMapOvr>
+</p:sld>
+</file>
+
 <file path=ppt/slides/slide4.xml><?xml version="1.0" encoding="utf-8"?>
 <p:sld xmlns:a="http://schemas.openxmlformats.org/drawingml/2006/main" xmlns:r="http://schemas.openxmlformats.org/officeDocument/2006/relationships" xmlns:p="http://schemas.openxmlformats.org/presentationml/2006/main">
   <p:cSld>
@@ -26000,7 +27334,9 @@
         </p:nvSpPr>
         <p:spPr/>
         <p:txBody>
-          <a:bodyPr/>
+          <a:bodyPr>
+            <a:normAutofit lnSpcReduction="10000"/>
+          </a:bodyPr>
           <a:lstStyle/>
           <a:p>
             <a:r>
@@ -26169,6 +27505,126 @@
       </p:par>
     </p:tnLst>
   </p:timing>
+</p:sld>
+</file>
+
+<file path=ppt/slides/slide40.xml><?xml version="1.0" encoding="utf-8"?>
+<p:sld xmlns:a="http://schemas.openxmlformats.org/drawingml/2006/main" xmlns:r="http://schemas.openxmlformats.org/officeDocument/2006/relationships" xmlns:p="http://schemas.openxmlformats.org/presentationml/2006/main">
+  <p:cSld>
+    <p:spTree>
+      <p:nvGrpSpPr>
+        <p:cNvPr id="1" name=""/>
+        <p:cNvGrpSpPr/>
+        <p:nvPr/>
+      </p:nvGrpSpPr>
+      <p:grpSpPr>
+        <a:xfrm>
+          <a:off x="0" y="0"/>
+          <a:ext cx="0" cy="0"/>
+          <a:chOff x="0" y="0"/>
+          <a:chExt cx="0" cy="0"/>
+        </a:xfrm>
+      </p:grpSpPr>
+      <p:sp>
+        <p:nvSpPr>
+          <p:cNvPr id="2" name="标题 1"/>
+          <p:cNvSpPr>
+            <a:spLocks noGrp="1"/>
+          </p:cNvSpPr>
+          <p:nvPr>
+            <p:ph type="title"/>
+          </p:nvPr>
+        </p:nvSpPr>
+        <p:spPr/>
+        <p:txBody>
+          <a:bodyPr/>
+          <a:lstStyle/>
+          <a:p>
+            <a:r>
+              <a:rPr lang="zh-CN" altLang="en-US" dirty="0" smtClean="0"/>
+              <a:t>方差分析</a:t>
+            </a:r>
+            <a:endParaRPr lang="zh-CN" altLang="en-US" dirty="0"/>
+          </a:p>
+        </p:txBody>
+      </p:sp>
+      <p:sp>
+        <p:nvSpPr>
+          <p:cNvPr id="3" name="内容占位符 2"/>
+          <p:cNvSpPr>
+            <a:spLocks noGrp="1"/>
+          </p:cNvSpPr>
+          <p:nvPr>
+            <p:ph idx="1"/>
+          </p:nvPr>
+        </p:nvSpPr>
+        <p:spPr/>
+        <p:txBody>
+          <a:bodyPr/>
+          <a:lstStyle/>
+          <a:p>
+            <a:r>
+              <a:rPr lang="zh-CN" altLang="en-US" dirty="0" smtClean="0"/>
+              <a:t>方差有两大类来源：</a:t>
+            </a:r>
+            <a:endParaRPr lang="en-US" altLang="zh-CN" dirty="0" smtClean="0"/>
+          </a:p>
+          <a:p>
+            <a:pPr lvl="1"/>
+            <a:r>
+              <a:rPr lang="zh-CN" altLang="en-US" dirty="0"/>
+              <a:t>组</a:t>
+            </a:r>
+            <a:r>
+              <a:rPr lang="zh-CN" altLang="en-US" dirty="0" smtClean="0"/>
+              <a:t>内各项对于组均值的离差：</a:t>
+            </a:r>
+            <a:r>
+              <a:rPr lang="zh-CN" altLang="en-US" b="1" dirty="0" smtClean="0"/>
+              <a:t>残差</a:t>
+            </a:r>
+            <a:endParaRPr lang="en-US" altLang="zh-CN" b="1" dirty="0" smtClean="0"/>
+          </a:p>
+          <a:p>
+            <a:pPr lvl="1"/>
+            <a:r>
+              <a:rPr lang="zh-CN" altLang="en-US" dirty="0"/>
+              <a:t>组</a:t>
+            </a:r>
+            <a:r>
+              <a:rPr lang="zh-CN" altLang="en-US" dirty="0" smtClean="0"/>
+              <a:t>间均值的离差：我们真正关心的</a:t>
+            </a:r>
+            <a:r>
+              <a:rPr lang="zh-CN" altLang="en-US" b="1" dirty="0" smtClean="0"/>
+              <a:t>不同</a:t>
+            </a:r>
+            <a:endParaRPr lang="en-US" altLang="zh-CN" b="1" dirty="0" smtClean="0"/>
+          </a:p>
+          <a:p>
+            <a:pPr lvl="1"/>
+            <a:r>
+              <a:rPr lang="en-US" altLang="zh-CN" dirty="0" smtClean="0"/>
+              <a:t>F</a:t>
+            </a:r>
+            <a:r>
+              <a:rPr lang="zh-CN" altLang="en-US" dirty="0" smtClean="0"/>
+              <a:t>值就是比较组间均值离差是否比残差大很多，以至于我们可以认为组间确实是有差别的</a:t>
+            </a:r>
+            <a:endParaRPr lang="zh-CN" altLang="en-US" dirty="0"/>
+          </a:p>
+        </p:txBody>
+      </p:sp>
+    </p:spTree>
+    <p:extLst>
+      <p:ext uri="{BB962C8B-B14F-4D97-AF65-F5344CB8AC3E}">
+        <p14:creationId xmlns:p14="http://schemas.microsoft.com/office/powerpoint/2010/main" val="831549295"/>
+      </p:ext>
+    </p:extLst>
+  </p:cSld>
+  <p:clrMapOvr>
+    <a:masterClrMapping/>
+  </p:clrMapOvr>
 </p:sld>
 </file>
 
@@ -26546,7 +28002,9 @@
         </p:nvSpPr>
         <p:spPr/>
         <p:txBody>
-          <a:bodyPr/>
+          <a:bodyPr>
+            <a:normAutofit fontScale="85000" lnSpcReduction="20000"/>
+          </a:bodyPr>
           <a:lstStyle/>
           <a:p>
             <a:r>
@@ -26968,8 +28426,8 @@
         </p:blipFill>
         <p:spPr>
           <a:xfrm>
-            <a:off x="2999" y="190499"/>
-            <a:ext cx="12186002" cy="6477001"/>
+            <a:off x="621437" y="190500"/>
+            <a:ext cx="11567564" cy="6148294"/>
           </a:xfrm>
           <a:prstGeom prst="rect">
             <a:avLst/>
@@ -26986,6 +28444,13 @@
   <p:clrMapOvr>
     <a:masterClrMapping/>
   </p:clrMapOvr>
+  <p:timing>
+    <p:tnLst>
+      <p:par>
+        <p:cTn id="1" dur="indefinite" restart="never" nodeType="tmRoot"/>
+      </p:par>
+    </p:tnLst>
+  </p:timing>
 </p:sld>
 </file>
 
@@ -27047,8 +28512,8 @@
               </p:nvPr>
             </p:nvGraphicFramePr>
             <p:xfrm>
-              <a:off x="838200" y="1825625"/>
-              <a:ext cx="10515600" cy="2637790"/>
+              <a:off x="1371600" y="1730375"/>
+              <a:ext cx="9601200" cy="2637982"/>
             </p:xfrm>
             <a:graphic>
               <a:graphicData uri="http://schemas.openxmlformats.org/drawingml/2006/table">
@@ -27057,11 +28522,11 @@
                     <a:tableStyleId>{5C22544A-7EE6-4342-B048-85BDC9FD1C3A}</a:tableStyleId>
                   </a:tblPr>
                   <a:tblGrid>
-                    <a:gridCol w="1230297"/>
-                    <a:gridCol w="2975943"/>
-                    <a:gridCol w="2103120"/>
-                    <a:gridCol w="2103120"/>
-                    <a:gridCol w="2103120"/>
+                    <a:gridCol w="1123315"/>
+                    <a:gridCol w="2717165"/>
+                    <a:gridCol w="1920240"/>
+                    <a:gridCol w="1920240"/>
+                    <a:gridCol w="1920240"/>
                   </a:tblGrid>
                   <a:tr h="370840">
                     <a:tc>
@@ -27077,7 +28542,7 @@
                           <a:endParaRPr lang="zh-CN" altLang="en-US" dirty="0"/>
                         </a:p>
                       </a:txBody>
-                      <a:tcPr anchor="ctr"/>
+                      <a:tcPr marL="83489" marR="83489" anchor="ctr"/>
                     </a:tc>
                     <a:tc>
                       <a:txBody>
@@ -27092,7 +28557,7 @@
                           <a:endParaRPr lang="zh-CN" altLang="en-US" dirty="0"/>
                         </a:p>
                       </a:txBody>
-                      <a:tcPr anchor="ctr"/>
+                      <a:tcPr marL="83489" marR="83489" anchor="ctr"/>
                     </a:tc>
                     <a:tc>
                       <a:txBody>
@@ -27107,7 +28572,7 @@
                           <a:endParaRPr lang="zh-CN" altLang="en-US" dirty="0"/>
                         </a:p>
                       </a:txBody>
-                      <a:tcPr anchor="ctr"/>
+                      <a:tcPr marL="83489" marR="83489" anchor="ctr"/>
                     </a:tc>
                     <a:tc>
                       <a:txBody>
@@ -27122,7 +28587,7 @@
                           <a:endParaRPr lang="zh-CN" altLang="en-US" dirty="0"/>
                         </a:p>
                       </a:txBody>
-                      <a:tcPr anchor="ctr"/>
+                      <a:tcPr marL="83489" marR="83489" anchor="ctr"/>
                     </a:tc>
                     <a:tc>
                       <a:txBody>
@@ -27137,7 +28602,7 @@
                           <a:endParaRPr lang="zh-CN" altLang="en-US" dirty="0"/>
                         </a:p>
                       </a:txBody>
-                      <a:tcPr anchor="ctr"/>
+                      <a:tcPr marL="83489" marR="83489" anchor="ctr"/>
                     </a:tc>
                   </a:tr>
                   <a:tr h="370840">
@@ -27154,7 +28619,7 @@
                           <a:endParaRPr lang="zh-CN" altLang="en-US" dirty="0"/>
                         </a:p>
                       </a:txBody>
-                      <a:tcPr anchor="ctr"/>
+                      <a:tcPr marL="83489" marR="83489" anchor="ctr"/>
                     </a:tc>
                     <a:tc>
                       <a:txBody>
@@ -27187,7 +28652,7 @@
                                     <m:supHide m:val="on"/>
                                     <m:ctrlPr>
                                       <a:rPr lang="en-US" altLang="zh-CN" b="0" i="1" smtClean="0">
-                                        <a:latin typeface="Cambria Math" charset="0"/>
+                                        <a:latin typeface="Cambria Math" panose="02040503050406030204" pitchFamily="18" charset="0"/>
                                       </a:rPr>
                                     </m:ctrlPr>
                                   </m:naryPr>
@@ -27198,7 +28663,7 @@
                                       <m:sSubPr>
                                         <m:ctrlPr>
                                           <a:rPr lang="en-US" altLang="zh-CN" b="0" i="1" smtClean="0">
-                                            <a:latin typeface="Cambria Math" charset="0"/>
+                                            <a:latin typeface="Cambria Math" panose="02040503050406030204" pitchFamily="18" charset="0"/>
                                           </a:rPr>
                                         </m:ctrlPr>
                                       </m:sSubPr>
@@ -27223,7 +28688,7 @@
                                       <m:sSupPr>
                                         <m:ctrlPr>
                                           <a:rPr lang="en-US" altLang="zh-CN" b="0" i="1" smtClean="0">
-                                            <a:latin typeface="Cambria Math" charset="0"/>
+                                            <a:latin typeface="Cambria Math" panose="02040503050406030204" pitchFamily="18" charset="0"/>
                                           </a:rPr>
                                         </m:ctrlPr>
                                       </m:sSupPr>
@@ -27239,7 +28704,7 @@
                                             <m:chr m:val="̅"/>
                                             <m:ctrlPr>
                                               <a:rPr lang="en-US" altLang="zh-CN" b="0" i="1" smtClean="0">
-                                                <a:latin typeface="Cambria Math" charset="0"/>
+                                                <a:latin typeface="Cambria Math" panose="02040503050406030204" pitchFamily="18" charset="0"/>
                                               </a:rPr>
                                             </m:ctrlPr>
                                           </m:accPr>
@@ -27248,7 +28713,7 @@
                                               <m:sSubPr>
                                                 <m:ctrlPr>
                                                   <a:rPr lang="en-US" altLang="zh-CN" b="0" i="1" smtClean="0">
-                                                    <a:latin typeface="Cambria Math" charset="0"/>
+                                                    <a:latin typeface="Cambria Math" panose="02040503050406030204" pitchFamily="18" charset="0"/>
                                                   </a:rPr>
                                                 </m:ctrlPr>
                                               </m:sSubPr>
@@ -27282,7 +28747,7 @@
                                             <m:chr m:val="̅"/>
                                             <m:ctrlPr>
                                               <a:rPr lang="en-US" altLang="zh-CN" b="0" i="1" smtClean="0">
-                                                <a:latin typeface="Cambria Math" charset="0"/>
+                                                <a:latin typeface="Cambria Math" panose="02040503050406030204" pitchFamily="18" charset="0"/>
                                               </a:rPr>
                                             </m:ctrlPr>
                                           </m:accPr>
@@ -27319,7 +28784,7 @@
                           <a:endParaRPr lang="zh-CN" altLang="en-US" dirty="0"/>
                         </a:p>
                       </a:txBody>
-                      <a:tcPr anchor="ctr"/>
+                      <a:tcPr marL="83489" marR="83489" anchor="ctr"/>
                     </a:tc>
                     <a:tc>
                       <a:txBody>
@@ -27334,7 +28799,7 @@
                           <a:endParaRPr lang="zh-CN" altLang="en-US" dirty="0"/>
                         </a:p>
                       </a:txBody>
-                      <a:tcPr anchor="ctr"/>
+                      <a:tcPr marL="83489" marR="83489" anchor="ctr"/>
                     </a:tc>
                     <a:tc>
                       <a:txBody>
@@ -27349,7 +28814,7 @@
                           <a:endParaRPr lang="zh-CN" altLang="en-US" dirty="0"/>
                         </a:p>
                       </a:txBody>
-                      <a:tcPr anchor="ctr"/>
+                      <a:tcPr marL="83489" marR="83489" anchor="ctr"/>
                     </a:tc>
                     <a:tc>
                       <a:txBody>
@@ -27364,7 +28829,7 @@
                           <a:endParaRPr lang="zh-CN" altLang="en-US" dirty="0"/>
                         </a:p>
                       </a:txBody>
-                      <a:tcPr anchor="ctr"/>
+                      <a:tcPr marL="83489" marR="83489" anchor="ctr"/>
                     </a:tc>
                   </a:tr>
                   <a:tr h="370840">
@@ -27381,7 +28846,7 @@
                           <a:endParaRPr lang="zh-CN" altLang="en-US" dirty="0"/>
                         </a:p>
                       </a:txBody>
-                      <a:tcPr anchor="ctr"/>
+                      <a:tcPr marL="83489" marR="83489" anchor="ctr"/>
                     </a:tc>
                     <a:tc>
                       <a:txBody>
@@ -27414,7 +28879,7 @@
                                     <m:supHide m:val="on"/>
                                     <m:ctrlPr>
                                       <a:rPr lang="en-US" altLang="zh-CN" b="0" i="1" smtClean="0">
-                                        <a:latin typeface="Cambria Math" charset="0"/>
+                                        <a:latin typeface="Cambria Math" panose="02040503050406030204" pitchFamily="18" charset="0"/>
                                       </a:rPr>
                                     </m:ctrlPr>
                                   </m:naryPr>
@@ -27425,7 +28890,7 @@
                                       <m:sSupPr>
                                         <m:ctrlPr>
                                           <a:rPr lang="en-US" altLang="zh-CN" b="0" i="1" smtClean="0">
-                                            <a:latin typeface="Cambria Math" charset="0"/>
+                                            <a:latin typeface="Cambria Math" panose="02040503050406030204" pitchFamily="18" charset="0"/>
                                           </a:rPr>
                                         </m:ctrlPr>
                                       </m:sSupPr>
@@ -27453,7 +28918,7 @@
                                             <m:chr m:val="̅"/>
                                             <m:ctrlPr>
                                               <a:rPr lang="en-US" altLang="zh-CN" b="0" i="1" smtClean="0">
-                                                <a:latin typeface="Cambria Math" charset="0"/>
+                                                <a:latin typeface="Cambria Math" panose="02040503050406030204" pitchFamily="18" charset="0"/>
                                               </a:rPr>
                                             </m:ctrlPr>
                                           </m:accPr>
@@ -27462,7 +28927,7 @@
                                               <m:sSubPr>
                                                 <m:ctrlPr>
                                                   <a:rPr lang="en-US" altLang="zh-CN" b="0" i="1" smtClean="0">
-                                                    <a:latin typeface="Cambria Math" charset="0"/>
+                                                    <a:latin typeface="Cambria Math" panose="02040503050406030204" pitchFamily="18" charset="0"/>
                                                   </a:rPr>
                                                 </m:ctrlPr>
                                               </m:sSubPr>
@@ -27509,7 +28974,7 @@
                           <a:endParaRPr lang="zh-CN" altLang="en-US" dirty="0"/>
                         </a:p>
                       </a:txBody>
-                      <a:tcPr anchor="ctr"/>
+                      <a:tcPr marL="83489" marR="83489" anchor="ctr"/>
                     </a:tc>
                     <a:tc>
                       <a:txBody>
@@ -27524,7 +28989,7 @@
                           <a:endParaRPr lang="zh-CN" altLang="en-US" dirty="0"/>
                         </a:p>
                       </a:txBody>
-                      <a:tcPr anchor="ctr"/>
+                      <a:tcPr marL="83489" marR="83489" anchor="ctr"/>
                     </a:tc>
                     <a:tc>
                       <a:txBody>
@@ -27539,7 +29004,7 @@
                           <a:endParaRPr lang="zh-CN" altLang="en-US" dirty="0"/>
                         </a:p>
                       </a:txBody>
-                      <a:tcPr anchor="ctr"/>
+                      <a:tcPr marL="83489" marR="83489" anchor="ctr"/>
                     </a:tc>
                     <a:tc>
                       <a:txBody>
@@ -27550,7 +29015,7 @@
                           <a:endParaRPr lang="zh-CN" altLang="en-US" dirty="0"/>
                         </a:p>
                       </a:txBody>
-                      <a:tcPr anchor="ctr"/>
+                      <a:tcPr marL="83489" marR="83489" anchor="ctr"/>
                     </a:tc>
                   </a:tr>
                   <a:tr h="370840">
@@ -27567,7 +29032,7 @@
                           <a:endParaRPr lang="zh-CN" altLang="en-US" dirty="0"/>
                         </a:p>
                       </a:txBody>
-                      <a:tcPr anchor="ctr"/>
+                      <a:tcPr marL="83489" marR="83489" anchor="ctr"/>
                     </a:tc>
                     <a:tc>
                       <a:txBody>
@@ -27600,7 +29065,7 @@
                                     <m:supHide m:val="on"/>
                                     <m:ctrlPr>
                                       <a:rPr lang="en-US" altLang="zh-CN" b="0" i="1" smtClean="0">
-                                        <a:latin typeface="Cambria Math" charset="0"/>
+                                        <a:latin typeface="Cambria Math" panose="02040503050406030204" pitchFamily="18" charset="0"/>
                                       </a:rPr>
                                     </m:ctrlPr>
                                   </m:naryPr>
@@ -27614,7 +29079,7 @@
                                         <m:supHide m:val="on"/>
                                         <m:ctrlPr>
                                           <a:rPr lang="en-US" altLang="zh-CN" b="0" i="1" smtClean="0">
-                                            <a:latin typeface="Cambria Math" charset="0"/>
+                                            <a:latin typeface="Cambria Math" panose="02040503050406030204" pitchFamily="18" charset="0"/>
                                           </a:rPr>
                                         </m:ctrlPr>
                                       </m:naryPr>
@@ -27625,7 +29090,7 @@
                                           <m:sSupPr>
                                             <m:ctrlPr>
                                               <a:rPr lang="en-US" altLang="zh-CN" b="0" i="1" smtClean="0">
-                                                <a:latin typeface="Cambria Math" charset="0"/>
+                                                <a:latin typeface="Cambria Math" panose="02040503050406030204" pitchFamily="18" charset="0"/>
                                               </a:rPr>
                                             </m:ctrlPr>
                                           </m:sSupPr>
@@ -27653,7 +29118,7 @@
                                                 <m:chr m:val="̅"/>
                                                 <m:ctrlPr>
                                                   <a:rPr lang="en-US" altLang="zh-CN" b="0" i="1" smtClean="0">
-                                                    <a:latin typeface="Cambria Math" charset="0"/>
+                                                    <a:latin typeface="Cambria Math" panose="02040503050406030204" pitchFamily="18" charset="0"/>
                                                   </a:rPr>
                                                 </m:ctrlPr>
                                               </m:accPr>
@@ -27692,7 +29157,7 @@
                           <a:endParaRPr lang="zh-CN" altLang="en-US" dirty="0"/>
                         </a:p>
                       </a:txBody>
-                      <a:tcPr anchor="ctr"/>
+                      <a:tcPr marL="83489" marR="83489" anchor="ctr"/>
                     </a:tc>
                     <a:tc>
                       <a:txBody>
@@ -27707,7 +29172,7 @@
                           <a:endParaRPr lang="zh-CN" altLang="en-US" dirty="0"/>
                         </a:p>
                       </a:txBody>
-                      <a:tcPr anchor="ctr"/>
+                      <a:tcPr marL="83489" marR="83489" anchor="ctr"/>
                     </a:tc>
                     <a:tc>
                       <a:txBody>
@@ -27718,7 +29183,7 @@
                           <a:endParaRPr lang="zh-CN" altLang="en-US" dirty="0"/>
                         </a:p>
                       </a:txBody>
-                      <a:tcPr anchor="ctr"/>
+                      <a:tcPr marL="83489" marR="83489" anchor="ctr"/>
                     </a:tc>
                     <a:tc>
                       <a:txBody>
@@ -27729,7 +29194,7 @@
                           <a:endParaRPr lang="zh-CN" altLang="en-US" dirty="0"/>
                         </a:p>
                       </a:txBody>
-                      <a:tcPr anchor="ctr"/>
+                      <a:tcPr marL="83489" marR="83489" anchor="ctr"/>
                     </a:tc>
                   </a:tr>
                 </a:tbl>
@@ -28138,7 +29603,7 @@
                         <m:chr m:val="̅"/>
                         <m:ctrlPr>
                           <a:rPr lang="en-US" altLang="zh-CN" i="1">
-                            <a:latin typeface="Cambria Math" charset="0"/>
+                            <a:latin typeface="Cambria Math" panose="02040503050406030204" pitchFamily="18" charset="0"/>
                           </a:rPr>
                         </m:ctrlPr>
                       </m:accPr>
@@ -28171,7 +29636,7 @@
                         <m:chr m:val="̅"/>
                         <m:ctrlPr>
                           <a:rPr lang="en-US" altLang="zh-CN" i="1">
-                            <a:latin typeface="Cambria Math" charset="0"/>
+                            <a:latin typeface="Cambria Math" panose="02040503050406030204" pitchFamily="18" charset="0"/>
                           </a:rPr>
                         </m:ctrlPr>
                       </m:accPr>
@@ -28180,7 +29645,7 @@
                           <m:sSubPr>
                             <m:ctrlPr>
                               <a:rPr lang="en-US" altLang="zh-CN" i="1" smtClean="0">
-                                <a:latin typeface="Cambria Math" charset="0"/>
+                                <a:latin typeface="Cambria Math" panose="02040503050406030204" pitchFamily="18" charset="0"/>
                               </a:rPr>
                             </m:ctrlPr>
                           </m:sSubPr>
@@ -28332,9 +29797,9 @@
 </file>
 
 <file path=ppt/theme/theme1.xml><?xml version="1.0" encoding="utf-8"?>
-<a:theme xmlns:a="http://schemas.openxmlformats.org/drawingml/2006/main" name="Office 主题">
+<a:theme xmlns:a="http://schemas.openxmlformats.org/drawingml/2006/main" name="主题1">
   <a:themeElements>
-    <a:clrScheme name="Office">
+    <a:clrScheme name="Crop">
       <a:dk1>
         <a:sysClr val="windowText" lastClr="000000"/>
       </a:dk1>
@@ -28342,109 +29807,49 @@
         <a:sysClr val="window" lastClr="FFFFFF"/>
       </a:lt1>
       <a:dk2>
-        <a:srgbClr val="44546A"/>
+        <a:srgbClr val="191B0E"/>
       </a:dk2>
       <a:lt2>
-        <a:srgbClr val="E7E6E6"/>
+        <a:srgbClr val="EFEDE3"/>
       </a:lt2>
       <a:accent1>
-        <a:srgbClr val="5B9BD5"/>
+        <a:srgbClr val="8C8D86"/>
       </a:accent1>
       <a:accent2>
-        <a:srgbClr val="ED7D31"/>
+        <a:srgbClr val="E6C069"/>
       </a:accent2>
       <a:accent3>
-        <a:srgbClr val="A5A5A5"/>
+        <a:srgbClr val="897B61"/>
       </a:accent3>
       <a:accent4>
-        <a:srgbClr val="FFC000"/>
+        <a:srgbClr val="8DAB8E"/>
       </a:accent4>
       <a:accent5>
-        <a:srgbClr val="4472C4"/>
+        <a:srgbClr val="77A2BB"/>
       </a:accent5>
       <a:accent6>
-        <a:srgbClr val="70AD47"/>
+        <a:srgbClr val="E28394"/>
       </a:accent6>
       <a:hlink>
-        <a:srgbClr val="0563C1"/>
+        <a:srgbClr val="77A2BB"/>
       </a:hlink>
       <a:folHlink>
-        <a:srgbClr val="954F72"/>
+        <a:srgbClr val="957A99"/>
       </a:folHlink>
     </a:clrScheme>
-    <a:fontScheme name="Office">
+    <a:fontScheme name="Crop">
       <a:majorFont>
-        <a:latin typeface="Calibri Light" panose="020F0302020204030204"/>
+        <a:latin typeface="Franklin Gothic Book" panose="020B0503020102020204"/>
         <a:ea typeface=""/>
         <a:cs typeface=""/>
-        <a:font script="Jpan" typeface="ＭＳ Ｐゴシック"/>
-        <a:font script="Hang" typeface="맑은 고딕"/>
-        <a:font script="Hans" typeface="宋体"/>
-        <a:font script="Hant" typeface="新細明體"/>
-        <a:font script="Arab" typeface="Times New Roman"/>
-        <a:font script="Hebr" typeface="Times New Roman"/>
-        <a:font script="Thai" typeface="Angsana New"/>
-        <a:font script="Ethi" typeface="Nyala"/>
-        <a:font script="Beng" typeface="Vrinda"/>
-        <a:font script="Gujr" typeface="Shruti"/>
-        <a:font script="Khmr" typeface="MoolBoran"/>
-        <a:font script="Knda" typeface="Tunga"/>
-        <a:font script="Guru" typeface="Raavi"/>
-        <a:font script="Cans" typeface="Euphemia"/>
-        <a:font script="Cher" typeface="Plantagenet Cherokee"/>
-        <a:font script="Yiii" typeface="Microsoft Yi Baiti"/>
-        <a:font script="Tibt" typeface="Microsoft Himalaya"/>
-        <a:font script="Thaa" typeface="MV Boli"/>
-        <a:font script="Deva" typeface="Mangal"/>
-        <a:font script="Telu" typeface="Gautami"/>
-        <a:font script="Taml" typeface="Latha"/>
-        <a:font script="Syrc" typeface="Estrangelo Edessa"/>
-        <a:font script="Orya" typeface="Kalinga"/>
-        <a:font script="Mlym" typeface="Kartika"/>
-        <a:font script="Laoo" typeface="DokChampa"/>
-        <a:font script="Sinh" typeface="Iskoola Pota"/>
-        <a:font script="Mong" typeface="Mongolian Baiti"/>
-        <a:font script="Viet" typeface="Times New Roman"/>
-        <a:font script="Uigh" typeface="Microsoft Uighur"/>
-        <a:font script="Geor" typeface="Sylfaen"/>
       </a:majorFont>
       <a:minorFont>
-        <a:latin typeface="Calibri" panose="020F0502020204030204"/>
+        <a:latin typeface="Franklin Gothic Book" panose="020B0503020102020204"/>
         <a:ea typeface=""/>
         <a:cs typeface=""/>
-        <a:font script="Jpan" typeface="ＭＳ Ｐゴシック"/>
-        <a:font script="Hang" typeface="맑은 고딕"/>
-        <a:font script="Hans" typeface="宋体"/>
-        <a:font script="Hant" typeface="新細明體"/>
-        <a:font script="Arab" typeface="Arial"/>
-        <a:font script="Hebr" typeface="Arial"/>
-        <a:font script="Thai" typeface="Cordia New"/>
-        <a:font script="Ethi" typeface="Nyala"/>
-        <a:font script="Beng" typeface="Vrinda"/>
-        <a:font script="Gujr" typeface="Shruti"/>
-        <a:font script="Khmr" typeface="DaunPenh"/>
-        <a:font script="Knda" typeface="Tunga"/>
-        <a:font script="Guru" typeface="Raavi"/>
-        <a:font script="Cans" typeface="Euphemia"/>
-        <a:font script="Cher" typeface="Plantagenet Cherokee"/>
-        <a:font script="Yiii" typeface="Microsoft Yi Baiti"/>
-        <a:font script="Tibt" typeface="Microsoft Himalaya"/>
-        <a:font script="Thaa" typeface="MV Boli"/>
-        <a:font script="Deva" typeface="Mangal"/>
-        <a:font script="Telu" typeface="Gautami"/>
-        <a:font script="Taml" typeface="Latha"/>
-        <a:font script="Syrc" typeface="Estrangelo Edessa"/>
-        <a:font script="Orya" typeface="Kalinga"/>
-        <a:font script="Mlym" typeface="Kartika"/>
-        <a:font script="Laoo" typeface="DokChampa"/>
-        <a:font script="Sinh" typeface="Iskoola Pota"/>
-        <a:font script="Mong" typeface="Mongolian Baiti"/>
-        <a:font script="Viet" typeface="Arial"/>
-        <a:font script="Uigh" typeface="Microsoft Uighur"/>
-        <a:font script="Geor" typeface="Sylfaen"/>
       </a:minorFont>
     </a:fontScheme>
-    <a:fmtScheme name="Office">
+    <a:fmtScheme name="Crop">
       <a:fillStyleLst>
         <a:solidFill>
           <a:schemeClr val="phClr"/>
@@ -28453,23 +29858,23 @@
           <a:gsLst>
             <a:gs pos="0">
               <a:schemeClr val="phClr">
+                <a:tint val="67000"/>
+                <a:satMod val="105000"/>
                 <a:lumMod val="110000"/>
-                <a:satMod val="105000"/>
-                <a:tint val="67000"/>
               </a:schemeClr>
             </a:gs>
             <a:gs pos="50000">
               <a:schemeClr val="phClr">
+                <a:tint val="73000"/>
+                <a:satMod val="103000"/>
                 <a:lumMod val="105000"/>
-                <a:satMod val="103000"/>
-                <a:tint val="73000"/>
               </a:schemeClr>
             </a:gs>
             <a:gs pos="100000">
               <a:schemeClr val="phClr">
+                <a:tint val="81000"/>
+                <a:satMod val="109000"/>
                 <a:lumMod val="105000"/>
-                <a:satMod val="109000"/>
-                <a:tint val="81000"/>
               </a:schemeClr>
             </a:gs>
           </a:gsLst>
@@ -28479,23 +29884,23 @@
           <a:gsLst>
             <a:gs pos="0">
               <a:schemeClr val="phClr">
+                <a:tint val="94000"/>
                 <a:satMod val="103000"/>
                 <a:lumMod val="102000"/>
-                <a:tint val="94000"/>
               </a:schemeClr>
             </a:gs>
             <a:gs pos="50000">
               <a:schemeClr val="phClr">
+                <a:shade val="100000"/>
                 <a:satMod val="110000"/>
                 <a:lumMod val="100000"/>
-                <a:shade val="100000"/>
               </a:schemeClr>
             </a:gs>
             <a:gs pos="100000">
               <a:schemeClr val="phClr">
+                <a:shade val="78000"/>
+                <a:satMod val="120000"/>
                 <a:lumMod val="99000"/>
-                <a:satMod val="120000"/>
-                <a:shade val="78000"/>
               </a:schemeClr>
             </a:gs>
           </a:gsLst>
@@ -28503,26 +29908,23 @@
         </a:gradFill>
       </a:fillStyleLst>
       <a:lnStyleLst>
-        <a:ln w="6350" cap="flat" cmpd="sng" algn="ctr">
+        <a:ln w="6350" cap="flat" cmpd="sng" algn="in">
           <a:solidFill>
             <a:schemeClr val="phClr"/>
           </a:solidFill>
           <a:prstDash val="solid"/>
-          <a:miter lim="800000"/>
         </a:ln>
-        <a:ln w="12700" cap="flat" cmpd="sng" algn="ctr">
+        <a:ln w="34925" cap="flat" cmpd="sng" algn="in">
           <a:solidFill>
             <a:schemeClr val="phClr"/>
           </a:solidFill>
           <a:prstDash val="solid"/>
-          <a:miter lim="800000"/>
         </a:ln>
-        <a:ln w="19050" cap="flat" cmpd="sng" algn="ctr">
+        <a:ln w="19050" cap="flat" cmpd="sng" algn="in">
           <a:solidFill>
             <a:schemeClr val="phClr"/>
           </a:solidFill>
           <a:prstDash val="solid"/>
-          <a:miter lim="800000"/>
         </a:ln>
       </a:lnStyleLst>
       <a:effectStyleLst>
@@ -28536,7 +29938,7 @@
           <a:effectLst>
             <a:outerShdw blurRad="57150" dist="19050" dir="5400000" algn="ctr" rotWithShape="0">
               <a:srgbClr val="000000">
-                <a:alpha val="63000"/>
+                <a:alpha val="35000"/>
               </a:srgbClr>
             </a:outerShdw>
           </a:effectLst>
@@ -28557,16 +29959,16 @@
             <a:gs pos="0">
               <a:schemeClr val="phClr">
                 <a:tint val="93000"/>
+                <a:shade val="98000"/>
                 <a:satMod val="150000"/>
-                <a:shade val="98000"/>
                 <a:lumMod val="102000"/>
               </a:schemeClr>
             </a:gs>
             <a:gs pos="50000">
               <a:schemeClr val="phClr">
                 <a:tint val="98000"/>
+                <a:shade val="90000"/>
                 <a:satMod val="130000"/>
-                <a:shade val="90000"/>
                 <a:lumMod val="103000"/>
               </a:schemeClr>
             </a:gs>
@@ -28586,7 +29988,7 @@
   <a:extraClrSchemeLst/>
   <a:extLst>
     <a:ext uri="{05A4C25C-085E-4340-85A3-A5531E510DB2}">
-      <thm15:themeFamily xmlns:thm15="http://schemas.microsoft.com/office/thememl/2012/main" name="Office Theme" id="{62F939B6-93AF-4DB8-9C6B-D6C7DFDC589F}" vid="{4A3C46E8-61CC-4603-A589-7422A47A8E4A}"/>
+      <thm15:themeFamily xmlns:thm15="http://schemas.microsoft.com/office/thememl/2012/main" name="主题1" id="{93FB83AD-72ED-4095-8A75-CE80265C6444}" vid="{5FF59B39-350D-4B26-9DF1-FCDAB0AC9F32}"/>
     </a:ext>
   </a:extLst>
 </a:theme>

--- a/lect-5/anova.pptx
+++ b/lect-5/anova.pptx
@@ -45,6 +45,7 @@
     <p:sldId id="295" r:id="rId39"/>
     <p:sldId id="296" r:id="rId40"/>
     <p:sldId id="297" r:id="rId41"/>
+    <p:sldId id="298" r:id="rId42"/>
   </p:sldIdLst>
   <p:sldSz cx="12192000" cy="6858000"/>
   <p:notesSz cx="6858000" cy="9144000"/>
@@ -320,7 +321,7 @@
           <a:p>
             <a:fld id="{6DA64518-D73A-4D8C-B96A-E5E8C7740B70}" type="datetimeFigureOut">
               <a:rPr lang="zh-CN" altLang="en-US" smtClean="0"/>
-              <a:t>2019-3-14</a:t>
+              <a:t>2019/3/16</a:t>
             </a:fld>
             <a:endParaRPr lang="zh-CN" altLang="en-US"/>
           </a:p>
@@ -650,7 +651,7 @@
           <a:p>
             <a:fld id="{6DA64518-D73A-4D8C-B96A-E5E8C7740B70}" type="datetimeFigureOut">
               <a:rPr lang="zh-CN" altLang="en-US" smtClean="0"/>
-              <a:t>2019-3-14</a:t>
+              <a:t>2019/3/16</a:t>
             </a:fld>
             <a:endParaRPr lang="zh-CN" altLang="en-US"/>
           </a:p>
@@ -830,7 +831,7 @@
           <a:p>
             <a:fld id="{6DA64518-D73A-4D8C-B96A-E5E8C7740B70}" type="datetimeFigureOut">
               <a:rPr lang="zh-CN" altLang="en-US" smtClean="0"/>
-              <a:t>2019-3-14</a:t>
+              <a:t>2019/3/16</a:t>
             </a:fld>
             <a:endParaRPr lang="zh-CN" altLang="en-US"/>
           </a:p>
@@ -1028,7 +1029,7 @@
           <a:p>
             <a:fld id="{6DA64518-D73A-4D8C-B96A-E5E8C7740B70}" type="datetimeFigureOut">
               <a:rPr lang="zh-CN" altLang="en-US" smtClean="0"/>
-              <a:t>2019-3-14</a:t>
+              <a:t>2019/3/16</a:t>
             </a:fld>
             <a:endParaRPr lang="zh-CN" altLang="en-US"/>
           </a:p>
@@ -1305,7 +1306,7 @@
           <a:p>
             <a:fld id="{6DA64518-D73A-4D8C-B96A-E5E8C7740B70}" type="datetimeFigureOut">
               <a:rPr lang="zh-CN" altLang="en-US" smtClean="0"/>
-              <a:t>2019-3-14</a:t>
+              <a:t>2019/3/16</a:t>
             </a:fld>
             <a:endParaRPr lang="zh-CN" altLang="en-US"/>
           </a:p>
@@ -1699,7 +1700,7 @@
           <a:p>
             <a:fld id="{6DA64518-D73A-4D8C-B96A-E5E8C7740B70}" type="datetimeFigureOut">
               <a:rPr lang="zh-CN" altLang="en-US" smtClean="0"/>
-              <a:t>2019-3-14</a:t>
+              <a:t>2019/3/16</a:t>
             </a:fld>
             <a:endParaRPr lang="zh-CN" altLang="en-US"/>
           </a:p>
@@ -2176,7 +2177,7 @@
           <a:p>
             <a:fld id="{6DA64518-D73A-4D8C-B96A-E5E8C7740B70}" type="datetimeFigureOut">
               <a:rPr lang="zh-CN" altLang="en-US" smtClean="0"/>
-              <a:t>2019-3-14</a:t>
+              <a:t>2019/3/16</a:t>
             </a:fld>
             <a:endParaRPr lang="zh-CN" altLang="en-US"/>
           </a:p>
@@ -2294,7 +2295,7 @@
           <a:p>
             <a:fld id="{6DA64518-D73A-4D8C-B96A-E5E8C7740B70}" type="datetimeFigureOut">
               <a:rPr lang="zh-CN" altLang="en-US" smtClean="0"/>
-              <a:t>2019-3-14</a:t>
+              <a:t>2019/3/16</a:t>
             </a:fld>
             <a:endParaRPr lang="zh-CN" altLang="en-US"/>
           </a:p>
@@ -2389,7 +2390,7 @@
           <a:p>
             <a:fld id="{6DA64518-D73A-4D8C-B96A-E5E8C7740B70}" type="datetimeFigureOut">
               <a:rPr lang="zh-CN" altLang="en-US" smtClean="0"/>
-              <a:t>2019-3-14</a:t>
+              <a:t>2019/3/16</a:t>
             </a:fld>
             <a:endParaRPr lang="zh-CN" altLang="en-US"/>
           </a:p>
@@ -2735,7 +2736,7 @@
           <a:p>
             <a:fld id="{6DA64518-D73A-4D8C-B96A-E5E8C7740B70}" type="datetimeFigureOut">
               <a:rPr lang="zh-CN" altLang="en-US" smtClean="0"/>
-              <a:t>2019-3-14</a:t>
+              <a:t>2019/3/16</a:t>
             </a:fld>
             <a:endParaRPr lang="zh-CN" altLang="en-US"/>
           </a:p>
@@ -3123,7 +3124,7 @@
           <a:p>
             <a:fld id="{6DA64518-D73A-4D8C-B96A-E5E8C7740B70}" type="datetimeFigureOut">
               <a:rPr lang="zh-CN" altLang="en-US" smtClean="0"/>
-              <a:t>2019-3-14</a:t>
+              <a:t>2019/3/16</a:t>
             </a:fld>
             <a:endParaRPr lang="zh-CN" altLang="en-US"/>
           </a:p>
@@ -3401,7 +3402,7 @@
           <a:p>
             <a:fld id="{6DA64518-D73A-4D8C-B96A-E5E8C7740B70}" type="datetimeFigureOut">
               <a:rPr lang="zh-CN" altLang="en-US" smtClean="0"/>
-              <a:t>2019-3-14</a:t>
+              <a:t>2019/3/16</a:t>
             </a:fld>
             <a:endParaRPr lang="zh-CN" altLang="en-US"/>
           </a:p>
@@ -3850,42 +3851,42 @@
   <p:extLst mod="1">
     <p:ext uri="{27BBF7A9-308A-43DC-89C8-2F10F3537804}">
       <p15:sldGuideLst xmlns:p15="http://schemas.microsoft.com/office/powerpoint/2012/main">
-        <p15:guide id="4294967295" orient="horz" pos="1368">
+        <p15:guide id="1" orient="horz" pos="1368">
           <p15:clr>
             <a:srgbClr val="F26B43"/>
           </p15:clr>
         </p15:guide>
-        <p15:guide id="4294967295" orient="horz" pos="1440">
+        <p15:guide id="2" orient="horz" pos="1440">
           <p15:clr>
             <a:srgbClr val="F26B43"/>
           </p15:clr>
         </p15:guide>
-        <p15:guide id="4294967295" orient="horz" pos="3696">
+        <p15:guide id="3" orient="horz" pos="3696">
           <p15:clr>
             <a:srgbClr val="F26B43"/>
           </p15:clr>
         </p15:guide>
-        <p15:guide id="4294967295" orient="horz" pos="432">
+        <p15:guide id="4" orient="horz" pos="432">
           <p15:clr>
             <a:srgbClr val="F26B43"/>
           </p15:clr>
         </p15:guide>
-        <p15:guide id="4294967295" orient="horz" pos="1512">
+        <p15:guide id="5" orient="horz" pos="1512">
           <p15:clr>
             <a:srgbClr val="F26B43"/>
           </p15:clr>
         </p15:guide>
-        <p15:guide id="4294967295" pos="6912">
+        <p15:guide id="6" pos="6912">
           <p15:clr>
             <a:srgbClr val="F26B43"/>
           </p15:clr>
         </p15:guide>
-        <p15:guide id="4294967295" pos="936">
+        <p15:guide id="7" pos="936">
           <p15:clr>
             <a:srgbClr val="F26B43"/>
           </p15:clr>
         </p15:guide>
-        <p15:guide id="4294967295" pos="864">
+        <p15:guide id="8" pos="864">
           <p15:clr>
             <a:srgbClr val="F26B43"/>
           </p15:clr>
@@ -3965,6 +3966,13 @@
   <p:clrMapOvr>
     <a:masterClrMapping/>
   </p:clrMapOvr>
+  <p:timing>
+    <p:tnLst>
+      <p:par>
+        <p:cTn id="1" dur="indefinite" restart="never" nodeType="tmRoot"/>
+      </p:par>
+    </p:tnLst>
+  </p:timing>
 </p:sld>
 </file>
 
@@ -4291,7 +4299,7 @@
                     <a:p>
                       <a:pPr algn="ctr"/>
                       <a:r>
-                        <a:rPr lang="en-US" altLang="zh-CN">
+                        <a:rPr lang="en-US" altLang="zh-CN" dirty="0">
                           <a:effectLst/>
                         </a:rPr>
                         <a:t>3</a:t>
@@ -4357,7 +4365,7 @@
                     <a:p>
                       <a:pPr algn="ctr"/>
                       <a:r>
-                        <a:rPr lang="en-US" altLang="zh-CN">
+                        <a:rPr lang="en-US" altLang="zh-CN" dirty="0">
                           <a:effectLst/>
                         </a:rPr>
                         <a:t>5</a:t>
@@ -4373,7 +4381,7 @@
                     <a:p>
                       <a:pPr algn="ctr"/>
                       <a:r>
-                        <a:rPr lang="en-US" altLang="zh-CN">
+                        <a:rPr lang="en-US" altLang="zh-CN" dirty="0">
                           <a:effectLst/>
                         </a:rPr>
                         <a:t>2</a:t>
@@ -4423,7 +4431,7 @@
                     <a:p>
                       <a:pPr algn="ctr"/>
                       <a:r>
-                        <a:rPr lang="en-US" altLang="zh-CN">
+                        <a:rPr lang="en-US" altLang="zh-CN" dirty="0">
                           <a:effectLst/>
                         </a:rPr>
                         <a:t>1</a:t>
@@ -4439,7 +4447,7 @@
                     <a:p>
                       <a:pPr algn="ctr"/>
                       <a:r>
-                        <a:rPr lang="en-US" altLang="zh-CN">
+                        <a:rPr lang="en-US" altLang="zh-CN" dirty="0">
                           <a:effectLst/>
                         </a:rPr>
                         <a:t>3</a:t>
@@ -4770,6 +4778,13 @@
   <p:clrMapOvr>
     <a:masterClrMapping/>
   </p:clrMapOvr>
+  <p:timing>
+    <p:tnLst>
+      <p:par>
+        <p:cTn id="1" dur="indefinite" restart="never" nodeType="tmRoot"/>
+      </p:par>
+    </p:tnLst>
+  </p:timing>
 </p:sld>
 </file>
 
@@ -5304,7 +5319,7 @@
                                   <m:chr m:val="̅"/>
                                   <m:ctrlPr>
                                     <a:rPr lang="en-US" altLang="zh-CN" i="1" smtClean="0">
-                                      <a:latin typeface="Cambria Math" panose="02040503050406030204" pitchFamily="18" charset="0"/>
+                                      <a:latin typeface="Cambria Math" charset="0"/>
                                     </a:rPr>
                                   </m:ctrlPr>
                                 </m:accPr>
@@ -5313,7 +5328,7 @@
                                     <m:sSubPr>
                                       <m:ctrlPr>
                                         <a:rPr lang="en-US" altLang="zh-CN" i="1" smtClean="0">
-                                          <a:latin typeface="Cambria Math" panose="02040503050406030204" pitchFamily="18" charset="0"/>
+                                          <a:latin typeface="Cambria Math" charset="0"/>
                                         </a:rPr>
                                       </m:ctrlPr>
                                     </m:sSubPr>
@@ -5770,7 +5785,7 @@
                         <m:chr m:val="̅"/>
                         <m:ctrlPr>
                           <a:rPr lang="en-US" altLang="zh-CN" i="1">
-                            <a:latin typeface="Cambria Math" panose="02040503050406030204" pitchFamily="18" charset="0"/>
+                            <a:latin typeface="Cambria Math" charset="0"/>
                           </a:rPr>
                         </m:ctrlPr>
                       </m:accPr>
@@ -5832,7 +5847,7 @@
                           <m:supHide m:val="on"/>
                           <m:ctrlPr>
                             <a:rPr lang="en-US" altLang="zh-CN" i="1">
-                              <a:latin typeface="Cambria Math" panose="02040503050406030204" pitchFamily="18" charset="0"/>
+                              <a:latin typeface="Cambria Math" charset="0"/>
                             </a:rPr>
                           </m:ctrlPr>
                         </m:naryPr>
@@ -5843,7 +5858,7 @@
                             <m:sSubPr>
                               <m:ctrlPr>
                                 <a:rPr lang="en-US" altLang="zh-CN" i="1">
-                                  <a:latin typeface="Cambria Math" panose="02040503050406030204" pitchFamily="18" charset="0"/>
+                                  <a:latin typeface="Cambria Math" charset="0"/>
                                 </a:rPr>
                               </m:ctrlPr>
                             </m:sSubPr>
@@ -5868,7 +5883,7 @@
                             <m:sSupPr>
                               <m:ctrlPr>
                                 <a:rPr lang="en-US" altLang="zh-CN" i="1">
-                                  <a:latin typeface="Cambria Math" panose="02040503050406030204" pitchFamily="18" charset="0"/>
+                                  <a:latin typeface="Cambria Math" charset="0"/>
                                 </a:rPr>
                               </m:ctrlPr>
                             </m:sSupPr>
@@ -5884,7 +5899,7 @@
                                   <m:chr m:val="̅"/>
                                   <m:ctrlPr>
                                     <a:rPr lang="en-US" altLang="zh-CN" i="1">
-                                      <a:latin typeface="Cambria Math" panose="02040503050406030204" pitchFamily="18" charset="0"/>
+                                      <a:latin typeface="Cambria Math" charset="0"/>
                                     </a:rPr>
                                   </m:ctrlPr>
                                 </m:accPr>
@@ -5893,7 +5908,7 @@
                                     <m:sSubPr>
                                       <m:ctrlPr>
                                         <a:rPr lang="en-US" altLang="zh-CN" i="1">
-                                          <a:latin typeface="Cambria Math" panose="02040503050406030204" pitchFamily="18" charset="0"/>
+                                          <a:latin typeface="Cambria Math" charset="0"/>
                                         </a:rPr>
                                       </m:ctrlPr>
                                     </m:sSubPr>
@@ -5927,7 +5942,7 @@
                                   <m:chr m:val="̅"/>
                                   <m:ctrlPr>
                                     <a:rPr lang="en-US" altLang="zh-CN" i="1">
-                                      <a:latin typeface="Cambria Math" panose="02040503050406030204" pitchFamily="18" charset="0"/>
+                                      <a:latin typeface="Cambria Math" charset="0"/>
                                     </a:rPr>
                                   </m:ctrlPr>
                                 </m:accPr>
@@ -6263,7 +6278,7 @@
                           <m:supHide m:val="on"/>
                           <m:ctrlPr>
                             <a:rPr lang="en-US" altLang="zh-CN" i="1">
-                              <a:latin typeface="Cambria Math" panose="02040503050406030204" pitchFamily="18" charset="0"/>
+                              <a:latin typeface="Cambria Math" charset="0"/>
                             </a:rPr>
                           </m:ctrlPr>
                         </m:naryPr>
@@ -6274,7 +6289,7 @@
                             <m:sSupPr>
                               <m:ctrlPr>
                                 <a:rPr lang="en-US" altLang="zh-CN" i="1">
-                                  <a:latin typeface="Cambria Math" panose="02040503050406030204" pitchFamily="18" charset="0"/>
+                                  <a:latin typeface="Cambria Math" charset="0"/>
                                 </a:rPr>
                               </m:ctrlPr>
                             </m:sSupPr>
@@ -6302,7 +6317,7 @@
                                   <m:chr m:val="̅"/>
                                   <m:ctrlPr>
                                     <a:rPr lang="en-US" altLang="zh-CN" i="1">
-                                      <a:latin typeface="Cambria Math" panose="02040503050406030204" pitchFamily="18" charset="0"/>
+                                      <a:latin typeface="Cambria Math" charset="0"/>
                                     </a:rPr>
                                   </m:ctrlPr>
                                 </m:accPr>
@@ -6311,7 +6326,7 @@
                                     <m:sSubPr>
                                       <m:ctrlPr>
                                         <a:rPr lang="en-US" altLang="zh-CN" i="1">
-                                          <a:latin typeface="Cambria Math" panose="02040503050406030204" pitchFamily="18" charset="0"/>
+                                          <a:latin typeface="Cambria Math" charset="0"/>
                                         </a:rPr>
                                       </m:ctrlPr>
                                     </m:sSubPr>
@@ -6490,7 +6505,7 @@
                                     <m:chr m:val="̅"/>
                                     <m:ctrlPr>
                                       <a:rPr lang="en-US" altLang="zh-CN" i="1">
-                                        <a:latin typeface="Cambria Math" panose="02040503050406030204" pitchFamily="18" charset="0"/>
+                                        <a:latin typeface="Cambria Math" charset="0"/>
                                       </a:rPr>
                                     </m:ctrlPr>
                                   </m:accPr>
@@ -6499,7 +6514,7 @@
                                       <m:sSubPr>
                                         <m:ctrlPr>
                                           <a:rPr lang="en-US" altLang="zh-CN" i="1">
-                                            <a:latin typeface="Cambria Math" panose="02040503050406030204" pitchFamily="18" charset="0"/>
+                                            <a:latin typeface="Cambria Math" charset="0"/>
                                           </a:rPr>
                                         </m:ctrlPr>
                                       </m:sSubPr>
@@ -6546,7 +6561,7 @@
                                   <m:sSupPr>
                                     <m:ctrlPr>
                                       <a:rPr lang="en-US" altLang="zh-CN" i="1" smtClean="0">
-                                        <a:latin typeface="Cambria Math" panose="02040503050406030204" pitchFamily="18" charset="0"/>
+                                        <a:latin typeface="Cambria Math" charset="0"/>
                                       </a:rPr>
                                     </m:ctrlPr>
                                   </m:sSupPr>
@@ -6574,7 +6589,7 @@
                                         <m:chr m:val="̅"/>
                                         <m:ctrlPr>
                                           <a:rPr lang="en-US" altLang="zh-CN" i="1">
-                                            <a:latin typeface="Cambria Math" panose="02040503050406030204" pitchFamily="18" charset="0"/>
+                                            <a:latin typeface="Cambria Math" charset="0"/>
                                           </a:rPr>
                                         </m:ctrlPr>
                                       </m:accPr>
@@ -6583,7 +6598,7 @@
                                           <m:sSubPr>
                                             <m:ctrlPr>
                                               <a:rPr lang="en-US" altLang="zh-CN" i="1">
-                                                <a:latin typeface="Cambria Math" panose="02040503050406030204" pitchFamily="18" charset="0"/>
+                                                <a:latin typeface="Cambria Math" charset="0"/>
                                               </a:rPr>
                                             </m:ctrlPr>
                                           </m:sSubPr>
@@ -7785,7 +7800,7 @@
                           <m:supHide m:val="on"/>
                           <m:ctrlPr>
                             <a:rPr lang="en-US" altLang="zh-CN" i="1">
-                              <a:latin typeface="Cambria Math" panose="02040503050406030204" pitchFamily="18" charset="0"/>
+                              <a:latin typeface="Cambria Math" charset="0"/>
                             </a:rPr>
                           </m:ctrlPr>
                         </m:naryPr>
@@ -7796,7 +7811,7 @@
                             <m:sSupPr>
                               <m:ctrlPr>
                                 <a:rPr lang="en-US" altLang="zh-CN" i="1">
-                                  <a:latin typeface="Cambria Math" panose="02040503050406030204" pitchFamily="18" charset="0"/>
+                                  <a:latin typeface="Cambria Math" charset="0"/>
                                 </a:rPr>
                               </m:ctrlPr>
                             </m:sSupPr>
@@ -7824,7 +7839,7 @@
                                   <m:chr m:val="̅"/>
                                   <m:ctrlPr>
                                     <a:rPr lang="en-US" altLang="zh-CN" i="1">
-                                      <a:latin typeface="Cambria Math" panose="02040503050406030204" pitchFamily="18" charset="0"/>
+                                      <a:latin typeface="Cambria Math" charset="0"/>
                                     </a:rPr>
                                   </m:ctrlPr>
                                 </m:accPr>
@@ -7833,7 +7848,7 @@
                                     <m:sSubPr>
                                       <m:ctrlPr>
                                         <a:rPr lang="en-US" altLang="zh-CN" i="1">
-                                          <a:latin typeface="Cambria Math" panose="02040503050406030204" pitchFamily="18" charset="0"/>
+                                          <a:latin typeface="Cambria Math" charset="0"/>
                                         </a:rPr>
                                       </m:ctrlPr>
                                     </m:sSubPr>
@@ -8012,7 +8027,7 @@
                                     <m:chr m:val="̅"/>
                                     <m:ctrlPr>
                                       <a:rPr lang="en-US" altLang="zh-CN" i="1">
-                                        <a:latin typeface="Cambria Math" panose="02040503050406030204" pitchFamily="18" charset="0"/>
+                                        <a:latin typeface="Cambria Math" charset="0"/>
                                       </a:rPr>
                                     </m:ctrlPr>
                                   </m:accPr>
@@ -8021,7 +8036,7 @@
                                       <m:sSubPr>
                                         <m:ctrlPr>
                                           <a:rPr lang="en-US" altLang="zh-CN" i="1">
-                                            <a:latin typeface="Cambria Math" panose="02040503050406030204" pitchFamily="18" charset="0"/>
+                                            <a:latin typeface="Cambria Math" charset="0"/>
                                           </a:rPr>
                                         </m:ctrlPr>
                                       </m:sSubPr>
@@ -8068,7 +8083,7 @@
                                   <m:sSupPr>
                                     <m:ctrlPr>
                                       <a:rPr lang="en-US" altLang="zh-CN" i="1" smtClean="0">
-                                        <a:latin typeface="Cambria Math" panose="02040503050406030204" pitchFamily="18" charset="0"/>
+                                        <a:latin typeface="Cambria Math" charset="0"/>
                                       </a:rPr>
                                     </m:ctrlPr>
                                   </m:sSupPr>
@@ -8096,7 +8111,7 @@
                                         <m:chr m:val="̅"/>
                                         <m:ctrlPr>
                                           <a:rPr lang="en-US" altLang="zh-CN" i="1">
-                                            <a:latin typeface="Cambria Math" panose="02040503050406030204" pitchFamily="18" charset="0"/>
+                                            <a:latin typeface="Cambria Math" charset="0"/>
                                           </a:rPr>
                                         </m:ctrlPr>
                                       </m:accPr>
@@ -8105,7 +8120,7 @@
                                           <m:sSubPr>
                                             <m:ctrlPr>
                                               <a:rPr lang="en-US" altLang="zh-CN" i="1">
-                                                <a:latin typeface="Cambria Math" panose="02040503050406030204" pitchFamily="18" charset="0"/>
+                                                <a:latin typeface="Cambria Math" charset="0"/>
                                               </a:rPr>
                                             </m:ctrlPr>
                                           </m:sSubPr>
@@ -9147,7 +9162,7 @@
                           <m:supHide m:val="on"/>
                           <m:ctrlPr>
                             <a:rPr lang="en-US" altLang="zh-CN" i="1">
-                              <a:latin typeface="Cambria Math" panose="02040503050406030204" pitchFamily="18" charset="0"/>
+                              <a:latin typeface="Cambria Math" charset="0"/>
                             </a:rPr>
                           </m:ctrlPr>
                         </m:naryPr>
@@ -9158,7 +9173,7 @@
                             <m:sSupPr>
                               <m:ctrlPr>
                                 <a:rPr lang="en-US" altLang="zh-CN" i="1">
-                                  <a:latin typeface="Cambria Math" panose="02040503050406030204" pitchFamily="18" charset="0"/>
+                                  <a:latin typeface="Cambria Math" charset="0"/>
                                 </a:rPr>
                               </m:ctrlPr>
                             </m:sSupPr>
@@ -9186,7 +9201,7 @@
                                   <m:chr m:val="̅"/>
                                   <m:ctrlPr>
                                     <a:rPr lang="en-US" altLang="zh-CN" i="1">
-                                      <a:latin typeface="Cambria Math" panose="02040503050406030204" pitchFamily="18" charset="0"/>
+                                      <a:latin typeface="Cambria Math" charset="0"/>
                                     </a:rPr>
                                   </m:ctrlPr>
                                 </m:accPr>
@@ -9195,7 +9210,7 @@
                                     <m:sSubPr>
                                       <m:ctrlPr>
                                         <a:rPr lang="en-US" altLang="zh-CN" i="1">
-                                          <a:latin typeface="Cambria Math" panose="02040503050406030204" pitchFamily="18" charset="0"/>
+                                          <a:latin typeface="Cambria Math" charset="0"/>
                                         </a:rPr>
                                       </m:ctrlPr>
                                     </m:sSubPr>
@@ -9374,7 +9389,7 @@
                                     <m:chr m:val="̅"/>
                                     <m:ctrlPr>
                                       <a:rPr lang="en-US" altLang="zh-CN" i="1">
-                                        <a:latin typeface="Cambria Math" panose="02040503050406030204" pitchFamily="18" charset="0"/>
+                                        <a:latin typeface="Cambria Math" charset="0"/>
                                       </a:rPr>
                                     </m:ctrlPr>
                                   </m:accPr>
@@ -9383,7 +9398,7 @@
                                       <m:sSubPr>
                                         <m:ctrlPr>
                                           <a:rPr lang="en-US" altLang="zh-CN" i="1">
-                                            <a:latin typeface="Cambria Math" panose="02040503050406030204" pitchFamily="18" charset="0"/>
+                                            <a:latin typeface="Cambria Math" charset="0"/>
                                           </a:rPr>
                                         </m:ctrlPr>
                                       </m:sSubPr>
@@ -9430,7 +9445,7 @@
                                   <m:sSupPr>
                                     <m:ctrlPr>
                                       <a:rPr lang="en-US" altLang="zh-CN" i="1" smtClean="0">
-                                        <a:latin typeface="Cambria Math" panose="02040503050406030204" pitchFamily="18" charset="0"/>
+                                        <a:latin typeface="Cambria Math" charset="0"/>
                                       </a:rPr>
                                     </m:ctrlPr>
                                   </m:sSupPr>
@@ -9458,7 +9473,7 @@
                                         <m:chr m:val="̅"/>
                                         <m:ctrlPr>
                                           <a:rPr lang="en-US" altLang="zh-CN" i="1">
-                                            <a:latin typeface="Cambria Math" panose="02040503050406030204" pitchFamily="18" charset="0"/>
+                                            <a:latin typeface="Cambria Math" charset="0"/>
                                           </a:rPr>
                                         </m:ctrlPr>
                                       </m:accPr>
@@ -9467,7 +9482,7 @@
                                           <m:sSubPr>
                                             <m:ctrlPr>
                                               <a:rPr lang="en-US" altLang="zh-CN" i="1">
-                                                <a:latin typeface="Cambria Math" panose="02040503050406030204" pitchFamily="18" charset="0"/>
+                                                <a:latin typeface="Cambria Math" charset="0"/>
                                               </a:rPr>
                                             </m:ctrlPr>
                                           </m:sSubPr>
@@ -10509,7 +10524,7 @@
                           <m:supHide m:val="on"/>
                           <m:ctrlPr>
                             <a:rPr lang="en-US" altLang="zh-CN" i="1">
-                              <a:latin typeface="Cambria Math" panose="02040503050406030204" pitchFamily="18" charset="0"/>
+                              <a:latin typeface="Cambria Math" charset="0"/>
                             </a:rPr>
                           </m:ctrlPr>
                         </m:naryPr>
@@ -10520,7 +10535,7 @@
                             <m:sSupPr>
                               <m:ctrlPr>
                                 <a:rPr lang="en-US" altLang="zh-CN" i="1">
-                                  <a:latin typeface="Cambria Math" panose="02040503050406030204" pitchFamily="18" charset="0"/>
+                                  <a:latin typeface="Cambria Math" charset="0"/>
                                 </a:rPr>
                               </m:ctrlPr>
                             </m:sSupPr>
@@ -10548,7 +10563,7 @@
                                   <m:chr m:val="̅"/>
                                   <m:ctrlPr>
                                     <a:rPr lang="en-US" altLang="zh-CN" i="1">
-                                      <a:latin typeface="Cambria Math" panose="02040503050406030204" pitchFamily="18" charset="0"/>
+                                      <a:latin typeface="Cambria Math" charset="0"/>
                                     </a:rPr>
                                   </m:ctrlPr>
                                 </m:accPr>
@@ -10557,7 +10572,7 @@
                                     <m:sSubPr>
                                       <m:ctrlPr>
                                         <a:rPr lang="en-US" altLang="zh-CN" i="1">
-                                          <a:latin typeface="Cambria Math" panose="02040503050406030204" pitchFamily="18" charset="0"/>
+                                          <a:latin typeface="Cambria Math" charset="0"/>
                                         </a:rPr>
                                       </m:ctrlPr>
                                     </m:sSubPr>
@@ -10736,7 +10751,7 @@
                                     <m:chr m:val="̅"/>
                                     <m:ctrlPr>
                                       <a:rPr lang="en-US" altLang="zh-CN" i="1">
-                                        <a:latin typeface="Cambria Math" panose="02040503050406030204" pitchFamily="18" charset="0"/>
+                                        <a:latin typeface="Cambria Math" charset="0"/>
                                       </a:rPr>
                                     </m:ctrlPr>
                                   </m:accPr>
@@ -10745,7 +10760,7 @@
                                       <m:sSubPr>
                                         <m:ctrlPr>
                                           <a:rPr lang="en-US" altLang="zh-CN" i="1">
-                                            <a:latin typeface="Cambria Math" panose="02040503050406030204" pitchFamily="18" charset="0"/>
+                                            <a:latin typeface="Cambria Math" charset="0"/>
                                           </a:rPr>
                                         </m:ctrlPr>
                                       </m:sSubPr>
@@ -10792,7 +10807,7 @@
                                   <m:sSupPr>
                                     <m:ctrlPr>
                                       <a:rPr lang="en-US" altLang="zh-CN" i="1" smtClean="0">
-                                        <a:latin typeface="Cambria Math" panose="02040503050406030204" pitchFamily="18" charset="0"/>
+                                        <a:latin typeface="Cambria Math" charset="0"/>
                                       </a:rPr>
                                     </m:ctrlPr>
                                   </m:sSupPr>
@@ -10820,7 +10835,7 @@
                                         <m:chr m:val="̅"/>
                                         <m:ctrlPr>
                                           <a:rPr lang="en-US" altLang="zh-CN" i="1">
-                                            <a:latin typeface="Cambria Math" panose="02040503050406030204" pitchFamily="18" charset="0"/>
+                                            <a:latin typeface="Cambria Math" charset="0"/>
                                           </a:rPr>
                                         </m:ctrlPr>
                                       </m:accPr>
@@ -10829,7 +10844,7 @@
                                           <m:sSubPr>
                                             <m:ctrlPr>
                                               <a:rPr lang="en-US" altLang="zh-CN" i="1">
-                                                <a:latin typeface="Cambria Math" panose="02040503050406030204" pitchFamily="18" charset="0"/>
+                                                <a:latin typeface="Cambria Math" charset="0"/>
                                               </a:rPr>
                                             </m:ctrlPr>
                                           </m:sSubPr>
@@ -12128,7 +12143,7 @@
             </p:nvGraphicFramePr>
             <p:xfrm>
               <a:off x="838200" y="2740025"/>
-              <a:ext cx="10515600" cy="2158746"/>
+              <a:ext cx="10515600" cy="2158683"/>
             </p:xfrm>
             <a:graphic>
               <a:graphicData uri="http://schemas.openxmlformats.org/drawingml/2006/table">
@@ -12267,7 +12282,7 @@
                                     <m:supHide m:val="on"/>
                                     <m:ctrlPr>
                                       <a:rPr lang="en-US" altLang="zh-CN" b="0" i="1" smtClean="0">
-                                        <a:latin typeface="Cambria Math" panose="02040503050406030204" pitchFamily="18" charset="0"/>
+                                        <a:latin typeface="Cambria Math" charset="0"/>
                                       </a:rPr>
                                     </m:ctrlPr>
                                   </m:naryPr>
@@ -12278,7 +12293,7 @@
                                       <m:sSubPr>
                                         <m:ctrlPr>
                                           <a:rPr lang="en-US" altLang="zh-CN" b="0" i="1" smtClean="0">
-                                            <a:latin typeface="Cambria Math" panose="02040503050406030204" pitchFamily="18" charset="0"/>
+                                            <a:latin typeface="Cambria Math" charset="0"/>
                                           </a:rPr>
                                         </m:ctrlPr>
                                       </m:sSubPr>
@@ -12303,7 +12318,7 @@
                                       <m:sSupPr>
                                         <m:ctrlPr>
                                           <a:rPr lang="en-US" altLang="zh-CN" b="0" i="1" smtClean="0">
-                                            <a:latin typeface="Cambria Math" panose="02040503050406030204" pitchFamily="18" charset="0"/>
+                                            <a:latin typeface="Cambria Math" charset="0"/>
                                           </a:rPr>
                                         </m:ctrlPr>
                                       </m:sSupPr>
@@ -12319,7 +12334,7 @@
                                             <m:chr m:val="̅"/>
                                             <m:ctrlPr>
                                               <a:rPr lang="en-US" altLang="zh-CN" b="0" i="1" smtClean="0">
-                                                <a:latin typeface="Cambria Math" panose="02040503050406030204" pitchFamily="18" charset="0"/>
+                                                <a:latin typeface="Cambria Math" charset="0"/>
                                               </a:rPr>
                                             </m:ctrlPr>
                                           </m:accPr>
@@ -12328,7 +12343,7 @@
                                               <m:sSubPr>
                                                 <m:ctrlPr>
                                                   <a:rPr lang="en-US" altLang="zh-CN" b="0" i="1" smtClean="0">
-                                                    <a:latin typeface="Cambria Math" panose="02040503050406030204" pitchFamily="18" charset="0"/>
+                                                    <a:latin typeface="Cambria Math" charset="0"/>
                                                   </a:rPr>
                                                 </m:ctrlPr>
                                               </m:sSubPr>
@@ -12362,7 +12377,7 @@
                                             <m:chr m:val="̅"/>
                                             <m:ctrlPr>
                                               <a:rPr lang="en-US" altLang="zh-CN" b="0" i="1" smtClean="0">
-                                                <a:latin typeface="Cambria Math" panose="02040503050406030204" pitchFamily="18" charset="0"/>
+                                                <a:latin typeface="Cambria Math" charset="0"/>
                                               </a:rPr>
                                             </m:ctrlPr>
                                           </m:accPr>
@@ -12496,7 +12511,7 @@
                                   <m:supHide m:val="on"/>
                                   <m:ctrlPr>
                                     <a:rPr lang="en-US" altLang="zh-CN" b="0" i="1" smtClean="0">
-                                      <a:latin typeface="Cambria Math" panose="02040503050406030204" pitchFamily="18" charset="0"/>
+                                      <a:latin typeface="Cambria Math" charset="0"/>
                                     </a:rPr>
                                   </m:ctrlPr>
                                 </m:naryPr>
@@ -12507,7 +12522,7 @@
                                     <m:sSupPr>
                                       <m:ctrlPr>
                                         <a:rPr lang="en-US" altLang="zh-CN" b="0" i="1" smtClean="0">
-                                          <a:latin typeface="Cambria Math" panose="02040503050406030204" pitchFamily="18" charset="0"/>
+                                          <a:latin typeface="Cambria Math" charset="0"/>
                                         </a:rPr>
                                       </m:ctrlPr>
                                     </m:sSupPr>
@@ -12535,7 +12550,7 @@
                                           <m:chr m:val="̅"/>
                                           <m:ctrlPr>
                                             <a:rPr lang="en-US" altLang="zh-CN" b="0" i="1" smtClean="0">
-                                              <a:latin typeface="Cambria Math" panose="02040503050406030204" pitchFamily="18" charset="0"/>
+                                              <a:latin typeface="Cambria Math" charset="0"/>
                                             </a:rPr>
                                           </m:ctrlPr>
                                         </m:accPr>
@@ -12544,7 +12559,7 @@
                                             <m:sSubPr>
                                               <m:ctrlPr>
                                                 <a:rPr lang="en-US" altLang="zh-CN" b="0" i="1" smtClean="0">
-                                                  <a:latin typeface="Cambria Math" panose="02040503050406030204" pitchFamily="18" charset="0"/>
+                                                  <a:latin typeface="Cambria Math" charset="0"/>
                                                 </a:rPr>
                                               </m:ctrlPr>
                                             </m:sSubPr>
@@ -12681,7 +12696,7 @@
                                   <m:supHide m:val="on"/>
                                   <m:ctrlPr>
                                     <a:rPr lang="en-US" altLang="zh-CN" b="0" i="1" smtClean="0">
-                                      <a:latin typeface="Cambria Math" panose="02040503050406030204" pitchFamily="18" charset="0"/>
+                                      <a:latin typeface="Cambria Math" charset="0"/>
                                     </a:rPr>
                                   </m:ctrlPr>
                                 </m:naryPr>
@@ -12695,7 +12710,7 @@
                                       <m:supHide m:val="on"/>
                                       <m:ctrlPr>
                                         <a:rPr lang="en-US" altLang="zh-CN" b="0" i="1" smtClean="0">
-                                          <a:latin typeface="Cambria Math" panose="02040503050406030204" pitchFamily="18" charset="0"/>
+                                          <a:latin typeface="Cambria Math" charset="0"/>
                                         </a:rPr>
                                       </m:ctrlPr>
                                     </m:naryPr>
@@ -12706,7 +12721,7 @@
                                         <m:sSupPr>
                                           <m:ctrlPr>
                                             <a:rPr lang="en-US" altLang="zh-CN" b="0" i="1" smtClean="0">
-                                              <a:latin typeface="Cambria Math" panose="02040503050406030204" pitchFamily="18" charset="0"/>
+                                              <a:latin typeface="Cambria Math" charset="0"/>
                                             </a:rPr>
                                           </m:ctrlPr>
                                         </m:sSupPr>
@@ -12734,7 +12749,7 @@
                                               <m:chr m:val="̅"/>
                                               <m:ctrlPr>
                                                 <a:rPr lang="en-US" altLang="zh-CN" b="0" i="1" smtClean="0">
-                                                  <a:latin typeface="Cambria Math" panose="02040503050406030204" pitchFamily="18" charset="0"/>
+                                                  <a:latin typeface="Cambria Math" charset="0"/>
                                                 </a:rPr>
                                               </m:ctrlPr>
                                             </m:accPr>
@@ -14567,7 +14582,7 @@
                                   <m:chr m:val="̅"/>
                                   <m:ctrlPr>
                                     <a:rPr lang="en-US" altLang="zh-CN" i="1" smtClean="0">
-                                      <a:latin typeface="Cambria Math" panose="02040503050406030204" pitchFamily="18" charset="0"/>
+                                      <a:latin typeface="Cambria Math" charset="0"/>
                                     </a:rPr>
                                   </m:ctrlPr>
                                 </m:accPr>
@@ -14576,7 +14591,7 @@
                                     <m:sSubPr>
                                       <m:ctrlPr>
                                         <a:rPr lang="en-US" altLang="zh-CN" i="1" smtClean="0">
-                                          <a:latin typeface="Cambria Math" panose="02040503050406030204" pitchFamily="18" charset="0"/>
+                                          <a:latin typeface="Cambria Math" charset="0"/>
                                         </a:rPr>
                                       </m:ctrlPr>
                                     </m:sSubPr>
@@ -15005,7 +15020,7 @@
                         <m:chr m:val="̅"/>
                         <m:ctrlPr>
                           <a:rPr lang="en-US" altLang="zh-CN" i="1">
-                            <a:latin typeface="Cambria Math" panose="02040503050406030204" pitchFamily="18" charset="0"/>
+                            <a:latin typeface="Cambria Math" charset="0"/>
                           </a:rPr>
                         </m:ctrlPr>
                       </m:accPr>
@@ -15067,7 +15082,7 @@
                           <m:supHide m:val="on"/>
                           <m:ctrlPr>
                             <a:rPr lang="en-US" altLang="zh-CN" i="1">
-                              <a:latin typeface="Cambria Math" panose="02040503050406030204" pitchFamily="18" charset="0"/>
+                              <a:latin typeface="Cambria Math" charset="0"/>
                             </a:rPr>
                           </m:ctrlPr>
                         </m:naryPr>
@@ -15078,7 +15093,7 @@
                             <m:sSubPr>
                               <m:ctrlPr>
                                 <a:rPr lang="en-US" altLang="zh-CN" i="1">
-                                  <a:latin typeface="Cambria Math" panose="02040503050406030204" pitchFamily="18" charset="0"/>
+                                  <a:latin typeface="Cambria Math" charset="0"/>
                                 </a:rPr>
                               </m:ctrlPr>
                             </m:sSubPr>
@@ -15103,7 +15118,7 @@
                             <m:sSupPr>
                               <m:ctrlPr>
                                 <a:rPr lang="en-US" altLang="zh-CN" i="1">
-                                  <a:latin typeface="Cambria Math" panose="02040503050406030204" pitchFamily="18" charset="0"/>
+                                  <a:latin typeface="Cambria Math" charset="0"/>
                                 </a:rPr>
                               </m:ctrlPr>
                             </m:sSupPr>
@@ -15119,7 +15134,7 @@
                                   <m:chr m:val="̅"/>
                                   <m:ctrlPr>
                                     <a:rPr lang="en-US" altLang="zh-CN" i="1">
-                                      <a:latin typeface="Cambria Math" panose="02040503050406030204" pitchFamily="18" charset="0"/>
+                                      <a:latin typeface="Cambria Math" charset="0"/>
                                     </a:rPr>
                                   </m:ctrlPr>
                                 </m:accPr>
@@ -15128,7 +15143,7 @@
                                     <m:sSubPr>
                                       <m:ctrlPr>
                                         <a:rPr lang="en-US" altLang="zh-CN" i="1">
-                                          <a:latin typeface="Cambria Math" panose="02040503050406030204" pitchFamily="18" charset="0"/>
+                                          <a:latin typeface="Cambria Math" charset="0"/>
                                         </a:rPr>
                                       </m:ctrlPr>
                                     </m:sSubPr>
@@ -15162,7 +15177,7 @@
                                   <m:chr m:val="̅"/>
                                   <m:ctrlPr>
                                     <a:rPr lang="en-US" altLang="zh-CN" i="1">
-                                      <a:latin typeface="Cambria Math" panose="02040503050406030204" pitchFamily="18" charset="0"/>
+                                      <a:latin typeface="Cambria Math" charset="0"/>
                                     </a:rPr>
                                   </m:ctrlPr>
                                 </m:accPr>
@@ -15498,7 +15513,7 @@
                           <m:supHide m:val="on"/>
                           <m:ctrlPr>
                             <a:rPr lang="en-US" altLang="zh-CN" i="1">
-                              <a:latin typeface="Cambria Math" panose="02040503050406030204" pitchFamily="18" charset="0"/>
+                              <a:latin typeface="Cambria Math" charset="0"/>
                             </a:rPr>
                           </m:ctrlPr>
                         </m:naryPr>
@@ -15509,7 +15524,7 @@
                             <m:sSupPr>
                               <m:ctrlPr>
                                 <a:rPr lang="en-US" altLang="zh-CN" i="1">
-                                  <a:latin typeface="Cambria Math" panose="02040503050406030204" pitchFamily="18" charset="0"/>
+                                  <a:latin typeface="Cambria Math" charset="0"/>
                                 </a:rPr>
                               </m:ctrlPr>
                             </m:sSupPr>
@@ -15537,7 +15552,7 @@
                                   <m:chr m:val="̅"/>
                                   <m:ctrlPr>
                                     <a:rPr lang="en-US" altLang="zh-CN" i="1">
-                                      <a:latin typeface="Cambria Math" panose="02040503050406030204" pitchFamily="18" charset="0"/>
+                                      <a:latin typeface="Cambria Math" charset="0"/>
                                     </a:rPr>
                                   </m:ctrlPr>
                                 </m:accPr>
@@ -15546,7 +15561,7 @@
                                     <m:sSubPr>
                                       <m:ctrlPr>
                                         <a:rPr lang="en-US" altLang="zh-CN" i="1">
-                                          <a:latin typeface="Cambria Math" panose="02040503050406030204" pitchFamily="18" charset="0"/>
+                                          <a:latin typeface="Cambria Math" charset="0"/>
                                         </a:rPr>
                                       </m:ctrlPr>
                                     </m:sSubPr>
@@ -15725,7 +15740,7 @@
                                     <m:chr m:val="̅"/>
                                     <m:ctrlPr>
                                       <a:rPr lang="en-US" altLang="zh-CN" i="1">
-                                        <a:latin typeface="Cambria Math" panose="02040503050406030204" pitchFamily="18" charset="0"/>
+                                        <a:latin typeface="Cambria Math" charset="0"/>
                                       </a:rPr>
                                     </m:ctrlPr>
                                   </m:accPr>
@@ -15734,7 +15749,7 @@
                                       <m:sSubPr>
                                         <m:ctrlPr>
                                           <a:rPr lang="en-US" altLang="zh-CN" i="1">
-                                            <a:latin typeface="Cambria Math" panose="02040503050406030204" pitchFamily="18" charset="0"/>
+                                            <a:latin typeface="Cambria Math" charset="0"/>
                                           </a:rPr>
                                         </m:ctrlPr>
                                       </m:sSubPr>
@@ -15781,7 +15796,7 @@
                                   <m:sSupPr>
                                     <m:ctrlPr>
                                       <a:rPr lang="en-US" altLang="zh-CN" i="1" smtClean="0">
-                                        <a:latin typeface="Cambria Math" panose="02040503050406030204" pitchFamily="18" charset="0"/>
+                                        <a:latin typeface="Cambria Math" charset="0"/>
                                       </a:rPr>
                                     </m:ctrlPr>
                                   </m:sSupPr>
@@ -15809,7 +15824,7 @@
                                         <m:chr m:val="̅"/>
                                         <m:ctrlPr>
                                           <a:rPr lang="en-US" altLang="zh-CN" i="1">
-                                            <a:latin typeface="Cambria Math" panose="02040503050406030204" pitchFamily="18" charset="0"/>
+                                            <a:latin typeface="Cambria Math" charset="0"/>
                                           </a:rPr>
                                         </m:ctrlPr>
                                       </m:accPr>
@@ -15818,7 +15833,7 @@
                                           <m:sSubPr>
                                             <m:ctrlPr>
                                               <a:rPr lang="en-US" altLang="zh-CN" i="1">
-                                                <a:latin typeface="Cambria Math" panose="02040503050406030204" pitchFamily="18" charset="0"/>
+                                                <a:latin typeface="Cambria Math" charset="0"/>
                                               </a:rPr>
                                             </m:ctrlPr>
                                           </m:sSubPr>
@@ -16946,7 +16961,7 @@
                           <m:supHide m:val="on"/>
                           <m:ctrlPr>
                             <a:rPr lang="en-US" altLang="zh-CN" i="1">
-                              <a:latin typeface="Cambria Math" panose="02040503050406030204" pitchFamily="18" charset="0"/>
+                              <a:latin typeface="Cambria Math" charset="0"/>
                             </a:rPr>
                           </m:ctrlPr>
                         </m:naryPr>
@@ -16957,7 +16972,7 @@
                             <m:sSupPr>
                               <m:ctrlPr>
                                 <a:rPr lang="en-US" altLang="zh-CN" i="1">
-                                  <a:latin typeface="Cambria Math" panose="02040503050406030204" pitchFamily="18" charset="0"/>
+                                  <a:latin typeface="Cambria Math" charset="0"/>
                                 </a:rPr>
                               </m:ctrlPr>
                             </m:sSupPr>
@@ -16985,7 +17000,7 @@
                                   <m:chr m:val="̅"/>
                                   <m:ctrlPr>
                                     <a:rPr lang="en-US" altLang="zh-CN" i="1">
-                                      <a:latin typeface="Cambria Math" panose="02040503050406030204" pitchFamily="18" charset="0"/>
+                                      <a:latin typeface="Cambria Math" charset="0"/>
                                     </a:rPr>
                                   </m:ctrlPr>
                                 </m:accPr>
@@ -16994,7 +17009,7 @@
                                     <m:sSubPr>
                                       <m:ctrlPr>
                                         <a:rPr lang="en-US" altLang="zh-CN" i="1">
-                                          <a:latin typeface="Cambria Math" panose="02040503050406030204" pitchFamily="18" charset="0"/>
+                                          <a:latin typeface="Cambria Math" charset="0"/>
                                         </a:rPr>
                                       </m:ctrlPr>
                                     </m:sSubPr>
@@ -17173,7 +17188,7 @@
                                     <m:chr m:val="̅"/>
                                     <m:ctrlPr>
                                       <a:rPr lang="en-US" altLang="zh-CN" i="1">
-                                        <a:latin typeface="Cambria Math" panose="02040503050406030204" pitchFamily="18" charset="0"/>
+                                        <a:latin typeface="Cambria Math" charset="0"/>
                                       </a:rPr>
                                     </m:ctrlPr>
                                   </m:accPr>
@@ -17182,7 +17197,7 @@
                                       <m:sSubPr>
                                         <m:ctrlPr>
                                           <a:rPr lang="en-US" altLang="zh-CN" i="1">
-                                            <a:latin typeface="Cambria Math" panose="02040503050406030204" pitchFamily="18" charset="0"/>
+                                            <a:latin typeface="Cambria Math" charset="0"/>
                                           </a:rPr>
                                         </m:ctrlPr>
                                       </m:sSubPr>
@@ -17229,7 +17244,7 @@
                                   <m:sSupPr>
                                     <m:ctrlPr>
                                       <a:rPr lang="en-US" altLang="zh-CN" i="1" smtClean="0">
-                                        <a:latin typeface="Cambria Math" panose="02040503050406030204" pitchFamily="18" charset="0"/>
+                                        <a:latin typeface="Cambria Math" charset="0"/>
                                       </a:rPr>
                                     </m:ctrlPr>
                                   </m:sSupPr>
@@ -17257,7 +17272,7 @@
                                         <m:chr m:val="̅"/>
                                         <m:ctrlPr>
                                           <a:rPr lang="en-US" altLang="zh-CN" i="1">
-                                            <a:latin typeface="Cambria Math" panose="02040503050406030204" pitchFamily="18" charset="0"/>
+                                            <a:latin typeface="Cambria Math" charset="0"/>
                                           </a:rPr>
                                         </m:ctrlPr>
                                       </m:accPr>
@@ -17266,7 +17281,7 @@
                                           <m:sSubPr>
                                             <m:ctrlPr>
                                               <a:rPr lang="en-US" altLang="zh-CN" i="1">
-                                                <a:latin typeface="Cambria Math" panose="02040503050406030204" pitchFamily="18" charset="0"/>
+                                                <a:latin typeface="Cambria Math" charset="0"/>
                                               </a:rPr>
                                             </m:ctrlPr>
                                           </m:sSubPr>
@@ -18376,6 +18391,13 @@
   <p:clrMapOvr>
     <a:masterClrMapping/>
   </p:clrMapOvr>
+  <p:timing>
+    <p:tnLst>
+      <p:par>
+        <p:cTn id="1" dur="indefinite" restart="never" nodeType="tmRoot"/>
+      </p:par>
+    </p:tnLst>
+  </p:timing>
 </p:sld>
 </file>
 
@@ -18500,7 +18522,7 @@
                           <m:supHide m:val="on"/>
                           <m:ctrlPr>
                             <a:rPr lang="en-US" altLang="zh-CN" i="1">
-                              <a:latin typeface="Cambria Math" panose="02040503050406030204" pitchFamily="18" charset="0"/>
+                              <a:latin typeface="Cambria Math" charset="0"/>
                             </a:rPr>
                           </m:ctrlPr>
                         </m:naryPr>
@@ -18511,7 +18533,7 @@
                             <m:sSupPr>
                               <m:ctrlPr>
                                 <a:rPr lang="en-US" altLang="zh-CN" i="1">
-                                  <a:latin typeface="Cambria Math" panose="02040503050406030204" pitchFamily="18" charset="0"/>
+                                  <a:latin typeface="Cambria Math" charset="0"/>
                                 </a:rPr>
                               </m:ctrlPr>
                             </m:sSupPr>
@@ -18539,7 +18561,7 @@
                                   <m:chr m:val="̅"/>
                                   <m:ctrlPr>
                                     <a:rPr lang="en-US" altLang="zh-CN" i="1">
-                                      <a:latin typeface="Cambria Math" panose="02040503050406030204" pitchFamily="18" charset="0"/>
+                                      <a:latin typeface="Cambria Math" charset="0"/>
                                     </a:rPr>
                                   </m:ctrlPr>
                                 </m:accPr>
@@ -18548,7 +18570,7 @@
                                     <m:sSubPr>
                                       <m:ctrlPr>
                                         <a:rPr lang="en-US" altLang="zh-CN" i="1">
-                                          <a:latin typeface="Cambria Math" panose="02040503050406030204" pitchFamily="18" charset="0"/>
+                                          <a:latin typeface="Cambria Math" charset="0"/>
                                         </a:rPr>
                                       </m:ctrlPr>
                                     </m:sSubPr>
@@ -18727,7 +18749,7 @@
                                     <m:chr m:val="̅"/>
                                     <m:ctrlPr>
                                       <a:rPr lang="en-US" altLang="zh-CN" i="1">
-                                        <a:latin typeface="Cambria Math" panose="02040503050406030204" pitchFamily="18" charset="0"/>
+                                        <a:latin typeface="Cambria Math" charset="0"/>
                                       </a:rPr>
                                     </m:ctrlPr>
                                   </m:accPr>
@@ -18736,7 +18758,7 @@
                                       <m:sSubPr>
                                         <m:ctrlPr>
                                           <a:rPr lang="en-US" altLang="zh-CN" i="1">
-                                            <a:latin typeface="Cambria Math" panose="02040503050406030204" pitchFamily="18" charset="0"/>
+                                            <a:latin typeface="Cambria Math" charset="0"/>
                                           </a:rPr>
                                         </m:ctrlPr>
                                       </m:sSubPr>
@@ -18783,7 +18805,7 @@
                                   <m:sSupPr>
                                     <m:ctrlPr>
                                       <a:rPr lang="en-US" altLang="zh-CN" i="1" smtClean="0">
-                                        <a:latin typeface="Cambria Math" panose="02040503050406030204" pitchFamily="18" charset="0"/>
+                                        <a:latin typeface="Cambria Math" charset="0"/>
                                       </a:rPr>
                                     </m:ctrlPr>
                                   </m:sSupPr>
@@ -18811,7 +18833,7 @@
                                         <m:chr m:val="̅"/>
                                         <m:ctrlPr>
                                           <a:rPr lang="en-US" altLang="zh-CN" i="1">
-                                            <a:latin typeface="Cambria Math" panose="02040503050406030204" pitchFamily="18" charset="0"/>
+                                            <a:latin typeface="Cambria Math" charset="0"/>
                                           </a:rPr>
                                         </m:ctrlPr>
                                       </m:accPr>
@@ -18820,7 +18842,7 @@
                                           <m:sSubPr>
                                             <m:ctrlPr>
                                               <a:rPr lang="en-US" altLang="zh-CN" i="1">
-                                                <a:latin typeface="Cambria Math" panose="02040503050406030204" pitchFamily="18" charset="0"/>
+                                                <a:latin typeface="Cambria Math" charset="0"/>
                                               </a:rPr>
                                             </m:ctrlPr>
                                           </m:sSubPr>
@@ -19907,7 +19929,7 @@
             </p:nvGraphicFramePr>
             <p:xfrm>
               <a:off x="838200" y="2740025"/>
-              <a:ext cx="10515600" cy="2426780"/>
+              <a:ext cx="10515600" cy="2426717"/>
             </p:xfrm>
             <a:graphic>
               <a:graphicData uri="http://schemas.openxmlformats.org/drawingml/2006/table">
@@ -20046,7 +20068,7 @@
                                     <m:supHide m:val="on"/>
                                     <m:ctrlPr>
                                       <a:rPr lang="en-US" altLang="zh-CN" b="0" i="1" smtClean="0">
-                                        <a:latin typeface="Cambria Math" panose="02040503050406030204" pitchFamily="18" charset="0"/>
+                                        <a:latin typeface="Cambria Math" charset="0"/>
                                       </a:rPr>
                                     </m:ctrlPr>
                                   </m:naryPr>
@@ -20057,7 +20079,7 @@
                                       <m:sSubPr>
                                         <m:ctrlPr>
                                           <a:rPr lang="en-US" altLang="zh-CN" b="0" i="1" smtClean="0">
-                                            <a:latin typeface="Cambria Math" panose="02040503050406030204" pitchFamily="18" charset="0"/>
+                                            <a:latin typeface="Cambria Math" charset="0"/>
                                           </a:rPr>
                                         </m:ctrlPr>
                                       </m:sSubPr>
@@ -20082,7 +20104,7 @@
                                       <m:sSupPr>
                                         <m:ctrlPr>
                                           <a:rPr lang="en-US" altLang="zh-CN" b="0" i="1" smtClean="0">
-                                            <a:latin typeface="Cambria Math" panose="02040503050406030204" pitchFamily="18" charset="0"/>
+                                            <a:latin typeface="Cambria Math" charset="0"/>
                                           </a:rPr>
                                         </m:ctrlPr>
                                       </m:sSupPr>
@@ -20098,7 +20120,7 @@
                                             <m:chr m:val="̅"/>
                                             <m:ctrlPr>
                                               <a:rPr lang="en-US" altLang="zh-CN" b="0" i="1" smtClean="0">
-                                                <a:latin typeface="Cambria Math" panose="02040503050406030204" pitchFamily="18" charset="0"/>
+                                                <a:latin typeface="Cambria Math" charset="0"/>
                                               </a:rPr>
                                             </m:ctrlPr>
                                           </m:accPr>
@@ -20107,7 +20129,7 @@
                                               <m:sSubPr>
                                                 <m:ctrlPr>
                                                   <a:rPr lang="en-US" altLang="zh-CN" b="0" i="1" smtClean="0">
-                                                    <a:latin typeface="Cambria Math" panose="02040503050406030204" pitchFamily="18" charset="0"/>
+                                                    <a:latin typeface="Cambria Math" charset="0"/>
                                                   </a:rPr>
                                                 </m:ctrlPr>
                                               </m:sSubPr>
@@ -20141,7 +20163,7 @@
                                             <m:chr m:val="̅"/>
                                             <m:ctrlPr>
                                               <a:rPr lang="en-US" altLang="zh-CN" b="0" i="1" smtClean="0">
-                                                <a:latin typeface="Cambria Math" panose="02040503050406030204" pitchFamily="18" charset="0"/>
+                                                <a:latin typeface="Cambria Math" charset="0"/>
                                               </a:rPr>
                                             </m:ctrlPr>
                                           </m:accPr>
@@ -20282,7 +20304,7 @@
                                   <m:supHide m:val="on"/>
                                   <m:ctrlPr>
                                     <a:rPr lang="en-US" altLang="zh-CN" b="0" i="1" smtClean="0">
-                                      <a:latin typeface="Cambria Math" panose="02040503050406030204" pitchFamily="18" charset="0"/>
+                                      <a:latin typeface="Cambria Math" charset="0"/>
                                     </a:rPr>
                                   </m:ctrlPr>
                                 </m:naryPr>
@@ -20293,7 +20315,7 @@
                                     <m:sSupPr>
                                       <m:ctrlPr>
                                         <a:rPr lang="en-US" altLang="zh-CN" b="0" i="1" smtClean="0">
-                                          <a:latin typeface="Cambria Math" panose="02040503050406030204" pitchFamily="18" charset="0"/>
+                                          <a:latin typeface="Cambria Math" charset="0"/>
                                         </a:rPr>
                                       </m:ctrlPr>
                                     </m:sSupPr>
@@ -20321,7 +20343,7 @@
                                           <m:chr m:val="̅"/>
                                           <m:ctrlPr>
                                             <a:rPr lang="en-US" altLang="zh-CN" b="0" i="1" smtClean="0">
-                                              <a:latin typeface="Cambria Math" panose="02040503050406030204" pitchFamily="18" charset="0"/>
+                                              <a:latin typeface="Cambria Math" charset="0"/>
                                             </a:rPr>
                                           </m:ctrlPr>
                                         </m:accPr>
@@ -20330,7 +20352,7 @@
                                             <m:sSubPr>
                                               <m:ctrlPr>
                                                 <a:rPr lang="en-US" altLang="zh-CN" b="0" i="1" smtClean="0">
-                                                  <a:latin typeface="Cambria Math" panose="02040503050406030204" pitchFamily="18" charset="0"/>
+                                                  <a:latin typeface="Cambria Math" charset="0"/>
                                                 </a:rPr>
                                               </m:ctrlPr>
                                             </m:sSubPr>
@@ -20467,7 +20489,7 @@
                                   <m:supHide m:val="on"/>
                                   <m:ctrlPr>
                                     <a:rPr lang="en-US" altLang="zh-CN" b="0" i="1" smtClean="0">
-                                      <a:latin typeface="Cambria Math" panose="02040503050406030204" pitchFamily="18" charset="0"/>
+                                      <a:latin typeface="Cambria Math" charset="0"/>
                                     </a:rPr>
                                   </m:ctrlPr>
                                 </m:naryPr>
@@ -20481,7 +20503,7 @@
                                       <m:supHide m:val="on"/>
                                       <m:ctrlPr>
                                         <a:rPr lang="en-US" altLang="zh-CN" b="0" i="1" smtClean="0">
-                                          <a:latin typeface="Cambria Math" panose="02040503050406030204" pitchFamily="18" charset="0"/>
+                                          <a:latin typeface="Cambria Math" charset="0"/>
                                         </a:rPr>
                                       </m:ctrlPr>
                                     </m:naryPr>
@@ -20492,7 +20514,7 @@
                                         <m:sSupPr>
                                           <m:ctrlPr>
                                             <a:rPr lang="en-US" altLang="zh-CN" b="0" i="1" smtClean="0">
-                                              <a:latin typeface="Cambria Math" panose="02040503050406030204" pitchFamily="18" charset="0"/>
+                                              <a:latin typeface="Cambria Math" charset="0"/>
                                             </a:rPr>
                                           </m:ctrlPr>
                                         </m:sSupPr>
@@ -20520,7 +20542,7 @@
                                               <m:chr m:val="̅"/>
                                               <m:ctrlPr>
                                                 <a:rPr lang="en-US" altLang="zh-CN" b="0" i="1" smtClean="0">
-                                                  <a:latin typeface="Cambria Math" panose="02040503050406030204" pitchFamily="18" charset="0"/>
+                                                  <a:latin typeface="Cambria Math" charset="0"/>
                                                 </a:rPr>
                                               </m:ctrlPr>
                                             </m:accPr>
@@ -21872,8 +21894,8 @@
           </a:p>
         </p:txBody>
       </p:sp>
-      <mc:AlternateContent xmlns:mc="http://schemas.openxmlformats.org/markup-compatibility/2006" xmlns:a14="http://schemas.microsoft.com/office/drawing/2010/main">
-        <mc:Choice Requires="a14">
+      <mc:AlternateContent xmlns:mc="http://schemas.openxmlformats.org/markup-compatibility/2006">
+        <mc:Choice xmlns:a14="http://schemas.microsoft.com/office/drawing/2010/main" Requires="a14">
           <p:graphicFrame>
             <p:nvGraphicFramePr>
               <p:cNvPr id="4" name="内容占位符 3"/>
@@ -21883,14 +21905,14 @@
               <p:nvPr>
                 <p:extLst>
                   <p:ext uri="{D42A27DB-BD31-4B8C-83A1-F6EECF244321}">
-                    <p14:modId xmlns:p14="http://schemas.microsoft.com/office/powerpoint/2010/main" val="866675642"/>
+                    <p14:modId xmlns:p14="http://schemas.microsoft.com/office/powerpoint/2010/main" val="1323689070"/>
                   </p:ext>
                 </p:extLst>
               </p:nvPr>
             </p:nvGraphicFramePr>
             <p:xfrm>
               <a:off x="838200" y="1825625"/>
-              <a:ext cx="10515600" cy="4789490"/>
+              <a:ext cx="10515600" cy="4789170"/>
             </p:xfrm>
             <a:graphic>
               <a:graphicData uri="http://schemas.openxmlformats.org/drawingml/2006/table">
@@ -22029,7 +22051,7 @@
                                     <m:supHide m:val="on"/>
                                     <m:ctrlPr>
                                       <a:rPr lang="en-US" altLang="zh-CN" b="0" i="1" smtClean="0">
-                                        <a:latin typeface="Cambria Math" panose="02040503050406030204" pitchFamily="18" charset="0"/>
+                                        <a:latin typeface="Cambria Math" charset="0"/>
                                       </a:rPr>
                                     </m:ctrlPr>
                                   </m:naryPr>
@@ -22040,7 +22062,7 @@
                                       <m:sSubPr>
                                         <m:ctrlPr>
                                           <a:rPr lang="en-US" altLang="zh-CN" b="0" i="1" smtClean="0">
-                                            <a:latin typeface="Cambria Math" panose="02040503050406030204" pitchFamily="18" charset="0"/>
+                                            <a:latin typeface="Cambria Math" charset="0"/>
                                           </a:rPr>
                                         </m:ctrlPr>
                                       </m:sSubPr>
@@ -22065,7 +22087,7 @@
                                       <m:sSupPr>
                                         <m:ctrlPr>
                                           <a:rPr lang="en-US" altLang="zh-CN" b="0" i="1" smtClean="0">
-                                            <a:latin typeface="Cambria Math" panose="02040503050406030204" pitchFamily="18" charset="0"/>
+                                            <a:latin typeface="Cambria Math" charset="0"/>
                                           </a:rPr>
                                         </m:ctrlPr>
                                       </m:sSupPr>
@@ -22081,7 +22103,7 @@
                                             <m:chr m:val="̅"/>
                                             <m:ctrlPr>
                                               <a:rPr lang="en-US" altLang="zh-CN" b="0" i="1" smtClean="0">
-                                                <a:latin typeface="Cambria Math" panose="02040503050406030204" pitchFamily="18" charset="0"/>
+                                                <a:latin typeface="Cambria Math" charset="0"/>
                                               </a:rPr>
                                             </m:ctrlPr>
                                           </m:accPr>
@@ -22090,7 +22112,7 @@
                                               <m:sSubPr>
                                                 <m:ctrlPr>
                                                   <a:rPr lang="en-US" altLang="zh-CN" b="0" i="1" smtClean="0">
-                                                    <a:latin typeface="Cambria Math" panose="02040503050406030204" pitchFamily="18" charset="0"/>
+                                                    <a:latin typeface="Cambria Math" charset="0"/>
                                                   </a:rPr>
                                                 </m:ctrlPr>
                                               </m:sSubPr>
@@ -22124,7 +22146,7 @@
                                             <m:chr m:val="̅"/>
                                             <m:ctrlPr>
                                               <a:rPr lang="en-US" altLang="zh-CN" b="0" i="1" smtClean="0">
-                                                <a:latin typeface="Cambria Math" panose="02040503050406030204" pitchFamily="18" charset="0"/>
+                                                <a:latin typeface="Cambria Math" charset="0"/>
                                               </a:rPr>
                                             </m:ctrlPr>
                                           </m:accPr>
@@ -22272,7 +22294,674 @@
                                     <m:supHide m:val="on"/>
                                     <m:ctrlPr>
                                       <a:rPr lang="en-US" altLang="zh-CN" b="0" i="1" smtClean="0">
-                                        <a:latin typeface="Cambria Math" panose="02040503050406030204" pitchFamily="18" charset="0"/>
+                                        <a:latin typeface="Cambria Math" charset="0"/>
+                                      </a:rPr>
+                                    </m:ctrlPr>
+                                  </m:naryPr>
+                                  <m:sub/>
+                                  <m:sup/>
+                                  <m:e>
+                                    <m:sSub>
+                                      <m:sSubPr>
+                                        <m:ctrlPr>
+                                          <a:rPr lang="en-US" altLang="zh-CN" b="0" i="1" smtClean="0">
+                                            <a:latin typeface="Cambria Math" charset="0"/>
+                                          </a:rPr>
+                                        </m:ctrlPr>
+                                      </m:sSubPr>
+                                      <m:e>
+                                        <m:r>
+                                          <a:rPr lang="en-US" altLang="zh-CN" b="0" i="1" smtClean="0">
+                                            <a:latin typeface="Cambria Math" charset="0"/>
+                                          </a:rPr>
+                                          <m:t>𝑛</m:t>
+                                        </m:r>
+                                      </m:e>
+                                      <m:sub>
+                                        <m:r>
+                                          <a:rPr lang="en-US" altLang="zh-CN" b="0" i="1" smtClean="0">
+                                            <a:latin typeface="Cambria Math" charset="0"/>
+                                          </a:rPr>
+                                          <m:t>𝑡</m:t>
+                                        </m:r>
+                                      </m:sub>
+                                    </m:sSub>
+                                    <m:sSup>
+                                      <m:sSupPr>
+                                        <m:ctrlPr>
+                                          <a:rPr lang="en-US" altLang="zh-CN" b="0" i="1" smtClean="0">
+                                            <a:latin typeface="Cambria Math" charset="0"/>
+                                          </a:rPr>
+                                        </m:ctrlPr>
+                                      </m:sSupPr>
+                                      <m:e>
+                                        <m:r>
+                                          <a:rPr lang="en-US" altLang="zh-CN" b="0" i="1" smtClean="0">
+                                            <a:latin typeface="Cambria Math" panose="02040503050406030204" pitchFamily="18" charset="0"/>
+                                          </a:rPr>
+                                          <m:t>(</m:t>
+                                        </m:r>
+                                        <m:acc>
+                                          <m:accPr>
+                                            <m:chr m:val="̅"/>
+                                            <m:ctrlPr>
+                                              <a:rPr lang="en-US" altLang="zh-CN" b="0" i="1" smtClean="0">
+                                                <a:latin typeface="Cambria Math" charset="0"/>
+                                              </a:rPr>
+                                            </m:ctrlPr>
+                                          </m:accPr>
+                                          <m:e>
+                                            <m:sSub>
+                                              <m:sSubPr>
+                                                <m:ctrlPr>
+                                                  <a:rPr lang="en-US" altLang="zh-CN" b="0" i="1" smtClean="0">
+                                                    <a:latin typeface="Cambria Math" charset="0"/>
+                                                  </a:rPr>
+                                                </m:ctrlPr>
+                                              </m:sSubPr>
+                                              <m:e>
+                                                <m:r>
+                                                  <a:rPr lang="en-US" altLang="zh-CN" b="0" i="1" smtClean="0">
+                                                    <a:latin typeface="Cambria Math" charset="0"/>
+                                                  </a:rPr>
+                                                  <m:t>𝑥</m:t>
+                                                </m:r>
+                                              </m:e>
+                                              <m:sub>
+                                                <m:r>
+                                                  <a:rPr lang="en-US" altLang="zh-CN" b="0" i="1" smtClean="0">
+                                                    <a:latin typeface="Cambria Math" charset="0"/>
+                                                  </a:rPr>
+                                                  <m:t>𝑡</m:t>
+                                                </m:r>
+                                              </m:sub>
+                                            </m:sSub>
+                                          </m:e>
+                                        </m:acc>
+                                        <m:r>
+                                          <a:rPr lang="en-US" altLang="zh-CN" b="0" i="1" smtClean="0">
+                                            <a:latin typeface="Cambria Math" panose="02040503050406030204" pitchFamily="18" charset="0"/>
+                                          </a:rPr>
+                                          <m:t>−</m:t>
+                                        </m:r>
+                                        <m:acc>
+                                          <m:accPr>
+                                            <m:chr m:val="̅"/>
+                                            <m:ctrlPr>
+                                              <a:rPr lang="en-US" altLang="zh-CN" b="0" i="1" smtClean="0">
+                                                <a:latin typeface="Cambria Math" charset="0"/>
+                                              </a:rPr>
+                                            </m:ctrlPr>
+                                          </m:accPr>
+                                          <m:e>
+                                            <m:r>
+                                              <a:rPr lang="en-US" altLang="zh-CN" b="0" i="1" smtClean="0">
+                                                <a:latin typeface="Cambria Math" charset="0"/>
+                                              </a:rPr>
+                                              <m:t>𝑥</m:t>
+                                            </m:r>
+                                          </m:e>
+                                        </m:acc>
+                                        <m:r>
+                                          <a:rPr lang="en-US" altLang="zh-CN" b="0" i="1" smtClean="0">
+                                            <a:latin typeface="Cambria Math" panose="02040503050406030204" pitchFamily="18" charset="0"/>
+                                          </a:rPr>
+                                          <m:t>)</m:t>
+                                        </m:r>
+                                      </m:e>
+                                      <m:sup>
+                                        <m:r>
+                                          <a:rPr lang="en-US" altLang="zh-CN" b="0" i="1" smtClean="0">
+                                            <a:latin typeface="Cambria Math" panose="02040503050406030204" pitchFamily="18" charset="0"/>
+                                          </a:rPr>
+                                          <m:t>2</m:t>
+                                        </m:r>
+                                      </m:sup>
+                                    </m:sSup>
+                                  </m:e>
+                                </m:nary>
+                              </m:oMath>
+                            </m:oMathPara>
+                          </a14:m>
+                          <a:endParaRPr lang="zh-CN" altLang="en-US" dirty="0"/>
+                        </a:p>
+                      </a:txBody>
+                      <a:tcPr anchor="ctr"/>
+                    </a:tc>
+                    <a:tc>
+                      <a:txBody>
+                        <a:bodyPr/>
+                        <a:lstStyle/>
+                        <a:p>
+                          <a:pPr algn="ctr"/>
+                          <a:r>
+                            <a:rPr lang="en-US" altLang="zh-CN" dirty="0" smtClean="0"/>
+                            <a:t>T-1</a:t>
+                          </a:r>
+                          <a:endParaRPr lang="zh-CN" altLang="en-US" dirty="0"/>
+                        </a:p>
+                      </a:txBody>
+                      <a:tcPr anchor="ctr"/>
+                    </a:tc>
+                    <a:tc>
+                      <a:txBody>
+                        <a:bodyPr/>
+                        <a:lstStyle/>
+                        <a:p>
+                          <a:pPr marL="0" marR="0" indent="0" algn="ctr" defTabSz="914400" rtl="0" eaLnBrk="1" fontAlgn="auto" latinLnBrk="0" hangingPunct="1">
+                            <a:lnSpc>
+                              <a:spcPct val="100000"/>
+                            </a:lnSpc>
+                            <a:spcBef>
+                              <a:spcPts val="0"/>
+                            </a:spcBef>
+                            <a:spcAft>
+                              <a:spcPts val="0"/>
+                            </a:spcAft>
+                            <a:buClrTx/>
+                            <a:buSzTx/>
+                            <a:buFontTx/>
+                            <a:buNone/>
+                            <a:tabLst/>
+                            <a:defRPr/>
+                          </a:pPr>
+                          <a:r>
+                            <a:rPr lang="en-US" altLang="zh-CN" sz="1800" dirty="0" smtClean="0"/>
+                            <a:t>MST=SST/(</a:t>
+                          </a:r>
+                          <a:r>
+                            <a:rPr lang="en-US" altLang="zh-CN" dirty="0" smtClean="0"/>
+                            <a:t>T-1</a:t>
+                          </a:r>
+                          <a:r>
+                            <a:rPr lang="en-US" altLang="zh-CN" sz="1800" dirty="0" smtClean="0"/>
+                            <a:t>)</a:t>
+                          </a:r>
+                          <a:endParaRPr lang="zh-CN" altLang="en-US" sz="1800" dirty="0" smtClean="0"/>
+                        </a:p>
+                      </a:txBody>
+                      <a:tcPr anchor="ctr"/>
+                    </a:tc>
+                    <a:tc>
+                      <a:txBody>
+                        <a:bodyPr/>
+                        <a:lstStyle/>
+                        <a:p>
+                          <a:pPr marL="0" marR="0" indent="0" algn="ctr" defTabSz="914400" rtl="0" eaLnBrk="1" fontAlgn="auto" latinLnBrk="0" hangingPunct="1">
+                            <a:lnSpc>
+                              <a:spcPct val="100000"/>
+                            </a:lnSpc>
+                            <a:spcBef>
+                              <a:spcPts val="0"/>
+                            </a:spcBef>
+                            <a:spcAft>
+                              <a:spcPts val="0"/>
+                            </a:spcAft>
+                            <a:buClrTx/>
+                            <a:buSzTx/>
+                            <a:buFontTx/>
+                            <a:buNone/>
+                            <a:tabLst/>
+                            <a:defRPr/>
+                          </a:pPr>
+                          <a:r>
+                            <a:rPr lang="en-US" altLang="zh-CN" dirty="0" smtClean="0"/>
+                            <a:t>F=MST/MSE</a:t>
+                          </a:r>
+                          <a:endParaRPr lang="zh-CN" altLang="en-US" dirty="0" smtClean="0"/>
+                        </a:p>
+                        <a:p>
+                          <a:pPr algn="ctr"/>
+                          <a:endParaRPr lang="zh-CN" altLang="en-US" dirty="0"/>
+                        </a:p>
+                      </a:txBody>
+                      <a:tcPr anchor="ctr"/>
+                    </a:tc>
+                  </a:tr>
+                  <a:tr h="370840">
+                    <a:tc>
+                      <a:txBody>
+                        <a:bodyPr/>
+                        <a:lstStyle/>
+                        <a:p>
+                          <a:pPr algn="ctr"/>
+                          <a:r>
+                            <a:rPr lang="zh-CN" altLang="en-US" dirty="0" smtClean="0"/>
+                            <a:t>性别</a:t>
+                          </a:r>
+                          <a:endParaRPr lang="zh-CN" altLang="en-US" dirty="0"/>
+                        </a:p>
+                      </a:txBody>
+                      <a:tcPr anchor="ctr"/>
+                    </a:tc>
+                    <a:tc>
+                      <a:txBody>
+                        <a:bodyPr/>
+                        <a:lstStyle/>
+                        <a:p>
+                          <a:pPr algn="ctr"/>
+                          <a14:m>
+                            <m:oMathPara xmlns:m="http://schemas.openxmlformats.org/officeDocument/2006/math">
+                              <m:oMathParaPr>
+                                <m:jc m:val="centerGroup"/>
+                              </m:oMathParaPr>
+                              <m:oMath xmlns:m="http://schemas.openxmlformats.org/officeDocument/2006/math">
+                                <m:r>
+                                  <a:rPr lang="en-US" altLang="zh-CN" b="0" i="1" smtClean="0">
+                                    <a:latin typeface="Cambria Math" panose="02040503050406030204" pitchFamily="18" charset="0"/>
+                                  </a:rPr>
+                                  <m:t>𝑆𝑆𝐺</m:t>
+                                </m:r>
+                                <m:r>
+                                  <a:rPr lang="en-US" altLang="zh-CN" b="0" i="1" smtClean="0">
+                                    <a:latin typeface="Cambria Math" panose="02040503050406030204" pitchFamily="18" charset="0"/>
+                                  </a:rPr>
+                                  <m:t>=</m:t>
+                                </m:r>
+                                <m:nary>
+                                  <m:naryPr>
+                                    <m:chr m:val="∑"/>
+                                    <m:subHide m:val="on"/>
+                                    <m:supHide m:val="on"/>
+                                    <m:ctrlPr>
+                                      <a:rPr lang="en-US" altLang="zh-CN" b="0" i="1" smtClean="0">
+                                        <a:latin typeface="Cambria Math" charset="0"/>
+                                      </a:rPr>
+                                    </m:ctrlPr>
+                                  </m:naryPr>
+                                  <m:sub/>
+                                  <m:sup/>
+                                  <m:e>
+                                    <m:sSub>
+                                      <m:sSubPr>
+                                        <m:ctrlPr>
+                                          <a:rPr lang="en-US" altLang="zh-CN" b="0" i="1" smtClean="0">
+                                            <a:latin typeface="Cambria Math" charset="0"/>
+                                          </a:rPr>
+                                        </m:ctrlPr>
+                                      </m:sSubPr>
+                                      <m:e>
+                                        <m:r>
+                                          <a:rPr lang="en-US" altLang="zh-CN" b="0" i="1" smtClean="0">
+                                            <a:latin typeface="Cambria Math" charset="0"/>
+                                          </a:rPr>
+                                          <m:t>𝑛</m:t>
+                                        </m:r>
+                                      </m:e>
+                                      <m:sub>
+                                        <m:r>
+                                          <a:rPr lang="en-US" altLang="zh-CN" b="0" i="1" smtClean="0">
+                                            <a:latin typeface="Cambria Math" charset="0"/>
+                                          </a:rPr>
+                                          <m:t>𝑔</m:t>
+                                        </m:r>
+                                      </m:sub>
+                                    </m:sSub>
+                                    <m:sSup>
+                                      <m:sSupPr>
+                                        <m:ctrlPr>
+                                          <a:rPr lang="en-US" altLang="zh-CN" b="0" i="1" smtClean="0">
+                                            <a:latin typeface="Cambria Math" charset="0"/>
+                                          </a:rPr>
+                                        </m:ctrlPr>
+                                      </m:sSupPr>
+                                      <m:e>
+                                        <m:r>
+                                          <a:rPr lang="en-US" altLang="zh-CN" b="0" i="1" smtClean="0">
+                                            <a:latin typeface="Cambria Math" panose="02040503050406030204" pitchFamily="18" charset="0"/>
+                                          </a:rPr>
+                                          <m:t>(</m:t>
+                                        </m:r>
+                                        <m:acc>
+                                          <m:accPr>
+                                            <m:chr m:val="̅"/>
+                                            <m:ctrlPr>
+                                              <a:rPr lang="en-US" altLang="zh-CN" b="0" i="1" smtClean="0">
+                                                <a:latin typeface="Cambria Math" charset="0"/>
+                                              </a:rPr>
+                                            </m:ctrlPr>
+                                          </m:accPr>
+                                          <m:e>
+                                            <m:sSub>
+                                              <m:sSubPr>
+                                                <m:ctrlPr>
+                                                  <a:rPr lang="en-US" altLang="zh-CN" b="0" i="1" smtClean="0">
+                                                    <a:latin typeface="Cambria Math" charset="0"/>
+                                                  </a:rPr>
+                                                </m:ctrlPr>
+                                              </m:sSubPr>
+                                              <m:e>
+                                                <m:r>
+                                                  <a:rPr lang="en-US" altLang="zh-CN" b="0" i="1" smtClean="0">
+                                                    <a:latin typeface="Cambria Math" charset="0"/>
+                                                  </a:rPr>
+                                                  <m:t>𝑥</m:t>
+                                                </m:r>
+                                              </m:e>
+                                              <m:sub>
+                                                <m:r>
+                                                  <a:rPr lang="en-US" altLang="zh-CN" b="0" i="1" smtClean="0">
+                                                    <a:latin typeface="Cambria Math" charset="0"/>
+                                                  </a:rPr>
+                                                  <m:t>𝑔</m:t>
+                                                </m:r>
+                                              </m:sub>
+                                            </m:sSub>
+                                          </m:e>
+                                        </m:acc>
+                                        <m:r>
+                                          <a:rPr lang="en-US" altLang="zh-CN" b="0" i="1" smtClean="0">
+                                            <a:latin typeface="Cambria Math" panose="02040503050406030204" pitchFamily="18" charset="0"/>
+                                          </a:rPr>
+                                          <m:t>−</m:t>
+                                        </m:r>
+                                        <m:acc>
+                                          <m:accPr>
+                                            <m:chr m:val="̅"/>
+                                            <m:ctrlPr>
+                                              <a:rPr lang="en-US" altLang="zh-CN" b="0" i="1" smtClean="0">
+                                                <a:latin typeface="Cambria Math" charset="0"/>
+                                              </a:rPr>
+                                            </m:ctrlPr>
+                                          </m:accPr>
+                                          <m:e>
+                                            <m:r>
+                                              <a:rPr lang="en-US" altLang="zh-CN" b="0" i="1" smtClean="0">
+                                                <a:latin typeface="Cambria Math" charset="0"/>
+                                              </a:rPr>
+                                              <m:t>𝑥</m:t>
+                                            </m:r>
+                                          </m:e>
+                                        </m:acc>
+                                        <m:r>
+                                          <a:rPr lang="en-US" altLang="zh-CN" b="0" i="1" smtClean="0">
+                                            <a:latin typeface="Cambria Math" panose="02040503050406030204" pitchFamily="18" charset="0"/>
+                                          </a:rPr>
+                                          <m:t>)</m:t>
+                                        </m:r>
+                                      </m:e>
+                                      <m:sup>
+                                        <m:r>
+                                          <a:rPr lang="en-US" altLang="zh-CN" b="0" i="1" smtClean="0">
+                                            <a:latin typeface="Cambria Math" panose="02040503050406030204" pitchFamily="18" charset="0"/>
+                                          </a:rPr>
+                                          <m:t>2</m:t>
+                                        </m:r>
+                                      </m:sup>
+                                    </m:sSup>
+                                  </m:e>
+                                </m:nary>
+                              </m:oMath>
+                            </m:oMathPara>
+                          </a14:m>
+                          <a:endParaRPr lang="zh-CN" altLang="en-US" dirty="0"/>
+                        </a:p>
+                      </a:txBody>
+                      <a:tcPr anchor="ctr"/>
+                    </a:tc>
+                    <a:tc>
+                      <a:txBody>
+                        <a:bodyPr/>
+                        <a:lstStyle/>
+                        <a:p>
+                          <a:pPr algn="ctr"/>
+                          <a:r>
+                            <a:rPr lang="en-US" altLang="zh-CN" dirty="0" smtClean="0"/>
+                            <a:t>G-1</a:t>
+                          </a:r>
+                          <a:endParaRPr lang="zh-CN" altLang="en-US" dirty="0"/>
+                        </a:p>
+                      </a:txBody>
+                      <a:tcPr anchor="ctr"/>
+                    </a:tc>
+                    <a:tc>
+                      <a:txBody>
+                        <a:bodyPr/>
+                        <a:lstStyle/>
+                        <a:p>
+                          <a:pPr marL="0" marR="0" indent="0" algn="ctr" defTabSz="914400" rtl="0" eaLnBrk="1" fontAlgn="auto" latinLnBrk="0" hangingPunct="1">
+                            <a:lnSpc>
+                              <a:spcPct val="100000"/>
+                            </a:lnSpc>
+                            <a:spcBef>
+                              <a:spcPts val="0"/>
+                            </a:spcBef>
+                            <a:spcAft>
+                              <a:spcPts val="0"/>
+                            </a:spcAft>
+                            <a:buClrTx/>
+                            <a:buSzTx/>
+                            <a:buFontTx/>
+                            <a:buNone/>
+                            <a:tabLst/>
+                            <a:defRPr/>
+                          </a:pPr>
+                          <a:r>
+                            <a:rPr lang="en-US" altLang="zh-CN" sz="1800" dirty="0" smtClean="0"/>
+                            <a:t>MSG=SSG/(</a:t>
+                          </a:r>
+                          <a:r>
+                            <a:rPr lang="en-US" altLang="zh-CN" dirty="0" smtClean="0"/>
+                            <a:t>G-1</a:t>
+                          </a:r>
+                          <a:r>
+                            <a:rPr lang="en-US" altLang="zh-CN" sz="1800" dirty="0" smtClean="0"/>
+                            <a:t>)</a:t>
+                          </a:r>
+                          <a:endParaRPr lang="zh-CN" altLang="en-US" sz="1800" dirty="0" smtClean="0"/>
+                        </a:p>
+                      </a:txBody>
+                      <a:tcPr anchor="ctr"/>
+                    </a:tc>
+                    <a:tc>
+                      <a:txBody>
+                        <a:bodyPr/>
+                        <a:lstStyle/>
+                        <a:p>
+                          <a:pPr marL="0" marR="0" indent="0" algn="ctr" defTabSz="914400" rtl="0" eaLnBrk="1" fontAlgn="auto" latinLnBrk="0" hangingPunct="1">
+                            <a:lnSpc>
+                              <a:spcPct val="100000"/>
+                            </a:lnSpc>
+                            <a:spcBef>
+                              <a:spcPts val="0"/>
+                            </a:spcBef>
+                            <a:spcAft>
+                              <a:spcPts val="0"/>
+                            </a:spcAft>
+                            <a:buClrTx/>
+                            <a:buSzTx/>
+                            <a:buFontTx/>
+                            <a:buNone/>
+                            <a:tabLst/>
+                            <a:defRPr/>
+                          </a:pPr>
+                          <a:r>
+                            <a:rPr lang="en-US" altLang="zh-CN" dirty="0" smtClean="0"/>
+                            <a:t>F=MSG/MSE</a:t>
+                          </a:r>
+                          <a:endParaRPr lang="zh-CN" altLang="en-US" dirty="0" smtClean="0"/>
+                        </a:p>
+                        <a:p>
+                          <a:pPr algn="ctr"/>
+                          <a:endParaRPr lang="zh-CN" altLang="en-US" dirty="0"/>
+                        </a:p>
+                      </a:txBody>
+                      <a:tcPr anchor="ctr"/>
+                    </a:tc>
+                  </a:tr>
+                  <a:tr h="370840">
+                    <a:tc>
+                      <a:txBody>
+                        <a:bodyPr/>
+                        <a:lstStyle/>
+                        <a:p>
+                          <a:pPr algn="ctr"/>
+                          <a:r>
+                            <a:rPr lang="zh-CN" altLang="en-US" dirty="0" smtClean="0"/>
+                            <a:t>治疗*性别</a:t>
+                          </a:r>
+                          <a:endParaRPr lang="zh-CN" altLang="en-US" dirty="0"/>
+                        </a:p>
+                      </a:txBody>
+                      <a:tcPr anchor="ctr"/>
+                    </a:tc>
+                    <a:tc>
+                      <a:txBody>
+                        <a:bodyPr/>
+                        <a:lstStyle/>
+                        <a:p>
+                          <a:pPr algn="ctr"/>
+                          <a:r>
+                            <a:rPr lang="en-US" altLang="zh-CN" dirty="0" smtClean="0"/>
+                            <a:t>SSI=SSM-SST-SSG</a:t>
+                          </a:r>
+                          <a:endParaRPr lang="zh-CN" altLang="en-US" dirty="0"/>
+                        </a:p>
+                      </a:txBody>
+                      <a:tcPr anchor="ctr"/>
+                    </a:tc>
+                    <a:tc>
+                      <a:txBody>
+                        <a:bodyPr/>
+                        <a:lstStyle/>
+                        <a:p>
+                          <a:pPr marL="0" marR="0" indent="0" algn="ctr" defTabSz="914400" rtl="0" eaLnBrk="1" fontAlgn="auto" latinLnBrk="0" hangingPunct="1">
+                            <a:lnSpc>
+                              <a:spcPct val="100000"/>
+                            </a:lnSpc>
+                            <a:spcBef>
+                              <a:spcPts val="0"/>
+                            </a:spcBef>
+                            <a:spcAft>
+                              <a:spcPts val="0"/>
+                            </a:spcAft>
+                            <a:buClrTx/>
+                            <a:buSzTx/>
+                            <a:buFontTx/>
+                            <a:buNone/>
+                            <a:tabLst/>
+                            <a:defRPr/>
+                          </a:pPr>
+                          <a:r>
+                            <a:rPr lang="en-US" altLang="zh-CN" dirty="0" smtClean="0"/>
+                            <a:t>(T-1)*(G-1)</a:t>
+                          </a:r>
+                          <a:endParaRPr lang="zh-CN" altLang="en-US" dirty="0" smtClean="0"/>
+                        </a:p>
+                      </a:txBody>
+                      <a:tcPr anchor="ctr"/>
+                    </a:tc>
+                    <a:tc>
+                      <a:txBody>
+                        <a:bodyPr/>
+                        <a:lstStyle/>
+                        <a:p>
+                          <a:pPr marL="0" marR="0" indent="0" algn="ctr" defTabSz="914400" rtl="0" eaLnBrk="1" fontAlgn="auto" latinLnBrk="0" hangingPunct="1">
+                            <a:lnSpc>
+                              <a:spcPct val="100000"/>
+                            </a:lnSpc>
+                            <a:spcBef>
+                              <a:spcPts val="0"/>
+                            </a:spcBef>
+                            <a:spcAft>
+                              <a:spcPts val="0"/>
+                            </a:spcAft>
+                            <a:buClrTx/>
+                            <a:buSzTx/>
+                            <a:buFontTx/>
+                            <a:buNone/>
+                            <a:tabLst/>
+                            <a:defRPr/>
+                          </a:pPr>
+                          <a:r>
+                            <a:rPr lang="en-US" altLang="zh-CN" dirty="0" smtClean="0"/>
+                            <a:t>MSI=SSI/((T-1)*(G-1))</a:t>
+                          </a:r>
+                          <a:endParaRPr lang="zh-CN" altLang="en-US" dirty="0" smtClean="0"/>
+                        </a:p>
+                      </a:txBody>
+                      <a:tcPr anchor="ctr"/>
+                    </a:tc>
+                    <a:tc>
+                      <a:txBody>
+                        <a:bodyPr/>
+                        <a:lstStyle/>
+                        <a:p>
+                          <a:pPr marL="0" marR="0" indent="0" algn="ctr" defTabSz="914400" rtl="0" eaLnBrk="1" fontAlgn="auto" latinLnBrk="0" hangingPunct="1">
+                            <a:lnSpc>
+                              <a:spcPct val="100000"/>
+                            </a:lnSpc>
+                            <a:spcBef>
+                              <a:spcPts val="0"/>
+                            </a:spcBef>
+                            <a:spcAft>
+                              <a:spcPts val="0"/>
+                            </a:spcAft>
+                            <a:buClrTx/>
+                            <a:buSzTx/>
+                            <a:buFontTx/>
+                            <a:buNone/>
+                            <a:tabLst/>
+                            <a:defRPr/>
+                          </a:pPr>
+                          <a:r>
+                            <a:rPr lang="en-US" altLang="zh-CN" dirty="0" smtClean="0"/>
+                            <a:t>F=MSI/MSE</a:t>
+                          </a:r>
+                          <a:endParaRPr lang="zh-CN" altLang="en-US" dirty="0" smtClean="0"/>
+                        </a:p>
+                      </a:txBody>
+                      <a:tcPr anchor="ctr"/>
+                    </a:tc>
+                  </a:tr>
+                  <a:tr h="370840">
+                    <a:tc>
+                      <a:txBody>
+                        <a:bodyPr/>
+                        <a:lstStyle/>
+                        <a:p>
+                          <a:pPr algn="ctr"/>
+                          <a:r>
+                            <a:rPr lang="zh-CN" altLang="en-US" dirty="0" smtClean="0"/>
+                            <a:t>残差</a:t>
+                          </a:r>
+                          <a:endParaRPr lang="zh-CN" altLang="en-US" dirty="0"/>
+                        </a:p>
+                      </a:txBody>
+                      <a:tcPr anchor="ctr"/>
+                    </a:tc>
+                    <a:tc>
+                      <a:txBody>
+                        <a:bodyPr/>
+                        <a:lstStyle/>
+                        <a:p>
+                          <a:pPr algn="ctr"/>
+                          <a14:m>
+                            <m:oMathPara xmlns:m="http://schemas.openxmlformats.org/officeDocument/2006/math">
+                              <m:oMathParaPr>
+                                <m:jc m:val="centerGroup"/>
+                              </m:oMathParaPr>
+                              <m:oMath xmlns:m="http://schemas.openxmlformats.org/officeDocument/2006/math">
+                                <m:r>
+                                  <a:rPr lang="en-US" altLang="zh-CN" b="0" i="1" smtClean="0">
+                                    <a:latin typeface="Cambria Math" panose="02040503050406030204" pitchFamily="18" charset="0"/>
+                                  </a:rPr>
+                                  <m:t>𝑆𝑆𝐸</m:t>
+                                </m:r>
+                                <m:r>
+                                  <a:rPr lang="en-US" altLang="zh-CN" b="0" i="1" smtClean="0">
+                                    <a:latin typeface="Cambria Math" panose="02040503050406030204" pitchFamily="18" charset="0"/>
+                                  </a:rPr>
+                                  <m:t>=</m:t>
+                                </m:r>
+                                <m:nary>
+                                  <m:naryPr>
+                                    <m:chr m:val="∑"/>
+                                    <m:subHide m:val="on"/>
+                                    <m:supHide m:val="on"/>
+                                    <m:ctrlPr>
+                                      <a:rPr lang="en-US" altLang="zh-CN" b="0" i="1" smtClean="0">
+                                        <a:latin typeface="Cambria Math" charset="0"/>
                                       </a:rPr>
                                     </m:ctrlPr>
                                   </m:naryPr>
@@ -22283,7 +22972,7 @@
                                       <m:sSupPr>
                                         <m:ctrlPr>
                                           <a:rPr lang="en-US" altLang="zh-CN" b="0" i="1" smtClean="0">
-                                            <a:latin typeface="Cambria Math" panose="02040503050406030204" pitchFamily="18" charset="0"/>
+                                            <a:latin typeface="Cambria Math" charset="0"/>
                                           </a:rPr>
                                         </m:ctrlPr>
                                       </m:sSupPr>
@@ -22311,7 +23000,7 @@
                                             <m:chr m:val="̅"/>
                                             <m:ctrlPr>
                                               <a:rPr lang="en-US" altLang="zh-CN" b="0" i="1" smtClean="0">
-                                                <a:latin typeface="Cambria Math" panose="02040503050406030204" pitchFamily="18" charset="0"/>
+                                                <a:latin typeface="Cambria Math" charset="0"/>
                                               </a:rPr>
                                             </m:ctrlPr>
                                           </m:accPr>
@@ -22320,7 +23009,7 @@
                                               <m:sSubPr>
                                                 <m:ctrlPr>
                                                   <a:rPr lang="en-US" altLang="zh-CN" b="0" i="1" smtClean="0">
-                                                    <a:latin typeface="Cambria Math" panose="02040503050406030204" pitchFamily="18" charset="0"/>
+                                                    <a:latin typeface="Cambria Math" charset="0"/>
                                                   </a:rPr>
                                                 </m:ctrlPr>
                                               </m:sSubPr>
@@ -22374,21 +23063,6 @@
                         <a:bodyPr/>
                         <a:lstStyle/>
                         <a:p>
-                          <a:pPr algn="ctr"/>
-                          <a:r>
-                            <a:rPr lang="en-US" altLang="zh-CN" dirty="0" smtClean="0"/>
-                            <a:t>T-1</a:t>
-                          </a:r>
-                          <a:endParaRPr lang="zh-CN" altLang="en-US" dirty="0"/>
-                        </a:p>
-                      </a:txBody>
-                      <a:tcPr anchor="ctr"/>
-                    </a:tc>
-                    <a:tc>
-                      <a:txBody>
-                        <a:bodyPr/>
-                        <a:lstStyle/>
-                        <a:p>
                           <a:pPr marL="0" marR="0" indent="0" algn="ctr" defTabSz="914400" rtl="0" eaLnBrk="1" fontAlgn="auto" latinLnBrk="0" hangingPunct="1">
                             <a:lnSpc>
                               <a:spcPct val="100000"/>
@@ -22407,18 +23081,10 @@
                             <a:defRPr/>
                           </a:pPr>
                           <a:r>
-                            <a:rPr lang="en-US" altLang="zh-CN" sz="1800" dirty="0" smtClean="0"/>
-                            <a:t>MST=SST/(</a:t>
-                          </a:r>
-                          <a:r>
                             <a:rPr lang="en-US" altLang="zh-CN" dirty="0" smtClean="0"/>
-                            <a:t>T-1</a:t>
-                          </a:r>
-                          <a:r>
-                            <a:rPr lang="en-US" altLang="zh-CN" sz="1800" dirty="0" smtClean="0"/>
-                            <a:t>)</a:t>
-                          </a:r>
-                          <a:endParaRPr lang="zh-CN" altLang="en-US" sz="1800" dirty="0" smtClean="0"/>
+                            <a:t>N-T*G</a:t>
+                          </a:r>
+                          <a:endParaRPr lang="zh-CN" altLang="en-US" dirty="0" smtClean="0"/>
                         </a:p>
                       </a:txBody>
                       <a:tcPr anchor="ctr"/>
@@ -22428,29 +23094,20 @@
                         <a:bodyPr/>
                         <a:lstStyle/>
                         <a:p>
-                          <a:pPr marL="0" marR="0" indent="0" algn="ctr" defTabSz="914400" rtl="0" eaLnBrk="1" fontAlgn="auto" latinLnBrk="0" hangingPunct="1">
-                            <a:lnSpc>
-                              <a:spcPct val="100000"/>
-                            </a:lnSpc>
-                            <a:spcBef>
-                              <a:spcPts val="0"/>
-                            </a:spcBef>
-                            <a:spcAft>
-                              <a:spcPts val="0"/>
-                            </a:spcAft>
-                            <a:buClrTx/>
-                            <a:buSzTx/>
-                            <a:buFontTx/>
-                            <a:buNone/>
-                            <a:tabLst/>
-                            <a:defRPr/>
-                          </a:pPr>
+                          <a:pPr algn="ctr"/>
                           <a:r>
                             <a:rPr lang="en-US" altLang="zh-CN" dirty="0" smtClean="0"/>
-                            <a:t>F=MST/MSE</a:t>
-                          </a:r>
-                          <a:endParaRPr lang="zh-CN" altLang="en-US" dirty="0" smtClean="0"/>
-                        </a:p>
+                            <a:t>MSE=SSE/(N-k)</a:t>
+                          </a:r>
+                          <a:endParaRPr lang="zh-CN" altLang="en-US" dirty="0"/>
+                        </a:p>
+                      </a:txBody>
+                      <a:tcPr anchor="ctr"/>
+                    </a:tc>
+                    <a:tc>
+                      <a:txBody>
+                        <a:bodyPr/>
+                        <a:lstStyle/>
                         <a:p>
                           <a:pPr algn="ctr"/>
                           <a:endParaRPr lang="zh-CN" altLang="en-US" dirty="0"/>
@@ -22468,7 +23125,7 @@
                           <a:pPr algn="ctr"/>
                           <a:r>
                             <a:rPr lang="zh-CN" altLang="en-US" dirty="0" smtClean="0"/>
-                            <a:t>性别</a:t>
+                            <a:t>整体</a:t>
                           </a:r>
                           <a:endParaRPr lang="zh-CN" altLang="en-US" dirty="0"/>
                         </a:p>
@@ -22491,7 +23148,7 @@
                                   <a:rPr lang="en-US" altLang="zh-CN" b="0" i="1" smtClean="0">
                                     <a:latin typeface="Cambria Math" panose="02040503050406030204" pitchFamily="18" charset="0"/>
                                   </a:rPr>
-                                  <m:t>𝑆𝑆𝐺</m:t>
+                                  <m:t>𝑆𝑆𝑇</m:t>
                                 </m:r>
                                 <m:r>
                                   <a:rPr lang="en-US" altLang="zh-CN" b="0" i="1" smtClean="0">
@@ -22506,7 +23163,7 @@
                                     <m:supHide m:val="on"/>
                                     <m:ctrlPr>
                                       <a:rPr lang="en-US" altLang="zh-CN" b="0" i="1" smtClean="0">
-                                        <a:latin typeface="Cambria Math" panose="02040503050406030204" pitchFamily="18" charset="0"/>
+                                        <a:latin typeface="Cambria Math" charset="0"/>
                                       </a:rPr>
                                     </m:ctrlPr>
                                   </m:naryPr>
@@ -22520,7 +23177,7 @@
                                         <m:supHide m:val="on"/>
                                         <m:ctrlPr>
                                           <a:rPr lang="en-US" altLang="zh-CN" b="0" i="1" smtClean="0">
-                                            <a:latin typeface="Cambria Math" panose="02040503050406030204" pitchFamily="18" charset="0"/>
+                                            <a:latin typeface="Cambria Math" charset="0"/>
                                           </a:rPr>
                                         </m:ctrlPr>
                                       </m:naryPr>
@@ -22531,7 +23188,7 @@
                                           <m:sSupPr>
                                             <m:ctrlPr>
                                               <a:rPr lang="en-US" altLang="zh-CN" b="0" i="1" smtClean="0">
-                                                <a:latin typeface="Cambria Math" panose="02040503050406030204" pitchFamily="18" charset="0"/>
+                                                <a:latin typeface="Cambria Math" charset="0"/>
                                               </a:rPr>
                                             </m:ctrlPr>
                                           </m:sSupPr>
@@ -22559,7 +23216,7 @@
                                                 <m:chr m:val="̅"/>
                                                 <m:ctrlPr>
                                                   <a:rPr lang="en-US" altLang="zh-CN" b="0" i="1" smtClean="0">
-                                                    <a:latin typeface="Cambria Math" panose="02040503050406030204" pitchFamily="18" charset="0"/>
+                                                    <a:latin typeface="Cambria Math" charset="0"/>
                                                   </a:rPr>
                                                 </m:ctrlPr>
                                               </m:accPr>
@@ -22605,21 +23262,6 @@
                         <a:bodyPr/>
                         <a:lstStyle/>
                         <a:p>
-                          <a:pPr algn="ctr"/>
-                          <a:r>
-                            <a:rPr lang="en-US" altLang="zh-CN" dirty="0" smtClean="0"/>
-                            <a:t>G-1</a:t>
-                          </a:r>
-                          <a:endParaRPr lang="zh-CN" altLang="en-US" dirty="0"/>
-                        </a:p>
-                      </a:txBody>
-                      <a:tcPr anchor="ctr"/>
-                    </a:tc>
-                    <a:tc>
-                      <a:txBody>
-                        <a:bodyPr/>
-                        <a:lstStyle/>
-                        <a:p>
                           <a:pPr marL="0" marR="0" indent="0" algn="ctr" defTabSz="914400" rtl="0" eaLnBrk="1" fontAlgn="auto" latinLnBrk="0" hangingPunct="1">
                             <a:lnSpc>
                               <a:spcPct val="100000"/>
@@ -22638,18 +23280,195 @@
                             <a:defRPr/>
                           </a:pPr>
                           <a:r>
-                            <a:rPr lang="en-US" altLang="zh-CN" sz="1800" dirty="0" smtClean="0"/>
-                            <a:t>MSG=SSG/(</a:t>
-                          </a:r>
-                          <a:r>
                             <a:rPr lang="en-US" altLang="zh-CN" dirty="0" smtClean="0"/>
-                            <a:t>G-1</a:t>
-                          </a:r>
-                          <a:r>
-                            <a:rPr lang="en-US" altLang="zh-CN" sz="1800" dirty="0" smtClean="0"/>
-                            <a:t>)</a:t>
-                          </a:r>
-                          <a:endParaRPr lang="zh-CN" altLang="en-US" sz="1800" dirty="0" smtClean="0"/>
+                            <a:t>N-1</a:t>
+                          </a:r>
+                          <a:endParaRPr lang="zh-CN" altLang="en-US" dirty="0" smtClean="0"/>
+                        </a:p>
+                      </a:txBody>
+                      <a:tcPr anchor="ctr"/>
+                    </a:tc>
+                    <a:tc>
+                      <a:txBody>
+                        <a:bodyPr/>
+                        <a:lstStyle/>
+                        <a:p>
+                          <a:pPr algn="ctr"/>
+                          <a:endParaRPr lang="zh-CN" altLang="en-US" dirty="0"/>
+                        </a:p>
+                      </a:txBody>
+                      <a:tcPr anchor="ctr"/>
+                    </a:tc>
+                    <a:tc>
+                      <a:txBody>
+                        <a:bodyPr/>
+                        <a:lstStyle/>
+                        <a:p>
+                          <a:pPr algn="ctr"/>
+                          <a:endParaRPr lang="zh-CN" altLang="en-US" dirty="0"/>
+                        </a:p>
+                      </a:txBody>
+                      <a:tcPr anchor="ctr"/>
+                    </a:tc>
+                  </a:tr>
+                </a:tbl>
+              </a:graphicData>
+            </a:graphic>
+          </p:graphicFrame>
+        </mc:Choice>
+        <mc:Fallback>
+          <p:graphicFrame>
+            <p:nvGraphicFramePr>
+              <p:cNvPr id="4" name="内容占位符 3"/>
+              <p:cNvGraphicFramePr>
+                <a:graphicFrameLocks/>
+              </p:cNvGraphicFramePr>
+              <p:nvPr>
+                <p:extLst>
+                  <p:ext uri="{D42A27DB-BD31-4B8C-83A1-F6EECF244321}">
+                    <p14:modId xmlns:p14="http://schemas.microsoft.com/office/powerpoint/2010/main" val="1323689070"/>
+                  </p:ext>
+                </p:extLst>
+              </p:nvPr>
+            </p:nvGraphicFramePr>
+            <p:xfrm>
+              <a:off x="838200" y="1825625"/>
+              <a:ext cx="10515600" cy="4789170"/>
+            </p:xfrm>
+            <a:graphic>
+              <a:graphicData uri="http://schemas.openxmlformats.org/drawingml/2006/table">
+                <a:tbl>
+                  <a:tblPr firstRow="1" bandRow="1">
+                    <a:tableStyleId>{5C22544A-7EE6-4342-B048-85BDC9FD1C3A}</a:tableStyleId>
+                  </a:tblPr>
+                  <a:tblGrid>
+                    <a:gridCol w="1230297"/>
+                    <a:gridCol w="2975943"/>
+                    <a:gridCol w="2103120"/>
+                    <a:gridCol w="2529100"/>
+                    <a:gridCol w="1677140"/>
+                  </a:tblGrid>
+                  <a:tr h="370840">
+                    <a:tc>
+                      <a:txBody>
+                        <a:bodyPr/>
+                        <a:lstStyle/>
+                        <a:p>
+                          <a:pPr algn="ctr"/>
+                          <a:r>
+                            <a:rPr lang="zh-CN" altLang="en-US" dirty="0" smtClean="0"/>
+                            <a:t>离散来源</a:t>
+                          </a:r>
+                          <a:endParaRPr lang="zh-CN" altLang="en-US" dirty="0"/>
+                        </a:p>
+                      </a:txBody>
+                      <a:tcPr anchor="ctr"/>
+                    </a:tc>
+                    <a:tc>
+                      <a:txBody>
+                        <a:bodyPr/>
+                        <a:lstStyle/>
+                        <a:p>
+                          <a:pPr algn="ctr"/>
+                          <a:r>
+                            <a:rPr lang="zh-CN" altLang="en-US" dirty="0" smtClean="0"/>
+                            <a:t>平方和</a:t>
+                          </a:r>
+                          <a:endParaRPr lang="zh-CN" altLang="en-US" dirty="0"/>
+                        </a:p>
+                      </a:txBody>
+                      <a:tcPr anchor="ctr"/>
+                    </a:tc>
+                    <a:tc>
+                      <a:txBody>
+                        <a:bodyPr/>
+                        <a:lstStyle/>
+                        <a:p>
+                          <a:pPr algn="ctr"/>
+                          <a:r>
+                            <a:rPr lang="zh-CN" altLang="en-US" dirty="0" smtClean="0"/>
+                            <a:t>自由度</a:t>
+                          </a:r>
+                          <a:endParaRPr lang="zh-CN" altLang="en-US" dirty="0"/>
+                        </a:p>
+                      </a:txBody>
+                      <a:tcPr anchor="ctr"/>
+                    </a:tc>
+                    <a:tc>
+                      <a:txBody>
+                        <a:bodyPr/>
+                        <a:lstStyle/>
+                        <a:p>
+                          <a:pPr algn="ctr"/>
+                          <a:r>
+                            <a:rPr lang="zh-CN" altLang="en-US" dirty="0" smtClean="0"/>
+                            <a:t>平方和均值</a:t>
+                          </a:r>
+                          <a:endParaRPr lang="zh-CN" altLang="en-US" dirty="0"/>
+                        </a:p>
+                      </a:txBody>
+                      <a:tcPr anchor="ctr"/>
+                    </a:tc>
+                    <a:tc>
+                      <a:txBody>
+                        <a:bodyPr/>
+                        <a:lstStyle/>
+                        <a:p>
+                          <a:pPr algn="ctr"/>
+                          <a:r>
+                            <a:rPr lang="en-US" altLang="zh-CN" dirty="0" smtClean="0"/>
+                            <a:t>F</a:t>
+                          </a:r>
+                          <a:endParaRPr lang="zh-CN" altLang="en-US" dirty="0"/>
+                        </a:p>
+                      </a:txBody>
+                      <a:tcPr anchor="ctr"/>
+                    </a:tc>
+                  </a:tr>
+                  <a:tr h="755650">
+                    <a:tc>
+                      <a:txBody>
+                        <a:bodyPr/>
+                        <a:lstStyle/>
+                        <a:p>
+                          <a:pPr algn="ctr"/>
+                          <a:r>
+                            <a:rPr lang="zh-CN" altLang="en-US" dirty="0" smtClean="0"/>
+                            <a:t>模型</a:t>
+                          </a:r>
+                          <a:endParaRPr lang="zh-CN" altLang="en-US" dirty="0"/>
+                        </a:p>
+                      </a:txBody>
+                      <a:tcPr anchor="ctr"/>
+                    </a:tc>
+                    <a:tc>
+                      <a:txBody>
+                        <a:bodyPr/>
+                        <a:lstStyle/>
+                        <a:p>
+                          <a:endParaRPr lang="zh-CN"/>
+                        </a:p>
+                      </a:txBody>
+                      <a:tcPr anchor="ctr">
+                        <a:blipFill rotWithShape="0">
+                          <a:blip r:embed="rId2"/>
+                          <a:stretch>
+                            <a:fillRect l="-41598" t="-54839" r="-213115" b="-487097"/>
+                          </a:stretch>
+                        </a:blipFill>
+                      </a:tcPr>
+                    </a:tc>
+                    <a:tc>
+                      <a:txBody>
+                        <a:bodyPr/>
+                        <a:lstStyle/>
+                        <a:p>
+                          <a:pPr algn="ctr"/>
+                          <a:r>
+                            <a:rPr lang="en-US" altLang="zh-CN" dirty="0" smtClean="0"/>
+                            <a:t>T*G-1</a:t>
+                          </a:r>
+                          <a:endParaRPr lang="zh-CN" altLang="en-US" dirty="0"/>
                         </a:p>
                       </a:txBody>
                       <a:tcPr anchor="ctr"/>
@@ -22677,20 +23496,63 @@
                             <a:defRPr/>
                           </a:pPr>
                           <a:r>
+                            <a:rPr lang="en-US" altLang="zh-CN" sz="1800" dirty="0" smtClean="0"/>
+                            <a:t>MSM=SSM/(T*G-1)</a:t>
+                          </a:r>
+                          <a:endParaRPr lang="zh-CN" altLang="en-US" sz="1800" dirty="0"/>
+                        </a:p>
+                      </a:txBody>
+                      <a:tcPr anchor="ctr"/>
+                    </a:tc>
+                    <a:tc>
+                      <a:txBody>
+                        <a:bodyPr/>
+                        <a:lstStyle/>
+                        <a:p>
+                          <a:pPr algn="ctr"/>
+                          <a:r>
                             <a:rPr lang="en-US" altLang="zh-CN" dirty="0" smtClean="0"/>
-                            <a:t>F=MSG/MSE</a:t>
-                          </a:r>
-                          <a:endParaRPr lang="zh-CN" altLang="en-US" dirty="0" smtClean="0"/>
-                        </a:p>
+                            <a:t>F=MSM/MSE</a:t>
+                          </a:r>
+                          <a:endParaRPr lang="zh-CN" altLang="en-US" dirty="0"/>
+                        </a:p>
+                      </a:txBody>
+                      <a:tcPr anchor="ctr"/>
+                    </a:tc>
+                  </a:tr>
+                  <a:tr h="755650">
+                    <a:tc>
+                      <a:txBody>
+                        <a:bodyPr/>
+                        <a:lstStyle/>
                         <a:p>
                           <a:pPr algn="ctr"/>
+                          <a:r>
+                            <a:rPr lang="zh-CN" altLang="en-US" dirty="0" smtClean="0"/>
+                            <a:t>治疗方式</a:t>
+                          </a:r>
                           <a:endParaRPr lang="zh-CN" altLang="en-US" dirty="0"/>
                         </a:p>
                       </a:txBody>
                       <a:tcPr anchor="ctr"/>
                     </a:tc>
-                  </a:tr>
-                  <a:tr h="370840">
+                    <a:tc>
+                      <a:txBody>
+                        <a:bodyPr/>
+                        <a:lstStyle/>
+                        <a:p>
+                          <a:endParaRPr lang="zh-CN"/>
+                        </a:p>
+                      </a:txBody>
+                      <a:tcPr anchor="ctr">
+                        <a:blipFill rotWithShape="0">
+                          <a:blip r:embed="rId2"/>
+                          <a:stretch>
+                            <a:fillRect l="-41598" t="-154839" r="-213115" b="-387097"/>
+                          </a:stretch>
+                        </a:blipFill>
+                      </a:tcPr>
+                    </a:tc>
                     <a:tc>
                       <a:txBody>
                         <a:bodyPr/>
@@ -22698,23 +23560,8 @@
                         <a:p>
                           <a:pPr algn="ctr"/>
                           <a:r>
-                            <a:rPr lang="zh-CN" altLang="en-US" dirty="0" smtClean="0"/>
-                            <a:t>治疗*性别</a:t>
-                          </a:r>
-                          <a:endParaRPr lang="zh-CN" altLang="en-US" dirty="0"/>
-                        </a:p>
-                      </a:txBody>
-                      <a:tcPr anchor="ctr"/>
-                    </a:tc>
-                    <a:tc>
-                      <a:txBody>
-                        <a:bodyPr/>
-                        <a:lstStyle/>
-                        <a:p>
-                          <a:pPr algn="ctr"/>
-                          <a:r>
                             <a:rPr lang="en-US" altLang="zh-CN" dirty="0" smtClean="0"/>
-                            <a:t>SSI=SSM-SST-SSG</a:t>
+                            <a:t>T-1</a:t>
                           </a:r>
                           <a:endParaRPr lang="zh-CN" altLang="en-US" dirty="0"/>
                         </a:p>
@@ -22744,10 +23591,18 @@
                             <a:defRPr/>
                           </a:pPr>
                           <a:r>
+                            <a:rPr lang="en-US" altLang="zh-CN" sz="1800" dirty="0" smtClean="0"/>
+                            <a:t>MST=SST/(</a:t>
+                          </a:r>
+                          <a:r>
                             <a:rPr lang="en-US" altLang="zh-CN" dirty="0" smtClean="0"/>
-                            <a:t>(T-1)*(G-1)</a:t>
-                          </a:r>
-                          <a:endParaRPr lang="zh-CN" altLang="en-US" dirty="0" smtClean="0"/>
+                            <a:t>T-1</a:t>
+                          </a:r>
+                          <a:r>
+                            <a:rPr lang="en-US" altLang="zh-CN" sz="1800" dirty="0" smtClean="0"/>
+                            <a:t>)</a:t>
+                          </a:r>
+                          <a:endParaRPr lang="zh-CN" altLang="en-US" sz="1800" dirty="0" smtClean="0"/>
                         </a:p>
                       </a:txBody>
                       <a:tcPr anchor="ctr"/>
@@ -22776,9 +23631,62 @@
                           </a:pPr>
                           <a:r>
                             <a:rPr lang="en-US" altLang="zh-CN" dirty="0" smtClean="0"/>
-                            <a:t>MSI=SSI/((T-1)*(G-1))</a:t>
+                            <a:t>F=MST/MSE</a:t>
                           </a:r>
                           <a:endParaRPr lang="zh-CN" altLang="en-US" dirty="0" smtClean="0"/>
+                        </a:p>
+                        <a:p>
+                          <a:pPr algn="ctr"/>
+                          <a:endParaRPr lang="zh-CN" altLang="en-US" dirty="0"/>
+                        </a:p>
+                      </a:txBody>
+                      <a:tcPr anchor="ctr"/>
+                    </a:tc>
+                  </a:tr>
+                  <a:tr h="755650">
+                    <a:tc>
+                      <a:txBody>
+                        <a:bodyPr/>
+                        <a:lstStyle/>
+                        <a:p>
+                          <a:pPr algn="ctr"/>
+                          <a:r>
+                            <a:rPr lang="zh-CN" altLang="en-US" dirty="0" smtClean="0"/>
+                            <a:t>性别</a:t>
+                          </a:r>
+                          <a:endParaRPr lang="zh-CN" altLang="en-US" dirty="0"/>
+                        </a:p>
+                      </a:txBody>
+                      <a:tcPr anchor="ctr"/>
+                    </a:tc>
+                    <a:tc>
+                      <a:txBody>
+                        <a:bodyPr/>
+                        <a:lstStyle/>
+                        <a:p>
+                          <a:endParaRPr lang="zh-CN"/>
+                        </a:p>
+                      </a:txBody>
+                      <a:tcPr anchor="ctr">
+                        <a:blipFill rotWithShape="0">
+                          <a:blip r:embed="rId2"/>
+                          <a:stretch>
+                            <a:fillRect l="-41598" t="-254839" r="-213115" b="-287097"/>
+                          </a:stretch>
+                        </a:blipFill>
+                      </a:tcPr>
+                    </a:tc>
+                    <a:tc>
+                      <a:txBody>
+                        <a:bodyPr/>
+                        <a:lstStyle/>
+                        <a:p>
+                          <a:pPr algn="ctr"/>
+                          <a:r>
+                            <a:rPr lang="en-US" altLang="zh-CN" dirty="0" smtClean="0"/>
+                            <a:t>G-1</a:t>
+                          </a:r>
+                          <a:endParaRPr lang="zh-CN" altLang="en-US" dirty="0"/>
                         </a:p>
                       </a:txBody>
                       <a:tcPr anchor="ctr"/>
@@ -22806,155 +23714,18 @@
                             <a:defRPr/>
                           </a:pPr>
                           <a:r>
+                            <a:rPr lang="en-US" altLang="zh-CN" sz="1800" dirty="0" smtClean="0"/>
+                            <a:t>MSG=SSG/(</a:t>
+                          </a:r>
+                          <a:r>
                             <a:rPr lang="en-US" altLang="zh-CN" dirty="0" smtClean="0"/>
-                            <a:t>F=MSI/MSE</a:t>
-                          </a:r>
-                          <a:endParaRPr lang="zh-CN" altLang="en-US" dirty="0" smtClean="0"/>
-                        </a:p>
-                      </a:txBody>
-                      <a:tcPr anchor="ctr"/>
-                    </a:tc>
-                  </a:tr>
-                  <a:tr h="370840">
-                    <a:tc>
-                      <a:txBody>
-                        <a:bodyPr/>
-                        <a:lstStyle/>
-                        <a:p>
-                          <a:pPr algn="ctr"/>
-                          <a:r>
-                            <a:rPr lang="zh-CN" altLang="en-US" dirty="0" smtClean="0"/>
-                            <a:t>残差</a:t>
-                          </a:r>
-                          <a:endParaRPr lang="zh-CN" altLang="en-US" dirty="0"/>
-                        </a:p>
-                      </a:txBody>
-                      <a:tcPr anchor="ctr"/>
-                    </a:tc>
-                    <a:tc>
-                      <a:txBody>
-                        <a:bodyPr/>
-                        <a:lstStyle/>
-                        <a:p>
-                          <a:pPr algn="ctr"/>
-                          <a14:m>
-                            <m:oMathPara xmlns:m="http://schemas.openxmlformats.org/officeDocument/2006/math">
-                              <m:oMathParaPr>
-                                <m:jc m:val="centerGroup"/>
-                              </m:oMathParaPr>
-                              <m:oMath xmlns:m="http://schemas.openxmlformats.org/officeDocument/2006/math">
-                                <m:r>
-                                  <a:rPr lang="en-US" altLang="zh-CN" b="0" i="1" smtClean="0">
-                                    <a:latin typeface="Cambria Math" panose="02040503050406030204" pitchFamily="18" charset="0"/>
-                                  </a:rPr>
-                                  <m:t>𝑆𝑆𝐸</m:t>
-                                </m:r>
-                                <m:r>
-                                  <a:rPr lang="en-US" altLang="zh-CN" b="0" i="1" smtClean="0">
-                                    <a:latin typeface="Cambria Math" panose="02040503050406030204" pitchFamily="18" charset="0"/>
-                                  </a:rPr>
-                                  <m:t>=</m:t>
-                                </m:r>
-                                <m:nary>
-                                  <m:naryPr>
-                                    <m:chr m:val="∑"/>
-                                    <m:subHide m:val="on"/>
-                                    <m:supHide m:val="on"/>
-                                    <m:ctrlPr>
-                                      <a:rPr lang="en-US" altLang="zh-CN" b="0" i="1" smtClean="0">
-                                        <a:latin typeface="Cambria Math" panose="02040503050406030204" pitchFamily="18" charset="0"/>
-                                      </a:rPr>
-                                    </m:ctrlPr>
-                                  </m:naryPr>
-                                  <m:sub/>
-                                  <m:sup/>
-                                  <m:e>
-                                    <m:sSup>
-                                      <m:sSupPr>
-                                        <m:ctrlPr>
-                                          <a:rPr lang="en-US" altLang="zh-CN" b="0" i="1" smtClean="0">
-                                            <a:latin typeface="Cambria Math" panose="02040503050406030204" pitchFamily="18" charset="0"/>
-                                          </a:rPr>
-                                        </m:ctrlPr>
-                                      </m:sSupPr>
-                                      <m:e>
-                                        <m:r>
-                                          <a:rPr lang="en-US" altLang="zh-CN" b="0" i="1" smtClean="0">
-                                            <a:latin typeface="Cambria Math" panose="02040503050406030204" pitchFamily="18" charset="0"/>
-                                          </a:rPr>
-                                          <m:t>(</m:t>
-                                        </m:r>
-                                        <m:r>
-                                          <a:rPr lang="en-US" altLang="zh-CN" b="0" i="1" smtClean="0">
-                                            <a:latin typeface="Cambria Math" panose="02040503050406030204" pitchFamily="18" charset="0"/>
-                                          </a:rPr>
-                                          <m:t>𝑥</m:t>
-                                        </m:r>
-                                        <m:r>
-                                          <a:rPr lang="en-US" altLang="zh-CN" b="0" i="1" smtClean="0">
-                                            <a:latin typeface="Cambria Math" panose="02040503050406030204" pitchFamily="18" charset="0"/>
-                                          </a:rPr>
-                                          <m:t>−</m:t>
-                                        </m:r>
-                                        <m:acc>
-                                          <m:accPr>
-                                            <m:chr m:val="̅"/>
-                                            <m:ctrlPr>
-                                              <a:rPr lang="en-US" altLang="zh-CN" b="0" i="1" smtClean="0">
-                                                <a:latin typeface="Cambria Math" panose="02040503050406030204" pitchFamily="18" charset="0"/>
-                                              </a:rPr>
-                                            </m:ctrlPr>
-                                          </m:accPr>
-                                          <m:e>
-                                            <m:sSub>
-                                              <m:sSubPr>
-                                                <m:ctrlPr>
-                                                  <a:rPr lang="en-US" altLang="zh-CN" b="0" i="1" smtClean="0">
-                                                    <a:latin typeface="Cambria Math" panose="02040503050406030204" pitchFamily="18" charset="0"/>
-                                                  </a:rPr>
-                                                </m:ctrlPr>
-                                              </m:sSubPr>
-                                              <m:e>
-                                                <m:r>
-                                                  <a:rPr lang="en-US" altLang="zh-CN" b="0" i="1" smtClean="0">
-                                                    <a:latin typeface="Cambria Math" panose="02040503050406030204" pitchFamily="18" charset="0"/>
-                                                  </a:rPr>
-                                                  <m:t>𝑥</m:t>
-                                                </m:r>
-                                              </m:e>
-                                              <m:sub>
-                                                <m:r>
-                                                  <a:rPr lang="en-US" altLang="zh-CN" b="0" i="1" smtClean="0">
-                                                    <a:latin typeface="Cambria Math" panose="02040503050406030204" pitchFamily="18" charset="0"/>
-                                                  </a:rPr>
-                                                  <m:t>𝑗</m:t>
-                                                </m:r>
-                                              </m:sub>
-                                            </m:sSub>
-                                          </m:e>
-                                        </m:acc>
-                                        <m:r>
-                                          <a:rPr lang="en-US" altLang="zh-CN" b="0" i="1" smtClean="0">
-                                            <a:latin typeface="Cambria Math" panose="02040503050406030204" pitchFamily="18" charset="0"/>
-                                          </a:rPr>
-                                          <m:t>)</m:t>
-                                        </m:r>
-                                      </m:e>
-                                      <m:sup>
-                                        <m:r>
-                                          <a:rPr lang="en-US" altLang="zh-CN" b="0" i="1" smtClean="0">
-                                            <a:latin typeface="Cambria Math" panose="02040503050406030204" pitchFamily="18" charset="0"/>
-                                          </a:rPr>
-                                          <m:t>2</m:t>
-                                        </m:r>
-                                      </m:sup>
-                                    </m:sSup>
-                                  </m:e>
-                                </m:nary>
-                              </m:oMath>
-                            </m:oMathPara>
-                          </a14:m>
-                          <a:endParaRPr lang="zh-CN" altLang="en-US" dirty="0"/>
+                            <a:t>G-1</a:t>
+                          </a:r>
+                          <a:r>
+                            <a:rPr lang="en-US" altLang="zh-CN" sz="1800" dirty="0" smtClean="0"/>
+                            <a:t>)</a:t>
+                          </a:r>
+                          <a:endParaRPr lang="zh-CN" altLang="en-US" sz="1800" dirty="0" smtClean="0"/>
                         </a:p>
                       </a:txBody>
                       <a:tcPr anchor="ctr"/>
@@ -22983,32 +23754,10 @@
                           </a:pPr>
                           <a:r>
                             <a:rPr lang="en-US" altLang="zh-CN" dirty="0" smtClean="0"/>
-                            <a:t>N-T*G</a:t>
+                            <a:t>F=MSG/MSE</a:t>
                           </a:r>
                           <a:endParaRPr lang="zh-CN" altLang="en-US" dirty="0" smtClean="0"/>
                         </a:p>
-                      </a:txBody>
-                      <a:tcPr anchor="ctr"/>
-                    </a:tc>
-                    <a:tc>
-                      <a:txBody>
-                        <a:bodyPr/>
-                        <a:lstStyle/>
-                        <a:p>
-                          <a:pPr algn="ctr"/>
-                          <a:r>
-                            <a:rPr lang="en-US" altLang="zh-CN" dirty="0" smtClean="0"/>
-                            <a:t>MSE=SSE/(N-k)</a:t>
-                          </a:r>
-                          <a:endParaRPr lang="zh-CN" altLang="en-US" dirty="0"/>
-                        </a:p>
-                      </a:txBody>
-                      <a:tcPr anchor="ctr"/>
-                    </a:tc>
-                    <a:tc>
-                      <a:txBody>
-                        <a:bodyPr/>
-                        <a:lstStyle/>
                         <a:p>
                           <a:pPr algn="ctr"/>
                           <a:endParaRPr lang="zh-CN" altLang="en-US" dirty="0"/>
@@ -23017,7 +23766,7 @@
                       <a:tcPr anchor="ctr"/>
                     </a:tc>
                   </a:tr>
-                  <a:tr h="370840">
+                  <a:tr h="640080">
                     <a:tc>
                       <a:txBody>
                         <a:bodyPr/>
@@ -23026,7 +23775,7 @@
                           <a:pPr algn="ctr"/>
                           <a:r>
                             <a:rPr lang="zh-CN" altLang="en-US" dirty="0" smtClean="0"/>
-                            <a:t>整体</a:t>
+                            <a:t>治疗*性别</a:t>
                           </a:r>
                           <a:endParaRPr lang="zh-CN" altLang="en-US" dirty="0"/>
                         </a:p>
@@ -23039,120 +23788,10 @@
                         <a:lstStyle/>
                         <a:p>
                           <a:pPr algn="ctr"/>
-                          <a14:m>
-                            <m:oMathPara xmlns:m="http://schemas.openxmlformats.org/officeDocument/2006/math">
-                              <m:oMathParaPr>
-                                <m:jc m:val="centerGroup"/>
-                              </m:oMathParaPr>
-                              <m:oMath xmlns:m="http://schemas.openxmlformats.org/officeDocument/2006/math">
-                                <m:r>
-                                  <a:rPr lang="en-US" altLang="zh-CN" b="0" i="1" smtClean="0">
-                                    <a:latin typeface="Cambria Math" panose="02040503050406030204" pitchFamily="18" charset="0"/>
-                                  </a:rPr>
-                                  <m:t>𝑆𝑆𝑇</m:t>
-                                </m:r>
-                                <m:r>
-                                  <a:rPr lang="en-US" altLang="zh-CN" b="0" i="1" smtClean="0">
-                                    <a:latin typeface="Cambria Math" panose="02040503050406030204" pitchFamily="18" charset="0"/>
-                                  </a:rPr>
-                                  <m:t>=</m:t>
-                                </m:r>
-                                <m:nary>
-                                  <m:naryPr>
-                                    <m:chr m:val="∑"/>
-                                    <m:subHide m:val="on"/>
-                                    <m:supHide m:val="on"/>
-                                    <m:ctrlPr>
-                                      <a:rPr lang="en-US" altLang="zh-CN" b="0" i="1" smtClean="0">
-                                        <a:latin typeface="Cambria Math" panose="02040503050406030204" pitchFamily="18" charset="0"/>
-                                      </a:rPr>
-                                    </m:ctrlPr>
-                                  </m:naryPr>
-                                  <m:sub/>
-                                  <m:sup/>
-                                  <m:e>
-                                    <m:nary>
-                                      <m:naryPr>
-                                        <m:chr m:val="∑"/>
-                                        <m:subHide m:val="on"/>
-                                        <m:supHide m:val="on"/>
-                                        <m:ctrlPr>
-                                          <a:rPr lang="en-US" altLang="zh-CN" b="0" i="1" smtClean="0">
-                                            <a:latin typeface="Cambria Math" panose="02040503050406030204" pitchFamily="18" charset="0"/>
-                                          </a:rPr>
-                                        </m:ctrlPr>
-                                      </m:naryPr>
-                                      <m:sub/>
-                                      <m:sup/>
-                                      <m:e>
-                                        <m:sSup>
-                                          <m:sSupPr>
-                                            <m:ctrlPr>
-                                              <a:rPr lang="en-US" altLang="zh-CN" b="0" i="1" smtClean="0">
-                                                <a:latin typeface="Cambria Math" panose="02040503050406030204" pitchFamily="18" charset="0"/>
-                                              </a:rPr>
-                                            </m:ctrlPr>
-                                          </m:sSupPr>
-                                          <m:e>
-                                            <m:r>
-                                              <a:rPr lang="en-US" altLang="zh-CN" b="0" i="1" smtClean="0">
-                                                <a:latin typeface="Cambria Math" panose="02040503050406030204" pitchFamily="18" charset="0"/>
-                                              </a:rPr>
-                                              <m:t>(</m:t>
-                                            </m:r>
-                                            <m:r>
-                                              <a:rPr lang="en-US" altLang="zh-CN" b="0" i="1" smtClean="0">
-                                                <a:latin typeface="Cambria Math" panose="02040503050406030204" pitchFamily="18" charset="0"/>
-                                              </a:rPr>
-                                              <m:t>𝑥</m:t>
-                                            </m:r>
-                                            <m:r>
-                                              <a:rPr lang="en-US" altLang="zh-CN" b="0" i="1" smtClean="0">
-                                                <a:latin typeface="Cambria Math" panose="02040503050406030204" pitchFamily="18" charset="0"/>
-                                              </a:rPr>
-                                              <m:t>−</m:t>
-                                            </m:r>
-                                            <m:acc>
-                                              <m:accPr>
-                                                <m:chr m:val="̅"/>
-                                                <m:ctrlPr>
-                                                  <a:rPr lang="en-US" altLang="zh-CN" b="0" i="1" smtClean="0">
-                                                    <a:latin typeface="Cambria Math" panose="02040503050406030204" pitchFamily="18" charset="0"/>
-                                                  </a:rPr>
-                                                </m:ctrlPr>
-                                              </m:accPr>
-                                              <m:e>
-                                                <m:r>
-                                                  <a:rPr lang="en-US" altLang="zh-CN" b="0" i="1" smtClean="0">
-                                                    <a:latin typeface="Cambria Math" panose="02040503050406030204" pitchFamily="18" charset="0"/>
-                                                  </a:rPr>
-                                                  <m:t>𝑥</m:t>
-                                                </m:r>
-                                              </m:e>
-                                            </m:acc>
-                                            <m:r>
-                                              <a:rPr lang="en-US" altLang="zh-CN" b="0" i="1" smtClean="0">
-                                                <a:latin typeface="Cambria Math" panose="02040503050406030204" pitchFamily="18" charset="0"/>
-                                              </a:rPr>
-                                              <m:t>)</m:t>
-                                            </m:r>
-                                          </m:e>
-                                          <m:sup>
-                                            <m:r>
-                                              <a:rPr lang="en-US" altLang="zh-CN" b="0" i="1" smtClean="0">
-                                                <a:latin typeface="Cambria Math" panose="02040503050406030204" pitchFamily="18" charset="0"/>
-                                              </a:rPr>
-                                              <m:t>2</m:t>
-                                            </m:r>
-                                          </m:sup>
-                                        </m:sSup>
-                                      </m:e>
-                                    </m:nary>
-                                  </m:e>
-                                </m:nary>
-                              </m:oMath>
-                            </m:oMathPara>
-                          </a14:m>
+                          <a:r>
+                            <a:rPr lang="en-US" altLang="zh-CN" dirty="0" smtClean="0"/>
+                            <a:t>SSI=SSM-SST-SSG</a:t>
+                          </a:r>
                           <a:endParaRPr lang="zh-CN" altLang="en-US" dirty="0"/>
                         </a:p>
                       </a:txBody>
@@ -23182,194 +23821,9 @@
                           </a:pPr>
                           <a:r>
                             <a:rPr lang="en-US" altLang="zh-CN" dirty="0" smtClean="0"/>
-                            <a:t>N-1</a:t>
+                            <a:t>(T-1)*(G-1)</a:t>
                           </a:r>
                           <a:endParaRPr lang="zh-CN" altLang="en-US" dirty="0" smtClean="0"/>
-                        </a:p>
-                      </a:txBody>
-                      <a:tcPr anchor="ctr"/>
-                    </a:tc>
-                    <a:tc>
-                      <a:txBody>
-                        <a:bodyPr/>
-                        <a:lstStyle/>
-                        <a:p>
-                          <a:pPr algn="ctr"/>
-                          <a:endParaRPr lang="zh-CN" altLang="en-US" dirty="0"/>
-                        </a:p>
-                      </a:txBody>
-                      <a:tcPr anchor="ctr"/>
-                    </a:tc>
-                    <a:tc>
-                      <a:txBody>
-                        <a:bodyPr/>
-                        <a:lstStyle/>
-                        <a:p>
-                          <a:pPr algn="ctr"/>
-                          <a:endParaRPr lang="zh-CN" altLang="en-US" dirty="0"/>
-                        </a:p>
-                      </a:txBody>
-                      <a:tcPr anchor="ctr"/>
-                    </a:tc>
-                  </a:tr>
-                </a:tbl>
-              </a:graphicData>
-            </a:graphic>
-          </p:graphicFrame>
-        </mc:Choice>
-        <mc:Fallback xmlns="">
-          <p:graphicFrame>
-            <p:nvGraphicFramePr>
-              <p:cNvPr id="4" name="内容占位符 3"/>
-              <p:cNvGraphicFramePr>
-                <a:graphicFrameLocks/>
-              </p:cNvGraphicFramePr>
-              <p:nvPr>
-                <p:extLst>
-                  <p:ext uri="{D42A27DB-BD31-4B8C-83A1-F6EECF244321}">
-                    <p14:modId xmlns:p14="http://schemas.microsoft.com/office/powerpoint/2010/main" val="866675642"/>
-                  </p:ext>
-                </p:extLst>
-              </p:nvPr>
-            </p:nvGraphicFramePr>
-            <p:xfrm>
-              <a:off x="838200" y="1825625"/>
-              <a:ext cx="10515600" cy="4520250"/>
-            </p:xfrm>
-            <a:graphic>
-              <a:graphicData uri="http://schemas.openxmlformats.org/drawingml/2006/table">
-                <a:tbl>
-                  <a:tblPr firstRow="1" bandRow="1">
-                    <a:tableStyleId>{5C22544A-7EE6-4342-B048-85BDC9FD1C3A}</a:tableStyleId>
-                  </a:tblPr>
-                  <a:tblGrid>
-                    <a:gridCol w="1230297"/>
-                    <a:gridCol w="2975943"/>
-                    <a:gridCol w="2103120"/>
-                    <a:gridCol w="2529100"/>
-                    <a:gridCol w="1677140"/>
-                  </a:tblGrid>
-                  <a:tr h="370840">
-                    <a:tc>
-                      <a:txBody>
-                        <a:bodyPr/>
-                        <a:lstStyle/>
-                        <a:p>
-                          <a:pPr algn="ctr"/>
-                          <a:r>
-                            <a:rPr lang="zh-CN" altLang="en-US" dirty="0" smtClean="0"/>
-                            <a:t>离散来源</a:t>
-                          </a:r>
-                          <a:endParaRPr lang="zh-CN" altLang="en-US" dirty="0"/>
-                        </a:p>
-                      </a:txBody>
-                      <a:tcPr anchor="ctr"/>
-                    </a:tc>
-                    <a:tc>
-                      <a:txBody>
-                        <a:bodyPr/>
-                        <a:lstStyle/>
-                        <a:p>
-                          <a:pPr algn="ctr"/>
-                          <a:r>
-                            <a:rPr lang="zh-CN" altLang="en-US" dirty="0" smtClean="0"/>
-                            <a:t>平方和</a:t>
-                          </a:r>
-                          <a:endParaRPr lang="zh-CN" altLang="en-US" dirty="0"/>
-                        </a:p>
-                      </a:txBody>
-                      <a:tcPr anchor="ctr"/>
-                    </a:tc>
-                    <a:tc>
-                      <a:txBody>
-                        <a:bodyPr/>
-                        <a:lstStyle/>
-                        <a:p>
-                          <a:pPr algn="ctr"/>
-                          <a:r>
-                            <a:rPr lang="zh-CN" altLang="en-US" dirty="0" smtClean="0"/>
-                            <a:t>自由度</a:t>
-                          </a:r>
-                          <a:endParaRPr lang="zh-CN" altLang="en-US" dirty="0"/>
-                        </a:p>
-                      </a:txBody>
-                      <a:tcPr anchor="ctr"/>
-                    </a:tc>
-                    <a:tc>
-                      <a:txBody>
-                        <a:bodyPr/>
-                        <a:lstStyle/>
-                        <a:p>
-                          <a:pPr algn="ctr"/>
-                          <a:r>
-                            <a:rPr lang="zh-CN" altLang="en-US" dirty="0" smtClean="0"/>
-                            <a:t>平方和均值</a:t>
-                          </a:r>
-                          <a:endParaRPr lang="zh-CN" altLang="en-US" dirty="0"/>
-                        </a:p>
-                      </a:txBody>
-                      <a:tcPr anchor="ctr"/>
-                    </a:tc>
-                    <a:tc>
-                      <a:txBody>
-                        <a:bodyPr/>
-                        <a:lstStyle/>
-                        <a:p>
-                          <a:pPr algn="ctr"/>
-                          <a:r>
-                            <a:rPr lang="en-US" altLang="zh-CN" dirty="0" smtClean="0"/>
-                            <a:t>F</a:t>
-                          </a:r>
-                          <a:endParaRPr lang="zh-CN" altLang="en-US" dirty="0"/>
-                        </a:p>
-                      </a:txBody>
-                      <a:tcPr anchor="ctr"/>
-                    </a:tc>
-                  </a:tr>
-                  <a:tr h="755714">
-                    <a:tc>
-                      <a:txBody>
-                        <a:bodyPr/>
-                        <a:lstStyle/>
-                        <a:p>
-                          <a:pPr algn="ctr"/>
-                          <a:r>
-                            <a:rPr lang="zh-CN" altLang="en-US" dirty="0" smtClean="0"/>
-                            <a:t>模型</a:t>
-                          </a:r>
-                          <a:endParaRPr lang="zh-CN" altLang="en-US" dirty="0"/>
-                        </a:p>
-                      </a:txBody>
-                      <a:tcPr anchor="ctr"/>
-                    </a:tc>
-                    <a:tc>
-                      <a:txBody>
-                        <a:bodyPr/>
-                        <a:lstStyle/>
-                        <a:p>
-                          <a:endParaRPr lang="zh-CN"/>
-                        </a:p>
-                      </a:txBody>
-                      <a:tcPr anchor="ctr">
-                        <a:blipFill rotWithShape="0">
-                          <a:blip r:embed="rId2"/>
-                          <a:stretch>
-                            <a:fillRect l="-41598" t="-55645" r="-213115" b="-451613"/>
-                          </a:stretch>
-                        </a:blipFill>
-                      </a:tcPr>
-                    </a:tc>
-                    <a:tc>
-                      <a:txBody>
-                        <a:bodyPr/>
-                        <a:lstStyle/>
-                        <a:p>
-                          <a:pPr algn="ctr"/>
-                          <a:r>
-                            <a:rPr lang="en-US" altLang="zh-CN" dirty="0" smtClean="0"/>
-                            <a:t>T*G-1</a:t>
-                          </a:r>
-                          <a:endParaRPr lang="zh-CN" altLang="en-US" dirty="0"/>
                         </a:p>
                       </a:txBody>
                       <a:tcPr anchor="ctr"/>
@@ -23397,82 +23851,10 @@
                             <a:defRPr/>
                           </a:pPr>
                           <a:r>
-                            <a:rPr lang="en-US" altLang="zh-CN" sz="1800" dirty="0" smtClean="0"/>
-                            <a:t>MSM=SSM/(</a:t>
-                          </a:r>
-                          <a:r>
-                            <a:rPr lang="en-US" altLang="zh-CN" sz="1800" dirty="0" smtClean="0"/>
-                            <a:t>T*G-1</a:t>
-                          </a:r>
-                          <a:r>
-                            <a:rPr lang="en-US" altLang="zh-CN" sz="1800" dirty="0" smtClean="0"/>
-                            <a:t>)</a:t>
-                          </a:r>
-                          <a:endParaRPr lang="zh-CN" altLang="en-US" sz="1800" dirty="0"/>
-                        </a:p>
-                      </a:txBody>
-                      <a:tcPr anchor="ctr"/>
-                    </a:tc>
-                    <a:tc>
-                      <a:txBody>
-                        <a:bodyPr/>
-                        <a:lstStyle/>
-                        <a:p>
-                          <a:pPr algn="ctr"/>
-                          <a:r>
                             <a:rPr lang="en-US" altLang="zh-CN" dirty="0" smtClean="0"/>
-                            <a:t>F=MSM/MSE</a:t>
-                          </a:r>
-                          <a:endParaRPr lang="zh-CN" altLang="en-US" dirty="0"/>
-                        </a:p>
-                      </a:txBody>
-                      <a:tcPr anchor="ctr"/>
-                    </a:tc>
-                  </a:tr>
-                  <a:tr h="755714">
-                    <a:tc>
-                      <a:txBody>
-                        <a:bodyPr/>
-                        <a:lstStyle/>
-                        <a:p>
-                          <a:pPr algn="ctr"/>
-                          <a:r>
-                            <a:rPr lang="zh-CN" altLang="en-US" dirty="0" smtClean="0"/>
-                            <a:t>治疗方式</a:t>
-                          </a:r>
-                          <a:endParaRPr lang="zh-CN" altLang="en-US" dirty="0"/>
-                        </a:p>
-                      </a:txBody>
-                      <a:tcPr anchor="ctr"/>
-                    </a:tc>
-                    <a:tc>
-                      <a:txBody>
-                        <a:bodyPr/>
-                        <a:lstStyle/>
-                        <a:p>
-                          <a:endParaRPr lang="zh-CN"/>
-                        </a:p>
-                      </a:txBody>
-                      <a:tcPr anchor="ctr">
-                        <a:blipFill rotWithShape="0">
-                          <a:blip r:embed="rId2"/>
-                          <a:stretch>
-                            <a:fillRect l="-41598" t="-155645" r="-213115" b="-351613"/>
-                          </a:stretch>
-                        </a:blipFill>
-                      </a:tcPr>
-                    </a:tc>
-                    <a:tc>
-                      <a:txBody>
-                        <a:bodyPr/>
-                        <a:lstStyle/>
-                        <a:p>
-                          <a:pPr algn="ctr"/>
-                          <a:r>
-                            <a:rPr lang="en-US" altLang="zh-CN" dirty="0" smtClean="0"/>
-                            <a:t>T-1</a:t>
-                          </a:r>
-                          <a:endParaRPr lang="zh-CN" altLang="en-US" dirty="0"/>
+                            <a:t>MSI=SSI/((T-1)*(G-1))</a:t>
+                          </a:r>
+                          <a:endParaRPr lang="zh-CN" altLang="en-US" dirty="0" smtClean="0"/>
                         </a:p>
                       </a:txBody>
                       <a:tcPr anchor="ctr"/>
@@ -23500,21 +23882,47 @@
                             <a:defRPr/>
                           </a:pPr>
                           <a:r>
-                            <a:rPr lang="en-US" altLang="zh-CN" sz="1800" dirty="0" smtClean="0"/>
-                            <a:t>MST=SST/(</a:t>
-                          </a:r>
-                          <a:r>
                             <a:rPr lang="en-US" altLang="zh-CN" dirty="0" smtClean="0"/>
-                            <a:t>T-1</a:t>
-                          </a:r>
-                          <a:r>
-                            <a:rPr lang="en-US" altLang="zh-CN" sz="1800" dirty="0" smtClean="0"/>
-                            <a:t>)</a:t>
-                          </a:r>
-                          <a:endParaRPr lang="zh-CN" altLang="en-US" sz="1800" dirty="0" smtClean="0"/>
+                            <a:t>F=MSI/MSE</a:t>
+                          </a:r>
+                          <a:endParaRPr lang="zh-CN" altLang="en-US" dirty="0" smtClean="0"/>
                         </a:p>
                       </a:txBody>
                       <a:tcPr anchor="ctr"/>
+                    </a:tc>
+                  </a:tr>
+                  <a:tr h="755650">
+                    <a:tc>
+                      <a:txBody>
+                        <a:bodyPr/>
+                        <a:lstStyle/>
+                        <a:p>
+                          <a:pPr algn="ctr"/>
+                          <a:r>
+                            <a:rPr lang="zh-CN" altLang="en-US" dirty="0" smtClean="0"/>
+                            <a:t>残差</a:t>
+                          </a:r>
+                          <a:endParaRPr lang="zh-CN" altLang="en-US" dirty="0"/>
+                        </a:p>
+                      </a:txBody>
+                      <a:tcPr anchor="ctr"/>
+                    </a:tc>
+                    <a:tc>
+                      <a:txBody>
+                        <a:bodyPr/>
+                        <a:lstStyle/>
+                        <a:p>
+                          <a:endParaRPr lang="zh-CN"/>
+                        </a:p>
+                      </a:txBody>
+                      <a:tcPr anchor="ctr">
+                        <a:blipFill rotWithShape="0">
+                          <a:blip r:embed="rId2"/>
+                          <a:stretch>
+                            <a:fillRect l="-41598" t="-440323" r="-213115" b="-101613"/>
+                          </a:stretch>
+                        </a:blipFill>
+                      </a:tcPr>
                     </a:tc>
                     <a:tc>
                       <a:txBody>
@@ -23540,10 +23948,32 @@
                           </a:pPr>
                           <a:r>
                             <a:rPr lang="en-US" altLang="zh-CN" dirty="0" smtClean="0"/>
-                            <a:t>F=MST/MSE</a:t>
+                            <a:t>N-T*G</a:t>
                           </a:r>
                           <a:endParaRPr lang="zh-CN" altLang="en-US" dirty="0" smtClean="0"/>
                         </a:p>
+                      </a:txBody>
+                      <a:tcPr anchor="ctr"/>
+                    </a:tc>
+                    <a:tc>
+                      <a:txBody>
+                        <a:bodyPr/>
+                        <a:lstStyle/>
+                        <a:p>
+                          <a:pPr algn="ctr"/>
+                          <a:r>
+                            <a:rPr lang="en-US" altLang="zh-CN" dirty="0" smtClean="0"/>
+                            <a:t>MSE=SSE/(N-k)</a:t>
+                          </a:r>
+                          <a:endParaRPr lang="zh-CN" altLang="en-US" dirty="0"/>
+                        </a:p>
+                      </a:txBody>
+                      <a:tcPr anchor="ctr"/>
+                    </a:tc>
+                    <a:tc>
+                      <a:txBody>
+                        <a:bodyPr/>
+                        <a:lstStyle/>
                         <a:p>
                           <a:pPr algn="ctr"/>
                           <a:endParaRPr lang="zh-CN" altLang="en-US" dirty="0"/>
@@ -23552,7 +23982,7 @@
                       <a:tcPr anchor="ctr"/>
                     </a:tc>
                   </a:tr>
-                  <a:tr h="755714">
+                  <a:tr h="755650">
                     <a:tc>
                       <a:txBody>
                         <a:bodyPr/>
@@ -23561,7 +23991,7 @@
                           <a:pPr algn="ctr"/>
                           <a:r>
                             <a:rPr lang="zh-CN" altLang="en-US" dirty="0" smtClean="0"/>
-                            <a:t>性别</a:t>
+                            <a:t>整体</a:t>
                           </a:r>
                           <a:endParaRPr lang="zh-CN" altLang="en-US" dirty="0"/>
                         </a:p>
@@ -23580,350 +24010,7 @@
                         <a:blipFill rotWithShape="0">
                           <a:blip r:embed="rId2"/>
                           <a:stretch>
-                            <a:fillRect l="-41598" t="-255645" r="-213115" b="-251613"/>
-                          </a:stretch>
-                        </a:blipFill>
-                      </a:tcPr>
-                    </a:tc>
-                    <a:tc>
-                      <a:txBody>
-                        <a:bodyPr/>
-                        <a:lstStyle/>
-                        <a:p>
-                          <a:pPr algn="ctr"/>
-                          <a:r>
-                            <a:rPr lang="en-US" altLang="zh-CN" dirty="0" smtClean="0"/>
-                            <a:t>G-1</a:t>
-                          </a:r>
-                          <a:endParaRPr lang="zh-CN" altLang="en-US" dirty="0"/>
-                        </a:p>
-                      </a:txBody>
-                      <a:tcPr anchor="ctr"/>
-                    </a:tc>
-                    <a:tc>
-                      <a:txBody>
-                        <a:bodyPr/>
-                        <a:lstStyle/>
-                        <a:p>
-                          <a:pPr marL="0" marR="0" indent="0" algn="ctr" defTabSz="914400" rtl="0" eaLnBrk="1" fontAlgn="auto" latinLnBrk="0" hangingPunct="1">
-                            <a:lnSpc>
-                              <a:spcPct val="100000"/>
-                            </a:lnSpc>
-                            <a:spcBef>
-                              <a:spcPts val="0"/>
-                            </a:spcBef>
-                            <a:spcAft>
-                              <a:spcPts val="0"/>
-                            </a:spcAft>
-                            <a:buClrTx/>
-                            <a:buSzTx/>
-                            <a:buFontTx/>
-                            <a:buNone/>
-                            <a:tabLst/>
-                            <a:defRPr/>
-                          </a:pPr>
-                          <a:r>
-                            <a:rPr lang="en-US" altLang="zh-CN" sz="1800" dirty="0" smtClean="0"/>
-                            <a:t>MSG=SSG/(</a:t>
-                          </a:r>
-                          <a:r>
-                            <a:rPr lang="en-US" altLang="zh-CN" dirty="0" smtClean="0"/>
-                            <a:t>G-1</a:t>
-                          </a:r>
-                          <a:r>
-                            <a:rPr lang="en-US" altLang="zh-CN" sz="1800" dirty="0" smtClean="0"/>
-                            <a:t>)</a:t>
-                          </a:r>
-                          <a:endParaRPr lang="zh-CN" altLang="en-US" sz="1800" dirty="0" smtClean="0"/>
-                        </a:p>
-                      </a:txBody>
-                      <a:tcPr anchor="ctr"/>
-                    </a:tc>
-                    <a:tc>
-                      <a:txBody>
-                        <a:bodyPr/>
-                        <a:lstStyle/>
-                        <a:p>
-                          <a:pPr marL="0" marR="0" indent="0" algn="ctr" defTabSz="914400" rtl="0" eaLnBrk="1" fontAlgn="auto" latinLnBrk="0" hangingPunct="1">
-                            <a:lnSpc>
-                              <a:spcPct val="100000"/>
-                            </a:lnSpc>
-                            <a:spcBef>
-                              <a:spcPts val="0"/>
-                            </a:spcBef>
-                            <a:spcAft>
-                              <a:spcPts val="0"/>
-                            </a:spcAft>
-                            <a:buClrTx/>
-                            <a:buSzTx/>
-                            <a:buFontTx/>
-                            <a:buNone/>
-                            <a:tabLst/>
-                            <a:defRPr/>
-                          </a:pPr>
-                          <a:r>
-                            <a:rPr lang="en-US" altLang="zh-CN" dirty="0" smtClean="0"/>
-                            <a:t>F=MSG/MSE</a:t>
-                          </a:r>
-                          <a:endParaRPr lang="zh-CN" altLang="en-US" dirty="0" smtClean="0"/>
-                        </a:p>
-                        <a:p>
-                          <a:pPr algn="ctr"/>
-                          <a:endParaRPr lang="zh-CN" altLang="en-US" dirty="0"/>
-                        </a:p>
-                      </a:txBody>
-                      <a:tcPr anchor="ctr"/>
-                    </a:tc>
-                  </a:tr>
-                  <a:tr h="370840">
-                    <a:tc>
-                      <a:txBody>
-                        <a:bodyPr/>
-                        <a:lstStyle/>
-                        <a:p>
-                          <a:pPr algn="ctr"/>
-                          <a:r>
-                            <a:rPr lang="zh-CN" altLang="en-US" dirty="0" smtClean="0"/>
-                            <a:t>治疗*性别</a:t>
-                          </a:r>
-                          <a:endParaRPr lang="zh-CN" altLang="en-US" dirty="0"/>
-                        </a:p>
-                      </a:txBody>
-                      <a:tcPr anchor="ctr"/>
-                    </a:tc>
-                    <a:tc>
-                      <a:txBody>
-                        <a:bodyPr/>
-                        <a:lstStyle/>
-                        <a:p>
-                          <a:pPr algn="ctr"/>
-                          <a:r>
-                            <a:rPr lang="en-US" altLang="zh-CN" dirty="0" smtClean="0"/>
-                            <a:t>SSI=SSM-SST-SSG</a:t>
-                          </a:r>
-                          <a:endParaRPr lang="zh-CN" altLang="en-US" dirty="0"/>
-                        </a:p>
-                      </a:txBody>
-                      <a:tcPr anchor="ctr"/>
-                    </a:tc>
-                    <a:tc>
-                      <a:txBody>
-                        <a:bodyPr/>
-                        <a:lstStyle/>
-                        <a:p>
-                          <a:pPr marL="0" marR="0" indent="0" algn="ctr" defTabSz="914400" rtl="0" eaLnBrk="1" fontAlgn="auto" latinLnBrk="0" hangingPunct="1">
-                            <a:lnSpc>
-                              <a:spcPct val="100000"/>
-                            </a:lnSpc>
-                            <a:spcBef>
-                              <a:spcPts val="0"/>
-                            </a:spcBef>
-                            <a:spcAft>
-                              <a:spcPts val="0"/>
-                            </a:spcAft>
-                            <a:buClrTx/>
-                            <a:buSzTx/>
-                            <a:buFontTx/>
-                            <a:buNone/>
-                            <a:tabLst/>
-                            <a:defRPr/>
-                          </a:pPr>
-                          <a:r>
-                            <a:rPr lang="en-US" altLang="zh-CN" dirty="0" smtClean="0"/>
-                            <a:t>(T-1)*(G-1)</a:t>
-                          </a:r>
-                          <a:endParaRPr lang="zh-CN" altLang="en-US" dirty="0" smtClean="0"/>
-                        </a:p>
-                      </a:txBody>
-                      <a:tcPr anchor="ctr"/>
-                    </a:tc>
-                    <a:tc>
-                      <a:txBody>
-                        <a:bodyPr/>
-                        <a:lstStyle/>
-                        <a:p>
-                          <a:pPr marL="0" marR="0" indent="0" algn="ctr" defTabSz="914400" rtl="0" eaLnBrk="1" fontAlgn="auto" latinLnBrk="0" hangingPunct="1">
-                            <a:lnSpc>
-                              <a:spcPct val="100000"/>
-                            </a:lnSpc>
-                            <a:spcBef>
-                              <a:spcPts val="0"/>
-                            </a:spcBef>
-                            <a:spcAft>
-                              <a:spcPts val="0"/>
-                            </a:spcAft>
-                            <a:buClrTx/>
-                            <a:buSzTx/>
-                            <a:buFontTx/>
-                            <a:buNone/>
-                            <a:tabLst/>
-                            <a:defRPr/>
-                          </a:pPr>
-                          <a:r>
-                            <a:rPr lang="en-US" altLang="zh-CN" dirty="0" smtClean="0"/>
-                            <a:t>MSI=SSI/(</a:t>
-                          </a:r>
-                          <a:r>
-                            <a:rPr lang="en-US" altLang="zh-CN" dirty="0" smtClean="0"/>
-                            <a:t>(T-1)*(G-1))</a:t>
-                          </a:r>
-                          <a:endParaRPr lang="zh-CN" altLang="en-US" dirty="0" smtClean="0"/>
-                        </a:p>
-                      </a:txBody>
-                      <a:tcPr anchor="ctr"/>
-                    </a:tc>
-                    <a:tc>
-                      <a:txBody>
-                        <a:bodyPr/>
-                        <a:lstStyle/>
-                        <a:p>
-                          <a:pPr marL="0" marR="0" indent="0" algn="ctr" defTabSz="914400" rtl="0" eaLnBrk="1" fontAlgn="auto" latinLnBrk="0" hangingPunct="1">
-                            <a:lnSpc>
-                              <a:spcPct val="100000"/>
-                            </a:lnSpc>
-                            <a:spcBef>
-                              <a:spcPts val="0"/>
-                            </a:spcBef>
-                            <a:spcAft>
-                              <a:spcPts val="0"/>
-                            </a:spcAft>
-                            <a:buClrTx/>
-                            <a:buSzTx/>
-                            <a:buFontTx/>
-                            <a:buNone/>
-                            <a:tabLst/>
-                            <a:defRPr/>
-                          </a:pPr>
-                          <a:r>
-                            <a:rPr lang="en-US" altLang="zh-CN" dirty="0" smtClean="0"/>
-                            <a:t>F=MSI/MSE</a:t>
-                          </a:r>
-                          <a:endParaRPr lang="zh-CN" altLang="en-US" dirty="0" smtClean="0"/>
-                        </a:p>
-                      </a:txBody>
-                      <a:tcPr anchor="ctr"/>
-                    </a:tc>
-                  </a:tr>
-                  <a:tr h="755714">
-                    <a:tc>
-                      <a:txBody>
-                        <a:bodyPr/>
-                        <a:lstStyle/>
-                        <a:p>
-                          <a:pPr algn="ctr"/>
-                          <a:r>
-                            <a:rPr lang="zh-CN" altLang="en-US" dirty="0" smtClean="0"/>
-                            <a:t>残差</a:t>
-                          </a:r>
-                          <a:endParaRPr lang="zh-CN" altLang="en-US" dirty="0"/>
-                        </a:p>
-                      </a:txBody>
-                      <a:tcPr anchor="ctr"/>
-                    </a:tc>
-                    <a:tc>
-                      <a:txBody>
-                        <a:bodyPr/>
-                        <a:lstStyle/>
-                        <a:p>
-                          <a:endParaRPr lang="zh-CN"/>
-                        </a:p>
-                      </a:txBody>
-                      <a:tcPr anchor="ctr">
-                        <a:blipFill rotWithShape="0">
-                          <a:blip r:embed="rId2"/>
-                          <a:stretch>
-                            <a:fillRect l="-41598" t="-404839" r="-213115" b="-102419"/>
-                          </a:stretch>
-                        </a:blipFill>
-                      </a:tcPr>
-                    </a:tc>
-                    <a:tc>
-                      <a:txBody>
-                        <a:bodyPr/>
-                        <a:lstStyle/>
-                        <a:p>
-                          <a:pPr marL="0" marR="0" indent="0" algn="ctr" defTabSz="914400" rtl="0" eaLnBrk="1" fontAlgn="auto" latinLnBrk="0" hangingPunct="1">
-                            <a:lnSpc>
-                              <a:spcPct val="100000"/>
-                            </a:lnSpc>
-                            <a:spcBef>
-                              <a:spcPts val="0"/>
-                            </a:spcBef>
-                            <a:spcAft>
-                              <a:spcPts val="0"/>
-                            </a:spcAft>
-                            <a:buClrTx/>
-                            <a:buSzTx/>
-                            <a:buFontTx/>
-                            <a:buNone/>
-                            <a:tabLst/>
-                            <a:defRPr/>
-                          </a:pPr>
-                          <a:r>
-                            <a:rPr lang="en-US" altLang="zh-CN" dirty="0" smtClean="0"/>
-                            <a:t>N-T*G</a:t>
-                          </a:r>
-                          <a:endParaRPr lang="zh-CN" altLang="en-US" dirty="0" smtClean="0"/>
-                        </a:p>
-                      </a:txBody>
-                      <a:tcPr anchor="ctr"/>
-                    </a:tc>
-                    <a:tc>
-                      <a:txBody>
-                        <a:bodyPr/>
-                        <a:lstStyle/>
-                        <a:p>
-                          <a:pPr algn="ctr"/>
-                          <a:r>
-                            <a:rPr lang="en-US" altLang="zh-CN" dirty="0" smtClean="0"/>
-                            <a:t>MSE=SSE/(N-k)</a:t>
-                          </a:r>
-                          <a:endParaRPr lang="zh-CN" altLang="en-US" dirty="0"/>
-                        </a:p>
-                      </a:txBody>
-                      <a:tcPr anchor="ctr"/>
-                    </a:tc>
-                    <a:tc>
-                      <a:txBody>
-                        <a:bodyPr/>
-                        <a:lstStyle/>
-                        <a:p>
-                          <a:pPr algn="ctr"/>
-                          <a:endParaRPr lang="zh-CN" altLang="en-US" dirty="0"/>
-                        </a:p>
-                      </a:txBody>
-                      <a:tcPr anchor="ctr"/>
-                    </a:tc>
-                  </a:tr>
-                  <a:tr h="755714">
-                    <a:tc>
-                      <a:txBody>
-                        <a:bodyPr/>
-                        <a:lstStyle/>
-                        <a:p>
-                          <a:pPr algn="ctr"/>
-                          <a:r>
-                            <a:rPr lang="zh-CN" altLang="en-US" dirty="0" smtClean="0"/>
-                            <a:t>整体</a:t>
-                          </a:r>
-                          <a:endParaRPr lang="zh-CN" altLang="en-US" dirty="0"/>
-                        </a:p>
-                      </a:txBody>
-                      <a:tcPr anchor="ctr"/>
-                    </a:tc>
-                    <a:tc>
-                      <a:txBody>
-                        <a:bodyPr/>
-                        <a:lstStyle/>
-                        <a:p>
-                          <a:endParaRPr lang="zh-CN"/>
-                        </a:p>
-                      </a:txBody>
-                      <a:tcPr anchor="ctr">
-                        <a:blipFill rotWithShape="0">
-                          <a:blip r:embed="rId2"/>
-                          <a:stretch>
-                            <a:fillRect l="-41598" t="-504839" r="-213115" b="-2419"/>
+                            <a:fillRect l="-41598" t="-540323" r="-213115" b="-1613"/>
                           </a:stretch>
                         </a:blipFill>
                       </a:tcPr>
@@ -27619,6 +27706,236 @@
     <p:extLst>
       <p:ext uri="{BB962C8B-B14F-4D97-AF65-F5344CB8AC3E}">
         <p14:creationId xmlns:p14="http://schemas.microsoft.com/office/powerpoint/2010/main" val="831549295"/>
+      </p:ext>
+    </p:extLst>
+  </p:cSld>
+  <p:clrMapOvr>
+    <a:masterClrMapping/>
+  </p:clrMapOvr>
+</p:sld>
+</file>
+
+<file path=ppt/slides/slide41.xml><?xml version="1.0" encoding="utf-8"?>
+<p:sld xmlns:a="http://schemas.openxmlformats.org/drawingml/2006/main" xmlns:r="http://schemas.openxmlformats.org/officeDocument/2006/relationships" xmlns:p="http://schemas.openxmlformats.org/presentationml/2006/main">
+  <p:cSld>
+    <p:spTree>
+      <p:nvGrpSpPr>
+        <p:cNvPr id="1" name=""/>
+        <p:cNvGrpSpPr/>
+        <p:nvPr/>
+      </p:nvGrpSpPr>
+      <p:grpSpPr>
+        <a:xfrm>
+          <a:off x="0" y="0"/>
+          <a:ext cx="0" cy="0"/>
+          <a:chOff x="0" y="0"/>
+          <a:chExt cx="0" cy="0"/>
+        </a:xfrm>
+      </p:grpSpPr>
+      <p:sp>
+        <p:nvSpPr>
+          <p:cNvPr id="2" name="标题 1"/>
+          <p:cNvSpPr>
+            <a:spLocks noGrp="1"/>
+          </p:cNvSpPr>
+          <p:nvPr>
+            <p:ph type="title"/>
+          </p:nvPr>
+        </p:nvSpPr>
+        <p:spPr/>
+        <p:txBody>
+          <a:bodyPr/>
+          <a:lstStyle/>
+          <a:p>
+            <a:r>
+              <a:rPr kumimoji="1" lang="zh-CN" altLang="en-US" dirty="0" smtClean="0"/>
+              <a:t>作业题</a:t>
+            </a:r>
+            <a:r>
+              <a:rPr kumimoji="1" lang="en-US" altLang="zh-CN" dirty="0" smtClean="0"/>
+              <a:t>1</a:t>
+            </a:r>
+            <a:endParaRPr kumimoji="1" lang="zh-CN" altLang="en-US" dirty="0"/>
+          </a:p>
+        </p:txBody>
+      </p:sp>
+      <p:sp>
+        <p:nvSpPr>
+          <p:cNvPr id="3" name="内容占位符 2"/>
+          <p:cNvSpPr>
+            <a:spLocks noGrp="1"/>
+          </p:cNvSpPr>
+          <p:nvPr>
+            <p:ph idx="1"/>
+          </p:nvPr>
+        </p:nvSpPr>
+        <p:spPr>
+          <a:xfrm>
+            <a:off x="1371600" y="1731085"/>
+            <a:ext cx="9601200" cy="4610079"/>
+          </a:xfrm>
+        </p:spPr>
+        <p:txBody>
+          <a:bodyPr>
+            <a:normAutofit lnSpcReduction="10000"/>
+          </a:bodyPr>
+          <a:lstStyle/>
+          <a:p>
+            <a:r>
+              <a:rPr kumimoji="1" lang="zh-CN" altLang="en-US" dirty="0" smtClean="0"/>
+              <a:t>研究人员比较了</a:t>
+            </a:r>
+            <a:r>
+              <a:rPr kumimoji="1" lang="en-US" altLang="zh-CN" dirty="0" smtClean="0"/>
+              <a:t>A</a:t>
+            </a:r>
+            <a:r>
+              <a:rPr kumimoji="1" lang="zh-CN" altLang="en-US" dirty="0" smtClean="0"/>
+              <a:t>药物，</a:t>
+            </a:r>
+            <a:r>
+              <a:rPr kumimoji="1" lang="en-US" altLang="zh-CN" dirty="0" smtClean="0"/>
+              <a:t>B</a:t>
+            </a:r>
+            <a:r>
+              <a:rPr kumimoji="1" lang="zh-CN" altLang="en-US" dirty="0" smtClean="0"/>
+              <a:t>药物和</a:t>
+            </a:r>
+            <a:r>
+              <a:rPr kumimoji="1" lang="en-US" altLang="zh-CN" dirty="0" smtClean="0"/>
+              <a:t>C</a:t>
+            </a:r>
+            <a:r>
+              <a:rPr kumimoji="1" lang="zh-CN" altLang="en-US" dirty="0" smtClean="0"/>
+              <a:t>药物降低患者血脂的效果，关于血脂降低的水平，结果如下</a:t>
+            </a:r>
+            <a:endParaRPr kumimoji="1" lang="en-US" altLang="zh-CN" dirty="0" smtClean="0"/>
+          </a:p>
+          <a:p>
+            <a:r>
+              <a:rPr kumimoji="1" lang="en-US" altLang="zh-CN" dirty="0" smtClean="0"/>
+              <a:t>A</a:t>
+            </a:r>
+            <a:r>
+              <a:rPr kumimoji="1" lang="zh-CN" altLang="en-US" dirty="0" smtClean="0"/>
+              <a:t>药物平均值</a:t>
+            </a:r>
+            <a:r>
+              <a:rPr kumimoji="1" lang="en-US" altLang="zh-CN" dirty="0" smtClean="0"/>
+              <a:t>5</a:t>
+            </a:r>
+            <a:r>
+              <a:rPr kumimoji="1" lang="zh-CN" altLang="en-US" dirty="0" smtClean="0"/>
+              <a:t>，标准差是</a:t>
+            </a:r>
+            <a:r>
+              <a:rPr kumimoji="1" lang="en-US" altLang="zh-CN" dirty="0" smtClean="0"/>
+              <a:t>1.4</a:t>
+            </a:r>
+            <a:r>
+              <a:rPr kumimoji="1" lang="zh-CN" altLang="en-US" dirty="0" smtClean="0"/>
+              <a:t>，样本量</a:t>
+            </a:r>
+            <a:r>
+              <a:rPr kumimoji="1" lang="en-US" altLang="zh-CN" dirty="0" smtClean="0"/>
+              <a:t>10</a:t>
+            </a:r>
+          </a:p>
+          <a:p>
+            <a:r>
+              <a:rPr kumimoji="1" lang="en-US" altLang="zh-CN" dirty="0" smtClean="0"/>
+              <a:t>B</a:t>
+            </a:r>
+            <a:r>
+              <a:rPr kumimoji="1" lang="zh-CN" altLang="en-US" dirty="0" smtClean="0"/>
+              <a:t>药物平均值</a:t>
+            </a:r>
+            <a:r>
+              <a:rPr kumimoji="1" lang="en-US" altLang="zh-CN" dirty="0" smtClean="0"/>
+              <a:t>8</a:t>
+            </a:r>
+            <a:r>
+              <a:rPr kumimoji="1" lang="zh-CN" altLang="en-US" dirty="0" smtClean="0"/>
+              <a:t>，标准差是</a:t>
+            </a:r>
+            <a:r>
+              <a:rPr kumimoji="1" lang="en-US" altLang="zh-CN" dirty="0" smtClean="0"/>
+              <a:t>0.8</a:t>
+            </a:r>
+            <a:r>
+              <a:rPr kumimoji="1" lang="zh-CN" altLang="en-US" dirty="0" smtClean="0"/>
+              <a:t>，样本量是</a:t>
+            </a:r>
+            <a:r>
+              <a:rPr kumimoji="1" lang="en-US" altLang="zh-CN" dirty="0" smtClean="0"/>
+              <a:t>10</a:t>
+            </a:r>
+          </a:p>
+          <a:p>
+            <a:r>
+              <a:rPr kumimoji="1" lang="en-US" altLang="zh-CN" dirty="0" smtClean="0"/>
+              <a:t>C</a:t>
+            </a:r>
+            <a:r>
+              <a:rPr kumimoji="1" lang="zh-CN" altLang="en-US" dirty="0" smtClean="0"/>
+              <a:t>药物平均值</a:t>
+            </a:r>
+            <a:r>
+              <a:rPr kumimoji="1" lang="en-US" altLang="zh-CN" dirty="0" smtClean="0"/>
+              <a:t>5</a:t>
+            </a:r>
+            <a:r>
+              <a:rPr kumimoji="1" lang="zh-CN" altLang="en-US" dirty="0" smtClean="0"/>
+              <a:t>，标准差是</a:t>
+            </a:r>
+            <a:r>
+              <a:rPr kumimoji="1" lang="en-US" altLang="zh-CN" dirty="0" smtClean="0"/>
+              <a:t>0.7</a:t>
+            </a:r>
+            <a:r>
+              <a:rPr kumimoji="1" lang="zh-CN" altLang="en-US" dirty="0" smtClean="0"/>
+              <a:t>，样本量是</a:t>
+            </a:r>
+            <a:r>
+              <a:rPr kumimoji="1" lang="en-US" altLang="zh-CN" dirty="0" smtClean="0"/>
+              <a:t>10</a:t>
+            </a:r>
+          </a:p>
+          <a:p>
+            <a:r>
+              <a:rPr kumimoji="1" lang="zh-CN" altLang="en-US" dirty="0" smtClean="0"/>
+              <a:t>三个组总共的平均值是</a:t>
+            </a:r>
+            <a:r>
+              <a:rPr kumimoji="1" lang="en-US" altLang="zh-CN" dirty="0" smtClean="0"/>
+              <a:t>6</a:t>
+            </a:r>
+          </a:p>
+          <a:p>
+            <a:r>
+              <a:rPr kumimoji="1" lang="zh-CN" altLang="en-US" dirty="0" smtClean="0"/>
+              <a:t>请按照假设检验的</a:t>
+            </a:r>
+            <a:r>
+              <a:rPr kumimoji="1" lang="en-US" altLang="zh-CN" dirty="0" smtClean="0"/>
+              <a:t>5</a:t>
+            </a:r>
+            <a:r>
+              <a:rPr kumimoji="1" lang="zh-CN" altLang="en-US" dirty="0" smtClean="0"/>
+              <a:t>个步骤，判断三种药物疗效是否存在差别。解题步骤</a:t>
+            </a:r>
+            <a:r>
+              <a:rPr kumimoji="1" lang="zh-CN" altLang="en-US" smtClean="0"/>
+              <a:t>拍照后上传</a:t>
+            </a:r>
+            <a:endParaRPr kumimoji="1" lang="zh-CN" altLang="en-US" dirty="0"/>
+          </a:p>
+        </p:txBody>
+      </p:sp>
+    </p:spTree>
+    <p:extLst>
+      <p:ext uri="{BB962C8B-B14F-4D97-AF65-F5344CB8AC3E}">
+        <p14:creationId xmlns:p14="http://schemas.microsoft.com/office/powerpoint/2010/main" val="1230926751"/>
       </p:ext>
     </p:extLst>
   </p:cSld>
@@ -28506,14 +28823,14 @@
                 <p:ph idx="1"/>
                 <p:extLst>
                   <p:ext uri="{D42A27DB-BD31-4B8C-83A1-F6EECF244321}">
-                    <p14:modId xmlns:p14="http://schemas.microsoft.com/office/powerpoint/2010/main" val="2026472661"/>
+                    <p14:modId xmlns:p14="http://schemas.microsoft.com/office/powerpoint/2010/main" val="999737667"/>
                   </p:ext>
                 </p:extLst>
               </p:nvPr>
             </p:nvGraphicFramePr>
             <p:xfrm>
               <a:off x="1371600" y="1730375"/>
-              <a:ext cx="9601200" cy="2637982"/>
+              <a:ext cx="9601200" cy="2637790"/>
             </p:xfrm>
             <a:graphic>
               <a:graphicData uri="http://schemas.openxmlformats.org/drawingml/2006/table">
@@ -28652,7 +28969,7 @@
                                     <m:supHide m:val="on"/>
                                     <m:ctrlPr>
                                       <a:rPr lang="en-US" altLang="zh-CN" b="0" i="1" smtClean="0">
-                                        <a:latin typeface="Cambria Math" panose="02040503050406030204" pitchFamily="18" charset="0"/>
+                                        <a:latin typeface="Cambria Math" charset="0"/>
                                       </a:rPr>
                                     </m:ctrlPr>
                                   </m:naryPr>
@@ -28663,7 +28980,7 @@
                                       <m:sSubPr>
                                         <m:ctrlPr>
                                           <a:rPr lang="en-US" altLang="zh-CN" b="0" i="1" smtClean="0">
-                                            <a:latin typeface="Cambria Math" panose="02040503050406030204" pitchFamily="18" charset="0"/>
+                                            <a:latin typeface="Cambria Math" charset="0"/>
                                           </a:rPr>
                                         </m:ctrlPr>
                                       </m:sSubPr>
@@ -28688,7 +29005,7 @@
                                       <m:sSupPr>
                                         <m:ctrlPr>
                                           <a:rPr lang="en-US" altLang="zh-CN" b="0" i="1" smtClean="0">
-                                            <a:latin typeface="Cambria Math" panose="02040503050406030204" pitchFamily="18" charset="0"/>
+                                            <a:latin typeface="Cambria Math" charset="0"/>
                                           </a:rPr>
                                         </m:ctrlPr>
                                       </m:sSupPr>
@@ -28704,7 +29021,7 @@
                                             <m:chr m:val="̅"/>
                                             <m:ctrlPr>
                                               <a:rPr lang="en-US" altLang="zh-CN" b="0" i="1" smtClean="0">
-                                                <a:latin typeface="Cambria Math" panose="02040503050406030204" pitchFamily="18" charset="0"/>
+                                                <a:latin typeface="Cambria Math" charset="0"/>
                                               </a:rPr>
                                             </m:ctrlPr>
                                           </m:accPr>
@@ -28713,7 +29030,7 @@
                                               <m:sSubPr>
                                                 <m:ctrlPr>
                                                   <a:rPr lang="en-US" altLang="zh-CN" b="0" i="1" smtClean="0">
-                                                    <a:latin typeface="Cambria Math" panose="02040503050406030204" pitchFamily="18" charset="0"/>
+                                                    <a:latin typeface="Cambria Math" charset="0"/>
                                                   </a:rPr>
                                                 </m:ctrlPr>
                                               </m:sSubPr>
@@ -28747,7 +29064,7 @@
                                             <m:chr m:val="̅"/>
                                             <m:ctrlPr>
                                               <a:rPr lang="en-US" altLang="zh-CN" b="0" i="1" smtClean="0">
-                                                <a:latin typeface="Cambria Math" panose="02040503050406030204" pitchFamily="18" charset="0"/>
+                                                <a:latin typeface="Cambria Math" charset="0"/>
                                               </a:rPr>
                                             </m:ctrlPr>
                                           </m:accPr>
@@ -28879,193 +29196,7 @@
                                     <m:supHide m:val="on"/>
                                     <m:ctrlPr>
                                       <a:rPr lang="en-US" altLang="zh-CN" b="0" i="1" smtClean="0">
-                                        <a:latin typeface="Cambria Math" panose="02040503050406030204" pitchFamily="18" charset="0"/>
-                                      </a:rPr>
-                                    </m:ctrlPr>
-                                  </m:naryPr>
-                                  <m:sub/>
-                                  <m:sup/>
-                                  <m:e>
-                                    <m:sSup>
-                                      <m:sSupPr>
-                                        <m:ctrlPr>
-                                          <a:rPr lang="en-US" altLang="zh-CN" b="0" i="1" smtClean="0">
-                                            <a:latin typeface="Cambria Math" panose="02040503050406030204" pitchFamily="18" charset="0"/>
-                                          </a:rPr>
-                                        </m:ctrlPr>
-                                      </m:sSupPr>
-                                      <m:e>
-                                        <m:r>
-                                          <a:rPr lang="en-US" altLang="zh-CN" b="0" i="1" smtClean="0">
-                                            <a:latin typeface="Cambria Math" panose="02040503050406030204" pitchFamily="18" charset="0"/>
-                                          </a:rPr>
-                                          <m:t>(</m:t>
-                                        </m:r>
-                                        <m:r>
-                                          <a:rPr lang="en-US" altLang="zh-CN" b="0" i="1" smtClean="0">
-                                            <a:latin typeface="Cambria Math" panose="02040503050406030204" pitchFamily="18" charset="0"/>
-                                          </a:rPr>
-                                          <m:t>𝑥</m:t>
-                                        </m:r>
-                                        <m:r>
-                                          <a:rPr lang="en-US" altLang="zh-CN" b="0" i="1" smtClean="0">
-                                            <a:latin typeface="Cambria Math" panose="02040503050406030204" pitchFamily="18" charset="0"/>
-                                          </a:rPr>
-                                          <m:t>−</m:t>
-                                        </m:r>
-                                        <m:acc>
-                                          <m:accPr>
-                                            <m:chr m:val="̅"/>
-                                            <m:ctrlPr>
-                                              <a:rPr lang="en-US" altLang="zh-CN" b="0" i="1" smtClean="0">
-                                                <a:latin typeface="Cambria Math" panose="02040503050406030204" pitchFamily="18" charset="0"/>
-                                              </a:rPr>
-                                            </m:ctrlPr>
-                                          </m:accPr>
-                                          <m:e>
-                                            <m:sSub>
-                                              <m:sSubPr>
-                                                <m:ctrlPr>
-                                                  <a:rPr lang="en-US" altLang="zh-CN" b="0" i="1" smtClean="0">
-                                                    <a:latin typeface="Cambria Math" panose="02040503050406030204" pitchFamily="18" charset="0"/>
-                                                  </a:rPr>
-                                                </m:ctrlPr>
-                                              </m:sSubPr>
-                                              <m:e>
-                                                <m:r>
-                                                  <a:rPr lang="en-US" altLang="zh-CN" b="0" i="1" smtClean="0">
-                                                    <a:latin typeface="Cambria Math" panose="02040503050406030204" pitchFamily="18" charset="0"/>
-                                                  </a:rPr>
-                                                  <m:t>𝑥</m:t>
-                                                </m:r>
-                                              </m:e>
-                                              <m:sub>
-                                                <m:r>
-                                                  <a:rPr lang="en-US" altLang="zh-CN" b="0" i="1" smtClean="0">
-                                                    <a:latin typeface="Cambria Math" panose="02040503050406030204" pitchFamily="18" charset="0"/>
-                                                  </a:rPr>
-                                                  <m:t>𝑗</m:t>
-                                                </m:r>
-                                              </m:sub>
-                                            </m:sSub>
-                                          </m:e>
-                                        </m:acc>
-                                        <m:r>
-                                          <a:rPr lang="en-US" altLang="zh-CN" b="0" i="1" smtClean="0">
-                                            <a:latin typeface="Cambria Math" panose="02040503050406030204" pitchFamily="18" charset="0"/>
-                                          </a:rPr>
-                                          <m:t>)</m:t>
-                                        </m:r>
-                                      </m:e>
-                                      <m:sup>
-                                        <m:r>
-                                          <a:rPr lang="en-US" altLang="zh-CN" b="0" i="1" smtClean="0">
-                                            <a:latin typeface="Cambria Math" panose="02040503050406030204" pitchFamily="18" charset="0"/>
-                                          </a:rPr>
-                                          <m:t>2</m:t>
-                                        </m:r>
-                                      </m:sup>
-                                    </m:sSup>
-                                  </m:e>
-                                </m:nary>
-                              </m:oMath>
-                            </m:oMathPara>
-                          </a14:m>
-                          <a:endParaRPr lang="zh-CN" altLang="en-US" dirty="0"/>
-                        </a:p>
-                      </a:txBody>
-                      <a:tcPr marL="83489" marR="83489" anchor="ctr"/>
-                    </a:tc>
-                    <a:tc>
-                      <a:txBody>
-                        <a:bodyPr/>
-                        <a:lstStyle/>
-                        <a:p>
-                          <a:pPr algn="ctr"/>
-                          <a:r>
-                            <a:rPr lang="en-US" altLang="zh-CN" dirty="0" smtClean="0"/>
-                            <a:t>N-k</a:t>
-                          </a:r>
-                          <a:endParaRPr lang="zh-CN" altLang="en-US" dirty="0"/>
-                        </a:p>
-                      </a:txBody>
-                      <a:tcPr marL="83489" marR="83489" anchor="ctr"/>
-                    </a:tc>
-                    <a:tc>
-                      <a:txBody>
-                        <a:bodyPr/>
-                        <a:lstStyle/>
-                        <a:p>
-                          <a:pPr algn="ctr"/>
-                          <a:r>
-                            <a:rPr lang="en-US" altLang="zh-CN" dirty="0" smtClean="0"/>
-                            <a:t>MSE=SSE/(N-k)</a:t>
-                          </a:r>
-                          <a:endParaRPr lang="zh-CN" altLang="en-US" dirty="0"/>
-                        </a:p>
-                      </a:txBody>
-                      <a:tcPr marL="83489" marR="83489" anchor="ctr"/>
-                    </a:tc>
-                    <a:tc>
-                      <a:txBody>
-                        <a:bodyPr/>
-                        <a:lstStyle/>
-                        <a:p>
-                          <a:pPr algn="ctr"/>
-                          <a:endParaRPr lang="zh-CN" altLang="en-US" dirty="0"/>
-                        </a:p>
-                      </a:txBody>
-                      <a:tcPr marL="83489" marR="83489" anchor="ctr"/>
-                    </a:tc>
-                  </a:tr>
-                  <a:tr h="370840">
-                    <a:tc>
-                      <a:txBody>
-                        <a:bodyPr/>
-                        <a:lstStyle/>
-                        <a:p>
-                          <a:pPr algn="ctr"/>
-                          <a:r>
-                            <a:rPr lang="zh-CN" altLang="en-US" dirty="0" smtClean="0"/>
-                            <a:t>全部</a:t>
-                          </a:r>
-                          <a:endParaRPr lang="zh-CN" altLang="en-US" dirty="0"/>
-                        </a:p>
-                      </a:txBody>
-                      <a:tcPr marL="83489" marR="83489" anchor="ctr"/>
-                    </a:tc>
-                    <a:tc>
-                      <a:txBody>
-                        <a:bodyPr/>
-                        <a:lstStyle/>
-                        <a:p>
-                          <a:pPr algn="ctr"/>
-                          <a14:m>
-                            <m:oMathPara xmlns:m="http://schemas.openxmlformats.org/officeDocument/2006/math">
-                              <m:oMathParaPr>
-                                <m:jc m:val="centerGroup"/>
-                              </m:oMathParaPr>
-                              <m:oMath xmlns:m="http://schemas.openxmlformats.org/officeDocument/2006/math">
-                                <m:r>
-                                  <a:rPr lang="en-US" altLang="zh-CN" b="0" i="1" smtClean="0">
-                                    <a:latin typeface="Cambria Math" panose="02040503050406030204" pitchFamily="18" charset="0"/>
-                                  </a:rPr>
-                                  <m:t>𝑆𝑆𝑇</m:t>
-                                </m:r>
-                                <m:r>
-                                  <a:rPr lang="en-US" altLang="zh-CN" b="0" i="1" smtClean="0">
-                                    <a:latin typeface="Cambria Math" panose="02040503050406030204" pitchFamily="18" charset="0"/>
-                                  </a:rPr>
-                                  <m:t>=</m:t>
-                                </m:r>
-                                <m:nary>
-                                  <m:naryPr>
-                                    <m:chr m:val="∑"/>
-                                    <m:subHide m:val="on"/>
-                                    <m:supHide m:val="on"/>
-                                    <m:ctrlPr>
-                                      <a:rPr lang="en-US" altLang="zh-CN" b="0" i="1" smtClean="0">
-                                        <a:latin typeface="Cambria Math" panose="02040503050406030204" pitchFamily="18" charset="0"/>
+                                        <a:latin typeface="Cambria Math" charset="0"/>
                                       </a:rPr>
                                     </m:ctrlPr>
                                   </m:naryPr>
@@ -29079,7 +29210,7 @@
                                         <m:supHide m:val="on"/>
                                         <m:ctrlPr>
                                           <a:rPr lang="en-US" altLang="zh-CN" b="0" i="1" smtClean="0">
-                                            <a:latin typeface="Cambria Math" panose="02040503050406030204" pitchFamily="18" charset="0"/>
+                                            <a:latin typeface="Cambria Math" charset="0"/>
                                           </a:rPr>
                                         </m:ctrlPr>
                                       </m:naryPr>
@@ -29090,7 +29221,7 @@
                                           <m:sSupPr>
                                             <m:ctrlPr>
                                               <a:rPr lang="en-US" altLang="zh-CN" b="0" i="1" smtClean="0">
-                                                <a:latin typeface="Cambria Math" panose="02040503050406030204" pitchFamily="18" charset="0"/>
+                                                <a:latin typeface="Cambria Math" charset="0"/>
                                               </a:rPr>
                                             </m:ctrlPr>
                                           </m:sSupPr>
@@ -29118,7 +29249,209 @@
                                                 <m:chr m:val="̅"/>
                                                 <m:ctrlPr>
                                                   <a:rPr lang="en-US" altLang="zh-CN" b="0" i="1" smtClean="0">
-                                                    <a:latin typeface="Cambria Math" panose="02040503050406030204" pitchFamily="18" charset="0"/>
+                                                    <a:latin typeface="Cambria Math" charset="0"/>
+                                                  </a:rPr>
+                                                </m:ctrlPr>
+                                              </m:accPr>
+                                              <m:e>
+                                                <m:sSub>
+                                                  <m:sSubPr>
+                                                    <m:ctrlPr>
+                                                      <a:rPr lang="en-US" altLang="zh-CN" b="0" i="1" smtClean="0">
+                                                        <a:latin typeface="Cambria Math" charset="0"/>
+                                                      </a:rPr>
+                                                    </m:ctrlPr>
+                                                  </m:sSubPr>
+                                                  <m:e>
+                                                    <m:r>
+                                                      <a:rPr lang="en-US" altLang="zh-CN" b="0" i="1" smtClean="0">
+                                                        <a:latin typeface="Cambria Math" panose="02040503050406030204" pitchFamily="18" charset="0"/>
+                                                      </a:rPr>
+                                                      <m:t>𝑥</m:t>
+                                                    </m:r>
+                                                  </m:e>
+                                                  <m:sub>
+                                                    <m:r>
+                                                      <a:rPr lang="en-US" altLang="zh-CN" b="0" i="1" smtClean="0">
+                                                        <a:latin typeface="Cambria Math" panose="02040503050406030204" pitchFamily="18" charset="0"/>
+                                                      </a:rPr>
+                                                      <m:t>𝑗</m:t>
+                                                    </m:r>
+                                                  </m:sub>
+                                                </m:sSub>
+                                              </m:e>
+                                            </m:acc>
+                                            <m:r>
+                                              <a:rPr lang="en-US" altLang="zh-CN" b="0" i="1" smtClean="0">
+                                                <a:latin typeface="Cambria Math" panose="02040503050406030204" pitchFamily="18" charset="0"/>
+                                              </a:rPr>
+                                              <m:t>)</m:t>
+                                            </m:r>
+                                          </m:e>
+                                          <m:sup>
+                                            <m:r>
+                                              <a:rPr lang="en-US" altLang="zh-CN" b="0" i="1" smtClean="0">
+                                                <a:latin typeface="Cambria Math" panose="02040503050406030204" pitchFamily="18" charset="0"/>
+                                              </a:rPr>
+                                              <m:t>2</m:t>
+                                            </m:r>
+                                          </m:sup>
+                                        </m:sSup>
+                                      </m:e>
+                                    </m:nary>
+                                  </m:e>
+                                </m:nary>
+                              </m:oMath>
+                            </m:oMathPara>
+                          </a14:m>
+                          <a:endParaRPr lang="zh-CN" altLang="en-US" dirty="0"/>
+                        </a:p>
+                      </a:txBody>
+                      <a:tcPr marL="83489" marR="83489" anchor="ctr"/>
+                    </a:tc>
+                    <a:tc>
+                      <a:txBody>
+                        <a:bodyPr/>
+                        <a:lstStyle/>
+                        <a:p>
+                          <a:pPr algn="ctr"/>
+                          <a:r>
+                            <a:rPr lang="en-US" altLang="zh-CN" dirty="0" smtClean="0"/>
+                            <a:t>N-k</a:t>
+                          </a:r>
+                          <a:endParaRPr lang="zh-CN" altLang="en-US" dirty="0"/>
+                        </a:p>
+                      </a:txBody>
+                      <a:tcPr marL="83489" marR="83489" anchor="ctr"/>
+                    </a:tc>
+                    <a:tc>
+                      <a:txBody>
+                        <a:bodyPr/>
+                        <a:lstStyle/>
+                        <a:p>
+                          <a:pPr algn="ctr"/>
+                          <a:r>
+                            <a:rPr lang="en-US" altLang="zh-CN" dirty="0" smtClean="0"/>
+                            <a:t>MSE=SSE/(N-k)</a:t>
+                          </a:r>
+                          <a:endParaRPr lang="zh-CN" altLang="en-US" dirty="0"/>
+                        </a:p>
+                      </a:txBody>
+                      <a:tcPr marL="83489" marR="83489" anchor="ctr"/>
+                    </a:tc>
+                    <a:tc>
+                      <a:txBody>
+                        <a:bodyPr/>
+                        <a:lstStyle/>
+                        <a:p>
+                          <a:pPr algn="ctr"/>
+                          <a:endParaRPr lang="zh-CN" altLang="en-US" dirty="0"/>
+                        </a:p>
+                      </a:txBody>
+                      <a:tcPr marL="83489" marR="83489" anchor="ctr"/>
+                    </a:tc>
+                  </a:tr>
+                  <a:tr h="370840">
+                    <a:tc>
+                      <a:txBody>
+                        <a:bodyPr/>
+                        <a:lstStyle/>
+                        <a:p>
+                          <a:pPr algn="ctr"/>
+                          <a:r>
+                            <a:rPr lang="zh-CN" altLang="en-US" dirty="0" smtClean="0"/>
+                            <a:t>全部</a:t>
+                          </a:r>
+                          <a:endParaRPr lang="zh-CN" altLang="en-US" dirty="0"/>
+                        </a:p>
+                      </a:txBody>
+                      <a:tcPr marL="83489" marR="83489" anchor="ctr"/>
+                    </a:tc>
+                    <a:tc>
+                      <a:txBody>
+                        <a:bodyPr/>
+                        <a:lstStyle/>
+                        <a:p>
+                          <a:pPr algn="ctr"/>
+                          <a14:m>
+                            <m:oMathPara xmlns:m="http://schemas.openxmlformats.org/officeDocument/2006/math">
+                              <m:oMathParaPr>
+                                <m:jc m:val="centerGroup"/>
+                              </m:oMathParaPr>
+                              <m:oMath xmlns:m="http://schemas.openxmlformats.org/officeDocument/2006/math">
+                                <m:r>
+                                  <a:rPr lang="en-US" altLang="zh-CN" b="0" i="1" smtClean="0">
+                                    <a:latin typeface="Cambria Math" panose="02040503050406030204" pitchFamily="18" charset="0"/>
+                                  </a:rPr>
+                                  <m:t>𝑆𝑆𝑇</m:t>
+                                </m:r>
+                                <m:r>
+                                  <a:rPr lang="en-US" altLang="zh-CN" b="0" i="1" smtClean="0">
+                                    <a:latin typeface="Cambria Math" panose="02040503050406030204" pitchFamily="18" charset="0"/>
+                                  </a:rPr>
+                                  <m:t>=</m:t>
+                                </m:r>
+                                <m:nary>
+                                  <m:naryPr>
+                                    <m:chr m:val="∑"/>
+                                    <m:subHide m:val="on"/>
+                                    <m:supHide m:val="on"/>
+                                    <m:ctrlPr>
+                                      <a:rPr lang="en-US" altLang="zh-CN" b="0" i="1" smtClean="0">
+                                        <a:latin typeface="Cambria Math" charset="0"/>
+                                      </a:rPr>
+                                    </m:ctrlPr>
+                                  </m:naryPr>
+                                  <m:sub/>
+                                  <m:sup/>
+                                  <m:e>
+                                    <m:nary>
+                                      <m:naryPr>
+                                        <m:chr m:val="∑"/>
+                                        <m:subHide m:val="on"/>
+                                        <m:supHide m:val="on"/>
+                                        <m:ctrlPr>
+                                          <a:rPr lang="en-US" altLang="zh-CN" b="0" i="1" smtClean="0">
+                                            <a:latin typeface="Cambria Math" charset="0"/>
+                                          </a:rPr>
+                                        </m:ctrlPr>
+                                      </m:naryPr>
+                                      <m:sub/>
+                                      <m:sup/>
+                                      <m:e>
+                                        <m:sSup>
+                                          <m:sSupPr>
+                                            <m:ctrlPr>
+                                              <a:rPr lang="en-US" altLang="zh-CN" b="0" i="1" smtClean="0">
+                                                <a:latin typeface="Cambria Math" charset="0"/>
+                                              </a:rPr>
+                                            </m:ctrlPr>
+                                          </m:sSupPr>
+                                          <m:e>
+                                            <m:r>
+                                              <a:rPr lang="en-US" altLang="zh-CN" b="0" i="1" smtClean="0">
+                                                <a:latin typeface="Cambria Math" panose="02040503050406030204" pitchFamily="18" charset="0"/>
+                                              </a:rPr>
+                                              <m:t>(</m:t>
+                                            </m:r>
+                                            <m:r>
+                                              <a:rPr lang="en-US" altLang="zh-CN" b="0" i="1" smtClean="0">
+                                                <a:latin typeface="Cambria Math" panose="02040503050406030204" pitchFamily="18" charset="0"/>
+                                              </a:rPr>
+                                              <m:t>𝑥</m:t>
+                                            </m:r>
+                                            <m:r>
+                                              <a:rPr lang="en-US" altLang="zh-CN" b="0" i="1" smtClean="0">
+                                                <a:latin typeface="Cambria Math" panose="02040503050406030204" pitchFamily="18" charset="0"/>
+                                              </a:rPr>
+                                              <m:t>−</m:t>
+                                            </m:r>
+                                            <m:acc>
+                                              <m:accPr>
+                                                <m:chr m:val="̅"/>
+                                                <m:ctrlPr>
+                                                  <a:rPr lang="en-US" altLang="zh-CN" b="0" i="1" smtClean="0">
+                                                    <a:latin typeface="Cambria Math" charset="0"/>
                                                   </a:rPr>
                                                 </m:ctrlPr>
                                               </m:accPr>
@@ -29213,14 +29546,14 @@
                 <p:ph idx="1"/>
                 <p:extLst>
                   <p:ext uri="{D42A27DB-BD31-4B8C-83A1-F6EECF244321}">
-                    <p14:modId xmlns:p14="http://schemas.microsoft.com/office/powerpoint/2010/main" val="2026472661"/>
+                    <p14:modId xmlns:p14="http://schemas.microsoft.com/office/powerpoint/2010/main" val="999737667"/>
                   </p:ext>
                 </p:extLst>
               </p:nvPr>
             </p:nvGraphicFramePr>
             <p:xfrm>
-              <a:off x="838200" y="1825625"/>
-              <a:ext cx="10515600" cy="2637982"/>
+              <a:off x="1371600" y="1730375"/>
+              <a:ext cx="9601200" cy="2637790"/>
             </p:xfrm>
             <a:graphic>
               <a:graphicData uri="http://schemas.openxmlformats.org/drawingml/2006/table">
@@ -29229,11 +29562,11 @@
                     <a:tableStyleId>{5C22544A-7EE6-4342-B048-85BDC9FD1C3A}</a:tableStyleId>
                   </a:tblPr>
                   <a:tblGrid>
-                    <a:gridCol w="1230297"/>
-                    <a:gridCol w="2975943"/>
-                    <a:gridCol w="2103120"/>
-                    <a:gridCol w="2103120"/>
-                    <a:gridCol w="2103120"/>
+                    <a:gridCol w="1123315"/>
+                    <a:gridCol w="2717165"/>
+                    <a:gridCol w="1920240"/>
+                    <a:gridCol w="1920240"/>
+                    <a:gridCol w="1920240"/>
                   </a:tblGrid>
                   <a:tr h="370840">
                     <a:tc>
@@ -29249,7 +29582,7 @@
                           <a:endParaRPr lang="zh-CN" altLang="en-US" dirty="0"/>
                         </a:p>
                       </a:txBody>
-                      <a:tcPr anchor="ctr"/>
+                      <a:tcPr marL="83489" marR="83489" anchor="ctr"/>
                     </a:tc>
                     <a:tc>
                       <a:txBody>
@@ -29264,7 +29597,7 @@
                           <a:endParaRPr lang="zh-CN" altLang="en-US" dirty="0"/>
                         </a:p>
                       </a:txBody>
-                      <a:tcPr anchor="ctr"/>
+                      <a:tcPr marL="83489" marR="83489" anchor="ctr"/>
                     </a:tc>
                     <a:tc>
                       <a:txBody>
@@ -29279,7 +29612,7 @@
                           <a:endParaRPr lang="zh-CN" altLang="en-US" dirty="0"/>
                         </a:p>
                       </a:txBody>
-                      <a:tcPr anchor="ctr"/>
+                      <a:tcPr marL="83489" marR="83489" anchor="ctr"/>
                     </a:tc>
                     <a:tc>
                       <a:txBody>
@@ -29294,7 +29627,7 @@
                           <a:endParaRPr lang="zh-CN" altLang="en-US" dirty="0"/>
                         </a:p>
                       </a:txBody>
-                      <a:tcPr anchor="ctr"/>
+                      <a:tcPr marL="83489" marR="83489" anchor="ctr"/>
                     </a:tc>
                     <a:tc>
                       <a:txBody>
@@ -29309,10 +29642,10 @@
                           <a:endParaRPr lang="zh-CN" altLang="en-US" dirty="0"/>
                         </a:p>
                       </a:txBody>
-                      <a:tcPr anchor="ctr"/>
+                      <a:tcPr marL="83489" marR="83489" anchor="ctr"/>
                     </a:tc>
                   </a:tr>
-                  <a:tr h="755714">
+                  <a:tr h="755650">
                     <a:tc>
                       <a:txBody>
                         <a:bodyPr/>
@@ -29326,7 +29659,7 @@
                           <a:endParaRPr lang="zh-CN" altLang="en-US" dirty="0"/>
                         </a:p>
                       </a:txBody>
-                      <a:tcPr anchor="ctr"/>
+                      <a:tcPr marL="83489" marR="83489" anchor="ctr"/>
                     </a:tc>
                     <a:tc>
                       <a:txBody>
@@ -29336,11 +29669,11 @@
                           <a:endParaRPr lang="zh-CN"/>
                         </a:p>
                       </a:txBody>
-                      <a:tcPr anchor="ctr">
+                      <a:tcPr marL="83489" marR="83489" anchor="ctr">
                         <a:blipFill rotWithShape="0">
                           <a:blip r:embed="rId2"/>
                           <a:stretch>
-                            <a:fillRect l="-41598" t="-55645" r="-213115" b="-202419"/>
+                            <a:fillRect l="-41704" t="-54032" r="-213004" b="-202419"/>
                           </a:stretch>
                         </a:blipFill>
                       </a:tcPr>
@@ -29358,7 +29691,7 @@
                           <a:endParaRPr lang="zh-CN" altLang="en-US" dirty="0"/>
                         </a:p>
                       </a:txBody>
-                      <a:tcPr anchor="ctr"/>
+                      <a:tcPr marL="83489" marR="83489" anchor="ctr"/>
                     </a:tc>
                     <a:tc>
                       <a:txBody>
@@ -29373,7 +29706,7 @@
                           <a:endParaRPr lang="zh-CN" altLang="en-US" dirty="0"/>
                         </a:p>
                       </a:txBody>
-                      <a:tcPr anchor="ctr"/>
+                      <a:tcPr marL="83489" marR="83489" anchor="ctr"/>
                     </a:tc>
                     <a:tc>
                       <a:txBody>
@@ -29388,10 +29721,10 @@
                           <a:endParaRPr lang="zh-CN" altLang="en-US" dirty="0"/>
                         </a:p>
                       </a:txBody>
-                      <a:tcPr anchor="ctr"/>
+                      <a:tcPr marL="83489" marR="83489" anchor="ctr"/>
                     </a:tc>
                   </a:tr>
-                  <a:tr h="755714">
+                  <a:tr h="755650">
                     <a:tc>
                       <a:txBody>
                         <a:bodyPr/>
@@ -29405,7 +29738,7 @@
                           <a:endParaRPr lang="zh-CN" altLang="en-US" dirty="0"/>
                         </a:p>
                       </a:txBody>
-                      <a:tcPr anchor="ctr"/>
+                      <a:tcPr marL="83489" marR="83489" anchor="ctr"/>
                     </a:tc>
                     <a:tc>
                       <a:txBody>
@@ -29415,11 +29748,11 @@
                           <a:endParaRPr lang="zh-CN"/>
                         </a:p>
                       </a:txBody>
-                      <a:tcPr anchor="ctr">
+                      <a:tcPr marL="83489" marR="83489" anchor="ctr">
                         <a:blipFill rotWithShape="0">
                           <a:blip r:embed="rId2"/>
                           <a:stretch>
-                            <a:fillRect l="-41598" t="-154400" r="-213115" b="-100800"/>
+                            <a:fillRect l="-41704" t="-152800" r="-213004" b="-100800"/>
                           </a:stretch>
                         </a:blipFill>
                       </a:tcPr>
@@ -29437,7 +29770,7 @@
                           <a:endParaRPr lang="zh-CN" altLang="en-US" dirty="0"/>
                         </a:p>
                       </a:txBody>
-                      <a:tcPr anchor="ctr"/>
+                      <a:tcPr marL="83489" marR="83489" anchor="ctr"/>
                     </a:tc>
                     <a:tc>
                       <a:txBody>
@@ -29452,7 +29785,7 @@
                           <a:endParaRPr lang="zh-CN" altLang="en-US" dirty="0"/>
                         </a:p>
                       </a:txBody>
-                      <a:tcPr anchor="ctr"/>
+                      <a:tcPr marL="83489" marR="83489" anchor="ctr"/>
                     </a:tc>
                     <a:tc>
                       <a:txBody>
@@ -29463,10 +29796,10 @@
                           <a:endParaRPr lang="zh-CN" altLang="en-US" dirty="0"/>
                         </a:p>
                       </a:txBody>
-                      <a:tcPr anchor="ctr"/>
+                      <a:tcPr marL="83489" marR="83489" anchor="ctr"/>
                     </a:tc>
                   </a:tr>
-                  <a:tr h="755714">
+                  <a:tr h="755650">
                     <a:tc>
                       <a:txBody>
                         <a:bodyPr/>
@@ -29480,7 +29813,7 @@
                           <a:endParaRPr lang="zh-CN" altLang="en-US" dirty="0"/>
                         </a:p>
                       </a:txBody>
-                      <a:tcPr anchor="ctr"/>
+                      <a:tcPr marL="83489" marR="83489" anchor="ctr"/>
                     </a:tc>
                     <a:tc>
                       <a:txBody>
@@ -29490,11 +29823,11 @@
                           <a:endParaRPr lang="zh-CN"/>
                         </a:p>
                       </a:txBody>
-                      <a:tcPr anchor="ctr">
+                      <a:tcPr marL="83489" marR="83489" anchor="ctr">
                         <a:blipFill rotWithShape="0">
                           <a:blip r:embed="rId2"/>
                           <a:stretch>
-                            <a:fillRect l="-41598" t="-256452" r="-213115" b="-1613"/>
+                            <a:fillRect l="-41704" t="-254839" r="-213004" b="-1613"/>
                           </a:stretch>
                         </a:blipFill>
                       </a:tcPr>
@@ -29512,7 +29845,7 @@
                           <a:endParaRPr lang="zh-CN" altLang="en-US" dirty="0"/>
                         </a:p>
                       </a:txBody>
-                      <a:tcPr anchor="ctr"/>
+                      <a:tcPr marL="83489" marR="83489" anchor="ctr"/>
                     </a:tc>
                     <a:tc>
                       <a:txBody>
@@ -29523,7 +29856,7 @@
                           <a:endParaRPr lang="zh-CN" altLang="en-US" dirty="0"/>
                         </a:p>
                       </a:txBody>
-                      <a:tcPr anchor="ctr"/>
+                      <a:tcPr marL="83489" marR="83489" anchor="ctr"/>
                     </a:tc>
                     <a:tc>
                       <a:txBody>
@@ -29534,7 +29867,7 @@
                           <a:endParaRPr lang="zh-CN" altLang="en-US" dirty="0"/>
                         </a:p>
                       </a:txBody>
-                      <a:tcPr anchor="ctr"/>
+                      <a:tcPr marL="83489" marR="83489" anchor="ctr"/>
                     </a:tc>
                   </a:tr>
                 </a:tbl>
@@ -29603,7 +29936,7 @@
                         <m:chr m:val="̅"/>
                         <m:ctrlPr>
                           <a:rPr lang="en-US" altLang="zh-CN" i="1">
-                            <a:latin typeface="Cambria Math" panose="02040503050406030204" pitchFamily="18" charset="0"/>
+                            <a:latin typeface="Cambria Math" charset="0"/>
                           </a:rPr>
                         </m:ctrlPr>
                       </m:accPr>
@@ -29636,7 +29969,7 @@
                         <m:chr m:val="̅"/>
                         <m:ctrlPr>
                           <a:rPr lang="en-US" altLang="zh-CN" i="1">
-                            <a:latin typeface="Cambria Math" panose="02040503050406030204" pitchFamily="18" charset="0"/>
+                            <a:latin typeface="Cambria Math" charset="0"/>
                           </a:rPr>
                         </m:ctrlPr>
                       </m:accPr>
@@ -29645,7 +29978,7 @@
                           <m:sSubPr>
                             <m:ctrlPr>
                               <a:rPr lang="en-US" altLang="zh-CN" i="1" smtClean="0">
-                                <a:latin typeface="Cambria Math" panose="02040503050406030204" pitchFamily="18" charset="0"/>
+                                <a:latin typeface="Cambria Math" charset="0"/>
                               </a:rPr>
                             </m:ctrlPr>
                           </m:sSubPr>
